--- a/LCC/Java/A2_來寫個好玩的吧.pptx
+++ b/LCC/Java/A2_來寫個好玩的吧.pptx
@@ -859,7 +859,7 @@
             <a:fld id="{B61BEF0D-F0BB-DE4B-95CE-6DB70DBA9567}" type="datetimeFigureOut">
               <a:rPr lang="en-US" dirty="0"/>
               <a:pPr/>
-              <a:t>11/27/2021</a:t>
+              <a:t>1/12/2022</a:t>
             </a:fld>
             <a:endParaRPr lang="en-US" dirty="0"/>
           </a:p>
@@ -1107,7 +1107,7 @@
             <a:fld id="{B61BEF0D-F0BB-DE4B-95CE-6DB70DBA9567}" type="datetimeFigureOut">
               <a:rPr lang="en-US" dirty="0"/>
               <a:pPr/>
-              <a:t>11/27/2021</a:t>
+              <a:t>1/12/2022</a:t>
             </a:fld>
             <a:endParaRPr lang="en-US" dirty="0"/>
           </a:p>
@@ -1418,7 +1418,7 @@
             <a:fld id="{B61BEF0D-F0BB-DE4B-95CE-6DB70DBA9567}" type="datetimeFigureOut">
               <a:rPr lang="en-US" dirty="0"/>
               <a:pPr/>
-              <a:t>11/27/2021</a:t>
+              <a:t>1/12/2022</a:t>
             </a:fld>
             <a:endParaRPr lang="en-US" dirty="0"/>
           </a:p>
@@ -1756,7 +1756,7 @@
             <a:fld id="{B61BEF0D-F0BB-DE4B-95CE-6DB70DBA9567}" type="datetimeFigureOut">
               <a:rPr lang="en-US" dirty="0"/>
               <a:pPr/>
-              <a:t>11/27/2021</a:t>
+              <a:t>1/12/2022</a:t>
             </a:fld>
             <a:endParaRPr lang="en-US" dirty="0"/>
           </a:p>
@@ -2067,7 +2067,7 @@
             <a:fld id="{B61BEF0D-F0BB-DE4B-95CE-6DB70DBA9567}" type="datetimeFigureOut">
               <a:rPr lang="en-US" dirty="0"/>
               <a:pPr/>
-              <a:t>11/27/2021</a:t>
+              <a:t>1/12/2022</a:t>
             </a:fld>
             <a:endParaRPr lang="en-US" dirty="0"/>
           </a:p>
@@ -2457,7 +2457,7 @@
             <a:fld id="{B61BEF0D-F0BB-DE4B-95CE-6DB70DBA9567}" type="datetimeFigureOut">
               <a:rPr lang="en-US" dirty="0"/>
               <a:pPr/>
-              <a:t>11/27/2021</a:t>
+              <a:t>1/12/2022</a:t>
             </a:fld>
             <a:endParaRPr lang="en-US" dirty="0"/>
           </a:p>
@@ -2623,7 +2623,7 @@
           <a:p>
             <a:fld id="{55C6B4A9-1611-4792-9094-5F34BCA07E0B}" type="datetimeFigureOut">
               <a:rPr lang="en-US" dirty="0"/>
-              <a:t>11/27/2021</a:t>
+              <a:t>1/12/2022</a:t>
             </a:fld>
             <a:endParaRPr lang="en-US" dirty="0"/>
           </a:p>
@@ -2799,7 +2799,7 @@
             <a:fld id="{B61BEF0D-F0BB-DE4B-95CE-6DB70DBA9567}" type="datetimeFigureOut">
               <a:rPr lang="en-US" dirty="0"/>
               <a:pPr/>
-              <a:t>11/27/2021</a:t>
+              <a:t>1/12/2022</a:t>
             </a:fld>
             <a:endParaRPr lang="en-US" dirty="0"/>
           </a:p>
@@ -2996,7 +2996,7 @@
             <a:fld id="{B61BEF0D-F0BB-DE4B-95CE-6DB70DBA9567}" type="datetimeFigureOut">
               <a:rPr lang="en-US" dirty="0"/>
               <a:pPr/>
-              <a:t>11/27/2021</a:t>
+              <a:t>1/12/2022</a:t>
             </a:fld>
             <a:endParaRPr lang="en-US" dirty="0"/>
           </a:p>
@@ -3240,7 +3240,7 @@
             <a:fld id="{B61BEF0D-F0BB-DE4B-95CE-6DB70DBA9567}" type="datetimeFigureOut">
               <a:rPr lang="en-US" dirty="0"/>
               <a:pPr/>
-              <a:t>11/27/2021</a:t>
+              <a:t>1/12/2022</a:t>
             </a:fld>
             <a:endParaRPr lang="en-US" dirty="0"/>
           </a:p>
@@ -3468,7 +3468,7 @@
           <a:p>
             <a:fld id="{EB712588-04B1-427B-82EE-E8DB90309F08}" type="datetimeFigureOut">
               <a:rPr lang="en-US" dirty="0"/>
-              <a:t>11/27/2021</a:t>
+              <a:t>1/12/2022</a:t>
             </a:fld>
             <a:endParaRPr lang="en-US" dirty="0"/>
           </a:p>
@@ -3838,7 +3838,7 @@
             <a:fld id="{B61BEF0D-F0BB-DE4B-95CE-6DB70DBA9567}" type="datetimeFigureOut">
               <a:rPr lang="en-US" dirty="0"/>
               <a:pPr/>
-              <a:t>11/27/2021</a:t>
+              <a:t>1/12/2022</a:t>
             </a:fld>
             <a:endParaRPr lang="en-US" dirty="0"/>
           </a:p>
@@ -3958,7 +3958,7 @@
             <a:fld id="{B61BEF0D-F0BB-DE4B-95CE-6DB70DBA9567}" type="datetimeFigureOut">
               <a:rPr lang="en-US" dirty="0"/>
               <a:pPr/>
-              <a:t>11/27/2021</a:t>
+              <a:t>1/12/2022</a:t>
             </a:fld>
             <a:endParaRPr lang="en-US" dirty="0"/>
           </a:p>
@@ -4050,7 +4050,7 @@
             <a:fld id="{B61BEF0D-F0BB-DE4B-95CE-6DB70DBA9567}" type="datetimeFigureOut">
               <a:rPr lang="en-US" dirty="0"/>
               <a:pPr/>
-              <a:t>11/27/2021</a:t>
+              <a:t>1/12/2022</a:t>
             </a:fld>
             <a:endParaRPr lang="en-US" dirty="0"/>
           </a:p>
@@ -4301,7 +4301,7 @@
           <a:p>
             <a:fld id="{42A54C80-263E-416B-A8E0-580EDEADCBDC}" type="datetimeFigureOut">
               <a:rPr lang="en-US" dirty="0"/>
-              <a:t>11/27/2021</a:t>
+              <a:t>1/12/2022</a:t>
             </a:fld>
             <a:endParaRPr lang="en-US" dirty="0"/>
           </a:p>
@@ -4560,7 +4560,7 @@
             <a:fld id="{B61BEF0D-F0BB-DE4B-95CE-6DB70DBA9567}" type="datetimeFigureOut">
               <a:rPr lang="en-US" dirty="0"/>
               <a:pPr/>
-              <a:t>11/27/2021</a:t>
+              <a:t>1/12/2022</a:t>
             </a:fld>
             <a:endParaRPr lang="en-US" dirty="0"/>
           </a:p>
@@ -5300,7 +5300,7 @@
             <a:fld id="{B61BEF0D-F0BB-DE4B-95CE-6DB70DBA9567}" type="datetimeFigureOut">
               <a:rPr lang="en-US" dirty="0"/>
               <a:pPr/>
-              <a:t>11/27/2021</a:t>
+              <a:t>1/12/2022</a:t>
             </a:fld>
             <a:endParaRPr lang="en-US" dirty="0"/>
           </a:p>
@@ -5433,7 +5433,7 @@
         <p:spPr>
           <a:xfrm>
             <a:off x="398321" y="6488668"/>
-            <a:ext cx="4281941" cy="369332"/>
+            <a:ext cx="4416594" cy="369332"/>
           </a:xfrm>
           <a:prstGeom prst="rect">
             <a:avLst/>
@@ -5539,15 +5539,36 @@
             </a:lvl9pPr>
           </a:lstStyle>
           <a:p>
+            <a:pPr marL="0" marR="0" lvl="0" indent="0" algn="l" defTabSz="457200" rtl="0" eaLnBrk="1" fontAlgn="auto" latinLnBrk="0" hangingPunct="1">
+              <a:lnSpc>
+                <a:spcPct val="100000"/>
+              </a:lnSpc>
+              <a:spcBef>
+                <a:spcPts val="0"/>
+              </a:spcBef>
+              <a:spcAft>
+                <a:spcPts val="0"/>
+              </a:spcAft>
+              <a:buClrTx/>
+              <a:buSzTx/>
+              <a:buFontTx/>
+              <a:buNone/>
+              <a:tabLst/>
+              <a:defRPr/>
+            </a:pPr>
             <a:r>
               <a:rPr lang="zh-TW" altLang="en-US" dirty="0" smtClean="0"/>
-              <a:t>投影片下載網址</a:t>
-            </a:r>
-            <a:r>
-              <a:rPr lang="en-US" altLang="zh-TW" dirty="0" smtClean="0"/>
-              <a:t>https://reurl.cc/RblZ0z</a:t>
-            </a:r>
-            <a:endParaRPr lang="zh-TW" altLang="en-US" dirty="0"/>
+              <a:t>投影片下載</a:t>
+            </a:r>
+            <a:r>
+              <a:rPr lang="zh-TW" altLang="en-US" dirty="0" smtClean="0"/>
+              <a:t>網址</a:t>
+            </a:r>
+            <a:r>
+              <a:rPr lang="fr-FR" altLang="zh-TW" dirty="0" smtClean="0"/>
+              <a:t>https://reurl.cc/2Dom14</a:t>
+            </a:r>
+            <a:endParaRPr lang="zh-TW" altLang="en-US" dirty="0" smtClean="0"/>
           </a:p>
         </p:txBody>
       </p:sp>
@@ -6033,7 +6054,7 @@
             <a:fld id="{4805910D-2C61-424F-80CE-807290CF0E1E}" type="datetime4">
               <a:rPr lang="zh-TW" altLang="zh-TW"/>
               <a:pPr/>
-              <a:t>110年11月27日星期六</a:t>
+              <a:t>111年1月12日星期三</a:t>
             </a:fld>
             <a:endParaRPr lang="zh-TW" altLang="en-US" dirty="0"/>
           </a:p>
@@ -6092,7 +6113,7 @@
         <p:spPr>
           <a:xfrm>
             <a:off x="762460" y="115300"/>
-            <a:ext cx="4281941" cy="369332"/>
+            <a:ext cx="4416594" cy="646331"/>
           </a:xfrm>
           <a:prstGeom prst="rect">
             <a:avLst/>
@@ -6200,40 +6221,23 @@
           <a:p>
             <a:r>
               <a:rPr lang="zh-TW" altLang="en-US" dirty="0" smtClean="0"/>
-              <a:t>投影片下載網址</a:t>
-            </a:r>
-            <a:r>
-              <a:rPr lang="en-US" altLang="zh-TW" dirty="0" smtClean="0"/>
-              <a:t>https://reurl.cc/RblZ0z</a:t>
-            </a:r>
+              <a:t>投影片下載</a:t>
+            </a:r>
+            <a:r>
+              <a:rPr lang="zh-TW" altLang="en-US" dirty="0" smtClean="0"/>
+              <a:t>網址</a:t>
+            </a:r>
+            <a:r>
+              <a:rPr lang="fr-FR" altLang="zh-TW" dirty="0"/>
+              <a:t>https://reurl.cc/2Dom14</a:t>
+            </a:r>
+            <a:endParaRPr lang="zh-TW" altLang="en-US" dirty="0"/>
+          </a:p>
+          <a:p>
             <a:endParaRPr lang="zh-TW" altLang="en-US" dirty="0"/>
           </a:p>
         </p:txBody>
       </p:sp>
-      <p:pic>
-        <p:nvPicPr>
-          <p:cNvPr id="6" name="圖片 5"/>
-          <p:cNvPicPr>
-            <a:picLocks noChangeAspect="1"/>
-          </p:cNvPicPr>
-          <p:nvPr/>
-        </p:nvPicPr>
-        <p:blipFill>
-          <a:blip r:embed="rId3"/>
-          <a:stretch>
-            <a:fillRect/>
-          </a:stretch>
-        </p:blipFill>
-        <p:spPr>
-          <a:xfrm>
-            <a:off x="827806" y="532215"/>
-            <a:ext cx="1723369" cy="1723369"/>
-          </a:xfrm>
-          <a:prstGeom prst="rect">
-            <a:avLst/>
-          </a:prstGeom>
-        </p:spPr>
-      </p:pic>
     </p:spTree>
     <p:extLst>
       <p:ext uri="{BB962C8B-B14F-4D97-AF65-F5344CB8AC3E}">

--- a/LCC/Java/A2_來寫個好玩的吧.pptx
+++ b/LCC/Java/A2_來寫個好玩的吧.pptx
@@ -859,7 +859,7 @@
             <a:fld id="{B61BEF0D-F0BB-DE4B-95CE-6DB70DBA9567}" type="datetimeFigureOut">
               <a:rPr lang="en-US" dirty="0"/>
               <a:pPr/>
-              <a:t>1/12/2022</a:t>
+              <a:t>4/10/2022</a:t>
             </a:fld>
             <a:endParaRPr lang="en-US" dirty="0"/>
           </a:p>
@@ -1107,7 +1107,7 @@
             <a:fld id="{B61BEF0D-F0BB-DE4B-95CE-6DB70DBA9567}" type="datetimeFigureOut">
               <a:rPr lang="en-US" dirty="0"/>
               <a:pPr/>
-              <a:t>1/12/2022</a:t>
+              <a:t>4/10/2022</a:t>
             </a:fld>
             <a:endParaRPr lang="en-US" dirty="0"/>
           </a:p>
@@ -1418,7 +1418,7 @@
             <a:fld id="{B61BEF0D-F0BB-DE4B-95CE-6DB70DBA9567}" type="datetimeFigureOut">
               <a:rPr lang="en-US" dirty="0"/>
               <a:pPr/>
-              <a:t>1/12/2022</a:t>
+              <a:t>4/10/2022</a:t>
             </a:fld>
             <a:endParaRPr lang="en-US" dirty="0"/>
           </a:p>
@@ -1756,7 +1756,7 @@
             <a:fld id="{B61BEF0D-F0BB-DE4B-95CE-6DB70DBA9567}" type="datetimeFigureOut">
               <a:rPr lang="en-US" dirty="0"/>
               <a:pPr/>
-              <a:t>1/12/2022</a:t>
+              <a:t>4/10/2022</a:t>
             </a:fld>
             <a:endParaRPr lang="en-US" dirty="0"/>
           </a:p>
@@ -2067,7 +2067,7 @@
             <a:fld id="{B61BEF0D-F0BB-DE4B-95CE-6DB70DBA9567}" type="datetimeFigureOut">
               <a:rPr lang="en-US" dirty="0"/>
               <a:pPr/>
-              <a:t>1/12/2022</a:t>
+              <a:t>4/10/2022</a:t>
             </a:fld>
             <a:endParaRPr lang="en-US" dirty="0"/>
           </a:p>
@@ -2457,7 +2457,7 @@
             <a:fld id="{B61BEF0D-F0BB-DE4B-95CE-6DB70DBA9567}" type="datetimeFigureOut">
               <a:rPr lang="en-US" dirty="0"/>
               <a:pPr/>
-              <a:t>1/12/2022</a:t>
+              <a:t>4/10/2022</a:t>
             </a:fld>
             <a:endParaRPr lang="en-US" dirty="0"/>
           </a:p>
@@ -2623,7 +2623,7 @@
           <a:p>
             <a:fld id="{55C6B4A9-1611-4792-9094-5F34BCA07E0B}" type="datetimeFigureOut">
               <a:rPr lang="en-US" dirty="0"/>
-              <a:t>1/12/2022</a:t>
+              <a:t>4/10/2022</a:t>
             </a:fld>
             <a:endParaRPr lang="en-US" dirty="0"/>
           </a:p>
@@ -2799,7 +2799,7 @@
             <a:fld id="{B61BEF0D-F0BB-DE4B-95CE-6DB70DBA9567}" type="datetimeFigureOut">
               <a:rPr lang="en-US" dirty="0"/>
               <a:pPr/>
-              <a:t>1/12/2022</a:t>
+              <a:t>4/10/2022</a:t>
             </a:fld>
             <a:endParaRPr lang="en-US" dirty="0"/>
           </a:p>
@@ -2996,7 +2996,7 @@
             <a:fld id="{B61BEF0D-F0BB-DE4B-95CE-6DB70DBA9567}" type="datetimeFigureOut">
               <a:rPr lang="en-US" dirty="0"/>
               <a:pPr/>
-              <a:t>1/12/2022</a:t>
+              <a:t>4/10/2022</a:t>
             </a:fld>
             <a:endParaRPr lang="en-US" dirty="0"/>
           </a:p>
@@ -3240,7 +3240,7 @@
             <a:fld id="{B61BEF0D-F0BB-DE4B-95CE-6DB70DBA9567}" type="datetimeFigureOut">
               <a:rPr lang="en-US" dirty="0"/>
               <a:pPr/>
-              <a:t>1/12/2022</a:t>
+              <a:t>4/10/2022</a:t>
             </a:fld>
             <a:endParaRPr lang="en-US" dirty="0"/>
           </a:p>
@@ -3468,7 +3468,7 @@
           <a:p>
             <a:fld id="{EB712588-04B1-427B-82EE-E8DB90309F08}" type="datetimeFigureOut">
               <a:rPr lang="en-US" dirty="0"/>
-              <a:t>1/12/2022</a:t>
+              <a:t>4/10/2022</a:t>
             </a:fld>
             <a:endParaRPr lang="en-US" dirty="0"/>
           </a:p>
@@ -3838,7 +3838,7 @@
             <a:fld id="{B61BEF0D-F0BB-DE4B-95CE-6DB70DBA9567}" type="datetimeFigureOut">
               <a:rPr lang="en-US" dirty="0"/>
               <a:pPr/>
-              <a:t>1/12/2022</a:t>
+              <a:t>4/10/2022</a:t>
             </a:fld>
             <a:endParaRPr lang="en-US" dirty="0"/>
           </a:p>
@@ -3958,7 +3958,7 @@
             <a:fld id="{B61BEF0D-F0BB-DE4B-95CE-6DB70DBA9567}" type="datetimeFigureOut">
               <a:rPr lang="en-US" dirty="0"/>
               <a:pPr/>
-              <a:t>1/12/2022</a:t>
+              <a:t>4/10/2022</a:t>
             </a:fld>
             <a:endParaRPr lang="en-US" dirty="0"/>
           </a:p>
@@ -4050,7 +4050,7 @@
             <a:fld id="{B61BEF0D-F0BB-DE4B-95CE-6DB70DBA9567}" type="datetimeFigureOut">
               <a:rPr lang="en-US" dirty="0"/>
               <a:pPr/>
-              <a:t>1/12/2022</a:t>
+              <a:t>4/10/2022</a:t>
             </a:fld>
             <a:endParaRPr lang="en-US" dirty="0"/>
           </a:p>
@@ -4301,7 +4301,7 @@
           <a:p>
             <a:fld id="{42A54C80-263E-416B-A8E0-580EDEADCBDC}" type="datetimeFigureOut">
               <a:rPr lang="en-US" dirty="0"/>
-              <a:t>1/12/2022</a:t>
+              <a:t>4/10/2022</a:t>
             </a:fld>
             <a:endParaRPr lang="en-US" dirty="0"/>
           </a:p>
@@ -4560,7 +4560,7 @@
             <a:fld id="{B61BEF0D-F0BB-DE4B-95CE-6DB70DBA9567}" type="datetimeFigureOut">
               <a:rPr lang="en-US" dirty="0"/>
               <a:pPr/>
-              <a:t>1/12/2022</a:t>
+              <a:t>4/10/2022</a:t>
             </a:fld>
             <a:endParaRPr lang="en-US" dirty="0"/>
           </a:p>
@@ -5300,7 +5300,7 @@
             <a:fld id="{B61BEF0D-F0BB-DE4B-95CE-6DB70DBA9567}" type="datetimeFigureOut">
               <a:rPr lang="en-US" dirty="0"/>
               <a:pPr/>
-              <a:t>1/12/2022</a:t>
+              <a:t>4/10/2022</a:t>
             </a:fld>
             <a:endParaRPr lang="en-US" dirty="0"/>
           </a:p>
@@ -5558,11 +5558,7 @@
             </a:pPr>
             <a:r>
               <a:rPr lang="zh-TW" altLang="en-US" dirty="0" smtClean="0"/>
-              <a:t>投影片下載</a:t>
-            </a:r>
-            <a:r>
-              <a:rPr lang="zh-TW" altLang="en-US" dirty="0" smtClean="0"/>
-              <a:t>網址</a:t>
+              <a:t>投影片下載網址</a:t>
             </a:r>
             <a:r>
               <a:rPr lang="fr-FR" altLang="zh-TW" dirty="0" smtClean="0"/>
@@ -6054,7 +6050,7 @@
             <a:fld id="{4805910D-2C61-424F-80CE-807290CF0E1E}" type="datetime4">
               <a:rPr lang="zh-TW" altLang="zh-TW"/>
               <a:pPr/>
-              <a:t>111年1月12日星期三</a:t>
+              <a:t>111年4月10日星期日</a:t>
             </a:fld>
             <a:endParaRPr lang="zh-TW" altLang="en-US" dirty="0"/>
           </a:p>
@@ -6221,11 +6217,7 @@
           <a:p>
             <a:r>
               <a:rPr lang="zh-TW" altLang="en-US" dirty="0" smtClean="0"/>
-              <a:t>投影片下載</a:t>
-            </a:r>
-            <a:r>
-              <a:rPr lang="zh-TW" altLang="en-US" dirty="0" smtClean="0"/>
-              <a:t>網址</a:t>
+              <a:t>投影片下載網址</a:t>
             </a:r>
             <a:r>
               <a:rPr lang="fr-FR" altLang="zh-TW" dirty="0"/>
@@ -6238,6 +6230,36 @@
           </a:p>
         </p:txBody>
       </p:sp>
+      <p:pic>
+        <p:nvPicPr>
+          <p:cNvPr id="6" name="圖片 5"/>
+          <p:cNvPicPr>
+            <a:picLocks noChangeAspect="1"/>
+          </p:cNvPicPr>
+          <p:nvPr/>
+        </p:nvPicPr>
+        <p:blipFill>
+          <a:blip r:embed="rId3">
+            <a:extLst>
+              <a:ext uri="{28A0092B-C50C-407E-A947-70E740481C1C}">
+                <a14:useLocalDpi xmlns:a14="http://schemas.microsoft.com/office/drawing/2010/main" val="0"/>
+              </a:ext>
+            </a:extLst>
+          </a:blip>
+          <a:stretch>
+            <a:fillRect/>
+          </a:stretch>
+        </p:blipFill>
+        <p:spPr>
+          <a:xfrm>
+            <a:off x="927354" y="457267"/>
+            <a:ext cx="1428750" cy="1428750"/>
+          </a:xfrm>
+          <a:prstGeom prst="rect">
+            <a:avLst/>
+          </a:prstGeom>
+        </p:spPr>
+      </p:pic>
     </p:spTree>
     <p:extLst>
       <p:ext uri="{BB962C8B-B14F-4D97-AF65-F5344CB8AC3E}">
@@ -6406,7 +6428,15 @@
             </a:r>
             <a:r>
               <a:rPr lang="zh-TW" altLang="en-US" dirty="0" smtClean="0"/>
-              <a:t>，則結束遊戲，顯示最多正確位數的數字。</a:t>
+              <a:t>，則結束遊戲。</a:t>
+            </a:r>
+            <a:endParaRPr lang="en-US" altLang="zh-TW" dirty="0" smtClean="0"/>
+          </a:p>
+          <a:p>
+            <a:pPr lvl="1"/>
+            <a:r>
+              <a:rPr lang="zh-TW" altLang="en-US" dirty="0" smtClean="0"/>
+              <a:t>顯示最多正確位數的數字。</a:t>
             </a:r>
             <a:endParaRPr lang="en-US" altLang="zh-TW" dirty="0" smtClean="0"/>
           </a:p>
@@ -6415,6 +6445,177 @@
           </a:p>
         </p:txBody>
       </p:sp>
+      <p:sp>
+        <p:nvSpPr>
+          <p:cNvPr id="4" name="矩形 3"/>
+          <p:cNvSpPr/>
+          <p:nvPr/>
+        </p:nvSpPr>
+        <p:spPr>
+          <a:xfrm>
+            <a:off x="5693656" y="2190782"/>
+            <a:ext cx="5190071" cy="3112506"/>
+          </a:xfrm>
+          <a:prstGeom prst="rect">
+            <a:avLst/>
+          </a:prstGeom>
+          <a:solidFill>
+            <a:srgbClr val="2F2F2F"/>
+          </a:solidFill>
+          <a:ln>
+            <a:solidFill>
+              <a:schemeClr val="tx1">
+                <a:lumMod val="85000"/>
+                <a:lumOff val="15000"/>
+              </a:schemeClr>
+            </a:solidFill>
+          </a:ln>
+        </p:spPr>
+        <p:style>
+          <a:lnRef idx="2">
+            <a:schemeClr val="accent1">
+              <a:shade val="50000"/>
+            </a:schemeClr>
+          </a:lnRef>
+          <a:fillRef idx="1">
+            <a:schemeClr val="accent1"/>
+          </a:fillRef>
+          <a:effectRef idx="0">
+            <a:schemeClr val="accent1"/>
+          </a:effectRef>
+          <a:fontRef idx="minor">
+            <a:schemeClr val="lt1"/>
+          </a:fontRef>
+        </p:style>
+        <p:txBody>
+          <a:bodyPr rtlCol="0" anchor="ctr"/>
+          <a:lstStyle/>
+          <a:p>
+            <a:pPr algn="ctr"/>
+            <a:endParaRPr lang="zh-TW" altLang="en-US"/>
+          </a:p>
+        </p:txBody>
+      </p:sp>
+      <p:pic>
+        <p:nvPicPr>
+          <p:cNvPr id="5" name="圖片 4"/>
+          <p:cNvPicPr>
+            <a:picLocks noChangeAspect="1"/>
+          </p:cNvPicPr>
+          <p:nvPr/>
+        </p:nvPicPr>
+        <p:blipFill>
+          <a:blip r:embed="rId2"/>
+          <a:stretch>
+            <a:fillRect/>
+          </a:stretch>
+        </p:blipFill>
+        <p:spPr>
+          <a:xfrm>
+            <a:off x="5702127" y="2160589"/>
+            <a:ext cx="5181600" cy="1971675"/>
+          </a:xfrm>
+          <a:prstGeom prst="rect">
+            <a:avLst/>
+          </a:prstGeom>
+        </p:spPr>
+      </p:pic>
+      <p:pic>
+        <p:nvPicPr>
+          <p:cNvPr id="7" name="圖片 6"/>
+          <p:cNvPicPr>
+            <a:picLocks noChangeAspect="1"/>
+          </p:cNvPicPr>
+          <p:nvPr/>
+        </p:nvPicPr>
+        <p:blipFill>
+          <a:blip r:embed="rId3"/>
+          <a:stretch>
+            <a:fillRect/>
+          </a:stretch>
+        </p:blipFill>
+        <p:spPr>
+          <a:xfrm>
+            <a:off x="5702127" y="2988679"/>
+            <a:ext cx="4362450" cy="2305050"/>
+          </a:xfrm>
+          <a:prstGeom prst="rect">
+            <a:avLst/>
+          </a:prstGeom>
+        </p:spPr>
+      </p:pic>
+      <p:pic>
+        <p:nvPicPr>
+          <p:cNvPr id="6" name="圖片 5"/>
+          <p:cNvPicPr>
+            <a:picLocks noChangeAspect="1"/>
+          </p:cNvPicPr>
+          <p:nvPr/>
+        </p:nvPicPr>
+        <p:blipFill>
+          <a:blip r:embed="rId4"/>
+          <a:stretch>
+            <a:fillRect/>
+          </a:stretch>
+        </p:blipFill>
+        <p:spPr>
+          <a:xfrm>
+            <a:off x="5693656" y="2426738"/>
+            <a:ext cx="4762500" cy="2876550"/>
+          </a:xfrm>
+          <a:prstGeom prst="rect">
+            <a:avLst/>
+          </a:prstGeom>
+        </p:spPr>
+      </p:pic>
+      <p:pic>
+        <p:nvPicPr>
+          <p:cNvPr id="8" name="圖片 7"/>
+          <p:cNvPicPr>
+            <a:picLocks noChangeAspect="1"/>
+          </p:cNvPicPr>
+          <p:nvPr/>
+        </p:nvPicPr>
+        <p:blipFill>
+          <a:blip r:embed="rId5"/>
+          <a:stretch>
+            <a:fillRect/>
+          </a:stretch>
+        </p:blipFill>
+        <p:spPr>
+          <a:xfrm>
+            <a:off x="5693656" y="3319511"/>
+            <a:ext cx="4572000" cy="1971675"/>
+          </a:xfrm>
+          <a:prstGeom prst="rect">
+            <a:avLst/>
+          </a:prstGeom>
+        </p:spPr>
+      </p:pic>
+      <p:pic>
+        <p:nvPicPr>
+          <p:cNvPr id="9" name="圖片 8"/>
+          <p:cNvPicPr>
+            <a:picLocks noChangeAspect="1"/>
+          </p:cNvPicPr>
+          <p:nvPr/>
+        </p:nvPicPr>
+        <p:blipFill>
+          <a:blip r:embed="rId6"/>
+          <a:stretch>
+            <a:fillRect/>
+          </a:stretch>
+        </p:blipFill>
+        <p:spPr>
+          <a:xfrm>
+            <a:off x="5693656" y="3000407"/>
+            <a:ext cx="4524375" cy="2324100"/>
+          </a:xfrm>
+          <a:prstGeom prst="rect">
+            <a:avLst/>
+          </a:prstGeom>
+        </p:spPr>
+      </p:pic>
     </p:spTree>
     <p:extLst>
       <p:ext uri="{BB962C8B-B14F-4D97-AF65-F5344CB8AC3E}">
@@ -6428,7 +6629,319 @@
   <p:timing>
     <p:tnLst>
       <p:par>
-        <p:cTn id="1" dur="indefinite" restart="never" nodeType="tmRoot"/>
+        <p:cTn id="1" dur="indefinite" restart="never" nodeType="tmRoot">
+          <p:childTnLst>
+            <p:seq concurrent="1" nextAc="seek">
+              <p:cTn id="2" dur="indefinite" nodeType="mainSeq">
+                <p:childTnLst>
+                  <p:par>
+                    <p:cTn id="3" fill="hold">
+                      <p:stCondLst>
+                        <p:cond delay="indefinite"/>
+                      </p:stCondLst>
+                      <p:childTnLst>
+                        <p:par>
+                          <p:cTn id="4" fill="hold">
+                            <p:stCondLst>
+                              <p:cond delay="0"/>
+                            </p:stCondLst>
+                            <p:childTnLst>
+                              <p:par>
+                                <p:cTn id="5" presetID="1" presetClass="entr" presetSubtype="0" fill="hold" nodeType="clickEffect">
+                                  <p:stCondLst>
+                                    <p:cond delay="0"/>
+                                  </p:stCondLst>
+                                  <p:childTnLst>
+                                    <p:set>
+                                      <p:cBhvr>
+                                        <p:cTn id="6" dur="1" fill="hold">
+                                          <p:stCondLst>
+                                            <p:cond delay="0"/>
+                                          </p:stCondLst>
+                                        </p:cTn>
+                                        <p:tgtEl>
+                                          <p:spTgt spid="5"/>
+                                        </p:tgtEl>
+                                        <p:attrNameLst>
+                                          <p:attrName>style.visibility</p:attrName>
+                                        </p:attrNameLst>
+                                      </p:cBhvr>
+                                      <p:to>
+                                        <p:strVal val="visible"/>
+                                      </p:to>
+                                    </p:set>
+                                  </p:childTnLst>
+                                  <p:subTnLst>
+                                    <p:set>
+                                      <p:cBhvr override="childStyle">
+                                        <p:cTn dur="1" fill="hold" display="0" masterRel="nextClick" afterEffect="1"/>
+                                        <p:tgtEl>
+                                          <p:spTgt spid="5"/>
+                                        </p:tgtEl>
+                                        <p:attrNameLst>
+                                          <p:attrName>style.visibility</p:attrName>
+                                        </p:attrNameLst>
+                                      </p:cBhvr>
+                                      <p:to>
+                                        <p:strVal val="hidden"/>
+                                      </p:to>
+                                    </p:set>
+                                  </p:subTnLst>
+                                </p:cTn>
+                              </p:par>
+                            </p:childTnLst>
+                          </p:cTn>
+                        </p:par>
+                      </p:childTnLst>
+                    </p:cTn>
+                  </p:par>
+                  <p:par>
+                    <p:cTn id="7" fill="hold">
+                      <p:stCondLst>
+                        <p:cond delay="indefinite"/>
+                      </p:stCondLst>
+                      <p:childTnLst>
+                        <p:par>
+                          <p:cTn id="8" fill="hold">
+                            <p:stCondLst>
+                              <p:cond delay="0"/>
+                            </p:stCondLst>
+                            <p:childTnLst>
+                              <p:par>
+                                <p:cTn id="9" presetID="1" presetClass="entr" presetSubtype="0" fill="hold" nodeType="clickEffect">
+                                  <p:stCondLst>
+                                    <p:cond delay="0"/>
+                                  </p:stCondLst>
+                                  <p:childTnLst>
+                                    <p:set>
+                                      <p:cBhvr>
+                                        <p:cTn id="10" dur="1" fill="hold">
+                                          <p:stCondLst>
+                                            <p:cond delay="0"/>
+                                          </p:stCondLst>
+                                        </p:cTn>
+                                        <p:tgtEl>
+                                          <p:spTgt spid="7"/>
+                                        </p:tgtEl>
+                                        <p:attrNameLst>
+                                          <p:attrName>style.visibility</p:attrName>
+                                        </p:attrNameLst>
+                                      </p:cBhvr>
+                                      <p:to>
+                                        <p:strVal val="visible"/>
+                                      </p:to>
+                                    </p:set>
+                                  </p:childTnLst>
+                                  <p:subTnLst>
+                                    <p:set>
+                                      <p:cBhvr override="childStyle">
+                                        <p:cTn dur="1" fill="hold" display="0" masterRel="nextClick" afterEffect="1"/>
+                                        <p:tgtEl>
+                                          <p:spTgt spid="7"/>
+                                        </p:tgtEl>
+                                        <p:attrNameLst>
+                                          <p:attrName>style.visibility</p:attrName>
+                                        </p:attrNameLst>
+                                      </p:cBhvr>
+                                      <p:to>
+                                        <p:strVal val="hidden"/>
+                                      </p:to>
+                                    </p:set>
+                                  </p:subTnLst>
+                                </p:cTn>
+                              </p:par>
+                            </p:childTnLst>
+                          </p:cTn>
+                        </p:par>
+                      </p:childTnLst>
+                    </p:cTn>
+                  </p:par>
+                  <p:par>
+                    <p:cTn id="11" fill="hold">
+                      <p:stCondLst>
+                        <p:cond delay="indefinite"/>
+                      </p:stCondLst>
+                      <p:childTnLst>
+                        <p:par>
+                          <p:cTn id="12" fill="hold">
+                            <p:stCondLst>
+                              <p:cond delay="0"/>
+                            </p:stCondLst>
+                            <p:childTnLst>
+                              <p:par>
+                                <p:cTn id="13" presetID="1" presetClass="entr" presetSubtype="0" fill="hold" nodeType="clickEffect">
+                                  <p:stCondLst>
+                                    <p:cond delay="0"/>
+                                  </p:stCondLst>
+                                  <p:childTnLst>
+                                    <p:set>
+                                      <p:cBhvr>
+                                        <p:cTn id="14" dur="1" fill="hold">
+                                          <p:stCondLst>
+                                            <p:cond delay="0"/>
+                                          </p:stCondLst>
+                                        </p:cTn>
+                                        <p:tgtEl>
+                                          <p:spTgt spid="6"/>
+                                        </p:tgtEl>
+                                        <p:attrNameLst>
+                                          <p:attrName>style.visibility</p:attrName>
+                                        </p:attrNameLst>
+                                      </p:cBhvr>
+                                      <p:to>
+                                        <p:strVal val="visible"/>
+                                      </p:to>
+                                    </p:set>
+                                  </p:childTnLst>
+                                  <p:subTnLst>
+                                    <p:set>
+                                      <p:cBhvr override="childStyle">
+                                        <p:cTn dur="1" fill="hold" display="0" masterRel="nextClick" afterEffect="1"/>
+                                        <p:tgtEl>
+                                          <p:spTgt spid="6"/>
+                                        </p:tgtEl>
+                                        <p:attrNameLst>
+                                          <p:attrName>style.visibility</p:attrName>
+                                        </p:attrNameLst>
+                                      </p:cBhvr>
+                                      <p:to>
+                                        <p:strVal val="hidden"/>
+                                      </p:to>
+                                    </p:set>
+                                  </p:subTnLst>
+                                </p:cTn>
+                              </p:par>
+                            </p:childTnLst>
+                          </p:cTn>
+                        </p:par>
+                      </p:childTnLst>
+                    </p:cTn>
+                  </p:par>
+                  <p:par>
+                    <p:cTn id="15" fill="hold">
+                      <p:stCondLst>
+                        <p:cond delay="indefinite"/>
+                      </p:stCondLst>
+                      <p:childTnLst>
+                        <p:par>
+                          <p:cTn id="16" fill="hold">
+                            <p:stCondLst>
+                              <p:cond delay="0"/>
+                            </p:stCondLst>
+                            <p:childTnLst>
+                              <p:par>
+                                <p:cTn id="17" presetID="1" presetClass="entr" presetSubtype="0" fill="hold" nodeType="clickEffect">
+                                  <p:stCondLst>
+                                    <p:cond delay="0"/>
+                                  </p:stCondLst>
+                                  <p:childTnLst>
+                                    <p:set>
+                                      <p:cBhvr>
+                                        <p:cTn id="18" dur="1" fill="hold">
+                                          <p:stCondLst>
+                                            <p:cond delay="0"/>
+                                          </p:stCondLst>
+                                        </p:cTn>
+                                        <p:tgtEl>
+                                          <p:spTgt spid="8"/>
+                                        </p:tgtEl>
+                                        <p:attrNameLst>
+                                          <p:attrName>style.visibility</p:attrName>
+                                        </p:attrNameLst>
+                                      </p:cBhvr>
+                                      <p:to>
+                                        <p:strVal val="visible"/>
+                                      </p:to>
+                                    </p:set>
+                                  </p:childTnLst>
+                                  <p:subTnLst>
+                                    <p:set>
+                                      <p:cBhvr override="childStyle">
+                                        <p:cTn dur="1" fill="hold" display="0" masterRel="nextClick" afterEffect="1"/>
+                                        <p:tgtEl>
+                                          <p:spTgt spid="8"/>
+                                        </p:tgtEl>
+                                        <p:attrNameLst>
+                                          <p:attrName>style.visibility</p:attrName>
+                                        </p:attrNameLst>
+                                      </p:cBhvr>
+                                      <p:to>
+                                        <p:strVal val="hidden"/>
+                                      </p:to>
+                                    </p:set>
+                                  </p:subTnLst>
+                                </p:cTn>
+                              </p:par>
+                            </p:childTnLst>
+                          </p:cTn>
+                        </p:par>
+                      </p:childTnLst>
+                    </p:cTn>
+                  </p:par>
+                  <p:par>
+                    <p:cTn id="19" fill="hold">
+                      <p:stCondLst>
+                        <p:cond delay="indefinite"/>
+                      </p:stCondLst>
+                      <p:childTnLst>
+                        <p:par>
+                          <p:cTn id="20" fill="hold">
+                            <p:stCondLst>
+                              <p:cond delay="0"/>
+                            </p:stCondLst>
+                            <p:childTnLst>
+                              <p:par>
+                                <p:cTn id="21" presetID="1" presetClass="entr" presetSubtype="0" fill="hold" nodeType="clickEffect">
+                                  <p:stCondLst>
+                                    <p:cond delay="0"/>
+                                  </p:stCondLst>
+                                  <p:childTnLst>
+                                    <p:set>
+                                      <p:cBhvr>
+                                        <p:cTn id="22" dur="1" fill="hold">
+                                          <p:stCondLst>
+                                            <p:cond delay="0"/>
+                                          </p:stCondLst>
+                                        </p:cTn>
+                                        <p:tgtEl>
+                                          <p:spTgt spid="9"/>
+                                        </p:tgtEl>
+                                        <p:attrNameLst>
+                                          <p:attrName>style.visibility</p:attrName>
+                                        </p:attrNameLst>
+                                      </p:cBhvr>
+                                      <p:to>
+                                        <p:strVal val="visible"/>
+                                      </p:to>
+                                    </p:set>
+                                  </p:childTnLst>
+                                </p:cTn>
+                              </p:par>
+                            </p:childTnLst>
+                          </p:cTn>
+                        </p:par>
+                      </p:childTnLst>
+                    </p:cTn>
+                  </p:par>
+                </p:childTnLst>
+              </p:cTn>
+              <p:prevCondLst>
+                <p:cond evt="onPrev" delay="0">
+                  <p:tgtEl>
+                    <p:sldTgt/>
+                  </p:tgtEl>
+                </p:cond>
+              </p:prevCondLst>
+              <p:nextCondLst>
+                <p:cond evt="onNext" delay="0">
+                  <p:tgtEl>
+                    <p:sldTgt/>
+                  </p:tgtEl>
+                </p:cond>
+              </p:nextCondLst>
+            </p:seq>
+          </p:childTnLst>
+        </p:cTn>
       </p:par>
     </p:tnLst>
   </p:timing>
@@ -6701,7 +7214,7 @@
         </p:nvSpPr>
         <p:spPr>
           <a:xfrm>
-            <a:off x="4867495" y="5786442"/>
+            <a:off x="4611816" y="5794152"/>
             <a:ext cx="636969" cy="369332"/>
           </a:xfrm>
           <a:prstGeom prst="rect">
@@ -6739,7 +7252,7 @@
         </p:nvSpPr>
         <p:spPr>
           <a:xfrm>
-            <a:off x="4611892" y="4599026"/>
+            <a:off x="4627681" y="4626375"/>
             <a:ext cx="715260" cy="369332"/>
           </a:xfrm>
           <a:prstGeom prst="rect">
@@ -6927,6 +7440,22 @@
                   <a:schemeClr val="tx1"/>
                 </a:solidFill>
               </a:rPr>
+              <a:t>及</a:t>
+            </a:r>
+            <a:r>
+              <a:rPr lang="en-US" altLang="zh-TW" dirty="0" smtClean="0">
+                <a:solidFill>
+                  <a:schemeClr val="tx1"/>
+                </a:solidFill>
+              </a:rPr>
+              <a:t>”</a:t>
+            </a:r>
+            <a:r>
+              <a:rPr lang="zh-TW" altLang="en-US" dirty="0" smtClean="0">
+                <a:solidFill>
+                  <a:schemeClr val="tx1"/>
+                </a:solidFill>
+              </a:rPr>
               <a:t>按下</a:t>
             </a:r>
             <a:r>
@@ -6944,6 +7473,14 @@
                 </a:solidFill>
               </a:rPr>
               <a:t>後清除畫面</a:t>
+            </a:r>
+            <a:r>
+              <a:rPr lang="en-US" altLang="zh-TW" dirty="0" smtClean="0">
+                <a:solidFill>
+                  <a:schemeClr val="tx1"/>
+                </a:solidFill>
+              </a:rPr>
+              <a:t>”</a:t>
             </a:r>
             <a:endParaRPr lang="zh-TW" altLang="en-US" dirty="0">
               <a:solidFill>
@@ -7819,9 +8356,784 @@
   <p:timing>
     <p:tnLst>
       <p:par>
-        <p:cTn id="1" dur="indefinite" restart="never" nodeType="tmRoot"/>
+        <p:cTn id="1" dur="indefinite" restart="never" nodeType="tmRoot">
+          <p:childTnLst>
+            <p:seq concurrent="1" nextAc="seek">
+              <p:cTn id="2" dur="indefinite" nodeType="mainSeq">
+                <p:childTnLst>
+                  <p:par>
+                    <p:cTn id="3" fill="hold">
+                      <p:stCondLst>
+                        <p:cond delay="indefinite"/>
+                      </p:stCondLst>
+                      <p:childTnLst>
+                        <p:par>
+                          <p:cTn id="4" fill="hold">
+                            <p:stCondLst>
+                              <p:cond delay="0"/>
+                            </p:stCondLst>
+                            <p:childTnLst>
+                              <p:par>
+                                <p:cTn id="5" presetID="1" presetClass="entr" presetSubtype="0" fill="hold" nodeType="clickEffect">
+                                  <p:stCondLst>
+                                    <p:cond delay="0"/>
+                                  </p:stCondLst>
+                                  <p:childTnLst>
+                                    <p:set>
+                                      <p:cBhvr>
+                                        <p:cTn id="6" dur="1" fill="hold">
+                                          <p:stCondLst>
+                                            <p:cond delay="0"/>
+                                          </p:stCondLst>
+                                        </p:cTn>
+                                        <p:tgtEl>
+                                          <p:spTgt spid="20"/>
+                                        </p:tgtEl>
+                                        <p:attrNameLst>
+                                          <p:attrName>style.visibility</p:attrName>
+                                        </p:attrNameLst>
+                                      </p:cBhvr>
+                                      <p:to>
+                                        <p:strVal val="visible"/>
+                                      </p:to>
+                                    </p:set>
+                                  </p:childTnLst>
+                                </p:cTn>
+                              </p:par>
+                              <p:par>
+                                <p:cTn id="7" presetID="1" presetClass="entr" presetSubtype="0" fill="hold" grpId="0" nodeType="withEffect">
+                                  <p:stCondLst>
+                                    <p:cond delay="0"/>
+                                  </p:stCondLst>
+                                  <p:childTnLst>
+                                    <p:set>
+                                      <p:cBhvr>
+                                        <p:cTn id="8" dur="1" fill="hold">
+                                          <p:stCondLst>
+                                            <p:cond delay="0"/>
+                                          </p:stCondLst>
+                                        </p:cTn>
+                                        <p:tgtEl>
+                                          <p:spTgt spid="11"/>
+                                        </p:tgtEl>
+                                        <p:attrNameLst>
+                                          <p:attrName>style.visibility</p:attrName>
+                                        </p:attrNameLst>
+                                      </p:cBhvr>
+                                      <p:to>
+                                        <p:strVal val="visible"/>
+                                      </p:to>
+                                    </p:set>
+                                  </p:childTnLst>
+                                </p:cTn>
+                              </p:par>
+                            </p:childTnLst>
+                          </p:cTn>
+                        </p:par>
+                      </p:childTnLst>
+                    </p:cTn>
+                  </p:par>
+                  <p:par>
+                    <p:cTn id="9" fill="hold">
+                      <p:stCondLst>
+                        <p:cond delay="indefinite"/>
+                      </p:stCondLst>
+                      <p:childTnLst>
+                        <p:par>
+                          <p:cTn id="10" fill="hold">
+                            <p:stCondLst>
+                              <p:cond delay="0"/>
+                            </p:stCondLst>
+                            <p:childTnLst>
+                              <p:par>
+                                <p:cTn id="11" presetID="1" presetClass="entr" presetSubtype="0" fill="hold" nodeType="clickEffect">
+                                  <p:stCondLst>
+                                    <p:cond delay="0"/>
+                                  </p:stCondLst>
+                                  <p:childTnLst>
+                                    <p:set>
+                                      <p:cBhvr>
+                                        <p:cTn id="12" dur="1" fill="hold">
+                                          <p:stCondLst>
+                                            <p:cond delay="0"/>
+                                          </p:stCondLst>
+                                        </p:cTn>
+                                        <p:tgtEl>
+                                          <p:spTgt spid="17"/>
+                                        </p:tgtEl>
+                                        <p:attrNameLst>
+                                          <p:attrName>style.visibility</p:attrName>
+                                        </p:attrNameLst>
+                                      </p:cBhvr>
+                                      <p:to>
+                                        <p:strVal val="visible"/>
+                                      </p:to>
+                                    </p:set>
+                                  </p:childTnLst>
+                                </p:cTn>
+                              </p:par>
+                              <p:par>
+                                <p:cTn id="13" presetID="1" presetClass="entr" presetSubtype="0" fill="hold" grpId="0" nodeType="withEffect">
+                                  <p:stCondLst>
+                                    <p:cond delay="0"/>
+                                  </p:stCondLst>
+                                  <p:childTnLst>
+                                    <p:set>
+                                      <p:cBhvr>
+                                        <p:cTn id="14" dur="1" fill="hold">
+                                          <p:stCondLst>
+                                            <p:cond delay="0"/>
+                                          </p:stCondLst>
+                                        </p:cTn>
+                                        <p:tgtEl>
+                                          <p:spTgt spid="12"/>
+                                        </p:tgtEl>
+                                        <p:attrNameLst>
+                                          <p:attrName>style.visibility</p:attrName>
+                                        </p:attrNameLst>
+                                      </p:cBhvr>
+                                      <p:to>
+                                        <p:strVal val="visible"/>
+                                      </p:to>
+                                    </p:set>
+                                  </p:childTnLst>
+                                </p:cTn>
+                              </p:par>
+                            </p:childTnLst>
+                          </p:cTn>
+                        </p:par>
+                      </p:childTnLst>
+                    </p:cTn>
+                  </p:par>
+                  <p:par>
+                    <p:cTn id="15" fill="hold">
+                      <p:stCondLst>
+                        <p:cond delay="indefinite"/>
+                      </p:stCondLst>
+                      <p:childTnLst>
+                        <p:par>
+                          <p:cTn id="16" fill="hold">
+                            <p:stCondLst>
+                              <p:cond delay="0"/>
+                            </p:stCondLst>
+                            <p:childTnLst>
+                              <p:par>
+                                <p:cTn id="17" presetID="1" presetClass="entr" presetSubtype="0" fill="hold" nodeType="clickEffect">
+                                  <p:stCondLst>
+                                    <p:cond delay="0"/>
+                                  </p:stCondLst>
+                                  <p:childTnLst>
+                                    <p:set>
+                                      <p:cBhvr>
+                                        <p:cTn id="18" dur="1" fill="hold">
+                                          <p:stCondLst>
+                                            <p:cond delay="0"/>
+                                          </p:stCondLst>
+                                        </p:cTn>
+                                        <p:tgtEl>
+                                          <p:spTgt spid="18"/>
+                                        </p:tgtEl>
+                                        <p:attrNameLst>
+                                          <p:attrName>style.visibility</p:attrName>
+                                        </p:attrNameLst>
+                                      </p:cBhvr>
+                                      <p:to>
+                                        <p:strVal val="visible"/>
+                                      </p:to>
+                                    </p:set>
+                                  </p:childTnLst>
+                                </p:cTn>
+                              </p:par>
+                              <p:par>
+                                <p:cTn id="19" presetID="1" presetClass="entr" presetSubtype="0" fill="hold" grpId="0" nodeType="withEffect">
+                                  <p:stCondLst>
+                                    <p:cond delay="0"/>
+                                  </p:stCondLst>
+                                  <p:childTnLst>
+                                    <p:set>
+                                      <p:cBhvr>
+                                        <p:cTn id="20" dur="1" fill="hold">
+                                          <p:stCondLst>
+                                            <p:cond delay="0"/>
+                                          </p:stCondLst>
+                                        </p:cTn>
+                                        <p:tgtEl>
+                                          <p:spTgt spid="45"/>
+                                        </p:tgtEl>
+                                        <p:attrNameLst>
+                                          <p:attrName>style.visibility</p:attrName>
+                                        </p:attrNameLst>
+                                      </p:cBhvr>
+                                      <p:to>
+                                        <p:strVal val="visible"/>
+                                      </p:to>
+                                    </p:set>
+                                  </p:childTnLst>
+                                </p:cTn>
+                              </p:par>
+                            </p:childTnLst>
+                          </p:cTn>
+                        </p:par>
+                      </p:childTnLst>
+                    </p:cTn>
+                  </p:par>
+                  <p:par>
+                    <p:cTn id="21" fill="hold">
+                      <p:stCondLst>
+                        <p:cond delay="indefinite"/>
+                      </p:stCondLst>
+                      <p:childTnLst>
+                        <p:par>
+                          <p:cTn id="22" fill="hold">
+                            <p:stCondLst>
+                              <p:cond delay="0"/>
+                            </p:stCondLst>
+                            <p:childTnLst>
+                              <p:par>
+                                <p:cTn id="23" presetID="1" presetClass="entr" presetSubtype="0" fill="hold" nodeType="clickEffect">
+                                  <p:stCondLst>
+                                    <p:cond delay="0"/>
+                                  </p:stCondLst>
+                                  <p:childTnLst>
+                                    <p:set>
+                                      <p:cBhvr>
+                                        <p:cTn id="24" dur="1" fill="hold">
+                                          <p:stCondLst>
+                                            <p:cond delay="0"/>
+                                          </p:stCondLst>
+                                        </p:cTn>
+                                        <p:tgtEl>
+                                          <p:spTgt spid="51"/>
+                                        </p:tgtEl>
+                                        <p:attrNameLst>
+                                          <p:attrName>style.visibility</p:attrName>
+                                        </p:attrNameLst>
+                                      </p:cBhvr>
+                                      <p:to>
+                                        <p:strVal val="visible"/>
+                                      </p:to>
+                                    </p:set>
+                                  </p:childTnLst>
+                                </p:cTn>
+                              </p:par>
+                              <p:par>
+                                <p:cTn id="25" presetID="1" presetClass="entr" presetSubtype="0" fill="hold" grpId="0" nodeType="withEffect">
+                                  <p:stCondLst>
+                                    <p:cond delay="0"/>
+                                  </p:stCondLst>
+                                  <p:childTnLst>
+                                    <p:set>
+                                      <p:cBhvr>
+                                        <p:cTn id="26" dur="1" fill="hold">
+                                          <p:stCondLst>
+                                            <p:cond delay="0"/>
+                                          </p:stCondLst>
+                                        </p:cTn>
+                                        <p:tgtEl>
+                                          <p:spTgt spid="7"/>
+                                        </p:tgtEl>
+                                        <p:attrNameLst>
+                                          <p:attrName>style.visibility</p:attrName>
+                                        </p:attrNameLst>
+                                      </p:cBhvr>
+                                      <p:to>
+                                        <p:strVal val="visible"/>
+                                      </p:to>
+                                    </p:set>
+                                  </p:childTnLst>
+                                </p:cTn>
+                              </p:par>
+                            </p:childTnLst>
+                          </p:cTn>
+                        </p:par>
+                      </p:childTnLst>
+                    </p:cTn>
+                  </p:par>
+                  <p:par>
+                    <p:cTn id="27" fill="hold">
+                      <p:stCondLst>
+                        <p:cond delay="indefinite"/>
+                      </p:stCondLst>
+                      <p:childTnLst>
+                        <p:par>
+                          <p:cTn id="28" fill="hold">
+                            <p:stCondLst>
+                              <p:cond delay="0"/>
+                            </p:stCondLst>
+                            <p:childTnLst>
+                              <p:par>
+                                <p:cTn id="29" presetID="1" presetClass="entr" presetSubtype="0" fill="hold" grpId="0" nodeType="clickEffect">
+                                  <p:stCondLst>
+                                    <p:cond delay="0"/>
+                                  </p:stCondLst>
+                                  <p:childTnLst>
+                                    <p:set>
+                                      <p:cBhvr>
+                                        <p:cTn id="30" dur="1" fill="hold">
+                                          <p:stCondLst>
+                                            <p:cond delay="0"/>
+                                          </p:stCondLst>
+                                        </p:cTn>
+                                        <p:tgtEl>
+                                          <p:spTgt spid="104"/>
+                                        </p:tgtEl>
+                                        <p:attrNameLst>
+                                          <p:attrName>style.visibility</p:attrName>
+                                        </p:attrNameLst>
+                                      </p:cBhvr>
+                                      <p:to>
+                                        <p:strVal val="visible"/>
+                                      </p:to>
+                                    </p:set>
+                                  </p:childTnLst>
+                                </p:cTn>
+                              </p:par>
+                              <p:par>
+                                <p:cTn id="31" presetID="1" presetClass="entr" presetSubtype="0" fill="hold" nodeType="withEffect">
+                                  <p:stCondLst>
+                                    <p:cond delay="0"/>
+                                  </p:stCondLst>
+                                  <p:childTnLst>
+                                    <p:set>
+                                      <p:cBhvr>
+                                        <p:cTn id="32" dur="1" fill="hold">
+                                          <p:stCondLst>
+                                            <p:cond delay="0"/>
+                                          </p:stCondLst>
+                                        </p:cTn>
+                                        <p:tgtEl>
+                                          <p:spTgt spid="21"/>
+                                        </p:tgtEl>
+                                        <p:attrNameLst>
+                                          <p:attrName>style.visibility</p:attrName>
+                                        </p:attrNameLst>
+                                      </p:cBhvr>
+                                      <p:to>
+                                        <p:strVal val="visible"/>
+                                      </p:to>
+                                    </p:set>
+                                  </p:childTnLst>
+                                </p:cTn>
+                              </p:par>
+                              <p:par>
+                                <p:cTn id="33" presetID="1" presetClass="entr" presetSubtype="0" fill="hold" grpId="0" nodeType="withEffect">
+                                  <p:stCondLst>
+                                    <p:cond delay="0"/>
+                                  </p:stCondLst>
+                                  <p:childTnLst>
+                                    <p:set>
+                                      <p:cBhvr>
+                                        <p:cTn id="34" dur="1" fill="hold">
+                                          <p:stCondLst>
+                                            <p:cond delay="0"/>
+                                          </p:stCondLst>
+                                        </p:cTn>
+                                        <p:tgtEl>
+                                          <p:spTgt spid="16"/>
+                                        </p:tgtEl>
+                                        <p:attrNameLst>
+                                          <p:attrName>style.visibility</p:attrName>
+                                        </p:attrNameLst>
+                                      </p:cBhvr>
+                                      <p:to>
+                                        <p:strVal val="visible"/>
+                                      </p:to>
+                                    </p:set>
+                                  </p:childTnLst>
+                                </p:cTn>
+                              </p:par>
+                              <p:par>
+                                <p:cTn id="35" presetID="1" presetClass="entr" presetSubtype="0" fill="hold" nodeType="withEffect">
+                                  <p:stCondLst>
+                                    <p:cond delay="0"/>
+                                  </p:stCondLst>
+                                  <p:childTnLst>
+                                    <p:set>
+                                      <p:cBhvr>
+                                        <p:cTn id="36" dur="1" fill="hold">
+                                          <p:stCondLst>
+                                            <p:cond delay="0"/>
+                                          </p:stCondLst>
+                                        </p:cTn>
+                                        <p:tgtEl>
+                                          <p:spTgt spid="22"/>
+                                        </p:tgtEl>
+                                        <p:attrNameLst>
+                                          <p:attrName>style.visibility</p:attrName>
+                                        </p:attrNameLst>
+                                      </p:cBhvr>
+                                      <p:to>
+                                        <p:strVal val="visible"/>
+                                      </p:to>
+                                    </p:set>
+                                  </p:childTnLst>
+                                </p:cTn>
+                              </p:par>
+                            </p:childTnLst>
+                          </p:cTn>
+                        </p:par>
+                      </p:childTnLst>
+                    </p:cTn>
+                  </p:par>
+                  <p:par>
+                    <p:cTn id="37" fill="hold">
+                      <p:stCondLst>
+                        <p:cond delay="indefinite"/>
+                      </p:stCondLst>
+                      <p:childTnLst>
+                        <p:par>
+                          <p:cTn id="38" fill="hold">
+                            <p:stCondLst>
+                              <p:cond delay="0"/>
+                            </p:stCondLst>
+                            <p:childTnLst>
+                              <p:par>
+                                <p:cTn id="39" presetID="1" presetClass="entr" presetSubtype="0" fill="hold" nodeType="clickEffect">
+                                  <p:stCondLst>
+                                    <p:cond delay="0"/>
+                                  </p:stCondLst>
+                                  <p:childTnLst>
+                                    <p:set>
+                                      <p:cBhvr>
+                                        <p:cTn id="40" dur="1" fill="hold">
+                                          <p:stCondLst>
+                                            <p:cond delay="0"/>
+                                          </p:stCondLst>
+                                        </p:cTn>
+                                        <p:tgtEl>
+                                          <p:spTgt spid="85"/>
+                                        </p:tgtEl>
+                                        <p:attrNameLst>
+                                          <p:attrName>style.visibility</p:attrName>
+                                        </p:attrNameLst>
+                                      </p:cBhvr>
+                                      <p:to>
+                                        <p:strVal val="visible"/>
+                                      </p:to>
+                                    </p:set>
+                                  </p:childTnLst>
+                                </p:cTn>
+                              </p:par>
+                              <p:par>
+                                <p:cTn id="41" presetID="1" presetClass="entr" presetSubtype="0" fill="hold" grpId="0" nodeType="withEffect">
+                                  <p:stCondLst>
+                                    <p:cond delay="0"/>
+                                  </p:stCondLst>
+                                  <p:childTnLst>
+                                    <p:set>
+                                      <p:cBhvr>
+                                        <p:cTn id="42" dur="1" fill="hold">
+                                          <p:stCondLst>
+                                            <p:cond delay="0"/>
+                                          </p:stCondLst>
+                                        </p:cTn>
+                                        <p:tgtEl>
+                                          <p:spTgt spid="10"/>
+                                        </p:tgtEl>
+                                        <p:attrNameLst>
+                                          <p:attrName>style.visibility</p:attrName>
+                                        </p:attrNameLst>
+                                      </p:cBhvr>
+                                      <p:to>
+                                        <p:strVal val="visible"/>
+                                      </p:to>
+                                    </p:set>
+                                  </p:childTnLst>
+                                </p:cTn>
+                              </p:par>
+                              <p:par>
+                                <p:cTn id="43" presetID="1" presetClass="entr" presetSubtype="0" fill="hold" grpId="0" nodeType="withEffect">
+                                  <p:stCondLst>
+                                    <p:cond delay="0"/>
+                                  </p:stCondLst>
+                                  <p:childTnLst>
+                                    <p:set>
+                                      <p:cBhvr>
+                                        <p:cTn id="44" dur="1" fill="hold">
+                                          <p:stCondLst>
+                                            <p:cond delay="0"/>
+                                          </p:stCondLst>
+                                        </p:cTn>
+                                        <p:tgtEl>
+                                          <p:spTgt spid="84"/>
+                                        </p:tgtEl>
+                                        <p:attrNameLst>
+                                          <p:attrName>style.visibility</p:attrName>
+                                        </p:attrNameLst>
+                                      </p:cBhvr>
+                                      <p:to>
+                                        <p:strVal val="visible"/>
+                                      </p:to>
+                                    </p:set>
+                                  </p:childTnLst>
+                                </p:cTn>
+                              </p:par>
+                            </p:childTnLst>
+                          </p:cTn>
+                        </p:par>
+                      </p:childTnLst>
+                    </p:cTn>
+                  </p:par>
+                  <p:par>
+                    <p:cTn id="45" fill="hold">
+                      <p:stCondLst>
+                        <p:cond delay="indefinite"/>
+                      </p:stCondLst>
+                      <p:childTnLst>
+                        <p:par>
+                          <p:cTn id="46" fill="hold">
+                            <p:stCondLst>
+                              <p:cond delay="0"/>
+                            </p:stCondLst>
+                            <p:childTnLst>
+                              <p:par>
+                                <p:cTn id="47" presetID="1" presetClass="entr" presetSubtype="0" fill="hold" grpId="0" nodeType="clickEffect">
+                                  <p:stCondLst>
+                                    <p:cond delay="0"/>
+                                  </p:stCondLst>
+                                  <p:childTnLst>
+                                    <p:set>
+                                      <p:cBhvr>
+                                        <p:cTn id="48" dur="1" fill="hold">
+                                          <p:stCondLst>
+                                            <p:cond delay="0"/>
+                                          </p:stCondLst>
+                                        </p:cTn>
+                                        <p:tgtEl>
+                                          <p:spTgt spid="95"/>
+                                        </p:tgtEl>
+                                        <p:attrNameLst>
+                                          <p:attrName>style.visibility</p:attrName>
+                                        </p:attrNameLst>
+                                      </p:cBhvr>
+                                      <p:to>
+                                        <p:strVal val="visible"/>
+                                      </p:to>
+                                    </p:set>
+                                  </p:childTnLst>
+                                </p:cTn>
+                              </p:par>
+                              <p:par>
+                                <p:cTn id="49" presetID="1" presetClass="entr" presetSubtype="0" fill="hold" nodeType="withEffect">
+                                  <p:stCondLst>
+                                    <p:cond delay="0"/>
+                                  </p:stCondLst>
+                                  <p:childTnLst>
+                                    <p:set>
+                                      <p:cBhvr>
+                                        <p:cTn id="50" dur="1" fill="hold">
+                                          <p:stCondLst>
+                                            <p:cond delay="0"/>
+                                          </p:stCondLst>
+                                        </p:cTn>
+                                        <p:tgtEl>
+                                          <p:spTgt spid="90"/>
+                                        </p:tgtEl>
+                                        <p:attrNameLst>
+                                          <p:attrName>style.visibility</p:attrName>
+                                        </p:attrNameLst>
+                                      </p:cBhvr>
+                                      <p:to>
+                                        <p:strVal val="visible"/>
+                                      </p:to>
+                                    </p:set>
+                                  </p:childTnLst>
+                                </p:cTn>
+                              </p:par>
+                              <p:par>
+                                <p:cTn id="51" presetID="1" presetClass="entr" presetSubtype="0" fill="hold" grpId="0" nodeType="withEffect">
+                                  <p:stCondLst>
+                                    <p:cond delay="0"/>
+                                  </p:stCondLst>
+                                  <p:childTnLst>
+                                    <p:set>
+                                      <p:cBhvr>
+                                        <p:cTn id="52" dur="1" fill="hold">
+                                          <p:stCondLst>
+                                            <p:cond delay="0"/>
+                                          </p:stCondLst>
+                                        </p:cTn>
+                                        <p:tgtEl>
+                                          <p:spTgt spid="14"/>
+                                        </p:tgtEl>
+                                        <p:attrNameLst>
+                                          <p:attrName>style.visibility</p:attrName>
+                                        </p:attrNameLst>
+                                      </p:cBhvr>
+                                      <p:to>
+                                        <p:strVal val="visible"/>
+                                      </p:to>
+                                    </p:set>
+                                  </p:childTnLst>
+                                </p:cTn>
+                              </p:par>
+                              <p:par>
+                                <p:cTn id="53" presetID="1" presetClass="entr" presetSubtype="0" fill="hold" nodeType="withEffect">
+                                  <p:stCondLst>
+                                    <p:cond delay="0"/>
+                                  </p:stCondLst>
+                                  <p:childTnLst>
+                                    <p:set>
+                                      <p:cBhvr>
+                                        <p:cTn id="54" dur="1" fill="hold">
+                                          <p:stCondLst>
+                                            <p:cond delay="0"/>
+                                          </p:stCondLst>
+                                        </p:cTn>
+                                        <p:tgtEl>
+                                          <p:spTgt spid="15"/>
+                                        </p:tgtEl>
+                                        <p:attrNameLst>
+                                          <p:attrName>style.visibility</p:attrName>
+                                        </p:attrNameLst>
+                                      </p:cBhvr>
+                                      <p:to>
+                                        <p:strVal val="visible"/>
+                                      </p:to>
+                                    </p:set>
+                                  </p:childTnLst>
+                                </p:cTn>
+                              </p:par>
+                            </p:childTnLst>
+                          </p:cTn>
+                        </p:par>
+                      </p:childTnLst>
+                    </p:cTn>
+                  </p:par>
+                  <p:par>
+                    <p:cTn id="55" fill="hold">
+                      <p:stCondLst>
+                        <p:cond delay="indefinite"/>
+                      </p:stCondLst>
+                      <p:childTnLst>
+                        <p:par>
+                          <p:cTn id="56" fill="hold">
+                            <p:stCondLst>
+                              <p:cond delay="0"/>
+                            </p:stCondLst>
+                            <p:childTnLst>
+                              <p:par>
+                                <p:cTn id="57" presetID="1" presetClass="entr" presetSubtype="0" fill="hold" nodeType="clickEffect">
+                                  <p:stCondLst>
+                                    <p:cond delay="0"/>
+                                  </p:stCondLst>
+                                  <p:childTnLst>
+                                    <p:set>
+                                      <p:cBhvr>
+                                        <p:cTn id="58" dur="1" fill="hold">
+                                          <p:stCondLst>
+                                            <p:cond delay="0"/>
+                                          </p:stCondLst>
+                                        </p:cTn>
+                                        <p:tgtEl>
+                                          <p:spTgt spid="97"/>
+                                        </p:tgtEl>
+                                        <p:attrNameLst>
+                                          <p:attrName>style.visibility</p:attrName>
+                                        </p:attrNameLst>
+                                      </p:cBhvr>
+                                      <p:to>
+                                        <p:strVal val="visible"/>
+                                      </p:to>
+                                    </p:set>
+                                  </p:childTnLst>
+                                </p:cTn>
+                              </p:par>
+                              <p:par>
+                                <p:cTn id="59" presetID="1" presetClass="entr" presetSubtype="0" fill="hold" grpId="0" nodeType="withEffect">
+                                  <p:stCondLst>
+                                    <p:cond delay="0"/>
+                                  </p:stCondLst>
+                                  <p:childTnLst>
+                                    <p:set>
+                                      <p:cBhvr>
+                                        <p:cTn id="60" dur="1" fill="hold">
+                                          <p:stCondLst>
+                                            <p:cond delay="0"/>
+                                          </p:stCondLst>
+                                        </p:cTn>
+                                        <p:tgtEl>
+                                          <p:spTgt spid="9"/>
+                                        </p:tgtEl>
+                                        <p:attrNameLst>
+                                          <p:attrName>style.visibility</p:attrName>
+                                        </p:attrNameLst>
+                                      </p:cBhvr>
+                                      <p:to>
+                                        <p:strVal val="visible"/>
+                                      </p:to>
+                                    </p:set>
+                                  </p:childTnLst>
+                                </p:cTn>
+                              </p:par>
+                              <p:par>
+                                <p:cTn id="61" presetID="1" presetClass="entr" presetSubtype="0" fill="hold" grpId="0" nodeType="withEffect">
+                                  <p:stCondLst>
+                                    <p:cond delay="0"/>
+                                  </p:stCondLst>
+                                  <p:childTnLst>
+                                    <p:set>
+                                      <p:cBhvr>
+                                        <p:cTn id="62" dur="1" fill="hold">
+                                          <p:stCondLst>
+                                            <p:cond delay="0"/>
+                                          </p:stCondLst>
+                                        </p:cTn>
+                                        <p:tgtEl>
+                                          <p:spTgt spid="96"/>
+                                        </p:tgtEl>
+                                        <p:attrNameLst>
+                                          <p:attrName>style.visibility</p:attrName>
+                                        </p:attrNameLst>
+                                      </p:cBhvr>
+                                      <p:to>
+                                        <p:strVal val="visible"/>
+                                      </p:to>
+                                    </p:set>
+                                  </p:childTnLst>
+                                </p:cTn>
+                              </p:par>
+                            </p:childTnLst>
+                          </p:cTn>
+                        </p:par>
+                      </p:childTnLst>
+                    </p:cTn>
+                  </p:par>
+                </p:childTnLst>
+              </p:cTn>
+              <p:prevCondLst>
+                <p:cond evt="onPrev" delay="0">
+                  <p:tgtEl>
+                    <p:sldTgt/>
+                  </p:tgtEl>
+                </p:cond>
+              </p:prevCondLst>
+              <p:nextCondLst>
+                <p:cond evt="onNext" delay="0">
+                  <p:tgtEl>
+                    <p:sldTgt/>
+                  </p:tgtEl>
+                </p:cond>
+              </p:nextCondLst>
+            </p:seq>
+          </p:childTnLst>
+        </p:cTn>
       </p:par>
     </p:tnLst>
+    <p:bldLst>
+      <p:bldP spid="7" grpId="0" animBg="1"/>
+      <p:bldP spid="9" grpId="0"/>
+      <p:bldP spid="10" grpId="0"/>
+      <p:bldP spid="11" grpId="0" animBg="1"/>
+      <p:bldP spid="12" grpId="0" animBg="1"/>
+      <p:bldP spid="14" grpId="0" animBg="1"/>
+      <p:bldP spid="16" grpId="0" animBg="1"/>
+      <p:bldP spid="45" grpId="0" animBg="1"/>
+      <p:bldP spid="84" grpId="0" animBg="1"/>
+      <p:bldP spid="95" grpId="0"/>
+      <p:bldP spid="96" grpId="0" animBg="1"/>
+      <p:bldP spid="104" grpId="0"/>
+    </p:bldLst>
   </p:timing>
 </p:sld>
 </file>
@@ -9827,7 +11139,7 @@
               <a:t>0</a:t>
             </a:r>
             <a:r>
-              <a:rPr lang="en-US" altLang="zh-TW" sz="1400" dirty="0">
+              <a:rPr lang="en-US" altLang="zh-TW" sz="1400" dirty="0" smtClean="0">
                 <a:solidFill>
                   <a:srgbClr val="E6E6FA"/>
                 </a:solidFill>
@@ -9835,34 +11147,114 @@
               </a:rPr>
               <a:t>;</a:t>
             </a:r>
-          </a:p>
-          <a:p>
             <a:endParaRPr lang="zh-TW" altLang="en-US" sz="1400" dirty="0">
               <a:latin typeface="Consolas" panose="020B0609020204030204" pitchFamily="49" charset="0"/>
             </a:endParaRPr>
           </a:p>
           <a:p>
             <a:r>
+              <a:rPr lang="en-US" altLang="zh-TW" sz="1400" i="1" dirty="0">
+                <a:solidFill>
+                  <a:srgbClr val="8DDAF8"/>
+                </a:solidFill>
+                <a:latin typeface="Consolas" panose="020B0609020204030204" pitchFamily="49" charset="0"/>
+              </a:rPr>
+              <a:t>	</a:t>
+            </a:r>
+            <a:r>
+              <a:rPr lang="en-US" altLang="zh-TW" sz="1400" dirty="0" err="1" smtClean="0">
+                <a:solidFill>
+                  <a:srgbClr val="CC6C1D"/>
+                </a:solidFill>
+                <a:latin typeface="Consolas" panose="020B0609020204030204" pitchFamily="49" charset="0"/>
+              </a:rPr>
+              <a:t>int</a:t>
+            </a:r>
+            <a:r>
+              <a:rPr lang="en-US" altLang="zh-TW" sz="1400" dirty="0" smtClean="0">
+                <a:solidFill>
+                  <a:srgbClr val="D9E8F7"/>
+                </a:solidFill>
+                <a:latin typeface="Consolas" panose="020B0609020204030204" pitchFamily="49" charset="0"/>
+              </a:rPr>
+              <a:t> </a:t>
+            </a:r>
+            <a:r>
+              <a:rPr lang="en-US" altLang="zh-TW" sz="1400" i="1" dirty="0" err="1" smtClean="0">
+                <a:solidFill>
+                  <a:srgbClr val="FFFF00"/>
+                </a:solidFill>
+                <a:latin typeface="Consolas" panose="020B0609020204030204" pitchFamily="49" charset="0"/>
+              </a:rPr>
+              <a:t>nDigit</a:t>
+            </a:r>
+            <a:r>
               <a:rPr lang="en-US" altLang="zh-TW" sz="1400" i="1" dirty="0" smtClean="0">
                 <a:solidFill>
-                  <a:srgbClr val="8DDAF8"/>
-                </a:solidFill>
-                <a:latin typeface="Consolas" panose="020B0609020204030204" pitchFamily="49" charset="0"/>
-              </a:rPr>
-              <a:t>	</a:t>
-            </a:r>
-            <a:r>
-              <a:rPr lang="en-US" altLang="zh-TW" sz="1400" i="1" dirty="0" err="1" smtClean="0">
-                <a:solidFill>
-                  <a:srgbClr val="8DDAF8"/>
-                </a:solidFill>
-                <a:latin typeface="Consolas" panose="020B0609020204030204" pitchFamily="49" charset="0"/>
-              </a:rPr>
-              <a:t>nDigit</a:t>
+                  <a:srgbClr val="D9E8F7"/>
+                </a:solidFill>
+                <a:latin typeface="Consolas" panose="020B0609020204030204" pitchFamily="49" charset="0"/>
+              </a:rPr>
+              <a:t> </a:t>
+            </a:r>
+            <a:r>
+              <a:rPr lang="en-US" altLang="zh-TW" sz="1400" i="1" dirty="0">
+                <a:solidFill>
+                  <a:srgbClr val="E6E6FA"/>
+                </a:solidFill>
+                <a:latin typeface="Consolas" panose="020B0609020204030204" pitchFamily="49" charset="0"/>
+              </a:rPr>
+              <a:t>=</a:t>
+            </a:r>
+            <a:r>
+              <a:rPr lang="en-US" altLang="zh-TW" sz="1400" i="1" dirty="0">
+                <a:solidFill>
+                  <a:srgbClr val="D9E8F7"/>
+                </a:solidFill>
+                <a:latin typeface="Consolas" panose="020B0609020204030204" pitchFamily="49" charset="0"/>
+              </a:rPr>
+              <a:t> </a:t>
+            </a:r>
+            <a:r>
+              <a:rPr lang="en-US" altLang="zh-TW" sz="1400" i="1" dirty="0">
+                <a:solidFill>
+                  <a:srgbClr val="6897BB"/>
+                </a:solidFill>
+                <a:latin typeface="Consolas" panose="020B0609020204030204" pitchFamily="49" charset="0"/>
+              </a:rPr>
+              <a:t>3</a:t>
             </a:r>
             <a:r>
               <a:rPr lang="en-US" altLang="zh-TW" sz="1400" i="1" dirty="0" smtClean="0">
                 <a:solidFill>
+                  <a:srgbClr val="E6E6FA"/>
+                </a:solidFill>
+                <a:latin typeface="Consolas" panose="020B0609020204030204" pitchFamily="49" charset="0"/>
+              </a:rPr>
+              <a:t>;</a:t>
+            </a:r>
+          </a:p>
+          <a:p>
+            <a:endParaRPr lang="en-US" altLang="zh-TW" sz="1400" i="1" dirty="0">
+              <a:solidFill>
+                <a:srgbClr val="E6E6FA"/>
+              </a:solidFill>
+              <a:latin typeface="Consolas" panose="020B0609020204030204" pitchFamily="49" charset="0"/>
+            </a:endParaRPr>
+          </a:p>
+          <a:p>
+            <a:r>
+              <a:rPr lang="en-US" altLang="zh-TW" sz="1400" dirty="0" smtClean="0">
+                <a:solidFill>
+                  <a:srgbClr val="F3EC79"/>
+                </a:solidFill>
+                <a:latin typeface="Consolas" panose="020B0609020204030204" pitchFamily="49" charset="0"/>
+              </a:rPr>
+              <a:t>	numbers</a:t>
+            </a:r>
+            <a:r>
+              <a:rPr lang="en-US" altLang="zh-TW" sz="1400" dirty="0" smtClean="0">
+                <a:solidFill>
                   <a:srgbClr val="D9E8F7"/>
                 </a:solidFill>
                 <a:latin typeface="Consolas" panose="020B0609020204030204" pitchFamily="49" charset="0"/>
@@ -9870,101 +11262,45 @@
               <a:t> </a:t>
             </a:r>
             <a:r>
+              <a:rPr lang="en-US" altLang="zh-TW" sz="1400" dirty="0">
+                <a:solidFill>
+                  <a:srgbClr val="E6E6FA"/>
+                </a:solidFill>
+                <a:latin typeface="Consolas" panose="020B0609020204030204" pitchFamily="49" charset="0"/>
+              </a:rPr>
+              <a:t>=</a:t>
+            </a:r>
+            <a:r>
+              <a:rPr lang="en-US" altLang="zh-TW" sz="1400" dirty="0">
+                <a:solidFill>
+                  <a:srgbClr val="D9E8F7"/>
+                </a:solidFill>
+                <a:latin typeface="Consolas" panose="020B0609020204030204" pitchFamily="49" charset="0"/>
+              </a:rPr>
+              <a:t> </a:t>
+            </a:r>
+            <a:r>
+              <a:rPr lang="en-US" altLang="zh-TW" sz="1400" i="1" dirty="0" err="1">
+                <a:solidFill>
+                  <a:srgbClr val="96EC3F"/>
+                </a:solidFill>
+                <a:latin typeface="Consolas" panose="020B0609020204030204" pitchFamily="49" charset="0"/>
+              </a:rPr>
+              <a:t>nextNumber</a:t>
+            </a:r>
+            <a:r>
               <a:rPr lang="en-US" altLang="zh-TW" sz="1400" i="1" dirty="0">
                 <a:solidFill>
-                  <a:srgbClr val="E6E6FA"/>
-                </a:solidFill>
-                <a:latin typeface="Consolas" panose="020B0609020204030204" pitchFamily="49" charset="0"/>
-              </a:rPr>
-              <a:t>=</a:t>
-            </a:r>
-            <a:r>
-              <a:rPr lang="en-US" altLang="zh-TW" sz="1400" i="1" dirty="0">
-                <a:solidFill>
-                  <a:srgbClr val="D9E8F7"/>
-                </a:solidFill>
-                <a:latin typeface="Consolas" panose="020B0609020204030204" pitchFamily="49" charset="0"/>
-              </a:rPr>
-              <a:t> </a:t>
-            </a:r>
-            <a:r>
-              <a:rPr lang="en-US" altLang="zh-TW" sz="1400" i="1" dirty="0">
-                <a:solidFill>
-                  <a:srgbClr val="6897BB"/>
-                </a:solidFill>
-                <a:latin typeface="Consolas" panose="020B0609020204030204" pitchFamily="49" charset="0"/>
-              </a:rPr>
-              <a:t>3</a:t>
-            </a:r>
-            <a:r>
-              <a:rPr lang="en-US" altLang="zh-TW" sz="1400" i="1" dirty="0">
-                <a:solidFill>
-                  <a:srgbClr val="E6E6FA"/>
-                </a:solidFill>
-                <a:latin typeface="Consolas" panose="020B0609020204030204" pitchFamily="49" charset="0"/>
-              </a:rPr>
-              <a:t>;</a:t>
-            </a:r>
-          </a:p>
-          <a:p>
-            <a:r>
-              <a:rPr lang="en-US" altLang="zh-TW" sz="1400" dirty="0" smtClean="0">
-                <a:solidFill>
-                  <a:srgbClr val="F3EC79"/>
-                </a:solidFill>
-                <a:latin typeface="Consolas" panose="020B0609020204030204" pitchFamily="49" charset="0"/>
-              </a:rPr>
-              <a:t>	numbers</a:t>
-            </a:r>
-            <a:r>
-              <a:rPr lang="en-US" altLang="zh-TW" sz="1400" dirty="0" smtClean="0">
-                <a:solidFill>
-                  <a:srgbClr val="D9E8F7"/>
-                </a:solidFill>
-                <a:latin typeface="Consolas" panose="020B0609020204030204" pitchFamily="49" charset="0"/>
-              </a:rPr>
-              <a:t> </a:t>
-            </a:r>
-            <a:r>
-              <a:rPr lang="en-US" altLang="zh-TW" sz="1400" dirty="0">
-                <a:solidFill>
-                  <a:srgbClr val="E6E6FA"/>
-                </a:solidFill>
-                <a:latin typeface="Consolas" panose="020B0609020204030204" pitchFamily="49" charset="0"/>
-              </a:rPr>
-              <a:t>=</a:t>
-            </a:r>
-            <a:r>
-              <a:rPr lang="en-US" altLang="zh-TW" sz="1400" dirty="0">
-                <a:solidFill>
-                  <a:srgbClr val="D9E8F7"/>
-                </a:solidFill>
-                <a:latin typeface="Consolas" panose="020B0609020204030204" pitchFamily="49" charset="0"/>
-              </a:rPr>
-              <a:t> </a:t>
+                  <a:srgbClr val="F9FAF4"/>
+                </a:solidFill>
+                <a:latin typeface="Consolas" panose="020B0609020204030204" pitchFamily="49" charset="0"/>
+              </a:rPr>
+              <a:t>(</a:t>
             </a:r>
             <a:r>
               <a:rPr lang="en-US" altLang="zh-TW" sz="1400" i="1" dirty="0" err="1">
                 <a:solidFill>
-                  <a:srgbClr val="96EC3F"/>
-                </a:solidFill>
-                <a:latin typeface="Consolas" panose="020B0609020204030204" pitchFamily="49" charset="0"/>
-              </a:rPr>
-              <a:t>nextNumber</a:t>
-            </a:r>
-            <a:r>
-              <a:rPr lang="en-US" altLang="zh-TW" sz="1400" i="1" dirty="0">
-                <a:solidFill>
-                  <a:srgbClr val="F9FAF4"/>
-                </a:solidFill>
-                <a:latin typeface="Consolas" panose="020B0609020204030204" pitchFamily="49" charset="0"/>
-              </a:rPr>
-              <a:t>(</a:t>
-            </a:r>
-            <a:r>
-              <a:rPr lang="en-US" altLang="zh-TW" sz="1400" i="1" dirty="0" err="1">
-                <a:solidFill>
-                  <a:srgbClr val="8DDAF8"/>
+                  <a:srgbClr val="FFFF66"/>
                 </a:solidFill>
                 <a:latin typeface="Consolas" panose="020B0609020204030204" pitchFamily="49" charset="0"/>
               </a:rPr>
@@ -10687,19 +12023,342 @@
             <a:r>
               <a:rPr lang="en-US" altLang="zh-TW" sz="1400" i="1" dirty="0" err="1" smtClean="0">
                 <a:solidFill>
+                  <a:srgbClr val="FFFF66"/>
+                </a:solidFill>
+                <a:latin typeface="Consolas" panose="020B0609020204030204" pitchFamily="49" charset="0"/>
+              </a:rPr>
+              <a:t>nDigit</a:t>
+            </a:r>
+            <a:r>
+              <a:rPr lang="en-US" altLang="zh-TW" sz="1400" i="1" dirty="0">
+                <a:solidFill>
+                  <a:srgbClr val="E6E6FA"/>
+                </a:solidFill>
+                <a:latin typeface="Consolas" panose="020B0609020204030204" pitchFamily="49" charset="0"/>
+              </a:rPr>
+              <a:t>++;</a:t>
+            </a:r>
+          </a:p>
+          <a:p>
+            <a:r>
+              <a:rPr lang="en-US" altLang="zh-TW" sz="1400" dirty="0" smtClean="0">
+                <a:solidFill>
+                  <a:srgbClr val="1290C3"/>
+                </a:solidFill>
+                <a:latin typeface="Consolas" panose="020B0609020204030204" pitchFamily="49" charset="0"/>
+              </a:rPr>
+              <a:t>			</a:t>
+            </a:r>
+            <a:r>
+              <a:rPr lang="en-US" altLang="zh-TW" sz="1400" dirty="0" err="1" smtClean="0">
+                <a:solidFill>
+                  <a:srgbClr val="1290C3"/>
+                </a:solidFill>
+                <a:latin typeface="Consolas" panose="020B0609020204030204" pitchFamily="49" charset="0"/>
+              </a:rPr>
+              <a:t>System</a:t>
+            </a:r>
+            <a:r>
+              <a:rPr lang="en-US" altLang="zh-TW" sz="1400" dirty="0" err="1" smtClean="0">
+                <a:solidFill>
+                  <a:srgbClr val="E6E6FA"/>
+                </a:solidFill>
+                <a:latin typeface="Consolas" panose="020B0609020204030204" pitchFamily="49" charset="0"/>
+              </a:rPr>
+              <a:t>.</a:t>
+            </a:r>
+            <a:r>
+              <a:rPr lang="en-US" altLang="zh-TW" sz="1400" b="1" i="1" dirty="0" err="1" smtClean="0">
+                <a:solidFill>
                   <a:srgbClr val="8DDAF8"/>
                 </a:solidFill>
                 <a:latin typeface="Consolas" panose="020B0609020204030204" pitchFamily="49" charset="0"/>
               </a:rPr>
+              <a:t>out</a:t>
+            </a:r>
+            <a:r>
+              <a:rPr lang="en-US" altLang="zh-TW" sz="1400" b="1" i="1" dirty="0" err="1" smtClean="0">
+                <a:solidFill>
+                  <a:srgbClr val="E6E6FA"/>
+                </a:solidFill>
+                <a:latin typeface="Consolas" panose="020B0609020204030204" pitchFamily="49" charset="0"/>
+              </a:rPr>
+              <a:t>.</a:t>
+            </a:r>
+            <a:r>
+              <a:rPr lang="en-US" altLang="zh-TW" sz="1400" b="1" i="1" dirty="0" err="1" smtClean="0">
+                <a:solidFill>
+                  <a:srgbClr val="A7EC21"/>
+                </a:solidFill>
+                <a:latin typeface="Consolas" panose="020B0609020204030204" pitchFamily="49" charset="0"/>
+              </a:rPr>
+              <a:t>println</a:t>
+            </a:r>
+            <a:r>
+              <a:rPr lang="en-US" altLang="zh-TW" sz="1400" b="1" i="1" dirty="0">
+                <a:solidFill>
+                  <a:srgbClr val="F9FAF4"/>
+                </a:solidFill>
+                <a:latin typeface="Consolas" panose="020B0609020204030204" pitchFamily="49" charset="0"/>
+              </a:rPr>
+              <a:t>(</a:t>
+            </a:r>
+            <a:r>
+              <a:rPr lang="en-US" altLang="zh-TW" sz="1400" b="1" i="1" dirty="0">
+                <a:solidFill>
+                  <a:srgbClr val="17C6A3"/>
+                </a:solidFill>
+                <a:latin typeface="Consolas" panose="020B0609020204030204" pitchFamily="49" charset="0"/>
+              </a:rPr>
+              <a:t>"</a:t>
+            </a:r>
+            <a:r>
+              <a:rPr lang="zh-TW" altLang="en-US" sz="1400" b="1" i="1" dirty="0">
+                <a:solidFill>
+                  <a:srgbClr val="17C6A3"/>
+                </a:solidFill>
+                <a:latin typeface="Consolas" panose="020B0609020204030204" pitchFamily="49" charset="0"/>
+              </a:rPr>
+              <a:t>正確！ 目前 </a:t>
+            </a:r>
+            <a:r>
+              <a:rPr lang="en-US" altLang="zh-TW" sz="1400" b="1" i="1" dirty="0">
+                <a:solidFill>
+                  <a:srgbClr val="17C6A3"/>
+                </a:solidFill>
+                <a:latin typeface="Consolas" panose="020B0609020204030204" pitchFamily="49" charset="0"/>
+              </a:rPr>
+              <a:t>"</a:t>
+            </a:r>
+            <a:r>
+              <a:rPr lang="en-US" altLang="zh-TW" sz="1400" b="1" i="1" dirty="0">
+                <a:solidFill>
+                  <a:srgbClr val="E6E6FA"/>
+                </a:solidFill>
+                <a:latin typeface="Consolas" panose="020B0609020204030204" pitchFamily="49" charset="0"/>
+              </a:rPr>
+              <a:t>+</a:t>
+            </a:r>
+            <a:r>
+              <a:rPr lang="zh-TW" altLang="en-US" sz="1400" b="1" i="1" dirty="0">
+                <a:solidFill>
+                  <a:srgbClr val="D9E8F7"/>
+                </a:solidFill>
+                <a:latin typeface="Consolas" panose="020B0609020204030204" pitchFamily="49" charset="0"/>
+              </a:rPr>
+              <a:t> </a:t>
+            </a:r>
+            <a:r>
+              <a:rPr lang="en-US" altLang="zh-TW" sz="1400" i="1" dirty="0" err="1">
+                <a:solidFill>
+                  <a:srgbClr val="FFFF66"/>
+                </a:solidFill>
+                <a:latin typeface="Consolas" panose="020B0609020204030204" pitchFamily="49" charset="0"/>
+              </a:rPr>
               <a:t>nDigit</a:t>
             </a:r>
             <a:r>
+              <a:rPr lang="en-US" altLang="zh-TW" sz="1400" b="1" i="1" dirty="0">
+                <a:solidFill>
+                  <a:srgbClr val="D9E8F7"/>
+                </a:solidFill>
+                <a:latin typeface="Consolas" panose="020B0609020204030204" pitchFamily="49" charset="0"/>
+              </a:rPr>
+              <a:t> </a:t>
+            </a:r>
+            <a:r>
+              <a:rPr lang="en-US" altLang="zh-TW" sz="1400" b="1" i="1" dirty="0">
+                <a:solidFill>
+                  <a:srgbClr val="E6E6FA"/>
+                </a:solidFill>
+                <a:latin typeface="Consolas" panose="020B0609020204030204" pitchFamily="49" charset="0"/>
+              </a:rPr>
+              <a:t>+</a:t>
+            </a:r>
+            <a:r>
+              <a:rPr lang="en-US" altLang="zh-TW" sz="1400" b="1" i="1" dirty="0">
+                <a:solidFill>
+                  <a:srgbClr val="17C6A3"/>
+                </a:solidFill>
+                <a:latin typeface="Consolas" panose="020B0609020204030204" pitchFamily="49" charset="0"/>
+              </a:rPr>
+              <a:t>" </a:t>
+            </a:r>
+            <a:r>
+              <a:rPr lang="zh-TW" altLang="en-US" sz="1400" b="1" i="1" dirty="0">
+                <a:solidFill>
+                  <a:srgbClr val="17C6A3"/>
+                </a:solidFill>
+                <a:latin typeface="Consolas" panose="020B0609020204030204" pitchFamily="49" charset="0"/>
+              </a:rPr>
+              <a:t>位數</a:t>
+            </a:r>
+            <a:r>
+              <a:rPr lang="en-US" altLang="zh-TW" sz="1400" b="1" i="1" dirty="0">
+                <a:solidFill>
+                  <a:srgbClr val="17C6A3"/>
+                </a:solidFill>
+                <a:latin typeface="Consolas" panose="020B0609020204030204" pitchFamily="49" charset="0"/>
+              </a:rPr>
+              <a:t>"</a:t>
+            </a:r>
+            <a:r>
+              <a:rPr lang="en-US" altLang="zh-TW" sz="1400" b="1" i="1" dirty="0">
+                <a:solidFill>
+                  <a:srgbClr val="F9FAF4"/>
+                </a:solidFill>
+                <a:latin typeface="Consolas" panose="020B0609020204030204" pitchFamily="49" charset="0"/>
+              </a:rPr>
+              <a:t>)</a:t>
+            </a:r>
+            <a:r>
+              <a:rPr lang="en-US" altLang="zh-TW" sz="1400" b="1" i="1" dirty="0">
+                <a:solidFill>
+                  <a:srgbClr val="E6E6FA"/>
+                </a:solidFill>
+                <a:latin typeface="Consolas" panose="020B0609020204030204" pitchFamily="49" charset="0"/>
+              </a:rPr>
+              <a:t>;</a:t>
+            </a:r>
+          </a:p>
+          <a:p>
+            <a:r>
+              <a:rPr lang="en-US" altLang="zh-TW" sz="1400" dirty="0" smtClean="0">
+                <a:solidFill>
+                  <a:srgbClr val="F3EC79"/>
+                </a:solidFill>
+                <a:latin typeface="Consolas" panose="020B0609020204030204" pitchFamily="49" charset="0"/>
+              </a:rPr>
+              <a:t>			numbers</a:t>
+            </a:r>
+            <a:r>
+              <a:rPr lang="en-US" altLang="zh-TW" sz="1400" dirty="0" smtClean="0">
+                <a:solidFill>
+                  <a:srgbClr val="D9E8F7"/>
+                </a:solidFill>
+                <a:latin typeface="Consolas" panose="020B0609020204030204" pitchFamily="49" charset="0"/>
+              </a:rPr>
+              <a:t> </a:t>
+            </a:r>
+            <a:r>
+              <a:rPr lang="en-US" altLang="zh-TW" sz="1400" dirty="0">
+                <a:solidFill>
+                  <a:srgbClr val="E6E6FA"/>
+                </a:solidFill>
+                <a:latin typeface="Consolas" panose="020B0609020204030204" pitchFamily="49" charset="0"/>
+              </a:rPr>
+              <a:t>=</a:t>
+            </a:r>
+            <a:r>
+              <a:rPr lang="en-US" altLang="zh-TW" sz="1400" dirty="0">
+                <a:solidFill>
+                  <a:srgbClr val="D9E8F7"/>
+                </a:solidFill>
+                <a:latin typeface="Consolas" panose="020B0609020204030204" pitchFamily="49" charset="0"/>
+              </a:rPr>
+              <a:t> </a:t>
+            </a:r>
+            <a:r>
+              <a:rPr lang="en-US" altLang="zh-TW" sz="1400" i="1" dirty="0" err="1">
+                <a:solidFill>
+                  <a:srgbClr val="96EC3F"/>
+                </a:solidFill>
+                <a:latin typeface="Consolas" panose="020B0609020204030204" pitchFamily="49" charset="0"/>
+              </a:rPr>
+              <a:t>nextNumber</a:t>
+            </a:r>
+            <a:r>
               <a:rPr lang="en-US" altLang="zh-TW" sz="1400" i="1" dirty="0">
                 <a:solidFill>
+                  <a:srgbClr val="F9FAF4"/>
+                </a:solidFill>
+                <a:latin typeface="Consolas" panose="020B0609020204030204" pitchFamily="49" charset="0"/>
+              </a:rPr>
+              <a:t>(</a:t>
+            </a:r>
+            <a:r>
+              <a:rPr lang="en-US" altLang="zh-TW" sz="1400" i="1" dirty="0" err="1">
+                <a:solidFill>
+                  <a:srgbClr val="8DDAF8"/>
+                </a:solidFill>
+                <a:latin typeface="Consolas" panose="020B0609020204030204" pitchFamily="49" charset="0"/>
+              </a:rPr>
+              <a:t>nDigit</a:t>
+            </a:r>
+            <a:r>
+              <a:rPr lang="en-US" altLang="zh-TW" sz="1400" i="1" dirty="0">
+                <a:solidFill>
+                  <a:srgbClr val="F9FAF4"/>
+                </a:solidFill>
+                <a:latin typeface="Consolas" panose="020B0609020204030204" pitchFamily="49" charset="0"/>
+              </a:rPr>
+              <a:t>)</a:t>
+            </a:r>
+            <a:r>
+              <a:rPr lang="en-US" altLang="zh-TW" sz="1400" i="1" dirty="0">
+                <a:solidFill>
                   <a:srgbClr val="E6E6FA"/>
                 </a:solidFill>
                 <a:latin typeface="Consolas" panose="020B0609020204030204" pitchFamily="49" charset="0"/>
               </a:rPr>
+              <a:t>;</a:t>
+            </a:r>
+          </a:p>
+          <a:p>
+            <a:r>
+              <a:rPr lang="en-US" altLang="zh-TW" sz="1400" dirty="0" smtClean="0">
+                <a:solidFill>
+                  <a:srgbClr val="F9FAF4"/>
+                </a:solidFill>
+                <a:latin typeface="Consolas" panose="020B0609020204030204" pitchFamily="49" charset="0"/>
+              </a:rPr>
+              <a:t>		}</a:t>
+            </a:r>
+            <a:r>
+              <a:rPr lang="en-US" altLang="zh-TW" sz="1400" dirty="0">
+                <a:solidFill>
+                  <a:srgbClr val="CC6C1D"/>
+                </a:solidFill>
+                <a:latin typeface="Consolas" panose="020B0609020204030204" pitchFamily="49" charset="0"/>
+              </a:rPr>
+              <a:t>else</a:t>
+            </a:r>
+            <a:r>
+              <a:rPr lang="en-US" altLang="zh-TW" sz="1400" dirty="0">
+                <a:solidFill>
+                  <a:srgbClr val="D9E8F7"/>
+                </a:solidFill>
+                <a:latin typeface="Consolas" panose="020B0609020204030204" pitchFamily="49" charset="0"/>
+              </a:rPr>
+              <a:t> </a:t>
+            </a:r>
+            <a:r>
+              <a:rPr lang="en-US" altLang="zh-TW" sz="1400" dirty="0">
+                <a:solidFill>
+                  <a:srgbClr val="F9FAF4"/>
+                </a:solidFill>
+                <a:latin typeface="Consolas" panose="020B0609020204030204" pitchFamily="49" charset="0"/>
+              </a:rPr>
+              <a:t>{</a:t>
+            </a:r>
+          </a:p>
+          <a:p>
+            <a:r>
+              <a:rPr lang="en-US" altLang="zh-TW" sz="1400" dirty="0" smtClean="0">
+                <a:solidFill>
+                  <a:srgbClr val="F3EC79"/>
+                </a:solidFill>
+                <a:latin typeface="Consolas" panose="020B0609020204030204" pitchFamily="49" charset="0"/>
+              </a:rPr>
+              <a:t>			wrongs</a:t>
+            </a:r>
+            <a:r>
+              <a:rPr lang="en-US" altLang="zh-TW" sz="1400" dirty="0">
+                <a:solidFill>
+                  <a:srgbClr val="E6E6FA"/>
+                </a:solidFill>
+                <a:latin typeface="Consolas" panose="020B0609020204030204" pitchFamily="49" charset="0"/>
+              </a:rPr>
               <a:t>++;</a:t>
             </a:r>
           </a:p>
@@ -10707,6 +12366,154 @@
             <a:r>
               <a:rPr lang="en-US" altLang="zh-TW" sz="1400" dirty="0" smtClean="0">
                 <a:solidFill>
+                  <a:srgbClr val="CC6C1D"/>
+                </a:solidFill>
+                <a:latin typeface="Consolas" panose="020B0609020204030204" pitchFamily="49" charset="0"/>
+              </a:rPr>
+              <a:t>			if</a:t>
+            </a:r>
+            <a:r>
+              <a:rPr lang="en-US" altLang="zh-TW" sz="1400" dirty="0" smtClean="0">
+                <a:solidFill>
+                  <a:srgbClr val="D9E8F7"/>
+                </a:solidFill>
+                <a:latin typeface="Consolas" panose="020B0609020204030204" pitchFamily="49" charset="0"/>
+              </a:rPr>
+              <a:t> </a:t>
+            </a:r>
+            <a:r>
+              <a:rPr lang="en-US" altLang="zh-TW" sz="1400" dirty="0">
+                <a:solidFill>
+                  <a:srgbClr val="F9FAF4"/>
+                </a:solidFill>
+                <a:latin typeface="Consolas" panose="020B0609020204030204" pitchFamily="49" charset="0"/>
+              </a:rPr>
+              <a:t>(</a:t>
+            </a:r>
+            <a:r>
+              <a:rPr lang="en-US" altLang="zh-TW" sz="1400" dirty="0">
+                <a:solidFill>
+                  <a:srgbClr val="F3EC79"/>
+                </a:solidFill>
+                <a:latin typeface="Consolas" panose="020B0609020204030204" pitchFamily="49" charset="0"/>
+              </a:rPr>
+              <a:t>wrongs</a:t>
+            </a:r>
+            <a:r>
+              <a:rPr lang="en-US" altLang="zh-TW" sz="1400" dirty="0">
+                <a:solidFill>
+                  <a:srgbClr val="D9E8F7"/>
+                </a:solidFill>
+                <a:latin typeface="Consolas" panose="020B0609020204030204" pitchFamily="49" charset="0"/>
+              </a:rPr>
+              <a:t> </a:t>
+            </a:r>
+            <a:r>
+              <a:rPr lang="en-US" altLang="zh-TW" sz="1400" dirty="0">
+                <a:solidFill>
+                  <a:srgbClr val="E6E6FA"/>
+                </a:solidFill>
+                <a:latin typeface="Consolas" panose="020B0609020204030204" pitchFamily="49" charset="0"/>
+              </a:rPr>
+              <a:t>&gt;</a:t>
+            </a:r>
+            <a:r>
+              <a:rPr lang="en-US" altLang="zh-TW" sz="1400" dirty="0">
+                <a:solidFill>
+                  <a:srgbClr val="D9E8F7"/>
+                </a:solidFill>
+                <a:latin typeface="Consolas" panose="020B0609020204030204" pitchFamily="49" charset="0"/>
+              </a:rPr>
+              <a:t> </a:t>
+            </a:r>
+            <a:r>
+              <a:rPr lang="en-US" altLang="zh-TW" sz="1400" dirty="0">
+                <a:solidFill>
+                  <a:srgbClr val="6897BB"/>
+                </a:solidFill>
+                <a:latin typeface="Consolas" panose="020B0609020204030204" pitchFamily="49" charset="0"/>
+              </a:rPr>
+              <a:t>2</a:t>
+            </a:r>
+            <a:r>
+              <a:rPr lang="en-US" altLang="zh-TW" sz="1400" dirty="0">
+                <a:solidFill>
+                  <a:srgbClr val="F9FAF4"/>
+                </a:solidFill>
+                <a:latin typeface="Consolas" panose="020B0609020204030204" pitchFamily="49" charset="0"/>
+              </a:rPr>
+              <a:t>)</a:t>
+            </a:r>
+            <a:r>
+              <a:rPr lang="en-US" altLang="zh-TW" sz="1400" dirty="0">
+                <a:solidFill>
+                  <a:srgbClr val="D9E8F7"/>
+                </a:solidFill>
+                <a:latin typeface="Consolas" panose="020B0609020204030204" pitchFamily="49" charset="0"/>
+              </a:rPr>
+              <a:t> </a:t>
+            </a:r>
+            <a:r>
+              <a:rPr lang="en-US" altLang="zh-TW" sz="1400" dirty="0">
+                <a:solidFill>
+                  <a:srgbClr val="CC6C1D"/>
+                </a:solidFill>
+                <a:latin typeface="Consolas" panose="020B0609020204030204" pitchFamily="49" charset="0"/>
+              </a:rPr>
+              <a:t>break</a:t>
+            </a:r>
+            <a:r>
+              <a:rPr lang="en-US" altLang="zh-TW" sz="1400" dirty="0">
+                <a:solidFill>
+                  <a:srgbClr val="E6E6FA"/>
+                </a:solidFill>
+                <a:latin typeface="Consolas" panose="020B0609020204030204" pitchFamily="49" charset="0"/>
+              </a:rPr>
+              <a:t>;</a:t>
+            </a:r>
+          </a:p>
+          <a:p>
+            <a:r>
+              <a:rPr lang="en-US" altLang="zh-TW" sz="1400" i="1" dirty="0" smtClean="0">
+                <a:solidFill>
+                  <a:srgbClr val="8DDAF8"/>
+                </a:solidFill>
+                <a:latin typeface="Consolas" panose="020B0609020204030204" pitchFamily="49" charset="0"/>
+              </a:rPr>
+              <a:t>			</a:t>
+            </a:r>
+            <a:r>
+              <a:rPr lang="en-US" altLang="zh-TW" sz="1400" i="1" dirty="0" err="1" smtClean="0">
+                <a:solidFill>
+                  <a:srgbClr val="FFFF00"/>
+                </a:solidFill>
+                <a:latin typeface="Consolas" panose="020B0609020204030204" pitchFamily="49" charset="0"/>
+              </a:rPr>
+              <a:t>nDigit</a:t>
+            </a:r>
+            <a:r>
+              <a:rPr lang="en-US" altLang="zh-TW" sz="1400" i="1" dirty="0" smtClean="0">
+                <a:solidFill>
+                  <a:srgbClr val="E6E6FA"/>
+                </a:solidFill>
+                <a:latin typeface="Consolas" panose="020B0609020204030204" pitchFamily="49" charset="0"/>
+              </a:rPr>
+              <a:t>-</a:t>
+            </a:r>
+            <a:r>
+              <a:rPr lang="en-US" altLang="zh-TW" sz="1400" i="1" dirty="0">
+                <a:solidFill>
+                  <a:srgbClr val="E6E6FA"/>
+                </a:solidFill>
+                <a:latin typeface="Consolas" panose="020B0609020204030204" pitchFamily="49" charset="0"/>
+              </a:rPr>
+              <a:t>-;</a:t>
+            </a:r>
+          </a:p>
+          <a:p>
+            <a:r>
+              <a:rPr lang="en-US" altLang="zh-TW" sz="1400" dirty="0" smtClean="0">
+                <a:solidFill>
                   <a:srgbClr val="1290C3"/>
                 </a:solidFill>
                 <a:latin typeface="Consolas" panose="020B0609020204030204" pitchFamily="49" charset="0"/>
@@ -10783,7 +12590,7 @@
                 </a:solidFill>
                 <a:latin typeface="Consolas" panose="020B0609020204030204" pitchFamily="49" charset="0"/>
               </a:rPr>
-              <a:t>正確！ 目前 </a:t>
+              <a:t>錯誤！ 目前 </a:t>
             </a:r>
             <a:r>
               <a:rPr lang="en-US" altLang="zh-TW" sz="1400" b="1" i="1" dirty="0">
@@ -10813,9 +12620,9 @@
               <a:t> </a:t>
             </a:r>
             <a:r>
-              <a:rPr lang="en-US" altLang="zh-TW" sz="1400" b="1" i="1" dirty="0" err="1">
-                <a:solidFill>
-                  <a:srgbClr val="8DDAF8"/>
+              <a:rPr lang="en-US" altLang="zh-TW" sz="1400" i="1" dirty="0" err="1">
+                <a:solidFill>
+                  <a:srgbClr val="FFFF66"/>
                 </a:solidFill>
                 <a:latin typeface="Consolas" panose="020B0609020204030204" pitchFamily="49" charset="0"/>
               </a:rPr>
@@ -10943,478 +12750,7 @@
             <a:r>
               <a:rPr lang="en-US" altLang="zh-TW" sz="1400" i="1" dirty="0" err="1">
                 <a:solidFill>
-                  <a:srgbClr val="8DDAF8"/>
-                </a:solidFill>
-                <a:latin typeface="Consolas" panose="020B0609020204030204" pitchFamily="49" charset="0"/>
-              </a:rPr>
-              <a:t>nDigit</a:t>
-            </a:r>
-            <a:r>
-              <a:rPr lang="en-US" altLang="zh-TW" sz="1400" i="1" dirty="0">
-                <a:solidFill>
-                  <a:srgbClr val="F9FAF4"/>
-                </a:solidFill>
-                <a:latin typeface="Consolas" panose="020B0609020204030204" pitchFamily="49" charset="0"/>
-              </a:rPr>
-              <a:t>)</a:t>
-            </a:r>
-            <a:r>
-              <a:rPr lang="en-US" altLang="zh-TW" sz="1400" i="1" dirty="0">
-                <a:solidFill>
-                  <a:srgbClr val="E6E6FA"/>
-                </a:solidFill>
-                <a:latin typeface="Consolas" panose="020B0609020204030204" pitchFamily="49" charset="0"/>
-              </a:rPr>
-              <a:t>;</a:t>
-            </a:r>
-          </a:p>
-          <a:p>
-            <a:r>
-              <a:rPr lang="en-US" altLang="zh-TW" sz="1400" dirty="0" smtClean="0">
-                <a:solidFill>
-                  <a:srgbClr val="F9FAF4"/>
-                </a:solidFill>
-                <a:latin typeface="Consolas" panose="020B0609020204030204" pitchFamily="49" charset="0"/>
-              </a:rPr>
-              <a:t>		}</a:t>
-            </a:r>
-            <a:r>
-              <a:rPr lang="en-US" altLang="zh-TW" sz="1400" dirty="0">
-                <a:solidFill>
-                  <a:srgbClr val="CC6C1D"/>
-                </a:solidFill>
-                <a:latin typeface="Consolas" panose="020B0609020204030204" pitchFamily="49" charset="0"/>
-              </a:rPr>
-              <a:t>else</a:t>
-            </a:r>
-            <a:r>
-              <a:rPr lang="en-US" altLang="zh-TW" sz="1400" dirty="0">
-                <a:solidFill>
-                  <a:srgbClr val="D9E8F7"/>
-                </a:solidFill>
-                <a:latin typeface="Consolas" panose="020B0609020204030204" pitchFamily="49" charset="0"/>
-              </a:rPr>
-              <a:t> </a:t>
-            </a:r>
-            <a:r>
-              <a:rPr lang="en-US" altLang="zh-TW" sz="1400" dirty="0">
-                <a:solidFill>
-                  <a:srgbClr val="F9FAF4"/>
-                </a:solidFill>
-                <a:latin typeface="Consolas" panose="020B0609020204030204" pitchFamily="49" charset="0"/>
-              </a:rPr>
-              <a:t>{</a:t>
-            </a:r>
-          </a:p>
-          <a:p>
-            <a:r>
-              <a:rPr lang="en-US" altLang="zh-TW" sz="1400" dirty="0" smtClean="0">
-                <a:solidFill>
-                  <a:srgbClr val="F3EC79"/>
-                </a:solidFill>
-                <a:latin typeface="Consolas" panose="020B0609020204030204" pitchFamily="49" charset="0"/>
-              </a:rPr>
-              <a:t>			wrongs</a:t>
-            </a:r>
-            <a:r>
-              <a:rPr lang="en-US" altLang="zh-TW" sz="1400" dirty="0">
-                <a:solidFill>
-                  <a:srgbClr val="E6E6FA"/>
-                </a:solidFill>
-                <a:latin typeface="Consolas" panose="020B0609020204030204" pitchFamily="49" charset="0"/>
-              </a:rPr>
-              <a:t>++;</a:t>
-            </a:r>
-          </a:p>
-          <a:p>
-            <a:r>
-              <a:rPr lang="en-US" altLang="zh-TW" sz="1400" dirty="0" smtClean="0">
-                <a:solidFill>
-                  <a:srgbClr val="CC6C1D"/>
-                </a:solidFill>
-                <a:latin typeface="Consolas" panose="020B0609020204030204" pitchFamily="49" charset="0"/>
-              </a:rPr>
-              <a:t>			if</a:t>
-            </a:r>
-            <a:r>
-              <a:rPr lang="en-US" altLang="zh-TW" sz="1400" dirty="0" smtClean="0">
-                <a:solidFill>
-                  <a:srgbClr val="D9E8F7"/>
-                </a:solidFill>
-                <a:latin typeface="Consolas" panose="020B0609020204030204" pitchFamily="49" charset="0"/>
-              </a:rPr>
-              <a:t> </a:t>
-            </a:r>
-            <a:r>
-              <a:rPr lang="en-US" altLang="zh-TW" sz="1400" dirty="0">
-                <a:solidFill>
-                  <a:srgbClr val="F9FAF4"/>
-                </a:solidFill>
-                <a:latin typeface="Consolas" panose="020B0609020204030204" pitchFamily="49" charset="0"/>
-              </a:rPr>
-              <a:t>(</a:t>
-            </a:r>
-            <a:r>
-              <a:rPr lang="en-US" altLang="zh-TW" sz="1400" dirty="0">
-                <a:solidFill>
-                  <a:srgbClr val="F3EC79"/>
-                </a:solidFill>
-                <a:latin typeface="Consolas" panose="020B0609020204030204" pitchFamily="49" charset="0"/>
-              </a:rPr>
-              <a:t>wrongs</a:t>
-            </a:r>
-            <a:r>
-              <a:rPr lang="en-US" altLang="zh-TW" sz="1400" dirty="0">
-                <a:solidFill>
-                  <a:srgbClr val="D9E8F7"/>
-                </a:solidFill>
-                <a:latin typeface="Consolas" panose="020B0609020204030204" pitchFamily="49" charset="0"/>
-              </a:rPr>
-              <a:t> </a:t>
-            </a:r>
-            <a:r>
-              <a:rPr lang="en-US" altLang="zh-TW" sz="1400" dirty="0">
-                <a:solidFill>
-                  <a:srgbClr val="E6E6FA"/>
-                </a:solidFill>
-                <a:latin typeface="Consolas" panose="020B0609020204030204" pitchFamily="49" charset="0"/>
-              </a:rPr>
-              <a:t>&gt;</a:t>
-            </a:r>
-            <a:r>
-              <a:rPr lang="en-US" altLang="zh-TW" sz="1400" dirty="0">
-                <a:solidFill>
-                  <a:srgbClr val="D9E8F7"/>
-                </a:solidFill>
-                <a:latin typeface="Consolas" panose="020B0609020204030204" pitchFamily="49" charset="0"/>
-              </a:rPr>
-              <a:t> </a:t>
-            </a:r>
-            <a:r>
-              <a:rPr lang="en-US" altLang="zh-TW" sz="1400" dirty="0">
-                <a:solidFill>
-                  <a:srgbClr val="6897BB"/>
-                </a:solidFill>
-                <a:latin typeface="Consolas" panose="020B0609020204030204" pitchFamily="49" charset="0"/>
-              </a:rPr>
-              <a:t>2</a:t>
-            </a:r>
-            <a:r>
-              <a:rPr lang="en-US" altLang="zh-TW" sz="1400" dirty="0">
-                <a:solidFill>
-                  <a:srgbClr val="F9FAF4"/>
-                </a:solidFill>
-                <a:latin typeface="Consolas" panose="020B0609020204030204" pitchFamily="49" charset="0"/>
-              </a:rPr>
-              <a:t>)</a:t>
-            </a:r>
-            <a:r>
-              <a:rPr lang="en-US" altLang="zh-TW" sz="1400" dirty="0">
-                <a:solidFill>
-                  <a:srgbClr val="D9E8F7"/>
-                </a:solidFill>
-                <a:latin typeface="Consolas" panose="020B0609020204030204" pitchFamily="49" charset="0"/>
-              </a:rPr>
-              <a:t> </a:t>
-            </a:r>
-            <a:r>
-              <a:rPr lang="en-US" altLang="zh-TW" sz="1400" dirty="0">
-                <a:solidFill>
-                  <a:srgbClr val="CC6C1D"/>
-                </a:solidFill>
-                <a:latin typeface="Consolas" panose="020B0609020204030204" pitchFamily="49" charset="0"/>
-              </a:rPr>
-              <a:t>break</a:t>
-            </a:r>
-            <a:r>
-              <a:rPr lang="en-US" altLang="zh-TW" sz="1400" dirty="0">
-                <a:solidFill>
-                  <a:srgbClr val="E6E6FA"/>
-                </a:solidFill>
-                <a:latin typeface="Consolas" panose="020B0609020204030204" pitchFamily="49" charset="0"/>
-              </a:rPr>
-              <a:t>;</a:t>
-            </a:r>
-          </a:p>
-          <a:p>
-            <a:r>
-              <a:rPr lang="en-US" altLang="zh-TW" sz="1400" i="1" dirty="0" smtClean="0">
-                <a:solidFill>
-                  <a:srgbClr val="8DDAF8"/>
-                </a:solidFill>
-                <a:latin typeface="Consolas" panose="020B0609020204030204" pitchFamily="49" charset="0"/>
-              </a:rPr>
-              <a:t>			</a:t>
-            </a:r>
-            <a:r>
-              <a:rPr lang="en-US" altLang="zh-TW" sz="1400" i="1" dirty="0" err="1" smtClean="0">
-                <a:solidFill>
-                  <a:srgbClr val="8DDAF8"/>
-                </a:solidFill>
-                <a:latin typeface="Consolas" panose="020B0609020204030204" pitchFamily="49" charset="0"/>
-              </a:rPr>
-              <a:t>nDigit</a:t>
-            </a:r>
-            <a:r>
-              <a:rPr lang="en-US" altLang="zh-TW" sz="1400" i="1" dirty="0" smtClean="0">
-                <a:solidFill>
-                  <a:srgbClr val="E6E6FA"/>
-                </a:solidFill>
-                <a:latin typeface="Consolas" panose="020B0609020204030204" pitchFamily="49" charset="0"/>
-              </a:rPr>
-              <a:t>-</a:t>
-            </a:r>
-            <a:r>
-              <a:rPr lang="en-US" altLang="zh-TW" sz="1400" i="1" dirty="0">
-                <a:solidFill>
-                  <a:srgbClr val="E6E6FA"/>
-                </a:solidFill>
-                <a:latin typeface="Consolas" panose="020B0609020204030204" pitchFamily="49" charset="0"/>
-              </a:rPr>
-              <a:t>-;</a:t>
-            </a:r>
-          </a:p>
-          <a:p>
-            <a:r>
-              <a:rPr lang="en-US" altLang="zh-TW" sz="1400" dirty="0" smtClean="0">
-                <a:solidFill>
-                  <a:srgbClr val="1290C3"/>
-                </a:solidFill>
-                <a:latin typeface="Consolas" panose="020B0609020204030204" pitchFamily="49" charset="0"/>
-              </a:rPr>
-              <a:t>			</a:t>
-            </a:r>
-            <a:r>
-              <a:rPr lang="en-US" altLang="zh-TW" sz="1400" dirty="0" err="1" smtClean="0">
-                <a:solidFill>
-                  <a:srgbClr val="1290C3"/>
-                </a:solidFill>
-                <a:latin typeface="Consolas" panose="020B0609020204030204" pitchFamily="49" charset="0"/>
-              </a:rPr>
-              <a:t>System</a:t>
-            </a:r>
-            <a:r>
-              <a:rPr lang="en-US" altLang="zh-TW" sz="1400" dirty="0" err="1" smtClean="0">
-                <a:solidFill>
-                  <a:srgbClr val="E6E6FA"/>
-                </a:solidFill>
-                <a:latin typeface="Consolas" panose="020B0609020204030204" pitchFamily="49" charset="0"/>
-              </a:rPr>
-              <a:t>.</a:t>
-            </a:r>
-            <a:r>
-              <a:rPr lang="en-US" altLang="zh-TW" sz="1400" b="1" i="1" dirty="0" err="1" smtClean="0">
-                <a:solidFill>
-                  <a:srgbClr val="8DDAF8"/>
-                </a:solidFill>
-                <a:latin typeface="Consolas" panose="020B0609020204030204" pitchFamily="49" charset="0"/>
-              </a:rPr>
-              <a:t>out</a:t>
-            </a:r>
-            <a:r>
-              <a:rPr lang="en-US" altLang="zh-TW" sz="1400" b="1" i="1" dirty="0" err="1" smtClean="0">
-                <a:solidFill>
-                  <a:srgbClr val="E6E6FA"/>
-                </a:solidFill>
-                <a:latin typeface="Consolas" panose="020B0609020204030204" pitchFamily="49" charset="0"/>
-              </a:rPr>
-              <a:t>.</a:t>
-            </a:r>
-            <a:r>
-              <a:rPr lang="en-US" altLang="zh-TW" sz="1400" b="1" i="1" dirty="0" err="1" smtClean="0">
-                <a:solidFill>
-                  <a:srgbClr val="A7EC21"/>
-                </a:solidFill>
-                <a:latin typeface="Consolas" panose="020B0609020204030204" pitchFamily="49" charset="0"/>
-              </a:rPr>
-              <a:t>println</a:t>
-            </a:r>
-            <a:r>
-              <a:rPr lang="en-US" altLang="zh-TW" sz="1400" b="1" i="1" dirty="0">
-                <a:solidFill>
-                  <a:srgbClr val="F9FAF4"/>
-                </a:solidFill>
-                <a:latin typeface="Consolas" panose="020B0609020204030204" pitchFamily="49" charset="0"/>
-              </a:rPr>
-              <a:t>(</a:t>
-            </a:r>
-            <a:r>
-              <a:rPr lang="en-US" altLang="zh-TW" sz="1400" b="1" i="1" dirty="0">
-                <a:solidFill>
-                  <a:srgbClr val="17C6A3"/>
-                </a:solidFill>
-                <a:latin typeface="Consolas" panose="020B0609020204030204" pitchFamily="49" charset="0"/>
-              </a:rPr>
-              <a:t>"</a:t>
-            </a:r>
-            <a:r>
-              <a:rPr lang="zh-TW" altLang="en-US" sz="1400" b="1" i="1" dirty="0">
-                <a:solidFill>
-                  <a:srgbClr val="17C6A3"/>
-                </a:solidFill>
-                <a:latin typeface="Consolas" panose="020B0609020204030204" pitchFamily="49" charset="0"/>
-              </a:rPr>
-              <a:t>錯誤！ 目前 </a:t>
-            </a:r>
-            <a:r>
-              <a:rPr lang="en-US" altLang="zh-TW" sz="1400" b="1" i="1" dirty="0">
-                <a:solidFill>
-                  <a:srgbClr val="17C6A3"/>
-                </a:solidFill>
-                <a:latin typeface="Consolas" panose="020B0609020204030204" pitchFamily="49" charset="0"/>
-              </a:rPr>
-              <a:t>"</a:t>
-            </a:r>
-            <a:r>
-              <a:rPr lang="en-US" altLang="zh-TW" sz="1400" b="1" i="1" dirty="0">
-                <a:solidFill>
-                  <a:srgbClr val="E6E6FA"/>
-                </a:solidFill>
-                <a:latin typeface="Consolas" panose="020B0609020204030204" pitchFamily="49" charset="0"/>
-              </a:rPr>
-              <a:t>+</a:t>
-            </a:r>
-            <a:r>
-              <a:rPr lang="zh-TW" altLang="en-US" sz="1400" b="1" i="1" dirty="0">
-                <a:solidFill>
-                  <a:srgbClr val="D9E8F7"/>
-                </a:solidFill>
-                <a:latin typeface="Consolas" panose="020B0609020204030204" pitchFamily="49" charset="0"/>
-              </a:rPr>
-              <a:t> </a:t>
-            </a:r>
-            <a:r>
-              <a:rPr lang="en-US" altLang="zh-TW" sz="1400" b="1" i="1" dirty="0" err="1">
-                <a:solidFill>
-                  <a:srgbClr val="8DDAF8"/>
-                </a:solidFill>
-                <a:latin typeface="Consolas" panose="020B0609020204030204" pitchFamily="49" charset="0"/>
-              </a:rPr>
-              <a:t>nDigit</a:t>
-            </a:r>
-            <a:r>
-              <a:rPr lang="en-US" altLang="zh-TW" sz="1400" b="1" i="1" dirty="0">
-                <a:solidFill>
-                  <a:srgbClr val="D9E8F7"/>
-                </a:solidFill>
-                <a:latin typeface="Consolas" panose="020B0609020204030204" pitchFamily="49" charset="0"/>
-              </a:rPr>
-              <a:t> </a:t>
-            </a:r>
-            <a:r>
-              <a:rPr lang="en-US" altLang="zh-TW" sz="1400" b="1" i="1" dirty="0">
-                <a:solidFill>
-                  <a:srgbClr val="E6E6FA"/>
-                </a:solidFill>
-                <a:latin typeface="Consolas" panose="020B0609020204030204" pitchFamily="49" charset="0"/>
-              </a:rPr>
-              <a:t>+</a:t>
-            </a:r>
-            <a:r>
-              <a:rPr lang="en-US" altLang="zh-TW" sz="1400" b="1" i="1" dirty="0">
-                <a:solidFill>
-                  <a:srgbClr val="17C6A3"/>
-                </a:solidFill>
-                <a:latin typeface="Consolas" panose="020B0609020204030204" pitchFamily="49" charset="0"/>
-              </a:rPr>
-              <a:t>" </a:t>
-            </a:r>
-            <a:r>
-              <a:rPr lang="zh-TW" altLang="en-US" sz="1400" b="1" i="1" dirty="0">
-                <a:solidFill>
-                  <a:srgbClr val="17C6A3"/>
-                </a:solidFill>
-                <a:latin typeface="Consolas" panose="020B0609020204030204" pitchFamily="49" charset="0"/>
-              </a:rPr>
-              <a:t>位數</a:t>
-            </a:r>
-            <a:r>
-              <a:rPr lang="en-US" altLang="zh-TW" sz="1400" b="1" i="1" dirty="0">
-                <a:solidFill>
-                  <a:srgbClr val="17C6A3"/>
-                </a:solidFill>
-                <a:latin typeface="Consolas" panose="020B0609020204030204" pitchFamily="49" charset="0"/>
-              </a:rPr>
-              <a:t>"</a:t>
-            </a:r>
-            <a:r>
-              <a:rPr lang="en-US" altLang="zh-TW" sz="1400" b="1" i="1" dirty="0">
-                <a:solidFill>
-                  <a:srgbClr val="F9FAF4"/>
-                </a:solidFill>
-                <a:latin typeface="Consolas" panose="020B0609020204030204" pitchFamily="49" charset="0"/>
-              </a:rPr>
-              <a:t>)</a:t>
-            </a:r>
-            <a:r>
-              <a:rPr lang="en-US" altLang="zh-TW" sz="1400" b="1" i="1" dirty="0">
-                <a:solidFill>
-                  <a:srgbClr val="E6E6FA"/>
-                </a:solidFill>
-                <a:latin typeface="Consolas" panose="020B0609020204030204" pitchFamily="49" charset="0"/>
-              </a:rPr>
-              <a:t>;</a:t>
-            </a:r>
-          </a:p>
-          <a:p>
-            <a:r>
-              <a:rPr lang="en-US" altLang="zh-TW" sz="1400" dirty="0" smtClean="0">
-                <a:solidFill>
-                  <a:srgbClr val="F3EC79"/>
-                </a:solidFill>
-                <a:latin typeface="Consolas" panose="020B0609020204030204" pitchFamily="49" charset="0"/>
-              </a:rPr>
-              <a:t>			numbers</a:t>
-            </a:r>
-            <a:r>
-              <a:rPr lang="en-US" altLang="zh-TW" sz="1400" dirty="0" smtClean="0">
-                <a:solidFill>
-                  <a:srgbClr val="D9E8F7"/>
-                </a:solidFill>
-                <a:latin typeface="Consolas" panose="020B0609020204030204" pitchFamily="49" charset="0"/>
-              </a:rPr>
-              <a:t> </a:t>
-            </a:r>
-            <a:r>
-              <a:rPr lang="en-US" altLang="zh-TW" sz="1400" dirty="0">
-                <a:solidFill>
-                  <a:srgbClr val="E6E6FA"/>
-                </a:solidFill>
-                <a:latin typeface="Consolas" panose="020B0609020204030204" pitchFamily="49" charset="0"/>
-              </a:rPr>
-              <a:t>=</a:t>
-            </a:r>
-            <a:r>
-              <a:rPr lang="en-US" altLang="zh-TW" sz="1400" dirty="0">
-                <a:solidFill>
-                  <a:srgbClr val="D9E8F7"/>
-                </a:solidFill>
-                <a:latin typeface="Consolas" panose="020B0609020204030204" pitchFamily="49" charset="0"/>
-              </a:rPr>
-              <a:t> </a:t>
-            </a:r>
-            <a:r>
-              <a:rPr lang="en-US" altLang="zh-TW" sz="1400" i="1" dirty="0" err="1">
-                <a:solidFill>
-                  <a:srgbClr val="96EC3F"/>
-                </a:solidFill>
-                <a:latin typeface="Consolas" panose="020B0609020204030204" pitchFamily="49" charset="0"/>
-              </a:rPr>
-              <a:t>nextNumber</a:t>
-            </a:r>
-            <a:r>
-              <a:rPr lang="en-US" altLang="zh-TW" sz="1400" i="1" dirty="0">
-                <a:solidFill>
-                  <a:srgbClr val="F9FAF4"/>
-                </a:solidFill>
-                <a:latin typeface="Consolas" panose="020B0609020204030204" pitchFamily="49" charset="0"/>
-              </a:rPr>
-              <a:t>(</a:t>
-            </a:r>
-            <a:r>
-              <a:rPr lang="en-US" altLang="zh-TW" sz="1400" i="1" dirty="0" err="1">
-                <a:solidFill>
-                  <a:srgbClr val="8DDAF8"/>
+                  <a:srgbClr val="FFFF66"/>
                 </a:solidFill>
                 <a:latin typeface="Consolas" panose="020B0609020204030204" pitchFamily="49" charset="0"/>
               </a:rPr>
@@ -11877,6 +13213,30 @@
           </a:p>
         </p:txBody>
       </p:sp>
+      <p:pic>
+        <p:nvPicPr>
+          <p:cNvPr id="4" name="圖片 3"/>
+          <p:cNvPicPr>
+            <a:picLocks noChangeAspect="1"/>
+          </p:cNvPicPr>
+          <p:nvPr/>
+        </p:nvPicPr>
+        <p:blipFill>
+          <a:blip r:embed="rId2"/>
+          <a:stretch>
+            <a:fillRect/>
+          </a:stretch>
+        </p:blipFill>
+        <p:spPr>
+          <a:xfrm>
+            <a:off x="5541073" y="1692655"/>
+            <a:ext cx="4426093" cy="4463923"/>
+          </a:xfrm>
+          <a:prstGeom prst="rect">
+            <a:avLst/>
+          </a:prstGeom>
+        </p:spPr>
+      </p:pic>
     </p:spTree>
     <p:extLst>
       <p:ext uri="{BB962C8B-B14F-4D97-AF65-F5344CB8AC3E}">
@@ -11922,7 +13282,7 @@
         </p:nvSpPr>
         <p:spPr>
           <a:xfrm>
-            <a:off x="4046463" y="2204415"/>
+            <a:off x="3122538" y="2118690"/>
             <a:ext cx="355041" cy="341251"/>
           </a:xfrm>
           <a:prstGeom prst="rect">
@@ -11970,7 +13330,7 @@
         </p:nvSpPr>
         <p:spPr>
           <a:xfrm>
-            <a:off x="4046463" y="2048375"/>
+            <a:off x="3122538" y="1962650"/>
             <a:ext cx="355041" cy="341251"/>
           </a:xfrm>
           <a:prstGeom prst="rect">
@@ -12041,7 +13401,7 @@
         </p:nvSpPr>
         <p:spPr>
           <a:xfrm>
-            <a:off x="3832668" y="609600"/>
+            <a:off x="2908743" y="523875"/>
             <a:ext cx="1143000" cy="392176"/>
           </a:xfrm>
           <a:prstGeom prst="roundRect">
@@ -12103,7 +13463,7 @@
         </p:nvSpPr>
         <p:spPr>
           <a:xfrm>
-            <a:off x="3188016" y="4415726"/>
+            <a:off x="2264091" y="4330001"/>
             <a:ext cx="2432304" cy="863966"/>
           </a:xfrm>
           <a:prstGeom prst="diamond">
@@ -12174,7 +13534,7 @@
         </p:nvCxnSpPr>
         <p:spPr>
           <a:xfrm rot="5400000">
-            <a:off x="4245568" y="5436960"/>
+            <a:off x="3321643" y="5351235"/>
             <a:ext cx="315869" cy="1332"/>
           </a:xfrm>
           <a:prstGeom prst="bentConnector3">
@@ -12212,7 +13572,7 @@
         </p:nvSpPr>
         <p:spPr>
           <a:xfrm>
-            <a:off x="4338699" y="5222441"/>
+            <a:off x="3431172" y="5145190"/>
             <a:ext cx="636969" cy="369332"/>
           </a:xfrm>
           <a:prstGeom prst="rect">
@@ -12250,7 +13610,7 @@
         </p:nvSpPr>
         <p:spPr>
           <a:xfrm>
-            <a:off x="5674821" y="4392044"/>
+            <a:off x="4750896" y="4306319"/>
             <a:ext cx="715260" cy="369332"/>
           </a:xfrm>
           <a:prstGeom prst="rect">
@@ -12288,8 +13648,8 @@
         </p:nvSpPr>
         <p:spPr>
           <a:xfrm>
-            <a:off x="3318652" y="1505837"/>
-            <a:ext cx="2171032" cy="592583"/>
+            <a:off x="2394727" y="1420653"/>
+            <a:ext cx="2171032" cy="592042"/>
           </a:xfrm>
           <a:prstGeom prst="rect">
             <a:avLst/>
@@ -12348,7 +13708,7 @@
               </a:rPr>
               <a:t>位數字</a:t>
             </a:r>
-            <a:endParaRPr lang="zh-TW" altLang="en-US" dirty="0">
+            <a:endParaRPr lang="en-US" altLang="zh-TW" dirty="0" smtClean="0">
               <a:solidFill>
                 <a:schemeClr val="tx1"/>
               </a:solidFill>
@@ -12364,8 +13724,8 @@
         </p:nvSpPr>
         <p:spPr>
           <a:xfrm>
-            <a:off x="3318652" y="2547804"/>
-            <a:ext cx="2171032" cy="541997"/>
+            <a:off x="2084451" y="2462079"/>
+            <a:ext cx="2788920" cy="714761"/>
           </a:xfrm>
           <a:prstGeom prst="rect">
             <a:avLst/>
@@ -12406,7 +13766,23 @@
                   <a:schemeClr val="tx1"/>
                 </a:solidFill>
               </a:rPr>
-              <a:t>玩家</a:t>
+              <a:t>提示玩家輸入四位數字</a:t>
+            </a:r>
+            <a:endParaRPr lang="en-US" altLang="zh-TW" dirty="0" smtClean="0">
+              <a:solidFill>
+                <a:schemeClr val="tx1"/>
+              </a:solidFill>
+            </a:endParaRPr>
+          </a:p>
+          <a:p>
+            <a:pPr algn="ctr"/>
+            <a:r>
+              <a:rPr lang="zh-TW" altLang="en-US" dirty="0" smtClean="0">
+                <a:solidFill>
+                  <a:schemeClr val="tx1"/>
+                </a:solidFill>
+              </a:rPr>
+              <a:t>並等玩家</a:t>
             </a:r>
             <a:r>
               <a:rPr lang="zh-TW" altLang="en-US" dirty="0">
@@ -12448,8 +13824,8 @@
         </p:nvSpPr>
         <p:spPr>
           <a:xfrm>
-            <a:off x="3318652" y="3539185"/>
-            <a:ext cx="2171032" cy="541997"/>
+            <a:off x="2394727" y="3505643"/>
+            <a:ext cx="2171032" cy="489814"/>
           </a:xfrm>
           <a:prstGeom prst="rect">
             <a:avLst/>
@@ -12516,7 +13892,7 @@
         </p:nvSpPr>
         <p:spPr>
           <a:xfrm>
-            <a:off x="3008376" y="5595561"/>
+            <a:off x="2084451" y="5509836"/>
             <a:ext cx="2788920" cy="896679"/>
           </a:xfrm>
           <a:prstGeom prst="rect">
@@ -12619,12 +13995,12 @@
         </p:nvCxnSpPr>
         <p:spPr>
           <a:xfrm flipH="1" flipV="1">
-            <a:off x="4401504" y="2219001"/>
+            <a:off x="3477579" y="2133276"/>
             <a:ext cx="1395792" cy="3824900"/>
           </a:xfrm>
           <a:prstGeom prst="bentConnector3">
             <a:avLst>
-              <a:gd name="adj1" fmla="val -249598"/>
+              <a:gd name="adj1" fmla="val -214795"/>
             </a:avLst>
           </a:prstGeom>
           <a:ln w="28575">
@@ -12657,7 +14033,7 @@
         </p:nvSpPr>
         <p:spPr>
           <a:xfrm>
-            <a:off x="6627463" y="4572000"/>
+            <a:off x="5703538" y="4486275"/>
             <a:ext cx="1874520" cy="546707"/>
           </a:xfrm>
           <a:prstGeom prst="rect">
@@ -12727,9 +14103,9 @@
           <p:nvPr/>
         </p:nvCxnSpPr>
         <p:spPr>
-          <a:xfrm>
-            <a:off x="4404168" y="2098420"/>
-            <a:ext cx="0" cy="449384"/>
+          <a:xfrm flipH="1">
+            <a:off x="3478911" y="2012695"/>
+            <a:ext cx="1332" cy="449384"/>
           </a:xfrm>
           <a:prstGeom prst="straightConnector1">
             <a:avLst/>
@@ -12767,8 +14143,8 @@
         </p:nvCxnSpPr>
         <p:spPr>
           <a:xfrm>
-            <a:off x="4404168" y="3089801"/>
-            <a:ext cx="0" cy="449384"/>
+            <a:off x="3478911" y="3176840"/>
+            <a:ext cx="1332" cy="328803"/>
           </a:xfrm>
           <a:prstGeom prst="straightConnector1">
             <a:avLst/>
@@ -12806,7 +14182,7 @@
         </p:nvCxnSpPr>
         <p:spPr>
           <a:xfrm>
-            <a:off x="4404168" y="4081182"/>
+            <a:off x="3480243" y="3995457"/>
             <a:ext cx="0" cy="334544"/>
           </a:xfrm>
           <a:prstGeom prst="straightConnector1">
@@ -12845,8 +14221,8 @@
         </p:nvCxnSpPr>
         <p:spPr>
           <a:xfrm>
-            <a:off x="4404168" y="1001776"/>
-            <a:ext cx="0" cy="504061"/>
+            <a:off x="3480243" y="916051"/>
+            <a:ext cx="0" cy="504602"/>
           </a:xfrm>
           <a:prstGeom prst="straightConnector1">
             <a:avLst/>
@@ -12884,7 +14260,7 @@
         </p:nvCxnSpPr>
         <p:spPr>
           <a:xfrm flipV="1">
-            <a:off x="5620320" y="4845354"/>
+            <a:off x="4696395" y="4759629"/>
             <a:ext cx="1007143" cy="2355"/>
           </a:xfrm>
           <a:prstGeom prst="straightConnector1">
@@ -12923,7 +14299,7 @@
         </p:nvCxnSpPr>
         <p:spPr>
           <a:xfrm rot="16200000" flipV="1">
-            <a:off x="4884635" y="1891911"/>
+            <a:off x="3960710" y="1806186"/>
             <a:ext cx="2196959" cy="3163219"/>
           </a:xfrm>
           <a:prstGeom prst="bentConnector2">
@@ -12951,6 +14327,30 @@
           </a:fontRef>
         </p:style>
       </p:cxnSp>
+      <p:pic>
+        <p:nvPicPr>
+          <p:cNvPr id="22" name="圖片 21"/>
+          <p:cNvPicPr>
+            <a:picLocks noChangeAspect="1"/>
+          </p:cNvPicPr>
+          <p:nvPr/>
+        </p:nvPicPr>
+        <p:blipFill>
+          <a:blip r:embed="rId2"/>
+          <a:stretch>
+            <a:fillRect/>
+          </a:stretch>
+        </p:blipFill>
+        <p:spPr>
+          <a:xfrm>
+            <a:off x="8313481" y="609599"/>
+            <a:ext cx="3665391" cy="3696719"/>
+          </a:xfrm>
+          <a:prstGeom prst="rect">
+            <a:avLst/>
+          </a:prstGeom>
+        </p:spPr>
+      </p:pic>
     </p:spTree>
     <p:extLst>
       <p:ext uri="{BB962C8B-B14F-4D97-AF65-F5344CB8AC3E}">
@@ -12964,9 +14364,628 @@
   <p:timing>
     <p:tnLst>
       <p:par>
-        <p:cTn id="1" dur="indefinite" restart="never" nodeType="tmRoot"/>
+        <p:cTn id="1" dur="indefinite" restart="never" nodeType="tmRoot">
+          <p:childTnLst>
+            <p:seq concurrent="1" nextAc="seek">
+              <p:cTn id="2" dur="indefinite" nodeType="mainSeq">
+                <p:childTnLst>
+                  <p:par>
+                    <p:cTn id="3" fill="hold">
+                      <p:stCondLst>
+                        <p:cond delay="indefinite"/>
+                      </p:stCondLst>
+                      <p:childTnLst>
+                        <p:par>
+                          <p:cTn id="4" fill="hold">
+                            <p:stCondLst>
+                              <p:cond delay="0"/>
+                            </p:stCondLst>
+                            <p:childTnLst>
+                              <p:par>
+                                <p:cTn id="5" presetID="1" presetClass="entr" presetSubtype="0" fill="hold" grpId="0" nodeType="clickEffect">
+                                  <p:stCondLst>
+                                    <p:cond delay="0"/>
+                                  </p:stCondLst>
+                                  <p:childTnLst>
+                                    <p:set>
+                                      <p:cBhvr>
+                                        <p:cTn id="6" dur="1" fill="hold">
+                                          <p:stCondLst>
+                                            <p:cond delay="0"/>
+                                          </p:stCondLst>
+                                        </p:cTn>
+                                        <p:tgtEl>
+                                          <p:spTgt spid="4"/>
+                                        </p:tgtEl>
+                                        <p:attrNameLst>
+                                          <p:attrName>style.visibility</p:attrName>
+                                        </p:attrNameLst>
+                                      </p:cBhvr>
+                                      <p:to>
+                                        <p:strVal val="visible"/>
+                                      </p:to>
+                                    </p:set>
+                                  </p:childTnLst>
+                                </p:cTn>
+                              </p:par>
+                            </p:childTnLst>
+                          </p:cTn>
+                        </p:par>
+                      </p:childTnLst>
+                    </p:cTn>
+                  </p:par>
+                  <p:par>
+                    <p:cTn id="7" fill="hold">
+                      <p:stCondLst>
+                        <p:cond delay="indefinite"/>
+                      </p:stCondLst>
+                      <p:childTnLst>
+                        <p:par>
+                          <p:cTn id="8" fill="hold">
+                            <p:stCondLst>
+                              <p:cond delay="0"/>
+                            </p:stCondLst>
+                            <p:childTnLst>
+                              <p:par>
+                                <p:cTn id="9" presetID="1" presetClass="entr" presetSubtype="0" fill="hold" nodeType="clickEffect">
+                                  <p:stCondLst>
+                                    <p:cond delay="0"/>
+                                  </p:stCondLst>
+                                  <p:childTnLst>
+                                    <p:set>
+                                      <p:cBhvr>
+                                        <p:cTn id="10" dur="1" fill="hold">
+                                          <p:stCondLst>
+                                            <p:cond delay="0"/>
+                                          </p:stCondLst>
+                                        </p:cTn>
+                                        <p:tgtEl>
+                                          <p:spTgt spid="41"/>
+                                        </p:tgtEl>
+                                        <p:attrNameLst>
+                                          <p:attrName>style.visibility</p:attrName>
+                                        </p:attrNameLst>
+                                      </p:cBhvr>
+                                      <p:to>
+                                        <p:strVal val="visible"/>
+                                      </p:to>
+                                    </p:set>
+                                  </p:childTnLst>
+                                </p:cTn>
+                              </p:par>
+                              <p:par>
+                                <p:cTn id="11" presetID="1" presetClass="entr" presetSubtype="0" fill="hold" grpId="0" nodeType="withEffect">
+                                  <p:stCondLst>
+                                    <p:cond delay="0"/>
+                                  </p:stCondLst>
+                                  <p:childTnLst>
+                                    <p:set>
+                                      <p:cBhvr>
+                                        <p:cTn id="12" dur="1" fill="hold">
+                                          <p:stCondLst>
+                                            <p:cond delay="0"/>
+                                          </p:stCondLst>
+                                        </p:cTn>
+                                        <p:tgtEl>
+                                          <p:spTgt spid="9"/>
+                                        </p:tgtEl>
+                                        <p:attrNameLst>
+                                          <p:attrName>style.visibility</p:attrName>
+                                        </p:attrNameLst>
+                                      </p:cBhvr>
+                                      <p:to>
+                                        <p:strVal val="visible"/>
+                                      </p:to>
+                                    </p:set>
+                                  </p:childTnLst>
+                                </p:cTn>
+                              </p:par>
+                            </p:childTnLst>
+                          </p:cTn>
+                        </p:par>
+                      </p:childTnLst>
+                    </p:cTn>
+                  </p:par>
+                  <p:par>
+                    <p:cTn id="13" fill="hold">
+                      <p:stCondLst>
+                        <p:cond delay="indefinite"/>
+                      </p:stCondLst>
+                      <p:childTnLst>
+                        <p:par>
+                          <p:cTn id="14" fill="hold">
+                            <p:stCondLst>
+                              <p:cond delay="0"/>
+                            </p:stCondLst>
+                            <p:childTnLst>
+                              <p:par>
+                                <p:cTn id="15" presetID="1" presetClass="entr" presetSubtype="0" fill="hold" nodeType="clickEffect">
+                                  <p:stCondLst>
+                                    <p:cond delay="0"/>
+                                  </p:stCondLst>
+                                  <p:childTnLst>
+                                    <p:set>
+                                      <p:cBhvr>
+                                        <p:cTn id="16" dur="1" fill="hold">
+                                          <p:stCondLst>
+                                            <p:cond delay="0"/>
+                                          </p:stCondLst>
+                                        </p:cTn>
+                                        <p:tgtEl>
+                                          <p:spTgt spid="34"/>
+                                        </p:tgtEl>
+                                        <p:attrNameLst>
+                                          <p:attrName>style.visibility</p:attrName>
+                                        </p:attrNameLst>
+                                      </p:cBhvr>
+                                      <p:to>
+                                        <p:strVal val="visible"/>
+                                      </p:to>
+                                    </p:set>
+                                  </p:childTnLst>
+                                </p:cTn>
+                              </p:par>
+                              <p:par>
+                                <p:cTn id="17" presetID="1" presetClass="entr" presetSubtype="0" fill="hold" grpId="0" nodeType="withEffect">
+                                  <p:stCondLst>
+                                    <p:cond delay="0"/>
+                                  </p:stCondLst>
+                                  <p:childTnLst>
+                                    <p:set>
+                                      <p:cBhvr>
+                                        <p:cTn id="18" dur="1" fill="hold">
+                                          <p:stCondLst>
+                                            <p:cond delay="0"/>
+                                          </p:stCondLst>
+                                        </p:cTn>
+                                        <p:tgtEl>
+                                          <p:spTgt spid="12"/>
+                                        </p:tgtEl>
+                                        <p:attrNameLst>
+                                          <p:attrName>style.visibility</p:attrName>
+                                        </p:attrNameLst>
+                                      </p:cBhvr>
+                                      <p:to>
+                                        <p:strVal val="visible"/>
+                                      </p:to>
+                                    </p:set>
+                                  </p:childTnLst>
+                                </p:cTn>
+                              </p:par>
+                            </p:childTnLst>
+                          </p:cTn>
+                        </p:par>
+                      </p:childTnLst>
+                    </p:cTn>
+                  </p:par>
+                  <p:par>
+                    <p:cTn id="19" fill="hold">
+                      <p:stCondLst>
+                        <p:cond delay="indefinite"/>
+                      </p:stCondLst>
+                      <p:childTnLst>
+                        <p:par>
+                          <p:cTn id="20" fill="hold">
+                            <p:stCondLst>
+                              <p:cond delay="0"/>
+                            </p:stCondLst>
+                            <p:childTnLst>
+                              <p:par>
+                                <p:cTn id="21" presetID="1" presetClass="entr" presetSubtype="0" fill="hold" nodeType="clickEffect">
+                                  <p:stCondLst>
+                                    <p:cond delay="0"/>
+                                  </p:stCondLst>
+                                  <p:childTnLst>
+                                    <p:set>
+                                      <p:cBhvr>
+                                        <p:cTn id="22" dur="1" fill="hold">
+                                          <p:stCondLst>
+                                            <p:cond delay="0"/>
+                                          </p:stCondLst>
+                                        </p:cTn>
+                                        <p:tgtEl>
+                                          <p:spTgt spid="35"/>
+                                        </p:tgtEl>
+                                        <p:attrNameLst>
+                                          <p:attrName>style.visibility</p:attrName>
+                                        </p:attrNameLst>
+                                      </p:cBhvr>
+                                      <p:to>
+                                        <p:strVal val="visible"/>
+                                      </p:to>
+                                    </p:set>
+                                  </p:childTnLst>
+                                </p:cTn>
+                              </p:par>
+                              <p:par>
+                                <p:cTn id="23" presetID="1" presetClass="entr" presetSubtype="0" fill="hold" grpId="0" nodeType="withEffect">
+                                  <p:stCondLst>
+                                    <p:cond delay="0"/>
+                                  </p:stCondLst>
+                                  <p:childTnLst>
+                                    <p:set>
+                                      <p:cBhvr>
+                                        <p:cTn id="24" dur="1" fill="hold">
+                                          <p:stCondLst>
+                                            <p:cond delay="0"/>
+                                          </p:stCondLst>
+                                        </p:cTn>
+                                        <p:tgtEl>
+                                          <p:spTgt spid="13"/>
+                                        </p:tgtEl>
+                                        <p:attrNameLst>
+                                          <p:attrName>style.visibility</p:attrName>
+                                        </p:attrNameLst>
+                                      </p:cBhvr>
+                                      <p:to>
+                                        <p:strVal val="visible"/>
+                                      </p:to>
+                                    </p:set>
+                                  </p:childTnLst>
+                                </p:cTn>
+                              </p:par>
+                            </p:childTnLst>
+                          </p:cTn>
+                        </p:par>
+                      </p:childTnLst>
+                    </p:cTn>
+                  </p:par>
+                  <p:par>
+                    <p:cTn id="25" fill="hold">
+                      <p:stCondLst>
+                        <p:cond delay="indefinite"/>
+                      </p:stCondLst>
+                      <p:childTnLst>
+                        <p:par>
+                          <p:cTn id="26" fill="hold">
+                            <p:stCondLst>
+                              <p:cond delay="0"/>
+                            </p:stCondLst>
+                            <p:childTnLst>
+                              <p:par>
+                                <p:cTn id="27" presetID="1" presetClass="entr" presetSubtype="0" fill="hold" nodeType="clickEffect">
+                                  <p:stCondLst>
+                                    <p:cond delay="0"/>
+                                  </p:stCondLst>
+                                  <p:childTnLst>
+                                    <p:set>
+                                      <p:cBhvr>
+                                        <p:cTn id="28" dur="1" fill="hold">
+                                          <p:stCondLst>
+                                            <p:cond delay="0"/>
+                                          </p:stCondLst>
+                                        </p:cTn>
+                                        <p:tgtEl>
+                                          <p:spTgt spid="38"/>
+                                        </p:tgtEl>
+                                        <p:attrNameLst>
+                                          <p:attrName>style.visibility</p:attrName>
+                                        </p:attrNameLst>
+                                      </p:cBhvr>
+                                      <p:to>
+                                        <p:strVal val="visible"/>
+                                      </p:to>
+                                    </p:set>
+                                  </p:childTnLst>
+                                </p:cTn>
+                              </p:par>
+                              <p:par>
+                                <p:cTn id="29" presetID="1" presetClass="entr" presetSubtype="0" fill="hold" grpId="0" nodeType="withEffect">
+                                  <p:stCondLst>
+                                    <p:cond delay="0"/>
+                                  </p:stCondLst>
+                                  <p:childTnLst>
+                                    <p:set>
+                                      <p:cBhvr>
+                                        <p:cTn id="30" dur="1" fill="hold">
+                                          <p:stCondLst>
+                                            <p:cond delay="0"/>
+                                          </p:stCondLst>
+                                        </p:cTn>
+                                        <p:tgtEl>
+                                          <p:spTgt spid="5"/>
+                                        </p:tgtEl>
+                                        <p:attrNameLst>
+                                          <p:attrName>style.visibility</p:attrName>
+                                        </p:attrNameLst>
+                                      </p:cBhvr>
+                                      <p:to>
+                                        <p:strVal val="visible"/>
+                                      </p:to>
+                                    </p:set>
+                                  </p:childTnLst>
+                                </p:cTn>
+                              </p:par>
+                            </p:childTnLst>
+                          </p:cTn>
+                        </p:par>
+                      </p:childTnLst>
+                    </p:cTn>
+                  </p:par>
+                  <p:par>
+                    <p:cTn id="31" fill="hold">
+                      <p:stCondLst>
+                        <p:cond delay="indefinite"/>
+                      </p:stCondLst>
+                      <p:childTnLst>
+                        <p:par>
+                          <p:cTn id="32" fill="hold">
+                            <p:stCondLst>
+                              <p:cond delay="0"/>
+                            </p:stCondLst>
+                            <p:childTnLst>
+                              <p:par>
+                                <p:cTn id="33" presetID="1" presetClass="entr" presetSubtype="0" fill="hold" nodeType="clickEffect">
+                                  <p:stCondLst>
+                                    <p:cond delay="0"/>
+                                  </p:stCondLst>
+                                  <p:childTnLst>
+                                    <p:set>
+                                      <p:cBhvr>
+                                        <p:cTn id="34" dur="1" fill="hold">
+                                          <p:stCondLst>
+                                            <p:cond delay="0"/>
+                                          </p:stCondLst>
+                                        </p:cTn>
+                                        <p:tgtEl>
+                                          <p:spTgt spid="46"/>
+                                        </p:tgtEl>
+                                        <p:attrNameLst>
+                                          <p:attrName>style.visibility</p:attrName>
+                                        </p:attrNameLst>
+                                      </p:cBhvr>
+                                      <p:to>
+                                        <p:strVal val="visible"/>
+                                      </p:to>
+                                    </p:set>
+                                  </p:childTnLst>
+                                </p:cTn>
+                              </p:par>
+                              <p:par>
+                                <p:cTn id="35" presetID="1" presetClass="entr" presetSubtype="0" fill="hold" grpId="0" nodeType="withEffect">
+                                  <p:stCondLst>
+                                    <p:cond delay="0"/>
+                                  </p:stCondLst>
+                                  <p:childTnLst>
+                                    <p:set>
+                                      <p:cBhvr>
+                                        <p:cTn id="36" dur="1" fill="hold">
+                                          <p:stCondLst>
+                                            <p:cond delay="0"/>
+                                          </p:stCondLst>
+                                        </p:cTn>
+                                        <p:tgtEl>
+                                          <p:spTgt spid="8"/>
+                                        </p:tgtEl>
+                                        <p:attrNameLst>
+                                          <p:attrName>style.visibility</p:attrName>
+                                        </p:attrNameLst>
+                                      </p:cBhvr>
+                                      <p:to>
+                                        <p:strVal val="visible"/>
+                                      </p:to>
+                                    </p:set>
+                                  </p:childTnLst>
+                                </p:cTn>
+                              </p:par>
+                              <p:par>
+                                <p:cTn id="37" presetID="1" presetClass="entr" presetSubtype="0" fill="hold" grpId="0" nodeType="withEffect">
+                                  <p:stCondLst>
+                                    <p:cond delay="0"/>
+                                  </p:stCondLst>
+                                  <p:childTnLst>
+                                    <p:set>
+                                      <p:cBhvr>
+                                        <p:cTn id="38" dur="1" fill="hold">
+                                          <p:stCondLst>
+                                            <p:cond delay="0"/>
+                                          </p:stCondLst>
+                                        </p:cTn>
+                                        <p:tgtEl>
+                                          <p:spTgt spid="27"/>
+                                        </p:tgtEl>
+                                        <p:attrNameLst>
+                                          <p:attrName>style.visibility</p:attrName>
+                                        </p:attrNameLst>
+                                      </p:cBhvr>
+                                      <p:to>
+                                        <p:strVal val="visible"/>
+                                      </p:to>
+                                    </p:set>
+                                  </p:childTnLst>
+                                </p:cTn>
+                              </p:par>
+                              <p:par>
+                                <p:cTn id="39" presetID="1" presetClass="entr" presetSubtype="0" fill="hold" nodeType="withEffect">
+                                  <p:stCondLst>
+                                    <p:cond delay="0"/>
+                                  </p:stCondLst>
+                                  <p:childTnLst>
+                                    <p:set>
+                                      <p:cBhvr>
+                                        <p:cTn id="40" dur="1" fill="hold">
+                                          <p:stCondLst>
+                                            <p:cond delay="0"/>
+                                          </p:stCondLst>
+                                        </p:cTn>
+                                        <p:tgtEl>
+                                          <p:spTgt spid="73"/>
+                                        </p:tgtEl>
+                                        <p:attrNameLst>
+                                          <p:attrName>style.visibility</p:attrName>
+                                        </p:attrNameLst>
+                                      </p:cBhvr>
+                                      <p:to>
+                                        <p:strVal val="visible"/>
+                                      </p:to>
+                                    </p:set>
+                                  </p:childTnLst>
+                                </p:cTn>
+                              </p:par>
+                            </p:childTnLst>
+                          </p:cTn>
+                        </p:par>
+                      </p:childTnLst>
+                    </p:cTn>
+                  </p:par>
+                  <p:par>
+                    <p:cTn id="41" fill="hold">
+                      <p:stCondLst>
+                        <p:cond delay="indefinite"/>
+                      </p:stCondLst>
+                      <p:childTnLst>
+                        <p:par>
+                          <p:cTn id="42" fill="hold">
+                            <p:stCondLst>
+                              <p:cond delay="0"/>
+                            </p:stCondLst>
+                            <p:childTnLst>
+                              <p:par>
+                                <p:cTn id="43" presetID="1" presetClass="entr" presetSubtype="0" fill="hold" grpId="0" nodeType="clickEffect">
+                                  <p:stCondLst>
+                                    <p:cond delay="0"/>
+                                  </p:stCondLst>
+                                  <p:childTnLst>
+                                    <p:set>
+                                      <p:cBhvr>
+                                        <p:cTn id="44" dur="1" fill="hold">
+                                          <p:stCondLst>
+                                            <p:cond delay="0"/>
+                                          </p:stCondLst>
+                                        </p:cTn>
+                                        <p:tgtEl>
+                                          <p:spTgt spid="7"/>
+                                        </p:tgtEl>
+                                        <p:attrNameLst>
+                                          <p:attrName>style.visibility</p:attrName>
+                                        </p:attrNameLst>
+                                      </p:cBhvr>
+                                      <p:to>
+                                        <p:strVal val="visible"/>
+                                      </p:to>
+                                    </p:set>
+                                  </p:childTnLst>
+                                </p:cTn>
+                              </p:par>
+                              <p:par>
+                                <p:cTn id="45" presetID="1" presetClass="entr" presetSubtype="0" fill="hold" nodeType="withEffect">
+                                  <p:stCondLst>
+                                    <p:cond delay="0"/>
+                                  </p:stCondLst>
+                                  <p:childTnLst>
+                                    <p:set>
+                                      <p:cBhvr>
+                                        <p:cTn id="46" dur="1" fill="hold">
+                                          <p:stCondLst>
+                                            <p:cond delay="0"/>
+                                          </p:stCondLst>
+                                        </p:cTn>
+                                        <p:tgtEl>
+                                          <p:spTgt spid="6"/>
+                                        </p:tgtEl>
+                                        <p:attrNameLst>
+                                          <p:attrName>style.visibility</p:attrName>
+                                        </p:attrNameLst>
+                                      </p:cBhvr>
+                                      <p:to>
+                                        <p:strVal val="visible"/>
+                                      </p:to>
+                                    </p:set>
+                                  </p:childTnLst>
+                                </p:cTn>
+                              </p:par>
+                              <p:par>
+                                <p:cTn id="47" presetID="1" presetClass="entr" presetSubtype="0" fill="hold" grpId="0" nodeType="withEffect">
+                                  <p:stCondLst>
+                                    <p:cond delay="0"/>
+                                  </p:stCondLst>
+                                  <p:childTnLst>
+                                    <p:set>
+                                      <p:cBhvr>
+                                        <p:cTn id="48" dur="1" fill="hold">
+                                          <p:stCondLst>
+                                            <p:cond delay="0"/>
+                                          </p:stCondLst>
+                                        </p:cTn>
+                                        <p:tgtEl>
+                                          <p:spTgt spid="16"/>
+                                        </p:tgtEl>
+                                        <p:attrNameLst>
+                                          <p:attrName>style.visibility</p:attrName>
+                                        </p:attrNameLst>
+                                      </p:cBhvr>
+                                      <p:to>
+                                        <p:strVal val="visible"/>
+                                      </p:to>
+                                    </p:set>
+                                  </p:childTnLst>
+                                </p:cTn>
+                              </p:par>
+                              <p:par>
+                                <p:cTn id="49" presetID="1" presetClass="entr" presetSubtype="0" fill="hold" nodeType="withEffect">
+                                  <p:stCondLst>
+                                    <p:cond delay="0"/>
+                                  </p:stCondLst>
+                                  <p:childTnLst>
+                                    <p:set>
+                                      <p:cBhvr>
+                                        <p:cTn id="50" dur="1" fill="hold">
+                                          <p:stCondLst>
+                                            <p:cond delay="0"/>
+                                          </p:stCondLst>
+                                        </p:cTn>
+                                        <p:tgtEl>
+                                          <p:spTgt spid="19"/>
+                                        </p:tgtEl>
+                                        <p:attrNameLst>
+                                          <p:attrName>style.visibility</p:attrName>
+                                        </p:attrNameLst>
+                                      </p:cBhvr>
+                                      <p:to>
+                                        <p:strVal val="visible"/>
+                                      </p:to>
+                                    </p:set>
+                                  </p:childTnLst>
+                                </p:cTn>
+                              </p:par>
+                            </p:childTnLst>
+                          </p:cTn>
+                        </p:par>
+                      </p:childTnLst>
+                    </p:cTn>
+                  </p:par>
+                </p:childTnLst>
+              </p:cTn>
+              <p:prevCondLst>
+                <p:cond evt="onPrev" delay="0">
+                  <p:tgtEl>
+                    <p:sldTgt/>
+                  </p:tgtEl>
+                </p:cond>
+              </p:prevCondLst>
+              <p:nextCondLst>
+                <p:cond evt="onNext" delay="0">
+                  <p:tgtEl>
+                    <p:sldTgt/>
+                  </p:tgtEl>
+                </p:cond>
+              </p:nextCondLst>
+            </p:seq>
+          </p:childTnLst>
+        </p:cTn>
       </p:par>
     </p:tnLst>
+    <p:bldLst>
+      <p:bldP spid="4" grpId="0" animBg="1"/>
+      <p:bldP spid="5" grpId="0" animBg="1"/>
+      <p:bldP spid="7" grpId="0"/>
+      <p:bldP spid="8" grpId="0"/>
+      <p:bldP spid="9" grpId="0" animBg="1"/>
+      <p:bldP spid="12" grpId="0" animBg="1"/>
+      <p:bldP spid="13" grpId="0" animBg="1"/>
+      <p:bldP spid="16" grpId="0" animBg="1"/>
+      <p:bldP spid="27" grpId="0" animBg="1"/>
+    </p:bldLst>
   </p:timing>
 </p:sld>
 </file>
@@ -14644,6 +16663,1384 @@
           </a:p>
         </p:txBody>
       </p:sp>
+      <p:graphicFrame>
+        <p:nvGraphicFramePr>
+          <p:cNvPr id="9" name="表格 8"/>
+          <p:cNvGraphicFramePr>
+            <a:graphicFrameLocks noGrp="1"/>
+          </p:cNvGraphicFramePr>
+          <p:nvPr>
+            <p:extLst>
+              <p:ext uri="{D42A27DB-BD31-4B8C-83A1-F6EECF244321}">
+                <p14:modId xmlns:p14="http://schemas.microsoft.com/office/powerpoint/2010/main" val="2469562437"/>
+              </p:ext>
+            </p:extLst>
+          </p:nvPr>
+        </p:nvGraphicFramePr>
+        <p:xfrm>
+          <a:off x="5911596" y="1920127"/>
+          <a:ext cx="4225930" cy="370840"/>
+        </p:xfrm>
+        <a:graphic>
+          <a:graphicData uri="http://schemas.openxmlformats.org/drawingml/2006/table">
+            <a:tbl>
+              <a:tblPr firstRow="1" bandRow="1">
+                <a:tableStyleId>{2D5ABB26-0587-4C30-8999-92F81FD0307C}</a:tableStyleId>
+              </a:tblPr>
+              <a:tblGrid>
+                <a:gridCol w="422593">
+                  <a:extLst>
+                    <a:ext uri="{9D8B030D-6E8A-4147-A177-3AD203B41FA5}">
+                      <a16:colId xmlns:a16="http://schemas.microsoft.com/office/drawing/2014/main" val="1767279995"/>
+                    </a:ext>
+                  </a:extLst>
+                </a:gridCol>
+                <a:gridCol w="422593">
+                  <a:extLst>
+                    <a:ext uri="{9D8B030D-6E8A-4147-A177-3AD203B41FA5}">
+                      <a16:colId xmlns:a16="http://schemas.microsoft.com/office/drawing/2014/main" val="4056601532"/>
+                    </a:ext>
+                  </a:extLst>
+                </a:gridCol>
+                <a:gridCol w="422593">
+                  <a:extLst>
+                    <a:ext uri="{9D8B030D-6E8A-4147-A177-3AD203B41FA5}">
+                      <a16:colId xmlns:a16="http://schemas.microsoft.com/office/drawing/2014/main" val="1954827058"/>
+                    </a:ext>
+                  </a:extLst>
+                </a:gridCol>
+                <a:gridCol w="422593">
+                  <a:extLst>
+                    <a:ext uri="{9D8B030D-6E8A-4147-A177-3AD203B41FA5}">
+                      <a16:colId xmlns:a16="http://schemas.microsoft.com/office/drawing/2014/main" val="1556575395"/>
+                    </a:ext>
+                  </a:extLst>
+                </a:gridCol>
+                <a:gridCol w="422593">
+                  <a:extLst>
+                    <a:ext uri="{9D8B030D-6E8A-4147-A177-3AD203B41FA5}">
+                      <a16:colId xmlns:a16="http://schemas.microsoft.com/office/drawing/2014/main" val="1942576227"/>
+                    </a:ext>
+                  </a:extLst>
+                </a:gridCol>
+                <a:gridCol w="422593">
+                  <a:extLst>
+                    <a:ext uri="{9D8B030D-6E8A-4147-A177-3AD203B41FA5}">
+                      <a16:colId xmlns:a16="http://schemas.microsoft.com/office/drawing/2014/main" val="1066045561"/>
+                    </a:ext>
+                  </a:extLst>
+                </a:gridCol>
+                <a:gridCol w="422593">
+                  <a:extLst>
+                    <a:ext uri="{9D8B030D-6E8A-4147-A177-3AD203B41FA5}">
+                      <a16:colId xmlns:a16="http://schemas.microsoft.com/office/drawing/2014/main" val="2346622434"/>
+                    </a:ext>
+                  </a:extLst>
+                </a:gridCol>
+                <a:gridCol w="422593">
+                  <a:extLst>
+                    <a:ext uri="{9D8B030D-6E8A-4147-A177-3AD203B41FA5}">
+                      <a16:colId xmlns:a16="http://schemas.microsoft.com/office/drawing/2014/main" val="969299152"/>
+                    </a:ext>
+                  </a:extLst>
+                </a:gridCol>
+                <a:gridCol w="422593">
+                  <a:extLst>
+                    <a:ext uri="{9D8B030D-6E8A-4147-A177-3AD203B41FA5}">
+                      <a16:colId xmlns:a16="http://schemas.microsoft.com/office/drawing/2014/main" val="750028954"/>
+                    </a:ext>
+                  </a:extLst>
+                </a:gridCol>
+                <a:gridCol w="422593">
+                  <a:extLst>
+                    <a:ext uri="{9D8B030D-6E8A-4147-A177-3AD203B41FA5}">
+                      <a16:colId xmlns:a16="http://schemas.microsoft.com/office/drawing/2014/main" val="564611956"/>
+                    </a:ext>
+                  </a:extLst>
+                </a:gridCol>
+              </a:tblGrid>
+              <a:tr h="370840">
+                <a:tc>
+                  <a:txBody>
+                    <a:bodyPr/>
+                    <a:lstStyle/>
+                    <a:p>
+                      <a:pPr algn="ctr"/>
+                      <a:r>
+                        <a:rPr lang="en-US" altLang="zh-TW" sz="1600" dirty="0" smtClean="0"/>
+                        <a:t>0</a:t>
+                      </a:r>
+                      <a:endParaRPr lang="zh-TW" altLang="en-US" sz="1600" dirty="0"/>
+                    </a:p>
+                  </a:txBody>
+                  <a:tcPr>
+                    <a:lnL w="12700" cap="flat" cmpd="sng" algn="ctr">
+                      <a:solidFill>
+                        <a:schemeClr val="tx1"/>
+                      </a:solidFill>
+                      <a:prstDash val="solid"/>
+                      <a:round/>
+                      <a:headEnd type="none" w="med" len="med"/>
+                      <a:tailEnd type="none" w="med" len="med"/>
+                    </a:lnL>
+                    <a:lnR w="12700" cap="flat" cmpd="sng" algn="ctr">
+                      <a:solidFill>
+                        <a:schemeClr val="tx1"/>
+                      </a:solidFill>
+                      <a:prstDash val="solid"/>
+                      <a:round/>
+                      <a:headEnd type="none" w="med" len="med"/>
+                      <a:tailEnd type="none" w="med" len="med"/>
+                    </a:lnR>
+                    <a:lnT w="12700" cap="flat" cmpd="sng" algn="ctr">
+                      <a:solidFill>
+                        <a:schemeClr val="tx1"/>
+                      </a:solidFill>
+                      <a:prstDash val="solid"/>
+                      <a:round/>
+                      <a:headEnd type="none" w="med" len="med"/>
+                      <a:tailEnd type="none" w="med" len="med"/>
+                    </a:lnT>
+                    <a:lnB w="12700" cap="flat" cmpd="sng" algn="ctr">
+                      <a:solidFill>
+                        <a:schemeClr val="tx1"/>
+                      </a:solidFill>
+                      <a:prstDash val="solid"/>
+                      <a:round/>
+                      <a:headEnd type="none" w="med" len="med"/>
+                      <a:tailEnd type="none" w="med" len="med"/>
+                    </a:lnB>
+                    <a:solidFill>
+                      <a:srgbClr val="FFFF00"/>
+                    </a:solidFill>
+                  </a:tcPr>
+                </a:tc>
+                <a:tc>
+                  <a:txBody>
+                    <a:bodyPr/>
+                    <a:lstStyle/>
+                    <a:p>
+                      <a:pPr algn="ctr"/>
+                      <a:r>
+                        <a:rPr lang="en-US" altLang="zh-TW" sz="1600" dirty="0" smtClean="0"/>
+                        <a:t>1</a:t>
+                      </a:r>
+                      <a:endParaRPr lang="zh-TW" altLang="en-US" sz="1600" dirty="0"/>
+                    </a:p>
+                  </a:txBody>
+                  <a:tcPr>
+                    <a:lnL w="12700" cap="flat" cmpd="sng" algn="ctr">
+                      <a:solidFill>
+                        <a:schemeClr val="tx1"/>
+                      </a:solidFill>
+                      <a:prstDash val="solid"/>
+                      <a:round/>
+                      <a:headEnd type="none" w="med" len="med"/>
+                      <a:tailEnd type="none" w="med" len="med"/>
+                    </a:lnL>
+                    <a:lnR w="12700" cap="flat" cmpd="sng" algn="ctr">
+                      <a:solidFill>
+                        <a:schemeClr val="tx1"/>
+                      </a:solidFill>
+                      <a:prstDash val="solid"/>
+                      <a:round/>
+                      <a:headEnd type="none" w="med" len="med"/>
+                      <a:tailEnd type="none" w="med" len="med"/>
+                    </a:lnR>
+                    <a:lnT w="12700" cap="flat" cmpd="sng" algn="ctr">
+                      <a:solidFill>
+                        <a:schemeClr val="tx1"/>
+                      </a:solidFill>
+                      <a:prstDash val="solid"/>
+                      <a:round/>
+                      <a:headEnd type="none" w="med" len="med"/>
+                      <a:tailEnd type="none" w="med" len="med"/>
+                    </a:lnT>
+                    <a:lnB w="12700" cap="flat" cmpd="sng" algn="ctr">
+                      <a:solidFill>
+                        <a:schemeClr val="tx1"/>
+                      </a:solidFill>
+                      <a:prstDash val="solid"/>
+                      <a:round/>
+                      <a:headEnd type="none" w="med" len="med"/>
+                      <a:tailEnd type="none" w="med" len="med"/>
+                    </a:lnB>
+                    <a:solidFill>
+                      <a:srgbClr val="FFFF00"/>
+                    </a:solidFill>
+                  </a:tcPr>
+                </a:tc>
+                <a:tc>
+                  <a:txBody>
+                    <a:bodyPr/>
+                    <a:lstStyle/>
+                    <a:p>
+                      <a:pPr algn="ctr"/>
+                      <a:r>
+                        <a:rPr lang="en-US" altLang="zh-TW" sz="1600" dirty="0" smtClean="0"/>
+                        <a:t>2</a:t>
+                      </a:r>
+                      <a:endParaRPr lang="zh-TW" altLang="en-US" sz="1600" dirty="0"/>
+                    </a:p>
+                  </a:txBody>
+                  <a:tcPr>
+                    <a:lnL w="12700" cap="flat" cmpd="sng" algn="ctr">
+                      <a:solidFill>
+                        <a:schemeClr val="tx1"/>
+                      </a:solidFill>
+                      <a:prstDash val="solid"/>
+                      <a:round/>
+                      <a:headEnd type="none" w="med" len="med"/>
+                      <a:tailEnd type="none" w="med" len="med"/>
+                    </a:lnL>
+                    <a:lnR w="12700" cap="flat" cmpd="sng" algn="ctr">
+                      <a:solidFill>
+                        <a:schemeClr val="tx1"/>
+                      </a:solidFill>
+                      <a:prstDash val="solid"/>
+                      <a:round/>
+                      <a:headEnd type="none" w="med" len="med"/>
+                      <a:tailEnd type="none" w="med" len="med"/>
+                    </a:lnR>
+                    <a:lnT w="12700" cap="flat" cmpd="sng" algn="ctr">
+                      <a:solidFill>
+                        <a:schemeClr val="tx1"/>
+                      </a:solidFill>
+                      <a:prstDash val="solid"/>
+                      <a:round/>
+                      <a:headEnd type="none" w="med" len="med"/>
+                      <a:tailEnd type="none" w="med" len="med"/>
+                    </a:lnT>
+                    <a:lnB w="12700" cap="flat" cmpd="sng" algn="ctr">
+                      <a:solidFill>
+                        <a:schemeClr val="tx1"/>
+                      </a:solidFill>
+                      <a:prstDash val="solid"/>
+                      <a:round/>
+                      <a:headEnd type="none" w="med" len="med"/>
+                      <a:tailEnd type="none" w="med" len="med"/>
+                    </a:lnB>
+                    <a:solidFill>
+                      <a:srgbClr val="FFFF00"/>
+                    </a:solidFill>
+                  </a:tcPr>
+                </a:tc>
+                <a:tc>
+                  <a:txBody>
+                    <a:bodyPr/>
+                    <a:lstStyle/>
+                    <a:p>
+                      <a:pPr algn="ctr"/>
+                      <a:r>
+                        <a:rPr lang="en-US" altLang="zh-TW" sz="1600" dirty="0" smtClean="0"/>
+                        <a:t>3</a:t>
+                      </a:r>
+                      <a:endParaRPr lang="zh-TW" altLang="en-US" sz="1600" dirty="0"/>
+                    </a:p>
+                  </a:txBody>
+                  <a:tcPr>
+                    <a:lnL w="12700" cap="flat" cmpd="sng" algn="ctr">
+                      <a:solidFill>
+                        <a:schemeClr val="tx1"/>
+                      </a:solidFill>
+                      <a:prstDash val="solid"/>
+                      <a:round/>
+                      <a:headEnd type="none" w="med" len="med"/>
+                      <a:tailEnd type="none" w="med" len="med"/>
+                    </a:lnL>
+                    <a:lnR w="12700" cap="flat" cmpd="sng" algn="ctr">
+                      <a:solidFill>
+                        <a:schemeClr val="tx1"/>
+                      </a:solidFill>
+                      <a:prstDash val="solid"/>
+                      <a:round/>
+                      <a:headEnd type="none" w="med" len="med"/>
+                      <a:tailEnd type="none" w="med" len="med"/>
+                    </a:lnR>
+                    <a:lnT w="12700" cap="flat" cmpd="sng" algn="ctr">
+                      <a:solidFill>
+                        <a:schemeClr val="tx1"/>
+                      </a:solidFill>
+                      <a:prstDash val="solid"/>
+                      <a:round/>
+                      <a:headEnd type="none" w="med" len="med"/>
+                      <a:tailEnd type="none" w="med" len="med"/>
+                    </a:lnT>
+                    <a:lnB w="12700" cap="flat" cmpd="sng" algn="ctr">
+                      <a:solidFill>
+                        <a:schemeClr val="tx1"/>
+                      </a:solidFill>
+                      <a:prstDash val="solid"/>
+                      <a:round/>
+                      <a:headEnd type="none" w="med" len="med"/>
+                      <a:tailEnd type="none" w="med" len="med"/>
+                    </a:lnB>
+                    <a:solidFill>
+                      <a:srgbClr val="FFFF00"/>
+                    </a:solidFill>
+                  </a:tcPr>
+                </a:tc>
+                <a:tc>
+                  <a:txBody>
+                    <a:bodyPr/>
+                    <a:lstStyle/>
+                    <a:p>
+                      <a:pPr algn="ctr"/>
+                      <a:r>
+                        <a:rPr lang="en-US" altLang="zh-TW" sz="1600" dirty="0" smtClean="0"/>
+                        <a:t>4</a:t>
+                      </a:r>
+                      <a:endParaRPr lang="zh-TW" altLang="en-US" sz="1600" dirty="0"/>
+                    </a:p>
+                  </a:txBody>
+                  <a:tcPr>
+                    <a:lnL w="12700" cap="flat" cmpd="sng" algn="ctr">
+                      <a:solidFill>
+                        <a:schemeClr val="tx1"/>
+                      </a:solidFill>
+                      <a:prstDash val="solid"/>
+                      <a:round/>
+                      <a:headEnd type="none" w="med" len="med"/>
+                      <a:tailEnd type="none" w="med" len="med"/>
+                    </a:lnL>
+                    <a:lnR w="12700" cap="flat" cmpd="sng" algn="ctr">
+                      <a:solidFill>
+                        <a:schemeClr val="tx1"/>
+                      </a:solidFill>
+                      <a:prstDash val="solid"/>
+                      <a:round/>
+                      <a:headEnd type="none" w="med" len="med"/>
+                      <a:tailEnd type="none" w="med" len="med"/>
+                    </a:lnR>
+                    <a:lnT w="12700" cap="flat" cmpd="sng" algn="ctr">
+                      <a:solidFill>
+                        <a:schemeClr val="tx1"/>
+                      </a:solidFill>
+                      <a:prstDash val="solid"/>
+                      <a:round/>
+                      <a:headEnd type="none" w="med" len="med"/>
+                      <a:tailEnd type="none" w="med" len="med"/>
+                    </a:lnT>
+                    <a:lnB w="12700" cap="flat" cmpd="sng" algn="ctr">
+                      <a:solidFill>
+                        <a:schemeClr val="tx1"/>
+                      </a:solidFill>
+                      <a:prstDash val="solid"/>
+                      <a:round/>
+                      <a:headEnd type="none" w="med" len="med"/>
+                      <a:tailEnd type="none" w="med" len="med"/>
+                    </a:lnB>
+                    <a:solidFill>
+                      <a:schemeClr val="bg1"/>
+                    </a:solidFill>
+                  </a:tcPr>
+                </a:tc>
+                <a:tc>
+                  <a:txBody>
+                    <a:bodyPr/>
+                    <a:lstStyle/>
+                    <a:p>
+                      <a:pPr algn="ctr"/>
+                      <a:r>
+                        <a:rPr lang="en-US" altLang="zh-TW" sz="1600" dirty="0" smtClean="0"/>
+                        <a:t>5</a:t>
+                      </a:r>
+                      <a:endParaRPr lang="zh-TW" altLang="en-US" sz="1600" dirty="0"/>
+                    </a:p>
+                  </a:txBody>
+                  <a:tcPr>
+                    <a:lnL w="12700" cap="flat" cmpd="sng" algn="ctr">
+                      <a:solidFill>
+                        <a:schemeClr val="tx1"/>
+                      </a:solidFill>
+                      <a:prstDash val="solid"/>
+                      <a:round/>
+                      <a:headEnd type="none" w="med" len="med"/>
+                      <a:tailEnd type="none" w="med" len="med"/>
+                    </a:lnL>
+                    <a:lnR w="12700" cap="flat" cmpd="sng" algn="ctr">
+                      <a:solidFill>
+                        <a:schemeClr val="tx1"/>
+                      </a:solidFill>
+                      <a:prstDash val="solid"/>
+                      <a:round/>
+                      <a:headEnd type="none" w="med" len="med"/>
+                      <a:tailEnd type="none" w="med" len="med"/>
+                    </a:lnR>
+                    <a:lnT w="12700" cap="flat" cmpd="sng" algn="ctr">
+                      <a:solidFill>
+                        <a:schemeClr val="tx1"/>
+                      </a:solidFill>
+                      <a:prstDash val="solid"/>
+                      <a:round/>
+                      <a:headEnd type="none" w="med" len="med"/>
+                      <a:tailEnd type="none" w="med" len="med"/>
+                    </a:lnT>
+                    <a:lnB w="12700" cap="flat" cmpd="sng" algn="ctr">
+                      <a:solidFill>
+                        <a:schemeClr val="tx1"/>
+                      </a:solidFill>
+                      <a:prstDash val="solid"/>
+                      <a:round/>
+                      <a:headEnd type="none" w="med" len="med"/>
+                      <a:tailEnd type="none" w="med" len="med"/>
+                    </a:lnB>
+                    <a:solidFill>
+                      <a:schemeClr val="bg1"/>
+                    </a:solidFill>
+                  </a:tcPr>
+                </a:tc>
+                <a:tc>
+                  <a:txBody>
+                    <a:bodyPr/>
+                    <a:lstStyle/>
+                    <a:p>
+                      <a:pPr algn="ctr"/>
+                      <a:r>
+                        <a:rPr lang="en-US" altLang="zh-TW" sz="1600" dirty="0" smtClean="0"/>
+                        <a:t>6</a:t>
+                      </a:r>
+                      <a:endParaRPr lang="zh-TW" altLang="en-US" sz="1600" dirty="0"/>
+                    </a:p>
+                  </a:txBody>
+                  <a:tcPr>
+                    <a:lnL w="12700" cap="flat" cmpd="sng" algn="ctr">
+                      <a:solidFill>
+                        <a:schemeClr val="tx1"/>
+                      </a:solidFill>
+                      <a:prstDash val="solid"/>
+                      <a:round/>
+                      <a:headEnd type="none" w="med" len="med"/>
+                      <a:tailEnd type="none" w="med" len="med"/>
+                    </a:lnL>
+                    <a:lnR w="12700" cap="flat" cmpd="sng" algn="ctr">
+                      <a:solidFill>
+                        <a:schemeClr val="tx1"/>
+                      </a:solidFill>
+                      <a:prstDash val="solid"/>
+                      <a:round/>
+                      <a:headEnd type="none" w="med" len="med"/>
+                      <a:tailEnd type="none" w="med" len="med"/>
+                    </a:lnR>
+                    <a:lnT w="12700" cap="flat" cmpd="sng" algn="ctr">
+                      <a:solidFill>
+                        <a:schemeClr val="tx1"/>
+                      </a:solidFill>
+                      <a:prstDash val="solid"/>
+                      <a:round/>
+                      <a:headEnd type="none" w="med" len="med"/>
+                      <a:tailEnd type="none" w="med" len="med"/>
+                    </a:lnT>
+                    <a:lnB w="12700" cap="flat" cmpd="sng" algn="ctr">
+                      <a:solidFill>
+                        <a:schemeClr val="tx1"/>
+                      </a:solidFill>
+                      <a:prstDash val="solid"/>
+                      <a:round/>
+                      <a:headEnd type="none" w="med" len="med"/>
+                      <a:tailEnd type="none" w="med" len="med"/>
+                    </a:lnB>
+                    <a:solidFill>
+                      <a:schemeClr val="bg1"/>
+                    </a:solidFill>
+                  </a:tcPr>
+                </a:tc>
+                <a:tc>
+                  <a:txBody>
+                    <a:bodyPr/>
+                    <a:lstStyle/>
+                    <a:p>
+                      <a:pPr algn="ctr"/>
+                      <a:r>
+                        <a:rPr lang="en-US" altLang="zh-TW" sz="1600" dirty="0" smtClean="0"/>
+                        <a:t>7</a:t>
+                      </a:r>
+                      <a:endParaRPr lang="zh-TW" altLang="en-US" sz="1600" dirty="0"/>
+                    </a:p>
+                  </a:txBody>
+                  <a:tcPr>
+                    <a:lnL w="12700" cap="flat" cmpd="sng" algn="ctr">
+                      <a:solidFill>
+                        <a:schemeClr val="tx1"/>
+                      </a:solidFill>
+                      <a:prstDash val="solid"/>
+                      <a:round/>
+                      <a:headEnd type="none" w="med" len="med"/>
+                      <a:tailEnd type="none" w="med" len="med"/>
+                    </a:lnL>
+                    <a:lnR w="12700" cap="flat" cmpd="sng" algn="ctr">
+                      <a:solidFill>
+                        <a:schemeClr val="tx1"/>
+                      </a:solidFill>
+                      <a:prstDash val="solid"/>
+                      <a:round/>
+                      <a:headEnd type="none" w="med" len="med"/>
+                      <a:tailEnd type="none" w="med" len="med"/>
+                    </a:lnR>
+                    <a:lnT w="12700" cap="flat" cmpd="sng" algn="ctr">
+                      <a:solidFill>
+                        <a:schemeClr val="tx1"/>
+                      </a:solidFill>
+                      <a:prstDash val="solid"/>
+                      <a:round/>
+                      <a:headEnd type="none" w="med" len="med"/>
+                      <a:tailEnd type="none" w="med" len="med"/>
+                    </a:lnT>
+                    <a:lnB w="12700" cap="flat" cmpd="sng" algn="ctr">
+                      <a:solidFill>
+                        <a:schemeClr val="tx1"/>
+                      </a:solidFill>
+                      <a:prstDash val="solid"/>
+                      <a:round/>
+                      <a:headEnd type="none" w="med" len="med"/>
+                      <a:tailEnd type="none" w="med" len="med"/>
+                    </a:lnB>
+                    <a:solidFill>
+                      <a:schemeClr val="bg1"/>
+                    </a:solidFill>
+                  </a:tcPr>
+                </a:tc>
+                <a:tc>
+                  <a:txBody>
+                    <a:bodyPr/>
+                    <a:lstStyle/>
+                    <a:p>
+                      <a:pPr algn="ctr"/>
+                      <a:r>
+                        <a:rPr lang="en-US" altLang="zh-TW" sz="1600" dirty="0" smtClean="0"/>
+                        <a:t>8</a:t>
+                      </a:r>
+                      <a:endParaRPr lang="zh-TW" altLang="en-US" sz="1600" dirty="0"/>
+                    </a:p>
+                  </a:txBody>
+                  <a:tcPr>
+                    <a:lnL w="12700" cap="flat" cmpd="sng" algn="ctr">
+                      <a:solidFill>
+                        <a:schemeClr val="tx1"/>
+                      </a:solidFill>
+                      <a:prstDash val="solid"/>
+                      <a:round/>
+                      <a:headEnd type="none" w="med" len="med"/>
+                      <a:tailEnd type="none" w="med" len="med"/>
+                    </a:lnL>
+                    <a:lnR w="12700" cap="flat" cmpd="sng" algn="ctr">
+                      <a:solidFill>
+                        <a:schemeClr val="tx1"/>
+                      </a:solidFill>
+                      <a:prstDash val="solid"/>
+                      <a:round/>
+                      <a:headEnd type="none" w="med" len="med"/>
+                      <a:tailEnd type="none" w="med" len="med"/>
+                    </a:lnR>
+                    <a:lnT w="12700" cap="flat" cmpd="sng" algn="ctr">
+                      <a:solidFill>
+                        <a:schemeClr val="tx1"/>
+                      </a:solidFill>
+                      <a:prstDash val="solid"/>
+                      <a:round/>
+                      <a:headEnd type="none" w="med" len="med"/>
+                      <a:tailEnd type="none" w="med" len="med"/>
+                    </a:lnT>
+                    <a:lnB w="12700" cap="flat" cmpd="sng" algn="ctr">
+                      <a:solidFill>
+                        <a:schemeClr val="tx1"/>
+                      </a:solidFill>
+                      <a:prstDash val="solid"/>
+                      <a:round/>
+                      <a:headEnd type="none" w="med" len="med"/>
+                      <a:tailEnd type="none" w="med" len="med"/>
+                    </a:lnB>
+                    <a:solidFill>
+                      <a:schemeClr val="bg1"/>
+                    </a:solidFill>
+                  </a:tcPr>
+                </a:tc>
+                <a:tc>
+                  <a:txBody>
+                    <a:bodyPr/>
+                    <a:lstStyle/>
+                    <a:p>
+                      <a:pPr algn="ctr"/>
+                      <a:r>
+                        <a:rPr lang="en-US" altLang="zh-TW" sz="1600" dirty="0" smtClean="0"/>
+                        <a:t>9</a:t>
+                      </a:r>
+                      <a:endParaRPr lang="zh-TW" altLang="en-US" sz="1600" dirty="0"/>
+                    </a:p>
+                  </a:txBody>
+                  <a:tcPr>
+                    <a:lnL w="12700" cap="flat" cmpd="sng" algn="ctr">
+                      <a:solidFill>
+                        <a:schemeClr val="tx1"/>
+                      </a:solidFill>
+                      <a:prstDash val="solid"/>
+                      <a:round/>
+                      <a:headEnd type="none" w="med" len="med"/>
+                      <a:tailEnd type="none" w="med" len="med"/>
+                    </a:lnL>
+                    <a:lnR w="12700" cap="flat" cmpd="sng" algn="ctr">
+                      <a:solidFill>
+                        <a:schemeClr val="tx1"/>
+                      </a:solidFill>
+                      <a:prstDash val="solid"/>
+                      <a:round/>
+                      <a:headEnd type="none" w="med" len="med"/>
+                      <a:tailEnd type="none" w="med" len="med"/>
+                    </a:lnR>
+                    <a:lnT w="12700" cap="flat" cmpd="sng" algn="ctr">
+                      <a:solidFill>
+                        <a:schemeClr val="tx1"/>
+                      </a:solidFill>
+                      <a:prstDash val="solid"/>
+                      <a:round/>
+                      <a:headEnd type="none" w="med" len="med"/>
+                      <a:tailEnd type="none" w="med" len="med"/>
+                    </a:lnT>
+                    <a:lnB w="12700" cap="flat" cmpd="sng" algn="ctr">
+                      <a:solidFill>
+                        <a:schemeClr val="tx1"/>
+                      </a:solidFill>
+                      <a:prstDash val="solid"/>
+                      <a:round/>
+                      <a:headEnd type="none" w="med" len="med"/>
+                      <a:tailEnd type="none" w="med" len="med"/>
+                    </a:lnB>
+                    <a:solidFill>
+                      <a:schemeClr val="bg1"/>
+                    </a:solidFill>
+                  </a:tcPr>
+                </a:tc>
+                <a:extLst>
+                  <a:ext uri="{0D108BD9-81ED-4DB2-BD59-A6C34878D82A}">
+                    <a16:rowId xmlns:a16="http://schemas.microsoft.com/office/drawing/2014/main" val="2753133935"/>
+                  </a:ext>
+                </a:extLst>
+              </a:tr>
+            </a:tbl>
+          </a:graphicData>
+        </a:graphic>
+      </p:graphicFrame>
+      <p:graphicFrame>
+        <p:nvGraphicFramePr>
+          <p:cNvPr id="10" name="表格 9"/>
+          <p:cNvGraphicFramePr>
+            <a:graphicFrameLocks noGrp="1"/>
+          </p:cNvGraphicFramePr>
+          <p:nvPr>
+            <p:extLst>
+              <p:ext uri="{D42A27DB-BD31-4B8C-83A1-F6EECF244321}">
+                <p14:modId xmlns:p14="http://schemas.microsoft.com/office/powerpoint/2010/main" val="337741943"/>
+              </p:ext>
+            </p:extLst>
+          </p:nvPr>
+        </p:nvGraphicFramePr>
+        <p:xfrm>
+          <a:off x="5911596" y="2749881"/>
+          <a:ext cx="4225930" cy="370840"/>
+        </p:xfrm>
+        <a:graphic>
+          <a:graphicData uri="http://schemas.openxmlformats.org/drawingml/2006/table">
+            <a:tbl>
+              <a:tblPr firstRow="1" bandRow="1">
+                <a:tableStyleId>{2D5ABB26-0587-4C30-8999-92F81FD0307C}</a:tableStyleId>
+              </a:tblPr>
+              <a:tblGrid>
+                <a:gridCol w="422593">
+                  <a:extLst>
+                    <a:ext uri="{9D8B030D-6E8A-4147-A177-3AD203B41FA5}">
+                      <a16:colId xmlns:a16="http://schemas.microsoft.com/office/drawing/2014/main" val="1767279995"/>
+                    </a:ext>
+                  </a:extLst>
+                </a:gridCol>
+                <a:gridCol w="422593">
+                  <a:extLst>
+                    <a:ext uri="{9D8B030D-6E8A-4147-A177-3AD203B41FA5}">
+                      <a16:colId xmlns:a16="http://schemas.microsoft.com/office/drawing/2014/main" val="4056601532"/>
+                    </a:ext>
+                  </a:extLst>
+                </a:gridCol>
+                <a:gridCol w="422593">
+                  <a:extLst>
+                    <a:ext uri="{9D8B030D-6E8A-4147-A177-3AD203B41FA5}">
+                      <a16:colId xmlns:a16="http://schemas.microsoft.com/office/drawing/2014/main" val="1954827058"/>
+                    </a:ext>
+                  </a:extLst>
+                </a:gridCol>
+                <a:gridCol w="422593">
+                  <a:extLst>
+                    <a:ext uri="{9D8B030D-6E8A-4147-A177-3AD203B41FA5}">
+                      <a16:colId xmlns:a16="http://schemas.microsoft.com/office/drawing/2014/main" val="1556575395"/>
+                    </a:ext>
+                  </a:extLst>
+                </a:gridCol>
+                <a:gridCol w="422593">
+                  <a:extLst>
+                    <a:ext uri="{9D8B030D-6E8A-4147-A177-3AD203B41FA5}">
+                      <a16:colId xmlns:a16="http://schemas.microsoft.com/office/drawing/2014/main" val="1942576227"/>
+                    </a:ext>
+                  </a:extLst>
+                </a:gridCol>
+                <a:gridCol w="422593">
+                  <a:extLst>
+                    <a:ext uri="{9D8B030D-6E8A-4147-A177-3AD203B41FA5}">
+                      <a16:colId xmlns:a16="http://schemas.microsoft.com/office/drawing/2014/main" val="1066045561"/>
+                    </a:ext>
+                  </a:extLst>
+                </a:gridCol>
+                <a:gridCol w="422593">
+                  <a:extLst>
+                    <a:ext uri="{9D8B030D-6E8A-4147-A177-3AD203B41FA5}">
+                      <a16:colId xmlns:a16="http://schemas.microsoft.com/office/drawing/2014/main" val="2346622434"/>
+                    </a:ext>
+                  </a:extLst>
+                </a:gridCol>
+                <a:gridCol w="422593">
+                  <a:extLst>
+                    <a:ext uri="{9D8B030D-6E8A-4147-A177-3AD203B41FA5}">
+                      <a16:colId xmlns:a16="http://schemas.microsoft.com/office/drawing/2014/main" val="969299152"/>
+                    </a:ext>
+                  </a:extLst>
+                </a:gridCol>
+                <a:gridCol w="422593">
+                  <a:extLst>
+                    <a:ext uri="{9D8B030D-6E8A-4147-A177-3AD203B41FA5}">
+                      <a16:colId xmlns:a16="http://schemas.microsoft.com/office/drawing/2014/main" val="750028954"/>
+                    </a:ext>
+                  </a:extLst>
+                </a:gridCol>
+                <a:gridCol w="422593">
+                  <a:extLst>
+                    <a:ext uri="{9D8B030D-6E8A-4147-A177-3AD203B41FA5}">
+                      <a16:colId xmlns:a16="http://schemas.microsoft.com/office/drawing/2014/main" val="564611956"/>
+                    </a:ext>
+                  </a:extLst>
+                </a:gridCol>
+              </a:tblGrid>
+              <a:tr h="370840">
+                <a:tc>
+                  <a:txBody>
+                    <a:bodyPr/>
+                    <a:lstStyle/>
+                    <a:p>
+                      <a:pPr algn="ctr"/>
+                      <a:r>
+                        <a:rPr lang="en-US" altLang="zh-TW" sz="1600" dirty="0" smtClean="0"/>
+                        <a:t>0</a:t>
+                      </a:r>
+                      <a:endParaRPr lang="zh-TW" altLang="en-US" sz="1600" dirty="0"/>
+                    </a:p>
+                  </a:txBody>
+                  <a:tcPr>
+                    <a:lnL w="12700" cap="flat" cmpd="sng" algn="ctr">
+                      <a:solidFill>
+                        <a:schemeClr val="tx1"/>
+                      </a:solidFill>
+                      <a:prstDash val="solid"/>
+                      <a:round/>
+                      <a:headEnd type="none" w="med" len="med"/>
+                      <a:tailEnd type="none" w="med" len="med"/>
+                    </a:lnL>
+                    <a:lnR w="12700" cap="flat" cmpd="sng" algn="ctr">
+                      <a:solidFill>
+                        <a:schemeClr val="tx1"/>
+                      </a:solidFill>
+                      <a:prstDash val="solid"/>
+                      <a:round/>
+                      <a:headEnd type="none" w="med" len="med"/>
+                      <a:tailEnd type="none" w="med" len="med"/>
+                    </a:lnR>
+                    <a:lnT w="12700" cap="flat" cmpd="sng" algn="ctr">
+                      <a:solidFill>
+                        <a:schemeClr val="tx1"/>
+                      </a:solidFill>
+                      <a:prstDash val="solid"/>
+                      <a:round/>
+                      <a:headEnd type="none" w="med" len="med"/>
+                      <a:tailEnd type="none" w="med" len="med"/>
+                    </a:lnT>
+                    <a:lnB w="12700" cap="flat" cmpd="sng" algn="ctr">
+                      <a:solidFill>
+                        <a:schemeClr val="tx1"/>
+                      </a:solidFill>
+                      <a:prstDash val="solid"/>
+                      <a:round/>
+                      <a:headEnd type="none" w="med" len="med"/>
+                      <a:tailEnd type="none" w="med" len="med"/>
+                    </a:lnB>
+                    <a:solidFill>
+                      <a:srgbClr val="FFFF00"/>
+                    </a:solidFill>
+                  </a:tcPr>
+                </a:tc>
+                <a:tc>
+                  <a:txBody>
+                    <a:bodyPr/>
+                    <a:lstStyle/>
+                    <a:p>
+                      <a:pPr algn="ctr"/>
+                      <a:r>
+                        <a:rPr lang="en-US" altLang="zh-TW" sz="1600" dirty="0" smtClean="0">
+                          <a:solidFill>
+                            <a:srgbClr val="FF0000"/>
+                          </a:solidFill>
+                        </a:rPr>
+                        <a:t>5</a:t>
+                      </a:r>
+                      <a:endParaRPr lang="zh-TW" altLang="en-US" sz="1600" dirty="0">
+                        <a:solidFill>
+                          <a:srgbClr val="FF0000"/>
+                        </a:solidFill>
+                      </a:endParaRPr>
+                    </a:p>
+                  </a:txBody>
+                  <a:tcPr>
+                    <a:lnL w="12700" cap="flat" cmpd="sng" algn="ctr">
+                      <a:solidFill>
+                        <a:schemeClr val="tx1"/>
+                      </a:solidFill>
+                      <a:prstDash val="solid"/>
+                      <a:round/>
+                      <a:headEnd type="none" w="med" len="med"/>
+                      <a:tailEnd type="none" w="med" len="med"/>
+                    </a:lnL>
+                    <a:lnR w="12700" cap="flat" cmpd="sng" algn="ctr">
+                      <a:solidFill>
+                        <a:schemeClr val="tx1"/>
+                      </a:solidFill>
+                      <a:prstDash val="solid"/>
+                      <a:round/>
+                      <a:headEnd type="none" w="med" len="med"/>
+                      <a:tailEnd type="none" w="med" len="med"/>
+                    </a:lnR>
+                    <a:lnT w="12700" cap="flat" cmpd="sng" algn="ctr">
+                      <a:solidFill>
+                        <a:schemeClr val="tx1"/>
+                      </a:solidFill>
+                      <a:prstDash val="solid"/>
+                      <a:round/>
+                      <a:headEnd type="none" w="med" len="med"/>
+                      <a:tailEnd type="none" w="med" len="med"/>
+                    </a:lnT>
+                    <a:lnB w="12700" cap="flat" cmpd="sng" algn="ctr">
+                      <a:solidFill>
+                        <a:schemeClr val="tx1"/>
+                      </a:solidFill>
+                      <a:prstDash val="solid"/>
+                      <a:round/>
+                      <a:headEnd type="none" w="med" len="med"/>
+                      <a:tailEnd type="none" w="med" len="med"/>
+                    </a:lnB>
+                    <a:solidFill>
+                      <a:srgbClr val="FFFF00"/>
+                    </a:solidFill>
+                  </a:tcPr>
+                </a:tc>
+                <a:tc>
+                  <a:txBody>
+                    <a:bodyPr/>
+                    <a:lstStyle/>
+                    <a:p>
+                      <a:pPr algn="ctr"/>
+                      <a:r>
+                        <a:rPr lang="en-US" altLang="zh-TW" sz="1600" dirty="0" smtClean="0"/>
+                        <a:t>2</a:t>
+                      </a:r>
+                      <a:endParaRPr lang="zh-TW" altLang="en-US" sz="1600" dirty="0"/>
+                    </a:p>
+                  </a:txBody>
+                  <a:tcPr>
+                    <a:lnL w="12700" cap="flat" cmpd="sng" algn="ctr">
+                      <a:solidFill>
+                        <a:schemeClr val="tx1"/>
+                      </a:solidFill>
+                      <a:prstDash val="solid"/>
+                      <a:round/>
+                      <a:headEnd type="none" w="med" len="med"/>
+                      <a:tailEnd type="none" w="med" len="med"/>
+                    </a:lnL>
+                    <a:lnR w="12700" cap="flat" cmpd="sng" algn="ctr">
+                      <a:solidFill>
+                        <a:schemeClr val="tx1"/>
+                      </a:solidFill>
+                      <a:prstDash val="solid"/>
+                      <a:round/>
+                      <a:headEnd type="none" w="med" len="med"/>
+                      <a:tailEnd type="none" w="med" len="med"/>
+                    </a:lnR>
+                    <a:lnT w="12700" cap="flat" cmpd="sng" algn="ctr">
+                      <a:solidFill>
+                        <a:schemeClr val="tx1"/>
+                      </a:solidFill>
+                      <a:prstDash val="solid"/>
+                      <a:round/>
+                      <a:headEnd type="none" w="med" len="med"/>
+                      <a:tailEnd type="none" w="med" len="med"/>
+                    </a:lnT>
+                    <a:lnB w="12700" cap="flat" cmpd="sng" algn="ctr">
+                      <a:solidFill>
+                        <a:schemeClr val="tx1"/>
+                      </a:solidFill>
+                      <a:prstDash val="solid"/>
+                      <a:round/>
+                      <a:headEnd type="none" w="med" len="med"/>
+                      <a:tailEnd type="none" w="med" len="med"/>
+                    </a:lnB>
+                    <a:solidFill>
+                      <a:srgbClr val="FFFF00"/>
+                    </a:solidFill>
+                  </a:tcPr>
+                </a:tc>
+                <a:tc>
+                  <a:txBody>
+                    <a:bodyPr/>
+                    <a:lstStyle/>
+                    <a:p>
+                      <a:pPr algn="ctr"/>
+                      <a:r>
+                        <a:rPr lang="en-US" altLang="zh-TW" sz="1600" dirty="0" smtClean="0"/>
+                        <a:t>3</a:t>
+                      </a:r>
+                      <a:endParaRPr lang="zh-TW" altLang="en-US" sz="1600" dirty="0"/>
+                    </a:p>
+                  </a:txBody>
+                  <a:tcPr>
+                    <a:lnL w="12700" cap="flat" cmpd="sng" algn="ctr">
+                      <a:solidFill>
+                        <a:schemeClr val="tx1"/>
+                      </a:solidFill>
+                      <a:prstDash val="solid"/>
+                      <a:round/>
+                      <a:headEnd type="none" w="med" len="med"/>
+                      <a:tailEnd type="none" w="med" len="med"/>
+                    </a:lnL>
+                    <a:lnR w="12700" cap="flat" cmpd="sng" algn="ctr">
+                      <a:solidFill>
+                        <a:schemeClr val="tx1"/>
+                      </a:solidFill>
+                      <a:prstDash val="solid"/>
+                      <a:round/>
+                      <a:headEnd type="none" w="med" len="med"/>
+                      <a:tailEnd type="none" w="med" len="med"/>
+                    </a:lnR>
+                    <a:lnT w="12700" cap="flat" cmpd="sng" algn="ctr">
+                      <a:solidFill>
+                        <a:schemeClr val="tx1"/>
+                      </a:solidFill>
+                      <a:prstDash val="solid"/>
+                      <a:round/>
+                      <a:headEnd type="none" w="med" len="med"/>
+                      <a:tailEnd type="none" w="med" len="med"/>
+                    </a:lnT>
+                    <a:lnB w="12700" cap="flat" cmpd="sng" algn="ctr">
+                      <a:solidFill>
+                        <a:schemeClr val="tx1"/>
+                      </a:solidFill>
+                      <a:prstDash val="solid"/>
+                      <a:round/>
+                      <a:headEnd type="none" w="med" len="med"/>
+                      <a:tailEnd type="none" w="med" len="med"/>
+                    </a:lnB>
+                    <a:solidFill>
+                      <a:srgbClr val="FFFF00"/>
+                    </a:solidFill>
+                  </a:tcPr>
+                </a:tc>
+                <a:tc>
+                  <a:txBody>
+                    <a:bodyPr/>
+                    <a:lstStyle/>
+                    <a:p>
+                      <a:pPr algn="ctr"/>
+                      <a:r>
+                        <a:rPr lang="en-US" altLang="zh-TW" sz="1600" dirty="0" smtClean="0"/>
+                        <a:t>4</a:t>
+                      </a:r>
+                      <a:endParaRPr lang="zh-TW" altLang="en-US" sz="1600" dirty="0"/>
+                    </a:p>
+                  </a:txBody>
+                  <a:tcPr>
+                    <a:lnL w="12700" cap="flat" cmpd="sng" algn="ctr">
+                      <a:solidFill>
+                        <a:schemeClr val="tx1"/>
+                      </a:solidFill>
+                      <a:prstDash val="solid"/>
+                      <a:round/>
+                      <a:headEnd type="none" w="med" len="med"/>
+                      <a:tailEnd type="none" w="med" len="med"/>
+                    </a:lnL>
+                    <a:lnR w="12700" cap="flat" cmpd="sng" algn="ctr">
+                      <a:solidFill>
+                        <a:schemeClr val="tx1"/>
+                      </a:solidFill>
+                      <a:prstDash val="solid"/>
+                      <a:round/>
+                      <a:headEnd type="none" w="med" len="med"/>
+                      <a:tailEnd type="none" w="med" len="med"/>
+                    </a:lnR>
+                    <a:lnT w="12700" cap="flat" cmpd="sng" algn="ctr">
+                      <a:solidFill>
+                        <a:schemeClr val="tx1"/>
+                      </a:solidFill>
+                      <a:prstDash val="solid"/>
+                      <a:round/>
+                      <a:headEnd type="none" w="med" len="med"/>
+                      <a:tailEnd type="none" w="med" len="med"/>
+                    </a:lnT>
+                    <a:lnB w="12700" cap="flat" cmpd="sng" algn="ctr">
+                      <a:solidFill>
+                        <a:schemeClr val="tx1"/>
+                      </a:solidFill>
+                      <a:prstDash val="solid"/>
+                      <a:round/>
+                      <a:headEnd type="none" w="med" len="med"/>
+                      <a:tailEnd type="none" w="med" len="med"/>
+                    </a:lnB>
+                    <a:solidFill>
+                      <a:schemeClr val="bg1"/>
+                    </a:solidFill>
+                  </a:tcPr>
+                </a:tc>
+                <a:tc>
+                  <a:txBody>
+                    <a:bodyPr/>
+                    <a:lstStyle/>
+                    <a:p>
+                      <a:pPr algn="ctr"/>
+                      <a:r>
+                        <a:rPr lang="en-US" altLang="zh-TW" sz="1600" dirty="0" smtClean="0">
+                          <a:solidFill>
+                            <a:srgbClr val="FF0000"/>
+                          </a:solidFill>
+                        </a:rPr>
+                        <a:t>1</a:t>
+                      </a:r>
+                      <a:endParaRPr lang="zh-TW" altLang="en-US" sz="1600" dirty="0">
+                        <a:solidFill>
+                          <a:srgbClr val="FF0000"/>
+                        </a:solidFill>
+                      </a:endParaRPr>
+                    </a:p>
+                  </a:txBody>
+                  <a:tcPr>
+                    <a:lnL w="12700" cap="flat" cmpd="sng" algn="ctr">
+                      <a:solidFill>
+                        <a:schemeClr val="tx1"/>
+                      </a:solidFill>
+                      <a:prstDash val="solid"/>
+                      <a:round/>
+                      <a:headEnd type="none" w="med" len="med"/>
+                      <a:tailEnd type="none" w="med" len="med"/>
+                    </a:lnL>
+                    <a:lnR w="12700" cap="flat" cmpd="sng" algn="ctr">
+                      <a:solidFill>
+                        <a:schemeClr val="tx1"/>
+                      </a:solidFill>
+                      <a:prstDash val="solid"/>
+                      <a:round/>
+                      <a:headEnd type="none" w="med" len="med"/>
+                      <a:tailEnd type="none" w="med" len="med"/>
+                    </a:lnR>
+                    <a:lnT w="12700" cap="flat" cmpd="sng" algn="ctr">
+                      <a:solidFill>
+                        <a:schemeClr val="tx1"/>
+                      </a:solidFill>
+                      <a:prstDash val="solid"/>
+                      <a:round/>
+                      <a:headEnd type="none" w="med" len="med"/>
+                      <a:tailEnd type="none" w="med" len="med"/>
+                    </a:lnT>
+                    <a:lnB w="12700" cap="flat" cmpd="sng" algn="ctr">
+                      <a:solidFill>
+                        <a:schemeClr val="tx1"/>
+                      </a:solidFill>
+                      <a:prstDash val="solid"/>
+                      <a:round/>
+                      <a:headEnd type="none" w="med" len="med"/>
+                      <a:tailEnd type="none" w="med" len="med"/>
+                    </a:lnB>
+                    <a:solidFill>
+                      <a:schemeClr val="bg1"/>
+                    </a:solidFill>
+                  </a:tcPr>
+                </a:tc>
+                <a:tc>
+                  <a:txBody>
+                    <a:bodyPr/>
+                    <a:lstStyle/>
+                    <a:p>
+                      <a:pPr algn="ctr"/>
+                      <a:r>
+                        <a:rPr lang="en-US" altLang="zh-TW" sz="1600" dirty="0" smtClean="0"/>
+                        <a:t>6</a:t>
+                      </a:r>
+                      <a:endParaRPr lang="zh-TW" altLang="en-US" sz="1600" dirty="0"/>
+                    </a:p>
+                  </a:txBody>
+                  <a:tcPr>
+                    <a:lnL w="12700" cap="flat" cmpd="sng" algn="ctr">
+                      <a:solidFill>
+                        <a:schemeClr val="tx1"/>
+                      </a:solidFill>
+                      <a:prstDash val="solid"/>
+                      <a:round/>
+                      <a:headEnd type="none" w="med" len="med"/>
+                      <a:tailEnd type="none" w="med" len="med"/>
+                    </a:lnL>
+                    <a:lnR w="12700" cap="flat" cmpd="sng" algn="ctr">
+                      <a:solidFill>
+                        <a:schemeClr val="tx1"/>
+                      </a:solidFill>
+                      <a:prstDash val="solid"/>
+                      <a:round/>
+                      <a:headEnd type="none" w="med" len="med"/>
+                      <a:tailEnd type="none" w="med" len="med"/>
+                    </a:lnR>
+                    <a:lnT w="12700" cap="flat" cmpd="sng" algn="ctr">
+                      <a:solidFill>
+                        <a:schemeClr val="tx1"/>
+                      </a:solidFill>
+                      <a:prstDash val="solid"/>
+                      <a:round/>
+                      <a:headEnd type="none" w="med" len="med"/>
+                      <a:tailEnd type="none" w="med" len="med"/>
+                    </a:lnT>
+                    <a:lnB w="12700" cap="flat" cmpd="sng" algn="ctr">
+                      <a:solidFill>
+                        <a:schemeClr val="tx1"/>
+                      </a:solidFill>
+                      <a:prstDash val="solid"/>
+                      <a:round/>
+                      <a:headEnd type="none" w="med" len="med"/>
+                      <a:tailEnd type="none" w="med" len="med"/>
+                    </a:lnB>
+                    <a:solidFill>
+                      <a:schemeClr val="bg1"/>
+                    </a:solidFill>
+                  </a:tcPr>
+                </a:tc>
+                <a:tc>
+                  <a:txBody>
+                    <a:bodyPr/>
+                    <a:lstStyle/>
+                    <a:p>
+                      <a:pPr algn="ctr"/>
+                      <a:r>
+                        <a:rPr lang="en-US" altLang="zh-TW" sz="1600" dirty="0" smtClean="0"/>
+                        <a:t>7</a:t>
+                      </a:r>
+                      <a:endParaRPr lang="zh-TW" altLang="en-US" sz="1600" dirty="0"/>
+                    </a:p>
+                  </a:txBody>
+                  <a:tcPr>
+                    <a:lnL w="12700" cap="flat" cmpd="sng" algn="ctr">
+                      <a:solidFill>
+                        <a:schemeClr val="tx1"/>
+                      </a:solidFill>
+                      <a:prstDash val="solid"/>
+                      <a:round/>
+                      <a:headEnd type="none" w="med" len="med"/>
+                      <a:tailEnd type="none" w="med" len="med"/>
+                    </a:lnL>
+                    <a:lnR w="12700" cap="flat" cmpd="sng" algn="ctr">
+                      <a:solidFill>
+                        <a:schemeClr val="tx1"/>
+                      </a:solidFill>
+                      <a:prstDash val="solid"/>
+                      <a:round/>
+                      <a:headEnd type="none" w="med" len="med"/>
+                      <a:tailEnd type="none" w="med" len="med"/>
+                    </a:lnR>
+                    <a:lnT w="12700" cap="flat" cmpd="sng" algn="ctr">
+                      <a:solidFill>
+                        <a:schemeClr val="tx1"/>
+                      </a:solidFill>
+                      <a:prstDash val="solid"/>
+                      <a:round/>
+                      <a:headEnd type="none" w="med" len="med"/>
+                      <a:tailEnd type="none" w="med" len="med"/>
+                    </a:lnT>
+                    <a:lnB w="12700" cap="flat" cmpd="sng" algn="ctr">
+                      <a:solidFill>
+                        <a:schemeClr val="tx1"/>
+                      </a:solidFill>
+                      <a:prstDash val="solid"/>
+                      <a:round/>
+                      <a:headEnd type="none" w="med" len="med"/>
+                      <a:tailEnd type="none" w="med" len="med"/>
+                    </a:lnB>
+                    <a:solidFill>
+                      <a:schemeClr val="bg1"/>
+                    </a:solidFill>
+                  </a:tcPr>
+                </a:tc>
+                <a:tc>
+                  <a:txBody>
+                    <a:bodyPr/>
+                    <a:lstStyle/>
+                    <a:p>
+                      <a:pPr algn="ctr"/>
+                      <a:r>
+                        <a:rPr lang="en-US" altLang="zh-TW" sz="1600" dirty="0" smtClean="0"/>
+                        <a:t>8</a:t>
+                      </a:r>
+                      <a:endParaRPr lang="zh-TW" altLang="en-US" sz="1600" dirty="0"/>
+                    </a:p>
+                  </a:txBody>
+                  <a:tcPr>
+                    <a:lnL w="12700" cap="flat" cmpd="sng" algn="ctr">
+                      <a:solidFill>
+                        <a:schemeClr val="tx1"/>
+                      </a:solidFill>
+                      <a:prstDash val="solid"/>
+                      <a:round/>
+                      <a:headEnd type="none" w="med" len="med"/>
+                      <a:tailEnd type="none" w="med" len="med"/>
+                    </a:lnL>
+                    <a:lnR w="12700" cap="flat" cmpd="sng" algn="ctr">
+                      <a:solidFill>
+                        <a:schemeClr val="tx1"/>
+                      </a:solidFill>
+                      <a:prstDash val="solid"/>
+                      <a:round/>
+                      <a:headEnd type="none" w="med" len="med"/>
+                      <a:tailEnd type="none" w="med" len="med"/>
+                    </a:lnR>
+                    <a:lnT w="12700" cap="flat" cmpd="sng" algn="ctr">
+                      <a:solidFill>
+                        <a:schemeClr val="tx1"/>
+                      </a:solidFill>
+                      <a:prstDash val="solid"/>
+                      <a:round/>
+                      <a:headEnd type="none" w="med" len="med"/>
+                      <a:tailEnd type="none" w="med" len="med"/>
+                    </a:lnT>
+                    <a:lnB w="12700" cap="flat" cmpd="sng" algn="ctr">
+                      <a:solidFill>
+                        <a:schemeClr val="tx1"/>
+                      </a:solidFill>
+                      <a:prstDash val="solid"/>
+                      <a:round/>
+                      <a:headEnd type="none" w="med" len="med"/>
+                      <a:tailEnd type="none" w="med" len="med"/>
+                    </a:lnB>
+                    <a:solidFill>
+                      <a:schemeClr val="bg1"/>
+                    </a:solidFill>
+                  </a:tcPr>
+                </a:tc>
+                <a:tc>
+                  <a:txBody>
+                    <a:bodyPr/>
+                    <a:lstStyle/>
+                    <a:p>
+                      <a:pPr algn="ctr"/>
+                      <a:r>
+                        <a:rPr lang="en-US" altLang="zh-TW" sz="1600" dirty="0" smtClean="0"/>
+                        <a:t>9</a:t>
+                      </a:r>
+                      <a:endParaRPr lang="zh-TW" altLang="en-US" sz="1600" dirty="0"/>
+                    </a:p>
+                  </a:txBody>
+                  <a:tcPr>
+                    <a:lnL w="12700" cap="flat" cmpd="sng" algn="ctr">
+                      <a:solidFill>
+                        <a:schemeClr val="tx1"/>
+                      </a:solidFill>
+                      <a:prstDash val="solid"/>
+                      <a:round/>
+                      <a:headEnd type="none" w="med" len="med"/>
+                      <a:tailEnd type="none" w="med" len="med"/>
+                    </a:lnL>
+                    <a:lnR w="12700" cap="flat" cmpd="sng" algn="ctr">
+                      <a:solidFill>
+                        <a:schemeClr val="tx1"/>
+                      </a:solidFill>
+                      <a:prstDash val="solid"/>
+                      <a:round/>
+                      <a:headEnd type="none" w="med" len="med"/>
+                      <a:tailEnd type="none" w="med" len="med"/>
+                    </a:lnR>
+                    <a:lnT w="12700" cap="flat" cmpd="sng" algn="ctr">
+                      <a:solidFill>
+                        <a:schemeClr val="tx1"/>
+                      </a:solidFill>
+                      <a:prstDash val="solid"/>
+                      <a:round/>
+                      <a:headEnd type="none" w="med" len="med"/>
+                      <a:tailEnd type="none" w="med" len="med"/>
+                    </a:lnT>
+                    <a:lnB w="12700" cap="flat" cmpd="sng" algn="ctr">
+                      <a:solidFill>
+                        <a:schemeClr val="tx1"/>
+                      </a:solidFill>
+                      <a:prstDash val="solid"/>
+                      <a:round/>
+                      <a:headEnd type="none" w="med" len="med"/>
+                      <a:tailEnd type="none" w="med" len="med"/>
+                    </a:lnB>
+                    <a:solidFill>
+                      <a:schemeClr val="bg1"/>
+                    </a:solidFill>
+                  </a:tcPr>
+                </a:tc>
+                <a:extLst>
+                  <a:ext uri="{0D108BD9-81ED-4DB2-BD59-A6C34878D82A}">
+                    <a16:rowId xmlns:a16="http://schemas.microsoft.com/office/drawing/2014/main" val="2753133935"/>
+                  </a:ext>
+                </a:extLst>
+              </a:tr>
+            </a:tbl>
+          </a:graphicData>
+        </a:graphic>
+      </p:graphicFrame>
+      <p:sp>
+        <p:nvSpPr>
+          <p:cNvPr id="14" name="弧形 13"/>
+          <p:cNvSpPr/>
+          <p:nvPr/>
+        </p:nvSpPr>
+        <p:spPr>
+          <a:xfrm>
+            <a:off x="6653784" y="2065773"/>
+            <a:ext cx="1461516" cy="548734"/>
+          </a:xfrm>
+          <a:prstGeom prst="arc">
+            <a:avLst>
+              <a:gd name="adj1" fmla="val 21595763"/>
+              <a:gd name="adj2" fmla="val 10866248"/>
+            </a:avLst>
+          </a:prstGeom>
+          <a:ln w="76200">
+            <a:solidFill>
+              <a:srgbClr val="FF0000"/>
+            </a:solidFill>
+            <a:headEnd type="triangle" w="med" len="med"/>
+            <a:tailEnd type="triangle" w="med" len="med"/>
+          </a:ln>
+        </p:spPr>
+        <p:style>
+          <a:lnRef idx="1">
+            <a:schemeClr val="accent1"/>
+          </a:lnRef>
+          <a:fillRef idx="0">
+            <a:schemeClr val="accent1"/>
+          </a:fillRef>
+          <a:effectRef idx="0">
+            <a:schemeClr val="accent1"/>
+          </a:effectRef>
+          <a:fontRef idx="minor">
+            <a:schemeClr val="tx1"/>
+          </a:fontRef>
+        </p:style>
+        <p:txBody>
+          <a:bodyPr rtlCol="0" anchor="ctr"/>
+          <a:lstStyle/>
+          <a:p>
+            <a:pPr algn="ctr"/>
+            <a:endParaRPr lang="zh-TW" altLang="en-US"/>
+          </a:p>
+        </p:txBody>
+      </p:sp>
     </p:spTree>
     <p:extLst>
       <p:ext uri="{BB962C8B-B14F-4D97-AF65-F5344CB8AC3E}">
@@ -14657,9 +18054,520 @@
   <p:timing>
     <p:tnLst>
       <p:par>
-        <p:cTn id="1" dur="indefinite" restart="never" nodeType="tmRoot"/>
+        <p:cTn id="1" dur="indefinite" restart="never" nodeType="tmRoot">
+          <p:childTnLst>
+            <p:seq concurrent="1" nextAc="seek">
+              <p:cTn id="2" dur="indefinite" nodeType="mainSeq">
+                <p:childTnLst>
+                  <p:par>
+                    <p:cTn id="3" fill="hold">
+                      <p:stCondLst>
+                        <p:cond delay="indefinite"/>
+                      </p:stCondLst>
+                      <p:childTnLst>
+                        <p:par>
+                          <p:cTn id="4" fill="hold">
+                            <p:stCondLst>
+                              <p:cond delay="0"/>
+                            </p:stCondLst>
+                            <p:childTnLst>
+                              <p:par>
+                                <p:cTn id="5" presetID="1" presetClass="entr" presetSubtype="0" fill="hold" grpId="0" nodeType="clickEffect">
+                                  <p:stCondLst>
+                                    <p:cond delay="0"/>
+                                  </p:stCondLst>
+                                  <p:childTnLst>
+                                    <p:set>
+                                      <p:cBhvr>
+                                        <p:cTn id="6" dur="1" fill="hold">
+                                          <p:stCondLst>
+                                            <p:cond delay="0"/>
+                                          </p:stCondLst>
+                                        </p:cTn>
+                                        <p:tgtEl>
+                                          <p:spTgt spid="3">
+                                            <p:txEl>
+                                              <p:pRg st="0" end="0"/>
+                                            </p:txEl>
+                                          </p:spTgt>
+                                        </p:tgtEl>
+                                        <p:attrNameLst>
+                                          <p:attrName>style.visibility</p:attrName>
+                                        </p:attrNameLst>
+                                      </p:cBhvr>
+                                      <p:to>
+                                        <p:strVal val="visible"/>
+                                      </p:to>
+                                    </p:set>
+                                  </p:childTnLst>
+                                </p:cTn>
+                              </p:par>
+                            </p:childTnLst>
+                          </p:cTn>
+                        </p:par>
+                      </p:childTnLst>
+                    </p:cTn>
+                  </p:par>
+                  <p:par>
+                    <p:cTn id="7" fill="hold">
+                      <p:stCondLst>
+                        <p:cond delay="indefinite"/>
+                      </p:stCondLst>
+                      <p:childTnLst>
+                        <p:par>
+                          <p:cTn id="8" fill="hold">
+                            <p:stCondLst>
+                              <p:cond delay="0"/>
+                            </p:stCondLst>
+                            <p:childTnLst>
+                              <p:par>
+                                <p:cTn id="9" presetID="1" presetClass="entr" presetSubtype="0" fill="hold" grpId="0" nodeType="clickEffect">
+                                  <p:stCondLst>
+                                    <p:cond delay="0"/>
+                                  </p:stCondLst>
+                                  <p:childTnLst>
+                                    <p:set>
+                                      <p:cBhvr>
+                                        <p:cTn id="10" dur="1" fill="hold">
+                                          <p:stCondLst>
+                                            <p:cond delay="0"/>
+                                          </p:stCondLst>
+                                        </p:cTn>
+                                        <p:tgtEl>
+                                          <p:spTgt spid="3">
+                                            <p:txEl>
+                                              <p:pRg st="1" end="1"/>
+                                            </p:txEl>
+                                          </p:spTgt>
+                                        </p:tgtEl>
+                                        <p:attrNameLst>
+                                          <p:attrName>style.visibility</p:attrName>
+                                        </p:attrNameLst>
+                                      </p:cBhvr>
+                                      <p:to>
+                                        <p:strVal val="visible"/>
+                                      </p:to>
+                                    </p:set>
+                                  </p:childTnLst>
+                                </p:cTn>
+                              </p:par>
+                              <p:par>
+                                <p:cTn id="11" presetID="1" presetClass="entr" presetSubtype="0" fill="hold" grpId="0" nodeType="withEffect">
+                                  <p:stCondLst>
+                                    <p:cond delay="0"/>
+                                  </p:stCondLst>
+                                  <p:childTnLst>
+                                    <p:set>
+                                      <p:cBhvr>
+                                        <p:cTn id="12" dur="1" fill="hold">
+                                          <p:stCondLst>
+                                            <p:cond delay="0"/>
+                                          </p:stCondLst>
+                                        </p:cTn>
+                                        <p:tgtEl>
+                                          <p:spTgt spid="3">
+                                            <p:txEl>
+                                              <p:pRg st="2" end="2"/>
+                                            </p:txEl>
+                                          </p:spTgt>
+                                        </p:tgtEl>
+                                        <p:attrNameLst>
+                                          <p:attrName>style.visibility</p:attrName>
+                                        </p:attrNameLst>
+                                      </p:cBhvr>
+                                      <p:to>
+                                        <p:strVal val="visible"/>
+                                      </p:to>
+                                    </p:set>
+                                  </p:childTnLst>
+                                </p:cTn>
+                              </p:par>
+                              <p:par>
+                                <p:cTn id="13" presetID="1" presetClass="entr" presetSubtype="0" fill="hold" grpId="0" nodeType="withEffect">
+                                  <p:stCondLst>
+                                    <p:cond delay="0"/>
+                                  </p:stCondLst>
+                                  <p:childTnLst>
+                                    <p:set>
+                                      <p:cBhvr>
+                                        <p:cTn id="14" dur="1" fill="hold">
+                                          <p:stCondLst>
+                                            <p:cond delay="0"/>
+                                          </p:stCondLst>
+                                        </p:cTn>
+                                        <p:tgtEl>
+                                          <p:spTgt spid="3">
+                                            <p:txEl>
+                                              <p:pRg st="3" end="3"/>
+                                            </p:txEl>
+                                          </p:spTgt>
+                                        </p:tgtEl>
+                                        <p:attrNameLst>
+                                          <p:attrName>style.visibility</p:attrName>
+                                        </p:attrNameLst>
+                                      </p:cBhvr>
+                                      <p:to>
+                                        <p:strVal val="visible"/>
+                                      </p:to>
+                                    </p:set>
+                                  </p:childTnLst>
+                                </p:cTn>
+                              </p:par>
+                              <p:par>
+                                <p:cTn id="15" presetID="1" presetClass="entr" presetSubtype="0" fill="hold" grpId="0" nodeType="withEffect">
+                                  <p:stCondLst>
+                                    <p:cond delay="0"/>
+                                  </p:stCondLst>
+                                  <p:childTnLst>
+                                    <p:set>
+                                      <p:cBhvr>
+                                        <p:cTn id="16" dur="1" fill="hold">
+                                          <p:stCondLst>
+                                            <p:cond delay="0"/>
+                                          </p:stCondLst>
+                                        </p:cTn>
+                                        <p:tgtEl>
+                                          <p:spTgt spid="3">
+                                            <p:txEl>
+                                              <p:pRg st="4" end="4"/>
+                                            </p:txEl>
+                                          </p:spTgt>
+                                        </p:tgtEl>
+                                        <p:attrNameLst>
+                                          <p:attrName>style.visibility</p:attrName>
+                                        </p:attrNameLst>
+                                      </p:cBhvr>
+                                      <p:to>
+                                        <p:strVal val="visible"/>
+                                      </p:to>
+                                    </p:set>
+                                  </p:childTnLst>
+                                </p:cTn>
+                              </p:par>
+                            </p:childTnLst>
+                          </p:cTn>
+                        </p:par>
+                      </p:childTnLst>
+                    </p:cTn>
+                  </p:par>
+                  <p:par>
+                    <p:cTn id="17" fill="hold">
+                      <p:stCondLst>
+                        <p:cond delay="indefinite"/>
+                      </p:stCondLst>
+                      <p:childTnLst>
+                        <p:par>
+                          <p:cTn id="18" fill="hold">
+                            <p:stCondLst>
+                              <p:cond delay="0"/>
+                            </p:stCondLst>
+                            <p:childTnLst>
+                              <p:par>
+                                <p:cTn id="19" presetID="1" presetClass="entr" presetSubtype="0" fill="hold" nodeType="clickEffect">
+                                  <p:stCondLst>
+                                    <p:cond delay="0"/>
+                                  </p:stCondLst>
+                                  <p:childTnLst>
+                                    <p:set>
+                                      <p:cBhvr>
+                                        <p:cTn id="20" dur="1" fill="hold">
+                                          <p:stCondLst>
+                                            <p:cond delay="0"/>
+                                          </p:stCondLst>
+                                        </p:cTn>
+                                        <p:tgtEl>
+                                          <p:spTgt spid="9"/>
+                                        </p:tgtEl>
+                                        <p:attrNameLst>
+                                          <p:attrName>style.visibility</p:attrName>
+                                        </p:attrNameLst>
+                                      </p:cBhvr>
+                                      <p:to>
+                                        <p:strVal val="visible"/>
+                                      </p:to>
+                                    </p:set>
+                                  </p:childTnLst>
+                                </p:cTn>
+                              </p:par>
+                            </p:childTnLst>
+                          </p:cTn>
+                        </p:par>
+                      </p:childTnLst>
+                    </p:cTn>
+                  </p:par>
+                  <p:par>
+                    <p:cTn id="21" fill="hold">
+                      <p:stCondLst>
+                        <p:cond delay="indefinite"/>
+                      </p:stCondLst>
+                      <p:childTnLst>
+                        <p:par>
+                          <p:cTn id="22" fill="hold">
+                            <p:stCondLst>
+                              <p:cond delay="0"/>
+                            </p:stCondLst>
+                            <p:childTnLst>
+                              <p:par>
+                                <p:cTn id="23" presetID="1" presetClass="entr" presetSubtype="0" fill="hold" grpId="0" nodeType="clickEffect">
+                                  <p:stCondLst>
+                                    <p:cond delay="0"/>
+                                  </p:stCondLst>
+                                  <p:childTnLst>
+                                    <p:set>
+                                      <p:cBhvr>
+                                        <p:cTn id="24" dur="1" fill="hold">
+                                          <p:stCondLst>
+                                            <p:cond delay="0"/>
+                                          </p:stCondLst>
+                                        </p:cTn>
+                                        <p:tgtEl>
+                                          <p:spTgt spid="14"/>
+                                        </p:tgtEl>
+                                        <p:attrNameLst>
+                                          <p:attrName>style.visibility</p:attrName>
+                                        </p:attrNameLst>
+                                      </p:cBhvr>
+                                      <p:to>
+                                        <p:strVal val="visible"/>
+                                      </p:to>
+                                    </p:set>
+                                  </p:childTnLst>
+                                </p:cTn>
+                              </p:par>
+                            </p:childTnLst>
+                          </p:cTn>
+                        </p:par>
+                      </p:childTnLst>
+                    </p:cTn>
+                  </p:par>
+                  <p:par>
+                    <p:cTn id="25" fill="hold">
+                      <p:stCondLst>
+                        <p:cond delay="indefinite"/>
+                      </p:stCondLst>
+                      <p:childTnLst>
+                        <p:par>
+                          <p:cTn id="26" fill="hold">
+                            <p:stCondLst>
+                              <p:cond delay="0"/>
+                            </p:stCondLst>
+                            <p:childTnLst>
+                              <p:par>
+                                <p:cTn id="27" presetID="1" presetClass="entr" presetSubtype="0" fill="hold" nodeType="clickEffect">
+                                  <p:stCondLst>
+                                    <p:cond delay="0"/>
+                                  </p:stCondLst>
+                                  <p:childTnLst>
+                                    <p:set>
+                                      <p:cBhvr>
+                                        <p:cTn id="28" dur="1" fill="hold">
+                                          <p:stCondLst>
+                                            <p:cond delay="0"/>
+                                          </p:stCondLst>
+                                        </p:cTn>
+                                        <p:tgtEl>
+                                          <p:spTgt spid="10"/>
+                                        </p:tgtEl>
+                                        <p:attrNameLst>
+                                          <p:attrName>style.visibility</p:attrName>
+                                        </p:attrNameLst>
+                                      </p:cBhvr>
+                                      <p:to>
+                                        <p:strVal val="visible"/>
+                                      </p:to>
+                                    </p:set>
+                                  </p:childTnLst>
+                                </p:cTn>
+                              </p:par>
+                            </p:childTnLst>
+                          </p:cTn>
+                        </p:par>
+                      </p:childTnLst>
+                    </p:cTn>
+                  </p:par>
+                  <p:par>
+                    <p:cTn id="29" fill="hold">
+                      <p:stCondLst>
+                        <p:cond delay="indefinite"/>
+                      </p:stCondLst>
+                      <p:childTnLst>
+                        <p:par>
+                          <p:cTn id="30" fill="hold">
+                            <p:stCondLst>
+                              <p:cond delay="0"/>
+                            </p:stCondLst>
+                            <p:childTnLst>
+                              <p:par>
+                                <p:cTn id="31" presetID="1" presetClass="entr" presetSubtype="0" fill="hold" grpId="0" nodeType="clickEffect">
+                                  <p:stCondLst>
+                                    <p:cond delay="0"/>
+                                  </p:stCondLst>
+                                  <p:childTnLst>
+                                    <p:set>
+                                      <p:cBhvr>
+                                        <p:cTn id="32" dur="1" fill="hold">
+                                          <p:stCondLst>
+                                            <p:cond delay="0"/>
+                                          </p:stCondLst>
+                                        </p:cTn>
+                                        <p:tgtEl>
+                                          <p:spTgt spid="4"/>
+                                        </p:tgtEl>
+                                        <p:attrNameLst>
+                                          <p:attrName>style.visibility</p:attrName>
+                                        </p:attrNameLst>
+                                      </p:cBhvr>
+                                      <p:to>
+                                        <p:strVal val="visible"/>
+                                      </p:to>
+                                    </p:set>
+                                  </p:childTnLst>
+                                </p:cTn>
+                              </p:par>
+                              <p:par>
+                                <p:cTn id="33" presetID="1" presetClass="entr" presetSubtype="0" fill="hold" grpId="0" nodeType="withEffect">
+                                  <p:stCondLst>
+                                    <p:cond delay="0"/>
+                                  </p:stCondLst>
+                                  <p:childTnLst>
+                                    <p:set>
+                                      <p:cBhvr>
+                                        <p:cTn id="34" dur="1" fill="hold">
+                                          <p:stCondLst>
+                                            <p:cond delay="0"/>
+                                          </p:stCondLst>
+                                        </p:cTn>
+                                        <p:tgtEl>
+                                          <p:spTgt spid="5"/>
+                                        </p:tgtEl>
+                                        <p:attrNameLst>
+                                          <p:attrName>style.visibility</p:attrName>
+                                        </p:attrNameLst>
+                                      </p:cBhvr>
+                                      <p:to>
+                                        <p:strVal val="visible"/>
+                                      </p:to>
+                                    </p:set>
+                                  </p:childTnLst>
+                                </p:cTn>
+                              </p:par>
+                              <p:par>
+                                <p:cTn id="35" presetID="1" presetClass="entr" presetSubtype="0" fill="hold" grpId="0" nodeType="withEffect">
+                                  <p:stCondLst>
+                                    <p:cond delay="0"/>
+                                  </p:stCondLst>
+                                  <p:childTnLst>
+                                    <p:set>
+                                      <p:cBhvr>
+                                        <p:cTn id="36" dur="1" fill="hold">
+                                          <p:stCondLst>
+                                            <p:cond delay="0"/>
+                                          </p:stCondLst>
+                                        </p:cTn>
+                                        <p:tgtEl>
+                                          <p:spTgt spid="6"/>
+                                        </p:tgtEl>
+                                        <p:attrNameLst>
+                                          <p:attrName>style.visibility</p:attrName>
+                                        </p:attrNameLst>
+                                      </p:cBhvr>
+                                      <p:to>
+                                        <p:strVal val="visible"/>
+                                      </p:to>
+                                    </p:set>
+                                  </p:childTnLst>
+                                </p:cTn>
+                              </p:par>
+                              <p:par>
+                                <p:cTn id="37" presetID="1" presetClass="entr" presetSubtype="0" fill="hold" grpId="0" nodeType="withEffect">
+                                  <p:stCondLst>
+                                    <p:cond delay="0"/>
+                                  </p:stCondLst>
+                                  <p:childTnLst>
+                                    <p:set>
+                                      <p:cBhvr>
+                                        <p:cTn id="38" dur="1" fill="hold">
+                                          <p:stCondLst>
+                                            <p:cond delay="0"/>
+                                          </p:stCondLst>
+                                        </p:cTn>
+                                        <p:tgtEl>
+                                          <p:spTgt spid="8"/>
+                                        </p:tgtEl>
+                                        <p:attrNameLst>
+                                          <p:attrName>style.visibility</p:attrName>
+                                        </p:attrNameLst>
+                                      </p:cBhvr>
+                                      <p:to>
+                                        <p:strVal val="visible"/>
+                                      </p:to>
+                                    </p:set>
+                                  </p:childTnLst>
+                                </p:cTn>
+                              </p:par>
+                              <p:par>
+                                <p:cTn id="39" presetID="1" presetClass="entr" presetSubtype="0" fill="hold" grpId="0" nodeType="withEffect">
+                                  <p:stCondLst>
+                                    <p:cond delay="0"/>
+                                  </p:stCondLst>
+                                  <p:childTnLst>
+                                    <p:set>
+                                      <p:cBhvr>
+                                        <p:cTn id="40" dur="1" fill="hold">
+                                          <p:stCondLst>
+                                            <p:cond delay="0"/>
+                                          </p:stCondLst>
+                                        </p:cTn>
+                                        <p:tgtEl>
+                                          <p:spTgt spid="7"/>
+                                        </p:tgtEl>
+                                        <p:attrNameLst>
+                                          <p:attrName>style.visibility</p:attrName>
+                                        </p:attrNameLst>
+                                      </p:cBhvr>
+                                      <p:to>
+                                        <p:strVal val="visible"/>
+                                      </p:to>
+                                    </p:set>
+                                  </p:childTnLst>
+                                </p:cTn>
+                              </p:par>
+                            </p:childTnLst>
+                          </p:cTn>
+                        </p:par>
+                      </p:childTnLst>
+                    </p:cTn>
+                  </p:par>
+                </p:childTnLst>
+              </p:cTn>
+              <p:prevCondLst>
+                <p:cond evt="onPrev" delay="0">
+                  <p:tgtEl>
+                    <p:sldTgt/>
+                  </p:tgtEl>
+                </p:cond>
+              </p:prevCondLst>
+              <p:nextCondLst>
+                <p:cond evt="onNext" delay="0">
+                  <p:tgtEl>
+                    <p:sldTgt/>
+                  </p:tgtEl>
+                </p:cond>
+              </p:nextCondLst>
+            </p:seq>
+          </p:childTnLst>
+        </p:cTn>
       </p:par>
     </p:tnLst>
+    <p:bldLst>
+      <p:bldP spid="3" grpId="0" uiExpand="1" build="p"/>
+      <p:bldP spid="4" grpId="0" animBg="1"/>
+      <p:bldP spid="5" grpId="0" animBg="1"/>
+      <p:bldP spid="6" grpId="0" animBg="1"/>
+      <p:bldP spid="7" grpId="0"/>
+      <p:bldP spid="8" grpId="0"/>
+      <p:bldP spid="14" grpId="0" animBg="1"/>
+    </p:bldLst>
   </p:timing>
 </p:sld>
 </file>
@@ -14683,41 +18591,6 @@
       </p:grpSpPr>
       <p:sp>
         <p:nvSpPr>
-          <p:cNvPr id="2" name="標題 1"/>
-          <p:cNvSpPr>
-            <a:spLocks noGrp="1"/>
-          </p:cNvSpPr>
-          <p:nvPr>
-            <p:ph type="title"/>
-          </p:nvPr>
-        </p:nvSpPr>
-        <p:spPr/>
-        <p:txBody>
-          <a:bodyPr/>
-          <a:lstStyle/>
-          <a:p>
-            <a:r>
-              <a:rPr lang="zh-TW" altLang="en-US" dirty="0" smtClean="0"/>
-              <a:t>如何檢查幾</a:t>
-            </a:r>
-            <a:r>
-              <a:rPr lang="en-US" altLang="zh-TW" dirty="0" smtClean="0"/>
-              <a:t>A</a:t>
-            </a:r>
-            <a:r>
-              <a:rPr lang="zh-TW" altLang="en-US" dirty="0" smtClean="0"/>
-              <a:t>幾</a:t>
-            </a:r>
-            <a:r>
-              <a:rPr lang="en-US" altLang="zh-TW" dirty="0" smtClean="0"/>
-              <a:t>B?</a:t>
-            </a:r>
-            <a:endParaRPr lang="zh-TW" altLang="en-US" dirty="0"/>
-          </a:p>
-        </p:txBody>
-      </p:sp>
-      <p:sp>
-        <p:nvSpPr>
           <p:cNvPr id="3" name="內容版面配置區 2"/>
           <p:cNvSpPr>
             <a:spLocks noGrp="1"/>
@@ -14738,7 +18611,23 @@
           <a:p>
             <a:r>
               <a:rPr lang="zh-TW" altLang="en-US" dirty="0" smtClean="0"/>
-              <a:t>宣告兩個全域變數存放結果。</a:t>
+              <a:t>宣告兩個全域變數</a:t>
+            </a:r>
+            <a:r>
+              <a:rPr lang="en-US" altLang="zh-TW" dirty="0" smtClean="0"/>
+              <a:t>(</a:t>
+            </a:r>
+            <a:r>
+              <a:rPr lang="en-US" altLang="zh-TW" dirty="0" err="1" smtClean="0"/>
+              <a:t>nA,nB</a:t>
+            </a:r>
+            <a:r>
+              <a:rPr lang="en-US" altLang="zh-TW" dirty="0" smtClean="0"/>
+              <a:t>)</a:t>
+            </a:r>
+            <a:r>
+              <a:rPr lang="zh-TW" altLang="en-US" dirty="0" smtClean="0"/>
+              <a:t>存放結果。</a:t>
             </a:r>
             <a:endParaRPr lang="en-US" altLang="zh-TW" dirty="0" smtClean="0"/>
           </a:p>
@@ -14913,6 +18802,95 @@
             <a:r>
               <a:rPr lang="en-US" altLang="zh-TW" dirty="0" smtClean="0"/>
               <a:t>++</a:t>
+            </a:r>
+            <a:endParaRPr lang="zh-TW" altLang="en-US" dirty="0"/>
+          </a:p>
+        </p:txBody>
+      </p:sp>
+      <p:sp>
+        <p:nvSpPr>
+          <p:cNvPr id="12" name="矩形 11"/>
+          <p:cNvSpPr/>
+          <p:nvPr/>
+        </p:nvSpPr>
+        <p:spPr>
+          <a:xfrm>
+            <a:off x="6093868" y="2647798"/>
+            <a:ext cx="197556" cy="492052"/>
+          </a:xfrm>
+          <a:prstGeom prst="rect">
+            <a:avLst/>
+          </a:prstGeom>
+          <a:solidFill>
+            <a:schemeClr val="accent1">
+              <a:lumMod val="40000"/>
+              <a:lumOff val="60000"/>
+            </a:schemeClr>
+          </a:solidFill>
+          <a:ln>
+            <a:solidFill>
+              <a:schemeClr val="accent1">
+                <a:lumMod val="40000"/>
+                <a:lumOff val="60000"/>
+              </a:schemeClr>
+            </a:solidFill>
+          </a:ln>
+        </p:spPr>
+        <p:style>
+          <a:lnRef idx="2">
+            <a:schemeClr val="accent1">
+              <a:shade val="50000"/>
+            </a:schemeClr>
+          </a:lnRef>
+          <a:fillRef idx="1">
+            <a:schemeClr val="accent1"/>
+          </a:fillRef>
+          <a:effectRef idx="0">
+            <a:schemeClr val="accent1"/>
+          </a:effectRef>
+          <a:fontRef idx="minor">
+            <a:schemeClr val="lt1"/>
+          </a:fontRef>
+        </p:style>
+        <p:txBody>
+          <a:bodyPr rtlCol="0" anchor="ctr"/>
+          <a:lstStyle/>
+          <a:p>
+            <a:pPr algn="ctr"/>
+            <a:endParaRPr lang="zh-TW" altLang="en-US"/>
+          </a:p>
+        </p:txBody>
+      </p:sp>
+      <p:sp>
+        <p:nvSpPr>
+          <p:cNvPr id="2" name="標題 1"/>
+          <p:cNvSpPr>
+            <a:spLocks noGrp="1"/>
+          </p:cNvSpPr>
+          <p:nvPr>
+            <p:ph type="title"/>
+          </p:nvPr>
+        </p:nvSpPr>
+        <p:spPr/>
+        <p:txBody>
+          <a:bodyPr/>
+          <a:lstStyle/>
+          <a:p>
+            <a:r>
+              <a:rPr lang="zh-TW" altLang="en-US" dirty="0" smtClean="0"/>
+              <a:t>如何檢查幾</a:t>
+            </a:r>
+            <a:r>
+              <a:rPr lang="en-US" altLang="zh-TW" dirty="0" smtClean="0"/>
+              <a:t>A</a:t>
+            </a:r>
+            <a:r>
+              <a:rPr lang="zh-TW" altLang="en-US" dirty="0" smtClean="0"/>
+              <a:t>幾</a:t>
+            </a:r>
+            <a:r>
+              <a:rPr lang="en-US" altLang="zh-TW" dirty="0" smtClean="0"/>
+              <a:t>B?</a:t>
             </a:r>
             <a:endParaRPr lang="zh-TW" altLang="en-US" dirty="0"/>
           </a:p>
@@ -14926,8 +18904,8 @@
         </p:nvGrpSpPr>
         <p:grpSpPr>
           <a:xfrm>
-            <a:off x="6598920" y="2470701"/>
-            <a:ext cx="5593080" cy="4154984"/>
+            <a:off x="6943724" y="2795485"/>
+            <a:ext cx="5248275" cy="3830199"/>
             <a:chOff x="6598920" y="2470701"/>
             <a:chExt cx="5593080" cy="4154984"/>
           </a:xfrm>
@@ -16533,6 +20511,1203 @@
           </p:txBody>
         </p:sp>
       </p:grpSp>
+      <p:graphicFrame>
+        <p:nvGraphicFramePr>
+          <p:cNvPr id="7" name="表格 6"/>
+          <p:cNvGraphicFramePr>
+            <a:graphicFrameLocks noGrp="1"/>
+          </p:cNvGraphicFramePr>
+          <p:nvPr>
+            <p:extLst>
+              <p:ext uri="{D42A27DB-BD31-4B8C-83A1-F6EECF244321}">
+                <p14:modId xmlns:p14="http://schemas.microsoft.com/office/powerpoint/2010/main" val="1558650519"/>
+              </p:ext>
+            </p:extLst>
+          </p:nvPr>
+        </p:nvGraphicFramePr>
+        <p:xfrm>
+          <a:off x="5062521" y="1941982"/>
+          <a:ext cx="4225930" cy="370840"/>
+        </p:xfrm>
+        <a:graphic>
+          <a:graphicData uri="http://schemas.openxmlformats.org/drawingml/2006/table">
+            <a:tbl>
+              <a:tblPr firstRow="1" bandRow="1">
+                <a:tableStyleId>{2D5ABB26-0587-4C30-8999-92F81FD0307C}</a:tableStyleId>
+              </a:tblPr>
+              <a:tblGrid>
+                <a:gridCol w="422593">
+                  <a:extLst>
+                    <a:ext uri="{9D8B030D-6E8A-4147-A177-3AD203B41FA5}">
+                      <a16:colId xmlns:a16="http://schemas.microsoft.com/office/drawing/2014/main" val="1767279995"/>
+                    </a:ext>
+                  </a:extLst>
+                </a:gridCol>
+                <a:gridCol w="422593">
+                  <a:extLst>
+                    <a:ext uri="{9D8B030D-6E8A-4147-A177-3AD203B41FA5}">
+                      <a16:colId xmlns:a16="http://schemas.microsoft.com/office/drawing/2014/main" val="4056601532"/>
+                    </a:ext>
+                  </a:extLst>
+                </a:gridCol>
+                <a:gridCol w="422593">
+                  <a:extLst>
+                    <a:ext uri="{9D8B030D-6E8A-4147-A177-3AD203B41FA5}">
+                      <a16:colId xmlns:a16="http://schemas.microsoft.com/office/drawing/2014/main" val="1954827058"/>
+                    </a:ext>
+                  </a:extLst>
+                </a:gridCol>
+                <a:gridCol w="422593">
+                  <a:extLst>
+                    <a:ext uri="{9D8B030D-6E8A-4147-A177-3AD203B41FA5}">
+                      <a16:colId xmlns:a16="http://schemas.microsoft.com/office/drawing/2014/main" val="1556575395"/>
+                    </a:ext>
+                  </a:extLst>
+                </a:gridCol>
+                <a:gridCol w="422593">
+                  <a:extLst>
+                    <a:ext uri="{9D8B030D-6E8A-4147-A177-3AD203B41FA5}">
+                      <a16:colId xmlns:a16="http://schemas.microsoft.com/office/drawing/2014/main" val="1942576227"/>
+                    </a:ext>
+                  </a:extLst>
+                </a:gridCol>
+                <a:gridCol w="422593">
+                  <a:extLst>
+                    <a:ext uri="{9D8B030D-6E8A-4147-A177-3AD203B41FA5}">
+                      <a16:colId xmlns:a16="http://schemas.microsoft.com/office/drawing/2014/main" val="1066045561"/>
+                    </a:ext>
+                  </a:extLst>
+                </a:gridCol>
+                <a:gridCol w="422593">
+                  <a:extLst>
+                    <a:ext uri="{9D8B030D-6E8A-4147-A177-3AD203B41FA5}">
+                      <a16:colId xmlns:a16="http://schemas.microsoft.com/office/drawing/2014/main" val="2346622434"/>
+                    </a:ext>
+                  </a:extLst>
+                </a:gridCol>
+                <a:gridCol w="422593">
+                  <a:extLst>
+                    <a:ext uri="{9D8B030D-6E8A-4147-A177-3AD203B41FA5}">
+                      <a16:colId xmlns:a16="http://schemas.microsoft.com/office/drawing/2014/main" val="969299152"/>
+                    </a:ext>
+                  </a:extLst>
+                </a:gridCol>
+                <a:gridCol w="422593">
+                  <a:extLst>
+                    <a:ext uri="{9D8B030D-6E8A-4147-A177-3AD203B41FA5}">
+                      <a16:colId xmlns:a16="http://schemas.microsoft.com/office/drawing/2014/main" val="750028954"/>
+                    </a:ext>
+                  </a:extLst>
+                </a:gridCol>
+                <a:gridCol w="422593">
+                  <a:extLst>
+                    <a:ext uri="{9D8B030D-6E8A-4147-A177-3AD203B41FA5}">
+                      <a16:colId xmlns:a16="http://schemas.microsoft.com/office/drawing/2014/main" val="564611956"/>
+                    </a:ext>
+                  </a:extLst>
+                </a:gridCol>
+              </a:tblGrid>
+              <a:tr h="370840">
+                <a:tc>
+                  <a:txBody>
+                    <a:bodyPr/>
+                    <a:lstStyle/>
+                    <a:p>
+                      <a:pPr algn="ctr"/>
+                      <a:r>
+                        <a:rPr lang="en-US" altLang="zh-TW" sz="1600" dirty="0" smtClean="0">
+                          <a:solidFill>
+                            <a:schemeClr val="tx1"/>
+                          </a:solidFill>
+                        </a:rPr>
+                        <a:t>3</a:t>
+                      </a:r>
+                      <a:endParaRPr lang="zh-TW" altLang="en-US" sz="1600" dirty="0">
+                        <a:solidFill>
+                          <a:schemeClr val="tx1"/>
+                        </a:solidFill>
+                      </a:endParaRPr>
+                    </a:p>
+                  </a:txBody>
+                  <a:tcPr>
+                    <a:lnL w="12700" cap="flat" cmpd="sng" algn="ctr">
+                      <a:solidFill>
+                        <a:schemeClr val="tx1"/>
+                      </a:solidFill>
+                      <a:prstDash val="solid"/>
+                      <a:round/>
+                      <a:headEnd type="none" w="med" len="med"/>
+                      <a:tailEnd type="none" w="med" len="med"/>
+                    </a:lnL>
+                    <a:lnR w="12700" cap="flat" cmpd="sng" algn="ctr">
+                      <a:solidFill>
+                        <a:schemeClr val="tx1"/>
+                      </a:solidFill>
+                      <a:prstDash val="solid"/>
+                      <a:round/>
+                      <a:headEnd type="none" w="med" len="med"/>
+                      <a:tailEnd type="none" w="med" len="med"/>
+                    </a:lnR>
+                    <a:lnT w="12700" cap="flat" cmpd="sng" algn="ctr">
+                      <a:solidFill>
+                        <a:schemeClr val="tx1"/>
+                      </a:solidFill>
+                      <a:prstDash val="solid"/>
+                      <a:round/>
+                      <a:headEnd type="none" w="med" len="med"/>
+                      <a:tailEnd type="none" w="med" len="med"/>
+                    </a:lnT>
+                    <a:lnB w="12700" cap="flat" cmpd="sng" algn="ctr">
+                      <a:solidFill>
+                        <a:schemeClr val="tx1"/>
+                      </a:solidFill>
+                      <a:prstDash val="solid"/>
+                      <a:round/>
+                      <a:headEnd type="none" w="med" len="med"/>
+                      <a:tailEnd type="none" w="med" len="med"/>
+                    </a:lnB>
+                    <a:solidFill>
+                      <a:srgbClr val="FFFF00"/>
+                    </a:solidFill>
+                  </a:tcPr>
+                </a:tc>
+                <a:tc>
+                  <a:txBody>
+                    <a:bodyPr/>
+                    <a:lstStyle/>
+                    <a:p>
+                      <a:pPr algn="ctr"/>
+                      <a:r>
+                        <a:rPr lang="en-US" altLang="zh-TW" sz="1600" dirty="0" smtClean="0">
+                          <a:solidFill>
+                            <a:schemeClr val="tx1"/>
+                          </a:solidFill>
+                        </a:rPr>
+                        <a:t>5</a:t>
+                      </a:r>
+                      <a:endParaRPr lang="zh-TW" altLang="en-US" sz="1600" dirty="0">
+                        <a:solidFill>
+                          <a:schemeClr val="tx1"/>
+                        </a:solidFill>
+                      </a:endParaRPr>
+                    </a:p>
+                  </a:txBody>
+                  <a:tcPr>
+                    <a:lnL w="12700" cap="flat" cmpd="sng" algn="ctr">
+                      <a:solidFill>
+                        <a:schemeClr val="tx1"/>
+                      </a:solidFill>
+                      <a:prstDash val="solid"/>
+                      <a:round/>
+                      <a:headEnd type="none" w="med" len="med"/>
+                      <a:tailEnd type="none" w="med" len="med"/>
+                    </a:lnL>
+                    <a:lnR w="12700" cap="flat" cmpd="sng" algn="ctr">
+                      <a:solidFill>
+                        <a:schemeClr val="tx1"/>
+                      </a:solidFill>
+                      <a:prstDash val="solid"/>
+                      <a:round/>
+                      <a:headEnd type="none" w="med" len="med"/>
+                      <a:tailEnd type="none" w="med" len="med"/>
+                    </a:lnR>
+                    <a:lnT w="12700" cap="flat" cmpd="sng" algn="ctr">
+                      <a:solidFill>
+                        <a:schemeClr val="tx1"/>
+                      </a:solidFill>
+                      <a:prstDash val="solid"/>
+                      <a:round/>
+                      <a:headEnd type="none" w="med" len="med"/>
+                      <a:tailEnd type="none" w="med" len="med"/>
+                    </a:lnT>
+                    <a:lnB w="12700" cap="flat" cmpd="sng" algn="ctr">
+                      <a:solidFill>
+                        <a:schemeClr val="tx1"/>
+                      </a:solidFill>
+                      <a:prstDash val="solid"/>
+                      <a:round/>
+                      <a:headEnd type="none" w="med" len="med"/>
+                      <a:tailEnd type="none" w="med" len="med"/>
+                    </a:lnB>
+                    <a:solidFill>
+                      <a:srgbClr val="FFFF00"/>
+                    </a:solidFill>
+                  </a:tcPr>
+                </a:tc>
+                <a:tc>
+                  <a:txBody>
+                    <a:bodyPr/>
+                    <a:lstStyle/>
+                    <a:p>
+                      <a:pPr algn="ctr"/>
+                      <a:r>
+                        <a:rPr lang="en-US" altLang="zh-TW" sz="1600" dirty="0" smtClean="0">
+                          <a:solidFill>
+                            <a:schemeClr val="tx1"/>
+                          </a:solidFill>
+                        </a:rPr>
+                        <a:t>2</a:t>
+                      </a:r>
+                      <a:endParaRPr lang="zh-TW" altLang="en-US" sz="1600" dirty="0">
+                        <a:solidFill>
+                          <a:schemeClr val="tx1"/>
+                        </a:solidFill>
+                      </a:endParaRPr>
+                    </a:p>
+                  </a:txBody>
+                  <a:tcPr>
+                    <a:lnL w="12700" cap="flat" cmpd="sng" algn="ctr">
+                      <a:solidFill>
+                        <a:schemeClr val="tx1"/>
+                      </a:solidFill>
+                      <a:prstDash val="solid"/>
+                      <a:round/>
+                      <a:headEnd type="none" w="med" len="med"/>
+                      <a:tailEnd type="none" w="med" len="med"/>
+                    </a:lnL>
+                    <a:lnR w="12700" cap="flat" cmpd="sng" algn="ctr">
+                      <a:solidFill>
+                        <a:schemeClr val="tx1"/>
+                      </a:solidFill>
+                      <a:prstDash val="solid"/>
+                      <a:round/>
+                      <a:headEnd type="none" w="med" len="med"/>
+                      <a:tailEnd type="none" w="med" len="med"/>
+                    </a:lnR>
+                    <a:lnT w="12700" cap="flat" cmpd="sng" algn="ctr">
+                      <a:solidFill>
+                        <a:schemeClr val="tx1"/>
+                      </a:solidFill>
+                      <a:prstDash val="solid"/>
+                      <a:round/>
+                      <a:headEnd type="none" w="med" len="med"/>
+                      <a:tailEnd type="none" w="med" len="med"/>
+                    </a:lnT>
+                    <a:lnB w="12700" cap="flat" cmpd="sng" algn="ctr">
+                      <a:solidFill>
+                        <a:schemeClr val="tx1"/>
+                      </a:solidFill>
+                      <a:prstDash val="solid"/>
+                      <a:round/>
+                      <a:headEnd type="none" w="med" len="med"/>
+                      <a:tailEnd type="none" w="med" len="med"/>
+                    </a:lnB>
+                    <a:solidFill>
+                      <a:srgbClr val="FFFF00"/>
+                    </a:solidFill>
+                  </a:tcPr>
+                </a:tc>
+                <a:tc>
+                  <a:txBody>
+                    <a:bodyPr/>
+                    <a:lstStyle/>
+                    <a:p>
+                      <a:pPr algn="ctr"/>
+                      <a:r>
+                        <a:rPr lang="en-US" altLang="zh-TW" sz="1600" dirty="0" smtClean="0">
+                          <a:solidFill>
+                            <a:schemeClr val="tx1"/>
+                          </a:solidFill>
+                        </a:rPr>
+                        <a:t>6</a:t>
+                      </a:r>
+                      <a:endParaRPr lang="zh-TW" altLang="en-US" sz="1600" dirty="0">
+                        <a:solidFill>
+                          <a:schemeClr val="tx1"/>
+                        </a:solidFill>
+                      </a:endParaRPr>
+                    </a:p>
+                  </a:txBody>
+                  <a:tcPr>
+                    <a:lnL w="12700" cap="flat" cmpd="sng" algn="ctr">
+                      <a:solidFill>
+                        <a:schemeClr val="tx1"/>
+                      </a:solidFill>
+                      <a:prstDash val="solid"/>
+                      <a:round/>
+                      <a:headEnd type="none" w="med" len="med"/>
+                      <a:tailEnd type="none" w="med" len="med"/>
+                    </a:lnL>
+                    <a:lnR w="12700" cap="flat" cmpd="sng" algn="ctr">
+                      <a:solidFill>
+                        <a:schemeClr val="tx1"/>
+                      </a:solidFill>
+                      <a:prstDash val="solid"/>
+                      <a:round/>
+                      <a:headEnd type="none" w="med" len="med"/>
+                      <a:tailEnd type="none" w="med" len="med"/>
+                    </a:lnR>
+                    <a:lnT w="12700" cap="flat" cmpd="sng" algn="ctr">
+                      <a:solidFill>
+                        <a:schemeClr val="tx1"/>
+                      </a:solidFill>
+                      <a:prstDash val="solid"/>
+                      <a:round/>
+                      <a:headEnd type="none" w="med" len="med"/>
+                      <a:tailEnd type="none" w="med" len="med"/>
+                    </a:lnT>
+                    <a:lnB w="12700" cap="flat" cmpd="sng" algn="ctr">
+                      <a:solidFill>
+                        <a:schemeClr val="tx1"/>
+                      </a:solidFill>
+                      <a:prstDash val="solid"/>
+                      <a:round/>
+                      <a:headEnd type="none" w="med" len="med"/>
+                      <a:tailEnd type="none" w="med" len="med"/>
+                    </a:lnB>
+                    <a:solidFill>
+                      <a:srgbClr val="FFFF00"/>
+                    </a:solidFill>
+                  </a:tcPr>
+                </a:tc>
+                <a:tc>
+                  <a:txBody>
+                    <a:bodyPr/>
+                    <a:lstStyle/>
+                    <a:p>
+                      <a:pPr algn="ctr"/>
+                      <a:r>
+                        <a:rPr lang="en-US" altLang="zh-TW" sz="1600" dirty="0" smtClean="0">
+                          <a:solidFill>
+                            <a:schemeClr val="tx1"/>
+                          </a:solidFill>
+                        </a:rPr>
+                        <a:t>4</a:t>
+                      </a:r>
+                      <a:endParaRPr lang="zh-TW" altLang="en-US" sz="1600" dirty="0">
+                        <a:solidFill>
+                          <a:schemeClr val="tx1"/>
+                        </a:solidFill>
+                      </a:endParaRPr>
+                    </a:p>
+                  </a:txBody>
+                  <a:tcPr>
+                    <a:lnL w="12700" cap="flat" cmpd="sng" algn="ctr">
+                      <a:solidFill>
+                        <a:schemeClr val="tx1"/>
+                      </a:solidFill>
+                      <a:prstDash val="solid"/>
+                      <a:round/>
+                      <a:headEnd type="none" w="med" len="med"/>
+                      <a:tailEnd type="none" w="med" len="med"/>
+                    </a:lnL>
+                    <a:lnR w="12700" cap="flat" cmpd="sng" algn="ctr">
+                      <a:solidFill>
+                        <a:schemeClr val="tx1"/>
+                      </a:solidFill>
+                      <a:prstDash val="solid"/>
+                      <a:round/>
+                      <a:headEnd type="none" w="med" len="med"/>
+                      <a:tailEnd type="none" w="med" len="med"/>
+                    </a:lnR>
+                    <a:lnT w="12700" cap="flat" cmpd="sng" algn="ctr">
+                      <a:solidFill>
+                        <a:schemeClr val="tx1"/>
+                      </a:solidFill>
+                      <a:prstDash val="solid"/>
+                      <a:round/>
+                      <a:headEnd type="none" w="med" len="med"/>
+                      <a:tailEnd type="none" w="med" len="med"/>
+                    </a:lnT>
+                    <a:lnB w="12700" cap="flat" cmpd="sng" algn="ctr">
+                      <a:solidFill>
+                        <a:schemeClr val="tx1"/>
+                      </a:solidFill>
+                      <a:prstDash val="solid"/>
+                      <a:round/>
+                      <a:headEnd type="none" w="med" len="med"/>
+                      <a:tailEnd type="none" w="med" len="med"/>
+                    </a:lnB>
+                    <a:solidFill>
+                      <a:schemeClr val="bg1"/>
+                    </a:solidFill>
+                  </a:tcPr>
+                </a:tc>
+                <a:tc>
+                  <a:txBody>
+                    <a:bodyPr/>
+                    <a:lstStyle/>
+                    <a:p>
+                      <a:pPr algn="ctr"/>
+                      <a:r>
+                        <a:rPr lang="en-US" altLang="zh-TW" sz="1600" dirty="0" smtClean="0">
+                          <a:solidFill>
+                            <a:schemeClr val="tx1"/>
+                          </a:solidFill>
+                        </a:rPr>
+                        <a:t>1</a:t>
+                      </a:r>
+                      <a:endParaRPr lang="zh-TW" altLang="en-US" sz="1600" dirty="0">
+                        <a:solidFill>
+                          <a:schemeClr val="tx1"/>
+                        </a:solidFill>
+                      </a:endParaRPr>
+                    </a:p>
+                  </a:txBody>
+                  <a:tcPr>
+                    <a:lnL w="12700" cap="flat" cmpd="sng" algn="ctr">
+                      <a:solidFill>
+                        <a:schemeClr val="tx1"/>
+                      </a:solidFill>
+                      <a:prstDash val="solid"/>
+                      <a:round/>
+                      <a:headEnd type="none" w="med" len="med"/>
+                      <a:tailEnd type="none" w="med" len="med"/>
+                    </a:lnL>
+                    <a:lnR w="12700" cap="flat" cmpd="sng" algn="ctr">
+                      <a:solidFill>
+                        <a:schemeClr val="tx1"/>
+                      </a:solidFill>
+                      <a:prstDash val="solid"/>
+                      <a:round/>
+                      <a:headEnd type="none" w="med" len="med"/>
+                      <a:tailEnd type="none" w="med" len="med"/>
+                    </a:lnR>
+                    <a:lnT w="12700" cap="flat" cmpd="sng" algn="ctr">
+                      <a:solidFill>
+                        <a:schemeClr val="tx1"/>
+                      </a:solidFill>
+                      <a:prstDash val="solid"/>
+                      <a:round/>
+                      <a:headEnd type="none" w="med" len="med"/>
+                      <a:tailEnd type="none" w="med" len="med"/>
+                    </a:lnT>
+                    <a:lnB w="12700" cap="flat" cmpd="sng" algn="ctr">
+                      <a:solidFill>
+                        <a:schemeClr val="tx1"/>
+                      </a:solidFill>
+                      <a:prstDash val="solid"/>
+                      <a:round/>
+                      <a:headEnd type="none" w="med" len="med"/>
+                      <a:tailEnd type="none" w="med" len="med"/>
+                    </a:lnB>
+                    <a:solidFill>
+                      <a:schemeClr val="bg1"/>
+                    </a:solidFill>
+                  </a:tcPr>
+                </a:tc>
+                <a:tc>
+                  <a:txBody>
+                    <a:bodyPr/>
+                    <a:lstStyle/>
+                    <a:p>
+                      <a:pPr algn="ctr"/>
+                      <a:r>
+                        <a:rPr lang="en-US" altLang="zh-TW" sz="1600" dirty="0" smtClean="0">
+                          <a:solidFill>
+                            <a:schemeClr val="tx1"/>
+                          </a:solidFill>
+                        </a:rPr>
+                        <a:t>0</a:t>
+                      </a:r>
+                      <a:endParaRPr lang="zh-TW" altLang="en-US" sz="1600" dirty="0">
+                        <a:solidFill>
+                          <a:schemeClr val="tx1"/>
+                        </a:solidFill>
+                      </a:endParaRPr>
+                    </a:p>
+                  </a:txBody>
+                  <a:tcPr>
+                    <a:lnL w="12700" cap="flat" cmpd="sng" algn="ctr">
+                      <a:solidFill>
+                        <a:schemeClr val="tx1"/>
+                      </a:solidFill>
+                      <a:prstDash val="solid"/>
+                      <a:round/>
+                      <a:headEnd type="none" w="med" len="med"/>
+                      <a:tailEnd type="none" w="med" len="med"/>
+                    </a:lnL>
+                    <a:lnR w="12700" cap="flat" cmpd="sng" algn="ctr">
+                      <a:solidFill>
+                        <a:schemeClr val="tx1"/>
+                      </a:solidFill>
+                      <a:prstDash val="solid"/>
+                      <a:round/>
+                      <a:headEnd type="none" w="med" len="med"/>
+                      <a:tailEnd type="none" w="med" len="med"/>
+                    </a:lnR>
+                    <a:lnT w="12700" cap="flat" cmpd="sng" algn="ctr">
+                      <a:solidFill>
+                        <a:schemeClr val="tx1"/>
+                      </a:solidFill>
+                      <a:prstDash val="solid"/>
+                      <a:round/>
+                      <a:headEnd type="none" w="med" len="med"/>
+                      <a:tailEnd type="none" w="med" len="med"/>
+                    </a:lnT>
+                    <a:lnB w="12700" cap="flat" cmpd="sng" algn="ctr">
+                      <a:solidFill>
+                        <a:schemeClr val="tx1"/>
+                      </a:solidFill>
+                      <a:prstDash val="solid"/>
+                      <a:round/>
+                      <a:headEnd type="none" w="med" len="med"/>
+                      <a:tailEnd type="none" w="med" len="med"/>
+                    </a:lnB>
+                    <a:solidFill>
+                      <a:schemeClr val="bg1"/>
+                    </a:solidFill>
+                  </a:tcPr>
+                </a:tc>
+                <a:tc>
+                  <a:txBody>
+                    <a:bodyPr/>
+                    <a:lstStyle/>
+                    <a:p>
+                      <a:pPr algn="ctr"/>
+                      <a:r>
+                        <a:rPr lang="en-US" altLang="zh-TW" sz="1600" dirty="0" smtClean="0">
+                          <a:solidFill>
+                            <a:schemeClr val="tx1"/>
+                          </a:solidFill>
+                        </a:rPr>
+                        <a:t>7</a:t>
+                      </a:r>
+                      <a:endParaRPr lang="zh-TW" altLang="en-US" sz="1600" dirty="0">
+                        <a:solidFill>
+                          <a:schemeClr val="tx1"/>
+                        </a:solidFill>
+                      </a:endParaRPr>
+                    </a:p>
+                  </a:txBody>
+                  <a:tcPr>
+                    <a:lnL w="12700" cap="flat" cmpd="sng" algn="ctr">
+                      <a:solidFill>
+                        <a:schemeClr val="tx1"/>
+                      </a:solidFill>
+                      <a:prstDash val="solid"/>
+                      <a:round/>
+                      <a:headEnd type="none" w="med" len="med"/>
+                      <a:tailEnd type="none" w="med" len="med"/>
+                    </a:lnL>
+                    <a:lnR w="12700" cap="flat" cmpd="sng" algn="ctr">
+                      <a:solidFill>
+                        <a:schemeClr val="tx1"/>
+                      </a:solidFill>
+                      <a:prstDash val="solid"/>
+                      <a:round/>
+                      <a:headEnd type="none" w="med" len="med"/>
+                      <a:tailEnd type="none" w="med" len="med"/>
+                    </a:lnR>
+                    <a:lnT w="12700" cap="flat" cmpd="sng" algn="ctr">
+                      <a:solidFill>
+                        <a:schemeClr val="tx1"/>
+                      </a:solidFill>
+                      <a:prstDash val="solid"/>
+                      <a:round/>
+                      <a:headEnd type="none" w="med" len="med"/>
+                      <a:tailEnd type="none" w="med" len="med"/>
+                    </a:lnT>
+                    <a:lnB w="12700" cap="flat" cmpd="sng" algn="ctr">
+                      <a:solidFill>
+                        <a:schemeClr val="tx1"/>
+                      </a:solidFill>
+                      <a:prstDash val="solid"/>
+                      <a:round/>
+                      <a:headEnd type="none" w="med" len="med"/>
+                      <a:tailEnd type="none" w="med" len="med"/>
+                    </a:lnB>
+                    <a:solidFill>
+                      <a:schemeClr val="bg1"/>
+                    </a:solidFill>
+                  </a:tcPr>
+                </a:tc>
+                <a:tc>
+                  <a:txBody>
+                    <a:bodyPr/>
+                    <a:lstStyle/>
+                    <a:p>
+                      <a:pPr algn="ctr"/>
+                      <a:r>
+                        <a:rPr lang="en-US" altLang="zh-TW" sz="1600" dirty="0" smtClean="0">
+                          <a:solidFill>
+                            <a:schemeClr val="tx1"/>
+                          </a:solidFill>
+                        </a:rPr>
+                        <a:t>8</a:t>
+                      </a:r>
+                      <a:endParaRPr lang="zh-TW" altLang="en-US" sz="1600" dirty="0">
+                        <a:solidFill>
+                          <a:schemeClr val="tx1"/>
+                        </a:solidFill>
+                      </a:endParaRPr>
+                    </a:p>
+                  </a:txBody>
+                  <a:tcPr>
+                    <a:lnL w="12700" cap="flat" cmpd="sng" algn="ctr">
+                      <a:solidFill>
+                        <a:schemeClr val="tx1"/>
+                      </a:solidFill>
+                      <a:prstDash val="solid"/>
+                      <a:round/>
+                      <a:headEnd type="none" w="med" len="med"/>
+                      <a:tailEnd type="none" w="med" len="med"/>
+                    </a:lnL>
+                    <a:lnR w="12700" cap="flat" cmpd="sng" algn="ctr">
+                      <a:solidFill>
+                        <a:schemeClr val="tx1"/>
+                      </a:solidFill>
+                      <a:prstDash val="solid"/>
+                      <a:round/>
+                      <a:headEnd type="none" w="med" len="med"/>
+                      <a:tailEnd type="none" w="med" len="med"/>
+                    </a:lnR>
+                    <a:lnT w="12700" cap="flat" cmpd="sng" algn="ctr">
+                      <a:solidFill>
+                        <a:schemeClr val="tx1"/>
+                      </a:solidFill>
+                      <a:prstDash val="solid"/>
+                      <a:round/>
+                      <a:headEnd type="none" w="med" len="med"/>
+                      <a:tailEnd type="none" w="med" len="med"/>
+                    </a:lnT>
+                    <a:lnB w="12700" cap="flat" cmpd="sng" algn="ctr">
+                      <a:solidFill>
+                        <a:schemeClr val="tx1"/>
+                      </a:solidFill>
+                      <a:prstDash val="solid"/>
+                      <a:round/>
+                      <a:headEnd type="none" w="med" len="med"/>
+                      <a:tailEnd type="none" w="med" len="med"/>
+                    </a:lnB>
+                    <a:solidFill>
+                      <a:schemeClr val="bg1"/>
+                    </a:solidFill>
+                  </a:tcPr>
+                </a:tc>
+                <a:tc>
+                  <a:txBody>
+                    <a:bodyPr/>
+                    <a:lstStyle/>
+                    <a:p>
+                      <a:pPr algn="ctr"/>
+                      <a:r>
+                        <a:rPr lang="en-US" altLang="zh-TW" sz="1600" dirty="0" smtClean="0">
+                          <a:solidFill>
+                            <a:schemeClr val="tx1"/>
+                          </a:solidFill>
+                        </a:rPr>
+                        <a:t>9</a:t>
+                      </a:r>
+                      <a:endParaRPr lang="zh-TW" altLang="en-US" sz="1600" dirty="0">
+                        <a:solidFill>
+                          <a:schemeClr val="tx1"/>
+                        </a:solidFill>
+                      </a:endParaRPr>
+                    </a:p>
+                  </a:txBody>
+                  <a:tcPr>
+                    <a:lnL w="12700" cap="flat" cmpd="sng" algn="ctr">
+                      <a:solidFill>
+                        <a:schemeClr val="tx1"/>
+                      </a:solidFill>
+                      <a:prstDash val="solid"/>
+                      <a:round/>
+                      <a:headEnd type="none" w="med" len="med"/>
+                      <a:tailEnd type="none" w="med" len="med"/>
+                    </a:lnL>
+                    <a:lnR w="12700" cap="flat" cmpd="sng" algn="ctr">
+                      <a:solidFill>
+                        <a:schemeClr val="tx1"/>
+                      </a:solidFill>
+                      <a:prstDash val="solid"/>
+                      <a:round/>
+                      <a:headEnd type="none" w="med" len="med"/>
+                      <a:tailEnd type="none" w="med" len="med"/>
+                    </a:lnR>
+                    <a:lnT w="12700" cap="flat" cmpd="sng" algn="ctr">
+                      <a:solidFill>
+                        <a:schemeClr val="tx1"/>
+                      </a:solidFill>
+                      <a:prstDash val="solid"/>
+                      <a:round/>
+                      <a:headEnd type="none" w="med" len="med"/>
+                      <a:tailEnd type="none" w="med" len="med"/>
+                    </a:lnT>
+                    <a:lnB w="12700" cap="flat" cmpd="sng" algn="ctr">
+                      <a:solidFill>
+                        <a:schemeClr val="tx1"/>
+                      </a:solidFill>
+                      <a:prstDash val="solid"/>
+                      <a:round/>
+                      <a:headEnd type="none" w="med" len="med"/>
+                      <a:tailEnd type="none" w="med" len="med"/>
+                    </a:lnB>
+                    <a:solidFill>
+                      <a:schemeClr val="bg1"/>
+                    </a:solidFill>
+                  </a:tcPr>
+                </a:tc>
+                <a:extLst>
+                  <a:ext uri="{0D108BD9-81ED-4DB2-BD59-A6C34878D82A}">
+                    <a16:rowId xmlns:a16="http://schemas.microsoft.com/office/drawing/2014/main" val="2753133935"/>
+                  </a:ext>
+                </a:extLst>
+              </a:tr>
+            </a:tbl>
+          </a:graphicData>
+        </a:graphic>
+      </p:graphicFrame>
+      <p:sp>
+        <p:nvSpPr>
+          <p:cNvPr id="8" name="文字方塊 7"/>
+          <p:cNvSpPr txBox="1"/>
+          <p:nvPr/>
+        </p:nvSpPr>
+        <p:spPr>
+          <a:xfrm>
+            <a:off x="4682692" y="1624712"/>
+            <a:ext cx="2029723" cy="369332"/>
+          </a:xfrm>
+          <a:prstGeom prst="rect">
+            <a:avLst/>
+          </a:prstGeom>
+          <a:noFill/>
+        </p:spPr>
+        <p:txBody>
+          <a:bodyPr wrap="none" rtlCol="0">
+            <a:spAutoFit/>
+          </a:bodyPr>
+          <a:lstStyle/>
+          <a:p>
+            <a:r>
+              <a:rPr lang="en-US" altLang="zh-TW" dirty="0" smtClean="0"/>
+              <a:t>K=  0     1     2    3</a:t>
+            </a:r>
+            <a:endParaRPr lang="zh-TW" altLang="en-US" dirty="0"/>
+          </a:p>
+        </p:txBody>
+      </p:sp>
+      <p:sp>
+        <p:nvSpPr>
+          <p:cNvPr id="9" name="文字方塊 8"/>
+          <p:cNvSpPr txBox="1"/>
+          <p:nvPr/>
+        </p:nvSpPr>
+        <p:spPr>
+          <a:xfrm>
+            <a:off x="4649628" y="3244278"/>
+            <a:ext cx="1641796" cy="400110"/>
+          </a:xfrm>
+          <a:prstGeom prst="rect">
+            <a:avLst/>
+          </a:prstGeom>
+          <a:noFill/>
+        </p:spPr>
+        <p:txBody>
+          <a:bodyPr wrap="none" rtlCol="0">
+            <a:spAutoFit/>
+          </a:bodyPr>
+          <a:lstStyle/>
+          <a:p>
+            <a:r>
+              <a:rPr lang="en-US" altLang="zh-TW" sz="2000" dirty="0" err="1" smtClean="0"/>
+              <a:t>i</a:t>
+            </a:r>
+            <a:r>
+              <a:rPr lang="en-US" altLang="zh-TW" sz="2000" dirty="0" smtClean="0"/>
+              <a:t>= 0</a:t>
+            </a:r>
+            <a:r>
+              <a:rPr lang="zh-TW" altLang="en-US" sz="2000" dirty="0" smtClean="0"/>
+              <a:t> </a:t>
+            </a:r>
+            <a:r>
+              <a:rPr lang="en-US" altLang="zh-TW" sz="2000" dirty="0" smtClean="0"/>
+              <a:t>, digit=5</a:t>
+            </a:r>
+            <a:endParaRPr lang="zh-TW" altLang="en-US" sz="2000" dirty="0"/>
+          </a:p>
+        </p:txBody>
+      </p:sp>
+      <p:sp>
+        <p:nvSpPr>
+          <p:cNvPr id="16" name="矩形 15"/>
+          <p:cNvSpPr/>
+          <p:nvPr/>
+        </p:nvSpPr>
+        <p:spPr>
+          <a:xfrm>
+            <a:off x="5850651" y="2647798"/>
+            <a:ext cx="197556" cy="492052"/>
+          </a:xfrm>
+          <a:prstGeom prst="rect">
+            <a:avLst/>
+          </a:prstGeom>
+          <a:solidFill>
+            <a:schemeClr val="accent1">
+              <a:lumMod val="40000"/>
+              <a:lumOff val="60000"/>
+            </a:schemeClr>
+          </a:solidFill>
+          <a:ln>
+            <a:solidFill>
+              <a:schemeClr val="accent1">
+                <a:lumMod val="40000"/>
+                <a:lumOff val="60000"/>
+              </a:schemeClr>
+            </a:solidFill>
+          </a:ln>
+        </p:spPr>
+        <p:style>
+          <a:lnRef idx="2">
+            <a:schemeClr val="accent1">
+              <a:shade val="50000"/>
+            </a:schemeClr>
+          </a:lnRef>
+          <a:fillRef idx="1">
+            <a:schemeClr val="accent1"/>
+          </a:fillRef>
+          <a:effectRef idx="0">
+            <a:schemeClr val="accent1"/>
+          </a:effectRef>
+          <a:fontRef idx="minor">
+            <a:schemeClr val="lt1"/>
+          </a:fontRef>
+        </p:style>
+        <p:txBody>
+          <a:bodyPr rtlCol="0" anchor="ctr"/>
+          <a:lstStyle/>
+          <a:p>
+            <a:pPr algn="ctr"/>
+            <a:endParaRPr lang="zh-TW" altLang="en-US"/>
+          </a:p>
+        </p:txBody>
+      </p:sp>
+      <p:sp>
+        <p:nvSpPr>
+          <p:cNvPr id="17" name="文字方塊 16"/>
+          <p:cNvSpPr txBox="1"/>
+          <p:nvPr/>
+        </p:nvSpPr>
+        <p:spPr>
+          <a:xfrm>
+            <a:off x="4675837" y="3220155"/>
+            <a:ext cx="1641796" cy="400110"/>
+          </a:xfrm>
+          <a:prstGeom prst="rect">
+            <a:avLst/>
+          </a:prstGeom>
+          <a:noFill/>
+        </p:spPr>
+        <p:txBody>
+          <a:bodyPr wrap="none" rtlCol="0">
+            <a:spAutoFit/>
+          </a:bodyPr>
+          <a:lstStyle/>
+          <a:p>
+            <a:r>
+              <a:rPr lang="en-US" altLang="zh-TW" sz="2000" dirty="0" err="1" smtClean="0"/>
+              <a:t>i</a:t>
+            </a:r>
+            <a:r>
+              <a:rPr lang="en-US" altLang="zh-TW" sz="2000" dirty="0" smtClean="0"/>
+              <a:t>= 1</a:t>
+            </a:r>
+            <a:r>
+              <a:rPr lang="zh-TW" altLang="en-US" sz="2000" dirty="0" smtClean="0"/>
+              <a:t> </a:t>
+            </a:r>
+            <a:r>
+              <a:rPr lang="en-US" altLang="zh-TW" sz="2000" dirty="0" smtClean="0"/>
+              <a:t>, digit=2</a:t>
+            </a:r>
+            <a:endParaRPr lang="zh-TW" altLang="en-US" sz="2000" dirty="0"/>
+          </a:p>
+        </p:txBody>
+      </p:sp>
+      <p:sp>
+        <p:nvSpPr>
+          <p:cNvPr id="18" name="矩形 17"/>
+          <p:cNvSpPr/>
+          <p:nvPr/>
+        </p:nvSpPr>
+        <p:spPr>
+          <a:xfrm>
+            <a:off x="5622852" y="2652029"/>
+            <a:ext cx="197556" cy="492052"/>
+          </a:xfrm>
+          <a:prstGeom prst="rect">
+            <a:avLst/>
+          </a:prstGeom>
+          <a:solidFill>
+            <a:schemeClr val="accent1">
+              <a:lumMod val="40000"/>
+              <a:lumOff val="60000"/>
+            </a:schemeClr>
+          </a:solidFill>
+          <a:ln>
+            <a:solidFill>
+              <a:schemeClr val="accent1">
+                <a:lumMod val="40000"/>
+                <a:lumOff val="60000"/>
+              </a:schemeClr>
+            </a:solidFill>
+          </a:ln>
+        </p:spPr>
+        <p:style>
+          <a:lnRef idx="2">
+            <a:schemeClr val="accent1">
+              <a:shade val="50000"/>
+            </a:schemeClr>
+          </a:lnRef>
+          <a:fillRef idx="1">
+            <a:schemeClr val="accent1"/>
+          </a:fillRef>
+          <a:effectRef idx="0">
+            <a:schemeClr val="accent1"/>
+          </a:effectRef>
+          <a:fontRef idx="minor">
+            <a:schemeClr val="lt1"/>
+          </a:fontRef>
+        </p:style>
+        <p:txBody>
+          <a:bodyPr rtlCol="0" anchor="ctr"/>
+          <a:lstStyle/>
+          <a:p>
+            <a:pPr algn="ctr"/>
+            <a:endParaRPr lang="zh-TW" altLang="en-US"/>
+          </a:p>
+        </p:txBody>
+      </p:sp>
+      <p:sp>
+        <p:nvSpPr>
+          <p:cNvPr id="19" name="文字方塊 18"/>
+          <p:cNvSpPr txBox="1"/>
+          <p:nvPr/>
+        </p:nvSpPr>
+        <p:spPr>
+          <a:xfrm>
+            <a:off x="4687452" y="3228423"/>
+            <a:ext cx="1641796" cy="400110"/>
+          </a:xfrm>
+          <a:prstGeom prst="rect">
+            <a:avLst/>
+          </a:prstGeom>
+          <a:noFill/>
+        </p:spPr>
+        <p:txBody>
+          <a:bodyPr wrap="none" rtlCol="0">
+            <a:spAutoFit/>
+          </a:bodyPr>
+          <a:lstStyle/>
+          <a:p>
+            <a:r>
+              <a:rPr lang="en-US" altLang="zh-TW" sz="2000" dirty="0" err="1" smtClean="0"/>
+              <a:t>i</a:t>
+            </a:r>
+            <a:r>
+              <a:rPr lang="en-US" altLang="zh-TW" sz="2000" dirty="0" smtClean="0"/>
+              <a:t>= 2</a:t>
+            </a:r>
+            <a:r>
+              <a:rPr lang="zh-TW" altLang="en-US" sz="2000" dirty="0" smtClean="0"/>
+              <a:t> </a:t>
+            </a:r>
+            <a:r>
+              <a:rPr lang="en-US" altLang="zh-TW" sz="2000" dirty="0" smtClean="0"/>
+              <a:t>, digit=0</a:t>
+            </a:r>
+            <a:endParaRPr lang="zh-TW" altLang="en-US" sz="2000" dirty="0"/>
+          </a:p>
+        </p:txBody>
+      </p:sp>
+      <p:sp>
+        <p:nvSpPr>
+          <p:cNvPr id="20" name="矩形 19"/>
+          <p:cNvSpPr/>
+          <p:nvPr/>
+        </p:nvSpPr>
+        <p:spPr>
+          <a:xfrm>
+            <a:off x="5397957" y="2657414"/>
+            <a:ext cx="197556" cy="492052"/>
+          </a:xfrm>
+          <a:prstGeom prst="rect">
+            <a:avLst/>
+          </a:prstGeom>
+          <a:solidFill>
+            <a:schemeClr val="accent1">
+              <a:lumMod val="40000"/>
+              <a:lumOff val="60000"/>
+            </a:schemeClr>
+          </a:solidFill>
+          <a:ln>
+            <a:solidFill>
+              <a:schemeClr val="accent1">
+                <a:lumMod val="40000"/>
+                <a:lumOff val="60000"/>
+              </a:schemeClr>
+            </a:solidFill>
+          </a:ln>
+        </p:spPr>
+        <p:style>
+          <a:lnRef idx="2">
+            <a:schemeClr val="accent1">
+              <a:shade val="50000"/>
+            </a:schemeClr>
+          </a:lnRef>
+          <a:fillRef idx="1">
+            <a:schemeClr val="accent1"/>
+          </a:fillRef>
+          <a:effectRef idx="0">
+            <a:schemeClr val="accent1"/>
+          </a:effectRef>
+          <a:fontRef idx="minor">
+            <a:schemeClr val="lt1"/>
+          </a:fontRef>
+        </p:style>
+        <p:txBody>
+          <a:bodyPr rtlCol="0" anchor="ctr"/>
+          <a:lstStyle/>
+          <a:p>
+            <a:pPr algn="ctr"/>
+            <a:endParaRPr lang="zh-TW" altLang="en-US"/>
+          </a:p>
+        </p:txBody>
+      </p:sp>
+      <p:sp>
+        <p:nvSpPr>
+          <p:cNvPr id="21" name="文字方塊 20"/>
+          <p:cNvSpPr txBox="1"/>
+          <p:nvPr/>
+        </p:nvSpPr>
+        <p:spPr>
+          <a:xfrm>
+            <a:off x="4675837" y="3220155"/>
+            <a:ext cx="1641796" cy="400110"/>
+          </a:xfrm>
+          <a:prstGeom prst="rect">
+            <a:avLst/>
+          </a:prstGeom>
+          <a:noFill/>
+        </p:spPr>
+        <p:txBody>
+          <a:bodyPr wrap="none" rtlCol="0">
+            <a:spAutoFit/>
+          </a:bodyPr>
+          <a:lstStyle/>
+          <a:p>
+            <a:r>
+              <a:rPr lang="en-US" altLang="zh-TW" sz="2000" dirty="0" err="1" smtClean="0"/>
+              <a:t>i</a:t>
+            </a:r>
+            <a:r>
+              <a:rPr lang="en-US" altLang="zh-TW" sz="2000" dirty="0" smtClean="0"/>
+              <a:t>= 3</a:t>
+            </a:r>
+            <a:r>
+              <a:rPr lang="zh-TW" altLang="en-US" sz="2000" dirty="0" smtClean="0"/>
+              <a:t> </a:t>
+            </a:r>
+            <a:r>
+              <a:rPr lang="en-US" altLang="zh-TW" sz="2000" dirty="0" smtClean="0"/>
+              <a:t>, digit=8</a:t>
+            </a:r>
+            <a:endParaRPr lang="zh-TW" altLang="en-US" sz="2000" dirty="0"/>
+          </a:p>
+        </p:txBody>
+      </p:sp>
+      <p:sp>
+        <p:nvSpPr>
+          <p:cNvPr id="10" name="文字方塊 9"/>
+          <p:cNvSpPr txBox="1"/>
+          <p:nvPr/>
+        </p:nvSpPr>
+        <p:spPr>
+          <a:xfrm>
+            <a:off x="4520174" y="2668235"/>
+            <a:ext cx="1826141" cy="400110"/>
+          </a:xfrm>
+          <a:prstGeom prst="rect">
+            <a:avLst/>
+          </a:prstGeom>
+          <a:noFill/>
+        </p:spPr>
+        <p:txBody>
+          <a:bodyPr wrap="none" rtlCol="0">
+            <a:spAutoFit/>
+          </a:bodyPr>
+          <a:lstStyle/>
+          <a:p>
+            <a:r>
+              <a:rPr lang="en-US" altLang="zh-TW" sz="2000" dirty="0" smtClean="0"/>
+              <a:t>Guess= </a:t>
+            </a:r>
+            <a:r>
+              <a:rPr lang="en-US" altLang="zh-TW" sz="2000" dirty="0" smtClean="0">
+                <a:solidFill>
+                  <a:srgbClr val="FF0000"/>
+                </a:solidFill>
+              </a:rPr>
+              <a:t>8 0 5 </a:t>
+            </a:r>
+            <a:r>
+              <a:rPr lang="en-US" altLang="zh-TW" sz="2000" dirty="0">
+                <a:solidFill>
+                  <a:srgbClr val="FF0000"/>
+                </a:solidFill>
+              </a:rPr>
+              <a:t>2</a:t>
+            </a:r>
+            <a:endParaRPr lang="zh-TW" altLang="en-US" sz="2000" dirty="0">
+              <a:solidFill>
+                <a:srgbClr val="FF0000"/>
+              </a:solidFill>
+            </a:endParaRPr>
+          </a:p>
+        </p:txBody>
+      </p:sp>
+      <p:sp>
+        <p:nvSpPr>
+          <p:cNvPr id="22" name="文字方塊 21"/>
+          <p:cNvSpPr txBox="1"/>
+          <p:nvPr/>
+        </p:nvSpPr>
+        <p:spPr>
+          <a:xfrm>
+            <a:off x="3853940" y="1288236"/>
+            <a:ext cx="2858475" cy="369332"/>
+          </a:xfrm>
+          <a:prstGeom prst="rect">
+            <a:avLst/>
+          </a:prstGeom>
+          <a:noFill/>
+        </p:spPr>
+        <p:txBody>
+          <a:bodyPr wrap="none" rtlCol="0">
+            <a:spAutoFit/>
+          </a:bodyPr>
+          <a:lstStyle/>
+          <a:p>
+            <a:r>
+              <a:rPr lang="zh-TW" altLang="en-US" dirty="0"/>
+              <a:t>注意：</a:t>
+            </a:r>
+            <a:r>
+              <a:rPr lang="en-US" altLang="zh-TW" dirty="0" err="1" smtClean="0"/>
+              <a:t>Ans</a:t>
+            </a:r>
+            <a:r>
+              <a:rPr lang="en-US" altLang="zh-TW" dirty="0" smtClean="0"/>
+              <a:t>= </a:t>
+            </a:r>
+            <a:r>
+              <a:rPr lang="en-US" altLang="zh-TW" b="1" dirty="0" smtClean="0">
+                <a:solidFill>
+                  <a:srgbClr val="FF0000"/>
+                </a:solidFill>
+              </a:rPr>
+              <a:t>6    2     5    3</a:t>
+            </a:r>
+            <a:endParaRPr lang="zh-TW" altLang="en-US" b="1" dirty="0">
+              <a:solidFill>
+                <a:srgbClr val="FF0000"/>
+              </a:solidFill>
+            </a:endParaRPr>
+          </a:p>
+        </p:txBody>
+      </p:sp>
     </p:spTree>
     <p:extLst>
       <p:ext uri="{BB962C8B-B14F-4D97-AF65-F5344CB8AC3E}">
@@ -16546,9 +21721,605 @@
   <p:timing>
     <p:tnLst>
       <p:par>
-        <p:cTn id="1" dur="indefinite" restart="never" nodeType="tmRoot"/>
+        <p:cTn id="1" dur="indefinite" restart="never" nodeType="tmRoot">
+          <p:childTnLst>
+            <p:seq concurrent="1" nextAc="seek">
+              <p:cTn id="2" dur="indefinite" nodeType="mainSeq">
+                <p:childTnLst>
+                  <p:par>
+                    <p:cTn id="3" fill="hold">
+                      <p:stCondLst>
+                        <p:cond delay="indefinite"/>
+                      </p:stCondLst>
+                      <p:childTnLst>
+                        <p:par>
+                          <p:cTn id="4" fill="hold">
+                            <p:stCondLst>
+                              <p:cond delay="0"/>
+                            </p:stCondLst>
+                            <p:childTnLst>
+                              <p:par>
+                                <p:cTn id="5" presetID="1" presetClass="entr" presetSubtype="0" fill="hold" nodeType="clickEffect">
+                                  <p:stCondLst>
+                                    <p:cond delay="0"/>
+                                  </p:stCondLst>
+                                  <p:childTnLst>
+                                    <p:set>
+                                      <p:cBhvr>
+                                        <p:cTn id="6" dur="1" fill="hold">
+                                          <p:stCondLst>
+                                            <p:cond delay="0"/>
+                                          </p:stCondLst>
+                                        </p:cTn>
+                                        <p:tgtEl>
+                                          <p:spTgt spid="7"/>
+                                        </p:tgtEl>
+                                        <p:attrNameLst>
+                                          <p:attrName>style.visibility</p:attrName>
+                                        </p:attrNameLst>
+                                      </p:cBhvr>
+                                      <p:to>
+                                        <p:strVal val="visible"/>
+                                      </p:to>
+                                    </p:set>
+                                  </p:childTnLst>
+                                </p:cTn>
+                              </p:par>
+                              <p:par>
+                                <p:cTn id="7" presetID="1" presetClass="entr" presetSubtype="0" fill="hold" grpId="0" nodeType="withEffect">
+                                  <p:stCondLst>
+                                    <p:cond delay="0"/>
+                                  </p:stCondLst>
+                                  <p:childTnLst>
+                                    <p:set>
+                                      <p:cBhvr>
+                                        <p:cTn id="8" dur="1" fill="hold">
+                                          <p:stCondLst>
+                                            <p:cond delay="0"/>
+                                          </p:stCondLst>
+                                        </p:cTn>
+                                        <p:tgtEl>
+                                          <p:spTgt spid="8"/>
+                                        </p:tgtEl>
+                                        <p:attrNameLst>
+                                          <p:attrName>style.visibility</p:attrName>
+                                        </p:attrNameLst>
+                                      </p:cBhvr>
+                                      <p:to>
+                                        <p:strVal val="visible"/>
+                                      </p:to>
+                                    </p:set>
+                                  </p:childTnLst>
+                                </p:cTn>
+                              </p:par>
+                              <p:par>
+                                <p:cTn id="9" presetID="1" presetClass="entr" presetSubtype="0" fill="hold" grpId="0" nodeType="withEffect">
+                                  <p:stCondLst>
+                                    <p:cond delay="0"/>
+                                  </p:stCondLst>
+                                  <p:childTnLst>
+                                    <p:set>
+                                      <p:cBhvr>
+                                        <p:cTn id="10" dur="1" fill="hold">
+                                          <p:stCondLst>
+                                            <p:cond delay="0"/>
+                                          </p:stCondLst>
+                                        </p:cTn>
+                                        <p:tgtEl>
+                                          <p:spTgt spid="10"/>
+                                        </p:tgtEl>
+                                        <p:attrNameLst>
+                                          <p:attrName>style.visibility</p:attrName>
+                                        </p:attrNameLst>
+                                      </p:cBhvr>
+                                      <p:to>
+                                        <p:strVal val="visible"/>
+                                      </p:to>
+                                    </p:set>
+                                  </p:childTnLst>
+                                </p:cTn>
+                              </p:par>
+                            </p:childTnLst>
+                          </p:cTn>
+                        </p:par>
+                      </p:childTnLst>
+                    </p:cTn>
+                  </p:par>
+                  <p:par>
+                    <p:cTn id="11" fill="hold">
+                      <p:stCondLst>
+                        <p:cond delay="indefinite"/>
+                      </p:stCondLst>
+                      <p:childTnLst>
+                        <p:par>
+                          <p:cTn id="12" fill="hold">
+                            <p:stCondLst>
+                              <p:cond delay="0"/>
+                            </p:stCondLst>
+                            <p:childTnLst>
+                              <p:par>
+                                <p:cTn id="13" presetID="1" presetClass="entr" presetSubtype="0" fill="hold" grpId="0" nodeType="clickEffect">
+                                  <p:stCondLst>
+                                    <p:cond delay="0"/>
+                                  </p:stCondLst>
+                                  <p:childTnLst>
+                                    <p:set>
+                                      <p:cBhvr>
+                                        <p:cTn id="14" dur="1" fill="hold">
+                                          <p:stCondLst>
+                                            <p:cond delay="0"/>
+                                          </p:stCondLst>
+                                        </p:cTn>
+                                        <p:tgtEl>
+                                          <p:spTgt spid="22"/>
+                                        </p:tgtEl>
+                                        <p:attrNameLst>
+                                          <p:attrName>style.visibility</p:attrName>
+                                        </p:attrNameLst>
+                                      </p:cBhvr>
+                                      <p:to>
+                                        <p:strVal val="visible"/>
+                                      </p:to>
+                                    </p:set>
+                                  </p:childTnLst>
+                                </p:cTn>
+                              </p:par>
+                            </p:childTnLst>
+                          </p:cTn>
+                        </p:par>
+                      </p:childTnLst>
+                    </p:cTn>
+                  </p:par>
+                  <p:par>
+                    <p:cTn id="15" fill="hold">
+                      <p:stCondLst>
+                        <p:cond delay="indefinite"/>
+                      </p:stCondLst>
+                      <p:childTnLst>
+                        <p:par>
+                          <p:cTn id="16" fill="hold">
+                            <p:stCondLst>
+                              <p:cond delay="0"/>
+                            </p:stCondLst>
+                            <p:childTnLst>
+                              <p:par>
+                                <p:cTn id="17" presetID="1" presetClass="entr" presetSubtype="0" fill="hold" grpId="0" nodeType="clickEffect">
+                                  <p:stCondLst>
+                                    <p:cond delay="0"/>
+                                  </p:stCondLst>
+                                  <p:childTnLst>
+                                    <p:set>
+                                      <p:cBhvr>
+                                        <p:cTn id="18" dur="1" fill="hold">
+                                          <p:stCondLst>
+                                            <p:cond delay="0"/>
+                                          </p:stCondLst>
+                                        </p:cTn>
+                                        <p:tgtEl>
+                                          <p:spTgt spid="9"/>
+                                        </p:tgtEl>
+                                        <p:attrNameLst>
+                                          <p:attrName>style.visibility</p:attrName>
+                                        </p:attrNameLst>
+                                      </p:cBhvr>
+                                      <p:to>
+                                        <p:strVal val="visible"/>
+                                      </p:to>
+                                    </p:set>
+                                  </p:childTnLst>
+                                  <p:subTnLst>
+                                    <p:set>
+                                      <p:cBhvr override="childStyle">
+                                        <p:cTn dur="1" fill="hold" display="0" masterRel="nextClick" afterEffect="1"/>
+                                        <p:tgtEl>
+                                          <p:spTgt spid="9"/>
+                                        </p:tgtEl>
+                                        <p:attrNameLst>
+                                          <p:attrName>style.visibility</p:attrName>
+                                        </p:attrNameLst>
+                                      </p:cBhvr>
+                                      <p:to>
+                                        <p:strVal val="hidden"/>
+                                      </p:to>
+                                    </p:set>
+                                  </p:subTnLst>
+                                </p:cTn>
+                              </p:par>
+                              <p:par>
+                                <p:cTn id="19" presetID="1" presetClass="entr" presetSubtype="0" fill="hold" grpId="0" nodeType="withEffect">
+                                  <p:stCondLst>
+                                    <p:cond delay="0"/>
+                                  </p:stCondLst>
+                                  <p:childTnLst>
+                                    <p:set>
+                                      <p:cBhvr>
+                                        <p:cTn id="20" dur="1" fill="hold">
+                                          <p:stCondLst>
+                                            <p:cond delay="0"/>
+                                          </p:stCondLst>
+                                        </p:cTn>
+                                        <p:tgtEl>
+                                          <p:spTgt spid="12"/>
+                                        </p:tgtEl>
+                                        <p:attrNameLst>
+                                          <p:attrName>style.visibility</p:attrName>
+                                        </p:attrNameLst>
+                                      </p:cBhvr>
+                                      <p:to>
+                                        <p:strVal val="visible"/>
+                                      </p:to>
+                                    </p:set>
+                                  </p:childTnLst>
+                                  <p:subTnLst>
+                                    <p:set>
+                                      <p:cBhvr override="childStyle">
+                                        <p:cTn dur="1" fill="hold" display="0" masterRel="nextClick" afterEffect="1"/>
+                                        <p:tgtEl>
+                                          <p:spTgt spid="12"/>
+                                        </p:tgtEl>
+                                        <p:attrNameLst>
+                                          <p:attrName>style.visibility</p:attrName>
+                                        </p:attrNameLst>
+                                      </p:cBhvr>
+                                      <p:to>
+                                        <p:strVal val="hidden"/>
+                                      </p:to>
+                                    </p:set>
+                                  </p:subTnLst>
+                                </p:cTn>
+                              </p:par>
+                            </p:childTnLst>
+                          </p:cTn>
+                        </p:par>
+                      </p:childTnLst>
+                    </p:cTn>
+                  </p:par>
+                  <p:par>
+                    <p:cTn id="21" fill="hold">
+                      <p:stCondLst>
+                        <p:cond delay="indefinite"/>
+                      </p:stCondLst>
+                      <p:childTnLst>
+                        <p:par>
+                          <p:cTn id="22" fill="hold">
+                            <p:stCondLst>
+                              <p:cond delay="0"/>
+                            </p:stCondLst>
+                            <p:childTnLst>
+                              <p:par>
+                                <p:cTn id="23" presetID="1" presetClass="entr" presetSubtype="0" fill="hold" grpId="0" nodeType="clickEffect">
+                                  <p:stCondLst>
+                                    <p:cond delay="0"/>
+                                  </p:stCondLst>
+                                  <p:childTnLst>
+                                    <p:set>
+                                      <p:cBhvr>
+                                        <p:cTn id="24" dur="1" fill="hold">
+                                          <p:stCondLst>
+                                            <p:cond delay="0"/>
+                                          </p:stCondLst>
+                                        </p:cTn>
+                                        <p:tgtEl>
+                                          <p:spTgt spid="17"/>
+                                        </p:tgtEl>
+                                        <p:attrNameLst>
+                                          <p:attrName>style.visibility</p:attrName>
+                                        </p:attrNameLst>
+                                      </p:cBhvr>
+                                      <p:to>
+                                        <p:strVal val="visible"/>
+                                      </p:to>
+                                    </p:set>
+                                  </p:childTnLst>
+                                  <p:subTnLst>
+                                    <p:set>
+                                      <p:cBhvr override="childStyle">
+                                        <p:cTn dur="1" fill="hold" display="0" masterRel="nextClick" afterEffect="1"/>
+                                        <p:tgtEl>
+                                          <p:spTgt spid="17"/>
+                                        </p:tgtEl>
+                                        <p:attrNameLst>
+                                          <p:attrName>style.visibility</p:attrName>
+                                        </p:attrNameLst>
+                                      </p:cBhvr>
+                                      <p:to>
+                                        <p:strVal val="hidden"/>
+                                      </p:to>
+                                    </p:set>
+                                  </p:subTnLst>
+                                </p:cTn>
+                              </p:par>
+                              <p:par>
+                                <p:cTn id="25" presetID="1" presetClass="entr" presetSubtype="0" fill="hold" grpId="0" nodeType="withEffect">
+                                  <p:stCondLst>
+                                    <p:cond delay="0"/>
+                                  </p:stCondLst>
+                                  <p:childTnLst>
+                                    <p:set>
+                                      <p:cBhvr>
+                                        <p:cTn id="26" dur="1" fill="hold">
+                                          <p:stCondLst>
+                                            <p:cond delay="0"/>
+                                          </p:stCondLst>
+                                        </p:cTn>
+                                        <p:tgtEl>
+                                          <p:spTgt spid="16"/>
+                                        </p:tgtEl>
+                                        <p:attrNameLst>
+                                          <p:attrName>style.visibility</p:attrName>
+                                        </p:attrNameLst>
+                                      </p:cBhvr>
+                                      <p:to>
+                                        <p:strVal val="visible"/>
+                                      </p:to>
+                                    </p:set>
+                                  </p:childTnLst>
+                                  <p:subTnLst>
+                                    <p:set>
+                                      <p:cBhvr override="childStyle">
+                                        <p:cTn dur="1" fill="hold" display="0" masterRel="nextClick" afterEffect="1"/>
+                                        <p:tgtEl>
+                                          <p:spTgt spid="16"/>
+                                        </p:tgtEl>
+                                        <p:attrNameLst>
+                                          <p:attrName>style.visibility</p:attrName>
+                                        </p:attrNameLst>
+                                      </p:cBhvr>
+                                      <p:to>
+                                        <p:strVal val="hidden"/>
+                                      </p:to>
+                                    </p:set>
+                                  </p:subTnLst>
+                                </p:cTn>
+                              </p:par>
+                            </p:childTnLst>
+                          </p:cTn>
+                        </p:par>
+                      </p:childTnLst>
+                    </p:cTn>
+                  </p:par>
+                  <p:par>
+                    <p:cTn id="27" fill="hold">
+                      <p:stCondLst>
+                        <p:cond delay="indefinite"/>
+                      </p:stCondLst>
+                      <p:childTnLst>
+                        <p:par>
+                          <p:cTn id="28" fill="hold">
+                            <p:stCondLst>
+                              <p:cond delay="0"/>
+                            </p:stCondLst>
+                            <p:childTnLst>
+                              <p:par>
+                                <p:cTn id="29" presetID="1" presetClass="entr" presetSubtype="0" fill="hold" grpId="0" nodeType="clickEffect">
+                                  <p:stCondLst>
+                                    <p:cond delay="0"/>
+                                  </p:stCondLst>
+                                  <p:childTnLst>
+                                    <p:set>
+                                      <p:cBhvr>
+                                        <p:cTn id="30" dur="1" fill="hold">
+                                          <p:stCondLst>
+                                            <p:cond delay="0"/>
+                                          </p:stCondLst>
+                                        </p:cTn>
+                                        <p:tgtEl>
+                                          <p:spTgt spid="19"/>
+                                        </p:tgtEl>
+                                        <p:attrNameLst>
+                                          <p:attrName>style.visibility</p:attrName>
+                                        </p:attrNameLst>
+                                      </p:cBhvr>
+                                      <p:to>
+                                        <p:strVal val="visible"/>
+                                      </p:to>
+                                    </p:set>
+                                  </p:childTnLst>
+                                  <p:subTnLst>
+                                    <p:set>
+                                      <p:cBhvr override="childStyle">
+                                        <p:cTn dur="1" fill="hold" display="0" masterRel="nextClick" afterEffect="1"/>
+                                        <p:tgtEl>
+                                          <p:spTgt spid="19"/>
+                                        </p:tgtEl>
+                                        <p:attrNameLst>
+                                          <p:attrName>style.visibility</p:attrName>
+                                        </p:attrNameLst>
+                                      </p:cBhvr>
+                                      <p:to>
+                                        <p:strVal val="hidden"/>
+                                      </p:to>
+                                    </p:set>
+                                  </p:subTnLst>
+                                </p:cTn>
+                              </p:par>
+                              <p:par>
+                                <p:cTn id="31" presetID="1" presetClass="entr" presetSubtype="0" fill="hold" grpId="0" nodeType="withEffect">
+                                  <p:stCondLst>
+                                    <p:cond delay="0"/>
+                                  </p:stCondLst>
+                                  <p:childTnLst>
+                                    <p:set>
+                                      <p:cBhvr>
+                                        <p:cTn id="32" dur="1" fill="hold">
+                                          <p:stCondLst>
+                                            <p:cond delay="0"/>
+                                          </p:stCondLst>
+                                        </p:cTn>
+                                        <p:tgtEl>
+                                          <p:spTgt spid="18"/>
+                                        </p:tgtEl>
+                                        <p:attrNameLst>
+                                          <p:attrName>style.visibility</p:attrName>
+                                        </p:attrNameLst>
+                                      </p:cBhvr>
+                                      <p:to>
+                                        <p:strVal val="visible"/>
+                                      </p:to>
+                                    </p:set>
+                                  </p:childTnLst>
+                                  <p:subTnLst>
+                                    <p:set>
+                                      <p:cBhvr override="childStyle">
+                                        <p:cTn dur="1" fill="hold" display="0" masterRel="nextClick" afterEffect="1"/>
+                                        <p:tgtEl>
+                                          <p:spTgt spid="18"/>
+                                        </p:tgtEl>
+                                        <p:attrNameLst>
+                                          <p:attrName>style.visibility</p:attrName>
+                                        </p:attrNameLst>
+                                      </p:cBhvr>
+                                      <p:to>
+                                        <p:strVal val="hidden"/>
+                                      </p:to>
+                                    </p:set>
+                                  </p:subTnLst>
+                                </p:cTn>
+                              </p:par>
+                            </p:childTnLst>
+                          </p:cTn>
+                        </p:par>
+                      </p:childTnLst>
+                    </p:cTn>
+                  </p:par>
+                  <p:par>
+                    <p:cTn id="33" fill="hold">
+                      <p:stCondLst>
+                        <p:cond delay="indefinite"/>
+                      </p:stCondLst>
+                      <p:childTnLst>
+                        <p:par>
+                          <p:cTn id="34" fill="hold">
+                            <p:stCondLst>
+                              <p:cond delay="0"/>
+                            </p:stCondLst>
+                            <p:childTnLst>
+                              <p:par>
+                                <p:cTn id="35" presetID="1" presetClass="entr" presetSubtype="0" fill="hold" grpId="0" nodeType="clickEffect">
+                                  <p:stCondLst>
+                                    <p:cond delay="0"/>
+                                  </p:stCondLst>
+                                  <p:childTnLst>
+                                    <p:set>
+                                      <p:cBhvr>
+                                        <p:cTn id="36" dur="1" fill="hold">
+                                          <p:stCondLst>
+                                            <p:cond delay="0"/>
+                                          </p:stCondLst>
+                                        </p:cTn>
+                                        <p:tgtEl>
+                                          <p:spTgt spid="21"/>
+                                        </p:tgtEl>
+                                        <p:attrNameLst>
+                                          <p:attrName>style.visibility</p:attrName>
+                                        </p:attrNameLst>
+                                      </p:cBhvr>
+                                      <p:to>
+                                        <p:strVal val="visible"/>
+                                      </p:to>
+                                    </p:set>
+                                  </p:childTnLst>
+                                  <p:subTnLst>
+                                    <p:set>
+                                      <p:cBhvr override="childStyle">
+                                        <p:cTn dur="1" fill="hold" display="0" masterRel="nextClick" afterEffect="1"/>
+                                        <p:tgtEl>
+                                          <p:spTgt spid="21"/>
+                                        </p:tgtEl>
+                                        <p:attrNameLst>
+                                          <p:attrName>style.visibility</p:attrName>
+                                        </p:attrNameLst>
+                                      </p:cBhvr>
+                                      <p:to>
+                                        <p:strVal val="hidden"/>
+                                      </p:to>
+                                    </p:set>
+                                  </p:subTnLst>
+                                </p:cTn>
+                              </p:par>
+                              <p:par>
+                                <p:cTn id="37" presetID="1" presetClass="entr" presetSubtype="0" fill="hold" grpId="0" nodeType="withEffect">
+                                  <p:stCondLst>
+                                    <p:cond delay="0"/>
+                                  </p:stCondLst>
+                                  <p:childTnLst>
+                                    <p:set>
+                                      <p:cBhvr>
+                                        <p:cTn id="38" dur="1" fill="hold">
+                                          <p:stCondLst>
+                                            <p:cond delay="0"/>
+                                          </p:stCondLst>
+                                        </p:cTn>
+                                        <p:tgtEl>
+                                          <p:spTgt spid="20"/>
+                                        </p:tgtEl>
+                                        <p:attrNameLst>
+                                          <p:attrName>style.visibility</p:attrName>
+                                        </p:attrNameLst>
+                                      </p:cBhvr>
+                                      <p:to>
+                                        <p:strVal val="visible"/>
+                                      </p:to>
+                                    </p:set>
+                                  </p:childTnLst>
+                                  <p:subTnLst>
+                                    <p:set>
+                                      <p:cBhvr override="childStyle">
+                                        <p:cTn dur="1" fill="hold" display="0" masterRel="nextClick" afterEffect="1"/>
+                                        <p:tgtEl>
+                                          <p:spTgt spid="20"/>
+                                        </p:tgtEl>
+                                        <p:attrNameLst>
+                                          <p:attrName>style.visibility</p:attrName>
+                                        </p:attrNameLst>
+                                      </p:cBhvr>
+                                      <p:to>
+                                        <p:strVal val="hidden"/>
+                                      </p:to>
+                                    </p:set>
+                                  </p:subTnLst>
+                                </p:cTn>
+                              </p:par>
+                            </p:childTnLst>
+                          </p:cTn>
+                        </p:par>
+                      </p:childTnLst>
+                    </p:cTn>
+                  </p:par>
+                </p:childTnLst>
+              </p:cTn>
+              <p:prevCondLst>
+                <p:cond evt="onPrev" delay="0">
+                  <p:tgtEl>
+                    <p:sldTgt/>
+                  </p:tgtEl>
+                </p:cond>
+              </p:prevCondLst>
+              <p:nextCondLst>
+                <p:cond evt="onNext" delay="0">
+                  <p:tgtEl>
+                    <p:sldTgt/>
+                  </p:tgtEl>
+                </p:cond>
+              </p:nextCondLst>
+            </p:seq>
+          </p:childTnLst>
+        </p:cTn>
       </p:par>
     </p:tnLst>
+    <p:bldLst>
+      <p:bldP spid="12" grpId="0" animBg="1"/>
+      <p:bldP spid="8" grpId="0"/>
+      <p:bldP spid="9" grpId="0"/>
+      <p:bldP spid="16" grpId="0" animBg="1"/>
+      <p:bldP spid="17" grpId="0"/>
+      <p:bldP spid="18" grpId="0" animBg="1"/>
+      <p:bldP spid="19" grpId="0"/>
+      <p:bldP spid="20" grpId="0" animBg="1"/>
+      <p:bldP spid="21" grpId="0"/>
+      <p:bldP spid="10" grpId="0"/>
+      <p:bldP spid="22" grpId="0"/>
+    </p:bldLst>
   </p:timing>
 </p:sld>
 </file>

--- a/LCC/Java/A2_來寫個好玩的吧.pptx
+++ b/LCC/Java/A2_來寫個好玩的吧.pptx
@@ -19,6 +19,15 @@
     <p:sldId id="267" r:id="rId13"/>
     <p:sldId id="268" r:id="rId14"/>
     <p:sldId id="269" r:id="rId15"/>
+    <p:sldId id="270" r:id="rId16"/>
+    <p:sldId id="271" r:id="rId17"/>
+    <p:sldId id="273" r:id="rId18"/>
+    <p:sldId id="272" r:id="rId19"/>
+    <p:sldId id="274" r:id="rId20"/>
+    <p:sldId id="275" r:id="rId21"/>
+    <p:sldId id="276" r:id="rId22"/>
+    <p:sldId id="278" r:id="rId23"/>
+    <p:sldId id="277" r:id="rId24"/>
   </p:sldIdLst>
   <p:sldSz cx="12192000" cy="6858000"/>
   <p:notesSz cx="6858000" cy="9144000"/>
@@ -859,7 +868,7 @@
             <a:fld id="{B61BEF0D-F0BB-DE4B-95CE-6DB70DBA9567}" type="datetimeFigureOut">
               <a:rPr lang="en-US" dirty="0"/>
               <a:pPr/>
-              <a:t>4/10/2022</a:t>
+              <a:t>8/26/2022</a:t>
             </a:fld>
             <a:endParaRPr lang="en-US" dirty="0"/>
           </a:p>
@@ -1107,7 +1116,7 @@
             <a:fld id="{B61BEF0D-F0BB-DE4B-95CE-6DB70DBA9567}" type="datetimeFigureOut">
               <a:rPr lang="en-US" dirty="0"/>
               <a:pPr/>
-              <a:t>4/10/2022</a:t>
+              <a:t>8/26/2022</a:t>
             </a:fld>
             <a:endParaRPr lang="en-US" dirty="0"/>
           </a:p>
@@ -1418,7 +1427,7 @@
             <a:fld id="{B61BEF0D-F0BB-DE4B-95CE-6DB70DBA9567}" type="datetimeFigureOut">
               <a:rPr lang="en-US" dirty="0"/>
               <a:pPr/>
-              <a:t>4/10/2022</a:t>
+              <a:t>8/26/2022</a:t>
             </a:fld>
             <a:endParaRPr lang="en-US" dirty="0"/>
           </a:p>
@@ -1756,7 +1765,7 @@
             <a:fld id="{B61BEF0D-F0BB-DE4B-95CE-6DB70DBA9567}" type="datetimeFigureOut">
               <a:rPr lang="en-US" dirty="0"/>
               <a:pPr/>
-              <a:t>4/10/2022</a:t>
+              <a:t>8/26/2022</a:t>
             </a:fld>
             <a:endParaRPr lang="en-US" dirty="0"/>
           </a:p>
@@ -2067,7 +2076,7 @@
             <a:fld id="{B61BEF0D-F0BB-DE4B-95CE-6DB70DBA9567}" type="datetimeFigureOut">
               <a:rPr lang="en-US" dirty="0"/>
               <a:pPr/>
-              <a:t>4/10/2022</a:t>
+              <a:t>8/26/2022</a:t>
             </a:fld>
             <a:endParaRPr lang="en-US" dirty="0"/>
           </a:p>
@@ -2457,7 +2466,7 @@
             <a:fld id="{B61BEF0D-F0BB-DE4B-95CE-6DB70DBA9567}" type="datetimeFigureOut">
               <a:rPr lang="en-US" dirty="0"/>
               <a:pPr/>
-              <a:t>4/10/2022</a:t>
+              <a:t>8/26/2022</a:t>
             </a:fld>
             <a:endParaRPr lang="en-US" dirty="0"/>
           </a:p>
@@ -2623,7 +2632,7 @@
           <a:p>
             <a:fld id="{55C6B4A9-1611-4792-9094-5F34BCA07E0B}" type="datetimeFigureOut">
               <a:rPr lang="en-US" dirty="0"/>
-              <a:t>4/10/2022</a:t>
+              <a:t>8/26/2022</a:t>
             </a:fld>
             <a:endParaRPr lang="en-US" dirty="0"/>
           </a:p>
@@ -2799,7 +2808,7 @@
             <a:fld id="{B61BEF0D-F0BB-DE4B-95CE-6DB70DBA9567}" type="datetimeFigureOut">
               <a:rPr lang="en-US" dirty="0"/>
               <a:pPr/>
-              <a:t>4/10/2022</a:t>
+              <a:t>8/26/2022</a:t>
             </a:fld>
             <a:endParaRPr lang="en-US" dirty="0"/>
           </a:p>
@@ -2996,7 +3005,7 @@
             <a:fld id="{B61BEF0D-F0BB-DE4B-95CE-6DB70DBA9567}" type="datetimeFigureOut">
               <a:rPr lang="en-US" dirty="0"/>
               <a:pPr/>
-              <a:t>4/10/2022</a:t>
+              <a:t>8/26/2022</a:t>
             </a:fld>
             <a:endParaRPr lang="en-US" dirty="0"/>
           </a:p>
@@ -3240,7 +3249,7 @@
             <a:fld id="{B61BEF0D-F0BB-DE4B-95CE-6DB70DBA9567}" type="datetimeFigureOut">
               <a:rPr lang="en-US" dirty="0"/>
               <a:pPr/>
-              <a:t>4/10/2022</a:t>
+              <a:t>8/26/2022</a:t>
             </a:fld>
             <a:endParaRPr lang="en-US" dirty="0"/>
           </a:p>
@@ -3468,7 +3477,7 @@
           <a:p>
             <a:fld id="{EB712588-04B1-427B-82EE-E8DB90309F08}" type="datetimeFigureOut">
               <a:rPr lang="en-US" dirty="0"/>
-              <a:t>4/10/2022</a:t>
+              <a:t>8/26/2022</a:t>
             </a:fld>
             <a:endParaRPr lang="en-US" dirty="0"/>
           </a:p>
@@ -3838,7 +3847,7 @@
             <a:fld id="{B61BEF0D-F0BB-DE4B-95CE-6DB70DBA9567}" type="datetimeFigureOut">
               <a:rPr lang="en-US" dirty="0"/>
               <a:pPr/>
-              <a:t>4/10/2022</a:t>
+              <a:t>8/26/2022</a:t>
             </a:fld>
             <a:endParaRPr lang="en-US" dirty="0"/>
           </a:p>
@@ -3958,7 +3967,7 @@
             <a:fld id="{B61BEF0D-F0BB-DE4B-95CE-6DB70DBA9567}" type="datetimeFigureOut">
               <a:rPr lang="en-US" dirty="0"/>
               <a:pPr/>
-              <a:t>4/10/2022</a:t>
+              <a:t>8/26/2022</a:t>
             </a:fld>
             <a:endParaRPr lang="en-US" dirty="0"/>
           </a:p>
@@ -4050,7 +4059,7 @@
             <a:fld id="{B61BEF0D-F0BB-DE4B-95CE-6DB70DBA9567}" type="datetimeFigureOut">
               <a:rPr lang="en-US" dirty="0"/>
               <a:pPr/>
-              <a:t>4/10/2022</a:t>
+              <a:t>8/26/2022</a:t>
             </a:fld>
             <a:endParaRPr lang="en-US" dirty="0"/>
           </a:p>
@@ -4301,7 +4310,7 @@
           <a:p>
             <a:fld id="{42A54C80-263E-416B-A8E0-580EDEADCBDC}" type="datetimeFigureOut">
               <a:rPr lang="en-US" dirty="0"/>
-              <a:t>4/10/2022</a:t>
+              <a:t>8/26/2022</a:t>
             </a:fld>
             <a:endParaRPr lang="en-US" dirty="0"/>
           </a:p>
@@ -4560,7 +4569,7 @@
             <a:fld id="{B61BEF0D-F0BB-DE4B-95CE-6DB70DBA9567}" type="datetimeFigureOut">
               <a:rPr lang="en-US" dirty="0"/>
               <a:pPr/>
-              <a:t>4/10/2022</a:t>
+              <a:t>8/26/2022</a:t>
             </a:fld>
             <a:endParaRPr lang="en-US" dirty="0"/>
           </a:p>
@@ -5300,7 +5309,7 @@
             <a:fld id="{B61BEF0D-F0BB-DE4B-95CE-6DB70DBA9567}" type="datetimeFigureOut">
               <a:rPr lang="en-US" dirty="0"/>
               <a:pPr/>
-              <a:t>4/10/2022</a:t>
+              <a:t>8/26/2022</a:t>
             </a:fld>
             <a:endParaRPr lang="en-US" dirty="0"/>
           </a:p>
@@ -5433,7 +5442,7 @@
         <p:spPr>
           <a:xfrm>
             <a:off x="398321" y="6488668"/>
-            <a:ext cx="4416594" cy="369332"/>
+            <a:ext cx="2797561" cy="369332"/>
           </a:xfrm>
           <a:prstGeom prst="rect">
             <a:avLst/>
@@ -5539,32 +5548,11 @@
             </a:lvl9pPr>
           </a:lstStyle>
           <a:p>
-            <a:pPr marL="0" marR="0" lvl="0" indent="0" algn="l" defTabSz="457200" rtl="0" eaLnBrk="1" fontAlgn="auto" latinLnBrk="0" hangingPunct="1">
-              <a:lnSpc>
-                <a:spcPct val="100000"/>
-              </a:lnSpc>
-              <a:spcBef>
-                <a:spcPts val="0"/>
-              </a:spcBef>
-              <a:spcAft>
-                <a:spcPts val="0"/>
-              </a:spcAft>
-              <a:buClrTx/>
-              <a:buSzTx/>
-              <a:buFontTx/>
-              <a:buNone/>
-              <a:tabLst/>
-              <a:defRPr/>
-            </a:pPr>
-            <a:r>
-              <a:rPr lang="zh-TW" altLang="en-US" dirty="0" smtClean="0"/>
-              <a:t>投影片下載網址</a:t>
-            </a:r>
             <a:r>
               <a:rPr lang="fr-FR" altLang="zh-TW" dirty="0" smtClean="0"/>
-              <a:t>https://reurl.cc/2Dom14</a:t>
-            </a:r>
-            <a:endParaRPr lang="zh-TW" altLang="en-US" dirty="0" smtClean="0"/>
+              <a:t>https://reurl.cc/Kb1Xmg</a:t>
+            </a:r>
+            <a:endParaRPr lang="zh-TW" altLang="en-US" dirty="0"/>
           </a:p>
         </p:txBody>
       </p:sp>
@@ -6050,7 +6038,7 @@
             <a:fld id="{4805910D-2C61-424F-80CE-807290CF0E1E}" type="datetime4">
               <a:rPr lang="zh-TW" altLang="zh-TW"/>
               <a:pPr/>
-              <a:t>111年4月10日星期日</a:t>
+              <a:t>111年8月26日星期五</a:t>
             </a:fld>
             <a:endParaRPr lang="zh-TW" altLang="en-US" dirty="0"/>
           </a:p>
@@ -6102,14 +6090,14 @@
       </p:pic>
       <p:sp>
         <p:nvSpPr>
-          <p:cNvPr id="5" name="矩形 4"/>
+          <p:cNvPr id="7" name="矩形 6"/>
           <p:cNvSpPr/>
           <p:nvPr/>
         </p:nvSpPr>
         <p:spPr>
           <a:xfrm>
-            <a:off x="762460" y="115300"/>
-            <a:ext cx="4416594" cy="646331"/>
+            <a:off x="827704" y="87935"/>
+            <a:ext cx="2800767" cy="369332"/>
           </a:xfrm>
           <a:prstGeom prst="rect">
             <a:avLst/>
@@ -6216,43 +6204,30 @@
           </a:lstStyle>
           <a:p>
             <a:r>
-              <a:rPr lang="zh-TW" altLang="en-US" dirty="0" smtClean="0"/>
-              <a:t>投影片下載網址</a:t>
-            </a:r>
-            <a:r>
               <a:rPr lang="fr-FR" altLang="zh-TW" dirty="0"/>
-              <a:t>https://reurl.cc/2Dom14</a:t>
-            </a:r>
-            <a:endParaRPr lang="zh-TW" altLang="en-US" dirty="0"/>
-          </a:p>
-          <a:p>
+              <a:t>https://reurl.cc/Kb1Xmg</a:t>
+            </a:r>
             <a:endParaRPr lang="zh-TW" altLang="en-US" dirty="0"/>
           </a:p>
         </p:txBody>
       </p:sp>
       <p:pic>
         <p:nvPicPr>
-          <p:cNvPr id="6" name="圖片 5"/>
+          <p:cNvPr id="8" name="圖片 7"/>
           <p:cNvPicPr>
             <a:picLocks noChangeAspect="1"/>
           </p:cNvPicPr>
           <p:nvPr/>
         </p:nvPicPr>
         <p:blipFill>
-          <a:blip r:embed="rId3">
-            <a:extLst>
-              <a:ext uri="{28A0092B-C50C-407E-A947-70E740481C1C}">
-                <a14:useLocalDpi xmlns:a14="http://schemas.microsoft.com/office/drawing/2010/main" val="0"/>
-              </a:ext>
-            </a:extLst>
-          </a:blip>
+          <a:blip r:embed="rId3"/>
           <a:stretch>
             <a:fillRect/>
           </a:stretch>
         </p:blipFill>
         <p:spPr>
           <a:xfrm>
-            <a:off x="927354" y="457267"/>
+            <a:off x="929852" y="503981"/>
             <a:ext cx="1428750" cy="1428750"/>
           </a:xfrm>
           <a:prstGeom prst="rect">
@@ -12953,6 +12928,4668 @@
 </p:sld>
 </file>
 
+<file path=ppt/slides/slide15.xml><?xml version="1.0" encoding="utf-8"?>
+<p:sld xmlns:a="http://schemas.openxmlformats.org/drawingml/2006/main" xmlns:r="http://schemas.openxmlformats.org/officeDocument/2006/relationships" xmlns:p="http://schemas.openxmlformats.org/presentationml/2006/main">
+  <p:cSld>
+    <p:spTree>
+      <p:nvGrpSpPr>
+        <p:cNvPr id="1" name=""/>
+        <p:cNvGrpSpPr/>
+        <p:nvPr/>
+      </p:nvGrpSpPr>
+      <p:grpSpPr>
+        <a:xfrm>
+          <a:off x="0" y="0"/>
+          <a:ext cx="0" cy="0"/>
+          <a:chOff x="0" y="0"/>
+          <a:chExt cx="0" cy="0"/>
+        </a:xfrm>
+      </p:grpSpPr>
+      <p:sp>
+        <p:nvSpPr>
+          <p:cNvPr id="4" name="標題 3"/>
+          <p:cNvSpPr>
+            <a:spLocks noGrp="1"/>
+          </p:cNvSpPr>
+          <p:nvPr>
+            <p:ph type="title"/>
+          </p:nvPr>
+        </p:nvSpPr>
+        <p:spPr/>
+        <p:txBody>
+          <a:bodyPr/>
+          <a:lstStyle/>
+          <a:p>
+            <a:r>
+              <a:rPr lang="zh-TW" altLang="en-US" dirty="0" smtClean="0"/>
+              <a:t>猜大小過五關</a:t>
+            </a:r>
+            <a:endParaRPr lang="zh-TW" altLang="en-US" dirty="0"/>
+          </a:p>
+        </p:txBody>
+      </p:sp>
+      <p:sp>
+        <p:nvSpPr>
+          <p:cNvPr id="5" name="文字版面配置區 4"/>
+          <p:cNvSpPr>
+            <a:spLocks noGrp="1"/>
+          </p:cNvSpPr>
+          <p:nvPr>
+            <p:ph type="body" idx="1"/>
+          </p:nvPr>
+        </p:nvSpPr>
+        <p:spPr/>
+        <p:txBody>
+          <a:bodyPr/>
+          <a:lstStyle/>
+          <a:p>
+            <a:r>
+              <a:rPr lang="zh-TW" altLang="en-US" dirty="0" smtClean="0"/>
+              <a:t>用這個再多練習一下吧</a:t>
+            </a:r>
+            <a:endParaRPr lang="zh-TW" altLang="en-US" dirty="0"/>
+          </a:p>
+        </p:txBody>
+      </p:sp>
+    </p:spTree>
+    <p:extLst>
+      <p:ext uri="{BB962C8B-B14F-4D97-AF65-F5344CB8AC3E}">
+        <p14:creationId xmlns:p14="http://schemas.microsoft.com/office/powerpoint/2010/main" val="3578766291"/>
+      </p:ext>
+    </p:extLst>
+  </p:cSld>
+  <p:clrMapOvr>
+    <a:masterClrMapping/>
+  </p:clrMapOvr>
+  <p:timing>
+    <p:tnLst>
+      <p:par>
+        <p:cTn id="1" dur="indefinite" restart="never" nodeType="tmRoot"/>
+      </p:par>
+    </p:tnLst>
+  </p:timing>
+</p:sld>
+</file>
+
+<file path=ppt/slides/slide16.xml><?xml version="1.0" encoding="utf-8"?>
+<p:sld xmlns:a="http://schemas.openxmlformats.org/drawingml/2006/main" xmlns:r="http://schemas.openxmlformats.org/officeDocument/2006/relationships" xmlns:p="http://schemas.openxmlformats.org/presentationml/2006/main">
+  <p:cSld>
+    <p:spTree>
+      <p:nvGrpSpPr>
+        <p:cNvPr id="1" name=""/>
+        <p:cNvGrpSpPr/>
+        <p:nvPr/>
+      </p:nvGrpSpPr>
+      <p:grpSpPr>
+        <a:xfrm>
+          <a:off x="0" y="0"/>
+          <a:ext cx="0" cy="0"/>
+          <a:chOff x="0" y="0"/>
+          <a:chExt cx="0" cy="0"/>
+        </a:xfrm>
+      </p:grpSpPr>
+      <p:sp>
+        <p:nvSpPr>
+          <p:cNvPr id="2" name="標題 1"/>
+          <p:cNvSpPr>
+            <a:spLocks noGrp="1"/>
+          </p:cNvSpPr>
+          <p:nvPr>
+            <p:ph type="title"/>
+          </p:nvPr>
+        </p:nvSpPr>
+        <p:spPr/>
+        <p:txBody>
+          <a:bodyPr/>
+          <a:lstStyle/>
+          <a:p>
+            <a:r>
+              <a:rPr lang="zh-TW" altLang="en-US" dirty="0" smtClean="0"/>
+              <a:t>遊戲說明</a:t>
+            </a:r>
+            <a:endParaRPr lang="zh-TW" altLang="en-US" dirty="0"/>
+          </a:p>
+        </p:txBody>
+      </p:sp>
+      <p:sp>
+        <p:nvSpPr>
+          <p:cNvPr id="3" name="內容版面配置區 2"/>
+          <p:cNvSpPr>
+            <a:spLocks noGrp="1"/>
+          </p:cNvSpPr>
+          <p:nvPr>
+            <p:ph idx="1"/>
+          </p:nvPr>
+        </p:nvSpPr>
+        <p:spPr/>
+        <p:txBody>
+          <a:bodyPr/>
+          <a:lstStyle/>
+          <a:p>
+            <a:r>
+              <a:rPr lang="zh-TW" altLang="en-US" dirty="0" smtClean="0"/>
+              <a:t>隨機產生</a:t>
+            </a:r>
+            <a:r>
+              <a:rPr lang="en-US" altLang="zh-TW" dirty="0" smtClean="0"/>
+              <a:t>5</a:t>
+            </a:r>
+            <a:r>
+              <a:rPr lang="zh-TW" altLang="en-US" dirty="0" smtClean="0"/>
+              <a:t>個</a:t>
+            </a:r>
+            <a:r>
+              <a:rPr lang="en-US" altLang="zh-TW" dirty="0" smtClean="0"/>
+              <a:t>1~13</a:t>
+            </a:r>
+            <a:r>
+              <a:rPr lang="zh-TW" altLang="en-US" dirty="0" smtClean="0"/>
+              <a:t>的數字</a:t>
+            </a:r>
+            <a:r>
+              <a:rPr lang="en-US" altLang="zh-TW" dirty="0" smtClean="0"/>
+              <a:t>(</a:t>
+            </a:r>
+            <a:r>
+              <a:rPr lang="zh-TW" altLang="en-US" dirty="0" smtClean="0"/>
+              <a:t>不可重複，不含</a:t>
+            </a:r>
+            <a:r>
+              <a:rPr lang="en-US" altLang="zh-TW" dirty="0" smtClean="0"/>
+              <a:t>7)</a:t>
+            </a:r>
+            <a:r>
+              <a:rPr lang="zh-TW" altLang="en-US" dirty="0" smtClean="0"/>
+              <a:t>。</a:t>
+            </a:r>
+            <a:endParaRPr lang="en-US" altLang="zh-TW" dirty="0" smtClean="0"/>
+          </a:p>
+          <a:p>
+            <a:r>
+              <a:rPr lang="zh-TW" altLang="en-US" dirty="0"/>
+              <a:t>第一次猜比</a:t>
+            </a:r>
+            <a:r>
+              <a:rPr lang="en-US" altLang="zh-TW" dirty="0"/>
+              <a:t>7</a:t>
+            </a:r>
+            <a:r>
+              <a:rPr lang="zh-TW" altLang="en-US" dirty="0"/>
+              <a:t>大還是比</a:t>
+            </a:r>
+            <a:r>
+              <a:rPr lang="en-US" altLang="zh-TW" dirty="0"/>
+              <a:t>7</a:t>
+            </a:r>
+            <a:r>
+              <a:rPr lang="zh-TW" altLang="en-US" dirty="0" smtClean="0"/>
+              <a:t>小</a:t>
+            </a:r>
+            <a:endParaRPr lang="en-US" altLang="zh-TW" dirty="0" smtClean="0"/>
+          </a:p>
+          <a:p>
+            <a:r>
+              <a:rPr lang="zh-TW" altLang="en-US" dirty="0"/>
+              <a:t>猜對</a:t>
+            </a:r>
+            <a:r>
+              <a:rPr lang="zh-TW" altLang="en-US" dirty="0" smtClean="0"/>
+              <a:t>之後繼續猜比前一個數字大還是小。</a:t>
+            </a:r>
+            <a:endParaRPr lang="en-US" altLang="zh-TW" dirty="0" smtClean="0"/>
+          </a:p>
+          <a:p>
+            <a:r>
+              <a:rPr lang="zh-TW" altLang="en-US" dirty="0"/>
+              <a:t>連續猜對</a:t>
+            </a:r>
+            <a:r>
+              <a:rPr lang="en-US" altLang="zh-TW" dirty="0"/>
+              <a:t>5</a:t>
+            </a:r>
+            <a:r>
+              <a:rPr lang="zh-TW" altLang="en-US" dirty="0"/>
+              <a:t>次稱為過五關</a:t>
+            </a:r>
+            <a:r>
+              <a:rPr lang="zh-TW" altLang="en-US" dirty="0" smtClean="0"/>
+              <a:t>。</a:t>
+            </a:r>
+            <a:endParaRPr lang="en-US" altLang="zh-TW" dirty="0" smtClean="0"/>
+          </a:p>
+          <a:p>
+            <a:r>
+              <a:rPr lang="zh-TW" altLang="en-US" dirty="0"/>
+              <a:t>比照前一個題目</a:t>
+            </a:r>
+            <a:r>
+              <a:rPr lang="zh-TW" altLang="en-US" dirty="0" smtClean="0"/>
+              <a:t>，試著寫看看！</a:t>
+            </a:r>
+            <a:endParaRPr lang="zh-TW" altLang="en-US" dirty="0"/>
+          </a:p>
+        </p:txBody>
+      </p:sp>
+    </p:spTree>
+    <p:extLst>
+      <p:ext uri="{BB962C8B-B14F-4D97-AF65-F5344CB8AC3E}">
+        <p14:creationId xmlns:p14="http://schemas.microsoft.com/office/powerpoint/2010/main" val="310936690"/>
+      </p:ext>
+    </p:extLst>
+  </p:cSld>
+  <p:clrMapOvr>
+    <a:masterClrMapping/>
+  </p:clrMapOvr>
+  <p:timing>
+    <p:tnLst>
+      <p:par>
+        <p:cTn id="1" dur="indefinite" restart="never" nodeType="tmRoot"/>
+      </p:par>
+    </p:tnLst>
+  </p:timing>
+</p:sld>
+</file>
+
+<file path=ppt/slides/slide17.xml><?xml version="1.0" encoding="utf-8"?>
+<p:sld xmlns:a="http://schemas.openxmlformats.org/drawingml/2006/main" xmlns:r="http://schemas.openxmlformats.org/officeDocument/2006/relationships" xmlns:p="http://schemas.openxmlformats.org/presentationml/2006/main">
+  <p:cSld>
+    <p:spTree>
+      <p:nvGrpSpPr>
+        <p:cNvPr id="1" name=""/>
+        <p:cNvGrpSpPr/>
+        <p:nvPr/>
+      </p:nvGrpSpPr>
+      <p:grpSpPr>
+        <a:xfrm>
+          <a:off x="0" y="0"/>
+          <a:ext cx="0" cy="0"/>
+          <a:chOff x="0" y="0"/>
+          <a:chExt cx="0" cy="0"/>
+        </a:xfrm>
+      </p:grpSpPr>
+      <p:sp>
+        <p:nvSpPr>
+          <p:cNvPr id="4" name="標題 3"/>
+          <p:cNvSpPr>
+            <a:spLocks noGrp="1"/>
+          </p:cNvSpPr>
+          <p:nvPr>
+            <p:ph type="title"/>
+          </p:nvPr>
+        </p:nvSpPr>
+        <p:spPr/>
+        <p:txBody>
+          <a:bodyPr/>
+          <a:lstStyle/>
+          <a:p>
+            <a:r>
+              <a:rPr lang="zh-TW" altLang="en-US" dirty="0" smtClean="0"/>
+              <a:t>流程圖</a:t>
+            </a:r>
+            <a:endParaRPr lang="zh-TW" altLang="en-US" dirty="0"/>
+          </a:p>
+        </p:txBody>
+      </p:sp>
+      <p:sp>
+        <p:nvSpPr>
+          <p:cNvPr id="5" name="矩形 4"/>
+          <p:cNvSpPr/>
+          <p:nvPr/>
+        </p:nvSpPr>
+        <p:spPr>
+          <a:xfrm>
+            <a:off x="4480283" y="2127926"/>
+            <a:ext cx="355041" cy="341251"/>
+          </a:xfrm>
+          <a:prstGeom prst="rect">
+            <a:avLst/>
+          </a:prstGeom>
+          <a:solidFill>
+            <a:schemeClr val="bg1"/>
+          </a:solidFill>
+          <a:ln>
+            <a:solidFill>
+              <a:schemeClr val="bg1"/>
+            </a:solidFill>
+          </a:ln>
+        </p:spPr>
+        <p:style>
+          <a:lnRef idx="2">
+            <a:schemeClr val="accent1">
+              <a:shade val="50000"/>
+            </a:schemeClr>
+          </a:lnRef>
+          <a:fillRef idx="1">
+            <a:schemeClr val="accent1"/>
+          </a:fillRef>
+          <a:effectRef idx="0">
+            <a:schemeClr val="accent1"/>
+          </a:effectRef>
+          <a:fontRef idx="minor">
+            <a:schemeClr val="lt1"/>
+          </a:fontRef>
+        </p:style>
+        <p:txBody>
+          <a:bodyPr rtlCol="0" anchor="ctr"/>
+          <a:lstStyle/>
+          <a:p>
+            <a:pPr algn="ctr"/>
+            <a:endParaRPr lang="zh-TW" altLang="en-US"/>
+          </a:p>
+        </p:txBody>
+      </p:sp>
+      <p:sp>
+        <p:nvSpPr>
+          <p:cNvPr id="6" name="矩形 5"/>
+          <p:cNvSpPr/>
+          <p:nvPr/>
+        </p:nvSpPr>
+        <p:spPr>
+          <a:xfrm>
+            <a:off x="4480283" y="1971886"/>
+            <a:ext cx="355041" cy="341251"/>
+          </a:xfrm>
+          <a:prstGeom prst="rect">
+            <a:avLst/>
+          </a:prstGeom>
+          <a:solidFill>
+            <a:schemeClr val="bg1"/>
+          </a:solidFill>
+          <a:ln>
+            <a:solidFill>
+              <a:schemeClr val="bg1"/>
+            </a:solidFill>
+          </a:ln>
+        </p:spPr>
+        <p:style>
+          <a:lnRef idx="2">
+            <a:schemeClr val="accent1">
+              <a:shade val="50000"/>
+            </a:schemeClr>
+          </a:lnRef>
+          <a:fillRef idx="1">
+            <a:schemeClr val="accent1"/>
+          </a:fillRef>
+          <a:effectRef idx="0">
+            <a:schemeClr val="accent1"/>
+          </a:effectRef>
+          <a:fontRef idx="minor">
+            <a:schemeClr val="lt1"/>
+          </a:fontRef>
+        </p:style>
+        <p:txBody>
+          <a:bodyPr rtlCol="0" anchor="ctr"/>
+          <a:lstStyle/>
+          <a:p>
+            <a:pPr algn="ctr"/>
+            <a:endParaRPr lang="zh-TW" altLang="en-US"/>
+          </a:p>
+        </p:txBody>
+      </p:sp>
+      <p:sp>
+        <p:nvSpPr>
+          <p:cNvPr id="7" name="圓角矩形 6"/>
+          <p:cNvSpPr/>
+          <p:nvPr/>
+        </p:nvSpPr>
+        <p:spPr>
+          <a:xfrm>
+            <a:off x="4266488" y="533111"/>
+            <a:ext cx="1143000" cy="392176"/>
+          </a:xfrm>
+          <a:prstGeom prst="roundRect">
+            <a:avLst>
+              <a:gd name="adj" fmla="val 50000"/>
+            </a:avLst>
+          </a:prstGeom>
+          <a:solidFill>
+            <a:schemeClr val="bg1"/>
+          </a:solidFill>
+          <a:ln>
+            <a:solidFill>
+              <a:schemeClr val="tx1"/>
+            </a:solidFill>
+          </a:ln>
+        </p:spPr>
+        <p:style>
+          <a:lnRef idx="2">
+            <a:schemeClr val="accent1">
+              <a:shade val="50000"/>
+            </a:schemeClr>
+          </a:lnRef>
+          <a:fillRef idx="1">
+            <a:schemeClr val="accent1"/>
+          </a:fillRef>
+          <a:effectRef idx="0">
+            <a:schemeClr val="accent1"/>
+          </a:effectRef>
+          <a:fontRef idx="minor">
+            <a:schemeClr val="lt1"/>
+          </a:fontRef>
+        </p:style>
+        <p:txBody>
+          <a:bodyPr rtlCol="0" anchor="ctr"/>
+          <a:lstStyle/>
+          <a:p>
+            <a:pPr algn="ctr"/>
+            <a:r>
+              <a:rPr lang="zh-TW" altLang="en-US" dirty="0" smtClean="0">
+                <a:solidFill>
+                  <a:schemeClr val="tx1"/>
+                </a:solidFill>
+              </a:rPr>
+              <a:t>開始</a:t>
+            </a:r>
+            <a:endParaRPr lang="zh-TW" altLang="en-US" dirty="0">
+              <a:solidFill>
+                <a:schemeClr val="tx1"/>
+              </a:solidFill>
+            </a:endParaRPr>
+          </a:p>
+        </p:txBody>
+      </p:sp>
+      <p:sp>
+        <p:nvSpPr>
+          <p:cNvPr id="8" name="菱形 7"/>
+          <p:cNvSpPr/>
+          <p:nvPr/>
+        </p:nvSpPr>
+        <p:spPr>
+          <a:xfrm>
+            <a:off x="3621836" y="4339237"/>
+            <a:ext cx="2432304" cy="863966"/>
+          </a:xfrm>
+          <a:prstGeom prst="diamond">
+            <a:avLst/>
+          </a:prstGeom>
+          <a:solidFill>
+            <a:schemeClr val="bg1"/>
+          </a:solidFill>
+          <a:ln>
+            <a:solidFill>
+              <a:schemeClr val="tx1"/>
+            </a:solidFill>
+          </a:ln>
+        </p:spPr>
+        <p:style>
+          <a:lnRef idx="2">
+            <a:schemeClr val="accent1">
+              <a:shade val="50000"/>
+            </a:schemeClr>
+          </a:lnRef>
+          <a:fillRef idx="1">
+            <a:schemeClr val="accent1"/>
+          </a:fillRef>
+          <a:effectRef idx="0">
+            <a:schemeClr val="accent1"/>
+          </a:effectRef>
+          <a:fontRef idx="minor">
+            <a:schemeClr val="lt1"/>
+          </a:fontRef>
+        </p:style>
+        <p:txBody>
+          <a:bodyPr rtlCol="0" anchor="ctr"/>
+          <a:lstStyle/>
+          <a:p>
+            <a:pPr algn="ctr"/>
+            <a:r>
+              <a:rPr lang="en-US" altLang="zh-TW" dirty="0" smtClean="0">
+                <a:solidFill>
+                  <a:schemeClr val="tx1"/>
+                </a:solidFill>
+              </a:rPr>
+              <a:t>If </a:t>
+            </a:r>
+            <a:r>
+              <a:rPr lang="zh-TW" altLang="en-US" dirty="0" smtClean="0">
+                <a:solidFill>
+                  <a:schemeClr val="tx1"/>
+                </a:solidFill>
+              </a:rPr>
+              <a:t>猜對了</a:t>
+            </a:r>
+            <a:endParaRPr lang="zh-TW" altLang="en-US" dirty="0">
+              <a:solidFill>
+                <a:schemeClr val="tx1"/>
+              </a:solidFill>
+            </a:endParaRPr>
+          </a:p>
+        </p:txBody>
+      </p:sp>
+      <p:cxnSp>
+        <p:nvCxnSpPr>
+          <p:cNvPr id="9" name="肘形接點 8"/>
+          <p:cNvCxnSpPr>
+            <a:stCxn id="8" idx="2"/>
+            <a:endCxn id="15" idx="0"/>
+          </p:cNvCxnSpPr>
+          <p:nvPr/>
+        </p:nvCxnSpPr>
+        <p:spPr>
+          <a:xfrm rot="5400000">
+            <a:off x="4679388" y="5360471"/>
+            <a:ext cx="315869" cy="1332"/>
+          </a:xfrm>
+          <a:prstGeom prst="bentConnector3">
+            <a:avLst>
+              <a:gd name="adj1" fmla="val 50000"/>
+            </a:avLst>
+          </a:prstGeom>
+          <a:ln w="28575">
+            <a:solidFill>
+              <a:schemeClr val="tx1"/>
+            </a:solidFill>
+            <a:tailEnd type="triangle"/>
+          </a:ln>
+        </p:spPr>
+        <p:style>
+          <a:lnRef idx="1">
+            <a:schemeClr val="accent1"/>
+          </a:lnRef>
+          <a:fillRef idx="0">
+            <a:schemeClr val="accent1"/>
+          </a:fillRef>
+          <a:effectRef idx="0">
+            <a:schemeClr val="accent1"/>
+          </a:effectRef>
+          <a:fontRef idx="minor">
+            <a:schemeClr val="tx1"/>
+          </a:fontRef>
+        </p:style>
+      </p:cxnSp>
+      <p:sp>
+        <p:nvSpPr>
+          <p:cNvPr id="10" name="文字方塊 9"/>
+          <p:cNvSpPr txBox="1"/>
+          <p:nvPr/>
+        </p:nvSpPr>
+        <p:spPr>
+          <a:xfrm>
+            <a:off x="6204285" y="4400710"/>
+            <a:ext cx="636969" cy="369332"/>
+          </a:xfrm>
+          <a:prstGeom prst="rect">
+            <a:avLst/>
+          </a:prstGeom>
+          <a:noFill/>
+        </p:spPr>
+        <p:txBody>
+          <a:bodyPr wrap="none" rtlCol="0">
+            <a:spAutoFit/>
+          </a:bodyPr>
+          <a:lstStyle/>
+          <a:p>
+            <a:r>
+              <a:rPr lang="en-US" altLang="zh-TW" dirty="0" smtClean="0">
+                <a:solidFill>
+                  <a:srgbClr val="FF0000"/>
+                </a:solidFill>
+              </a:rPr>
+              <a:t>True</a:t>
+            </a:r>
+            <a:endParaRPr lang="zh-TW" altLang="en-US" dirty="0">
+              <a:solidFill>
+                <a:srgbClr val="FF0000"/>
+              </a:solidFill>
+            </a:endParaRPr>
+          </a:p>
+        </p:txBody>
+      </p:sp>
+      <p:sp>
+        <p:nvSpPr>
+          <p:cNvPr id="11" name="文字方塊 10"/>
+          <p:cNvSpPr txBox="1"/>
+          <p:nvPr/>
+        </p:nvSpPr>
+        <p:spPr>
+          <a:xfrm>
+            <a:off x="4895442" y="5149740"/>
+            <a:ext cx="715260" cy="369332"/>
+          </a:xfrm>
+          <a:prstGeom prst="rect">
+            <a:avLst/>
+          </a:prstGeom>
+          <a:noFill/>
+        </p:spPr>
+        <p:txBody>
+          <a:bodyPr wrap="none" rtlCol="0">
+            <a:spAutoFit/>
+          </a:bodyPr>
+          <a:lstStyle/>
+          <a:p>
+            <a:r>
+              <a:rPr lang="en-US" altLang="zh-TW" dirty="0" smtClean="0">
+                <a:solidFill>
+                  <a:srgbClr val="FF0000"/>
+                </a:solidFill>
+              </a:rPr>
+              <a:t>False</a:t>
+            </a:r>
+            <a:endParaRPr lang="zh-TW" altLang="en-US" dirty="0">
+              <a:solidFill>
+                <a:srgbClr val="FF0000"/>
+              </a:solidFill>
+            </a:endParaRPr>
+          </a:p>
+        </p:txBody>
+      </p:sp>
+      <p:sp>
+        <p:nvSpPr>
+          <p:cNvPr id="12" name="矩形 11"/>
+          <p:cNvSpPr/>
+          <p:nvPr/>
+        </p:nvSpPr>
+        <p:spPr>
+          <a:xfrm>
+            <a:off x="3752472" y="1429889"/>
+            <a:ext cx="2171032" cy="592042"/>
+          </a:xfrm>
+          <a:prstGeom prst="rect">
+            <a:avLst/>
+          </a:prstGeom>
+          <a:solidFill>
+            <a:schemeClr val="bg1"/>
+          </a:solidFill>
+          <a:ln>
+            <a:solidFill>
+              <a:schemeClr val="tx1"/>
+            </a:solidFill>
+          </a:ln>
+        </p:spPr>
+        <p:style>
+          <a:lnRef idx="2">
+            <a:schemeClr val="accent1">
+              <a:shade val="50000"/>
+            </a:schemeClr>
+          </a:lnRef>
+          <a:fillRef idx="1">
+            <a:schemeClr val="accent1"/>
+          </a:fillRef>
+          <a:effectRef idx="0">
+            <a:schemeClr val="accent1"/>
+          </a:effectRef>
+          <a:fontRef idx="minor">
+            <a:schemeClr val="lt1"/>
+          </a:fontRef>
+        </p:style>
+        <p:txBody>
+          <a:bodyPr rtlCol="0" anchor="ctr"/>
+          <a:lstStyle/>
+          <a:p>
+            <a:pPr algn="ctr"/>
+            <a:r>
+              <a:rPr lang="zh-TW" altLang="en-US" dirty="0" smtClean="0">
+                <a:solidFill>
+                  <a:schemeClr val="tx1"/>
+                </a:solidFill>
+              </a:rPr>
+              <a:t>抽出</a:t>
+            </a:r>
+            <a:r>
+              <a:rPr lang="en-US" altLang="zh-TW" dirty="0" smtClean="0">
+                <a:solidFill>
+                  <a:schemeClr val="tx1"/>
+                </a:solidFill>
+              </a:rPr>
+              <a:t>5</a:t>
+            </a:r>
+            <a:r>
+              <a:rPr lang="zh-TW" altLang="en-US" dirty="0" smtClean="0">
+                <a:solidFill>
+                  <a:schemeClr val="tx1"/>
+                </a:solidFill>
+              </a:rPr>
+              <a:t>位數字</a:t>
+            </a:r>
+            <a:endParaRPr lang="en-US" altLang="zh-TW" dirty="0" smtClean="0">
+              <a:solidFill>
+                <a:schemeClr val="tx1"/>
+              </a:solidFill>
+            </a:endParaRPr>
+          </a:p>
+        </p:txBody>
+      </p:sp>
+      <p:sp>
+        <p:nvSpPr>
+          <p:cNvPr id="13" name="矩形 12"/>
+          <p:cNvSpPr/>
+          <p:nvPr/>
+        </p:nvSpPr>
+        <p:spPr>
+          <a:xfrm>
+            <a:off x="3442196" y="2471315"/>
+            <a:ext cx="2788920" cy="714761"/>
+          </a:xfrm>
+          <a:prstGeom prst="rect">
+            <a:avLst/>
+          </a:prstGeom>
+          <a:solidFill>
+            <a:schemeClr val="bg1"/>
+          </a:solidFill>
+          <a:ln>
+            <a:solidFill>
+              <a:schemeClr val="tx1"/>
+            </a:solidFill>
+          </a:ln>
+        </p:spPr>
+        <p:style>
+          <a:lnRef idx="2">
+            <a:schemeClr val="accent1">
+              <a:shade val="50000"/>
+            </a:schemeClr>
+          </a:lnRef>
+          <a:fillRef idx="1">
+            <a:schemeClr val="accent1"/>
+          </a:fillRef>
+          <a:effectRef idx="0">
+            <a:schemeClr val="accent1"/>
+          </a:effectRef>
+          <a:fontRef idx="minor">
+            <a:schemeClr val="lt1"/>
+          </a:fontRef>
+        </p:style>
+        <p:txBody>
+          <a:bodyPr rtlCol="0" anchor="ctr"/>
+          <a:lstStyle/>
+          <a:p>
+            <a:pPr algn="ctr"/>
+            <a:r>
+              <a:rPr lang="zh-TW" altLang="en-US" dirty="0" smtClean="0">
+                <a:solidFill>
+                  <a:schemeClr val="tx1"/>
+                </a:solidFill>
+              </a:rPr>
+              <a:t>提示玩家輸入比前</a:t>
+            </a:r>
+            <a:r>
+              <a:rPr lang="en-US" altLang="zh-TW" dirty="0" smtClean="0">
+                <a:solidFill>
+                  <a:schemeClr val="tx1"/>
+                </a:solidFill>
+              </a:rPr>
+              <a:t>1</a:t>
+            </a:r>
+            <a:r>
+              <a:rPr lang="zh-TW" altLang="en-US" dirty="0" smtClean="0">
+                <a:solidFill>
+                  <a:schemeClr val="tx1"/>
+                </a:solidFill>
+              </a:rPr>
+              <a:t>個數字大還是小</a:t>
+            </a:r>
+            <a:r>
+              <a:rPr lang="en-US" altLang="zh-TW" dirty="0" smtClean="0">
+                <a:solidFill>
+                  <a:schemeClr val="tx1"/>
+                </a:solidFill>
+              </a:rPr>
+              <a:t>(1/2)</a:t>
+            </a:r>
+            <a:endParaRPr lang="zh-TW" altLang="en-US" dirty="0">
+              <a:solidFill>
+                <a:schemeClr val="tx1"/>
+              </a:solidFill>
+            </a:endParaRPr>
+          </a:p>
+        </p:txBody>
+      </p:sp>
+      <p:sp>
+        <p:nvSpPr>
+          <p:cNvPr id="14" name="矩形 13"/>
+          <p:cNvSpPr/>
+          <p:nvPr/>
+        </p:nvSpPr>
+        <p:spPr>
+          <a:xfrm>
+            <a:off x="3752472" y="3514879"/>
+            <a:ext cx="2171032" cy="489814"/>
+          </a:xfrm>
+          <a:prstGeom prst="rect">
+            <a:avLst/>
+          </a:prstGeom>
+          <a:solidFill>
+            <a:schemeClr val="bg1"/>
+          </a:solidFill>
+          <a:ln>
+            <a:solidFill>
+              <a:schemeClr val="tx1"/>
+            </a:solidFill>
+          </a:ln>
+        </p:spPr>
+        <p:style>
+          <a:lnRef idx="2">
+            <a:schemeClr val="accent1">
+              <a:shade val="50000"/>
+            </a:schemeClr>
+          </a:lnRef>
+          <a:fillRef idx="1">
+            <a:schemeClr val="accent1"/>
+          </a:fillRef>
+          <a:effectRef idx="0">
+            <a:schemeClr val="accent1"/>
+          </a:effectRef>
+          <a:fontRef idx="minor">
+            <a:schemeClr val="lt1"/>
+          </a:fontRef>
+        </p:style>
+        <p:txBody>
+          <a:bodyPr rtlCol="0" anchor="ctr"/>
+          <a:lstStyle/>
+          <a:p>
+            <a:pPr algn="ctr"/>
+            <a:r>
+              <a:rPr lang="zh-TW" altLang="en-US" dirty="0">
+                <a:solidFill>
+                  <a:schemeClr val="tx1"/>
+                </a:solidFill>
+              </a:rPr>
+              <a:t>檢查是否猜對</a:t>
+            </a:r>
+          </a:p>
+        </p:txBody>
+      </p:sp>
+      <p:sp>
+        <p:nvSpPr>
+          <p:cNvPr id="15" name="矩形 14"/>
+          <p:cNvSpPr/>
+          <p:nvPr/>
+        </p:nvSpPr>
+        <p:spPr>
+          <a:xfrm>
+            <a:off x="3442196" y="5519072"/>
+            <a:ext cx="2788920" cy="896679"/>
+          </a:xfrm>
+          <a:prstGeom prst="rect">
+            <a:avLst/>
+          </a:prstGeom>
+          <a:solidFill>
+            <a:schemeClr val="bg1"/>
+          </a:solidFill>
+          <a:ln>
+            <a:solidFill>
+              <a:schemeClr val="tx1"/>
+            </a:solidFill>
+          </a:ln>
+        </p:spPr>
+        <p:style>
+          <a:lnRef idx="2">
+            <a:schemeClr val="accent1">
+              <a:shade val="50000"/>
+            </a:schemeClr>
+          </a:lnRef>
+          <a:fillRef idx="1">
+            <a:schemeClr val="accent1"/>
+          </a:fillRef>
+          <a:effectRef idx="0">
+            <a:schemeClr val="accent1"/>
+          </a:effectRef>
+          <a:fontRef idx="minor">
+            <a:schemeClr val="lt1"/>
+          </a:fontRef>
+        </p:style>
+        <p:txBody>
+          <a:bodyPr rtlCol="0" anchor="ctr"/>
+          <a:lstStyle/>
+          <a:p>
+            <a:pPr algn="ctr"/>
+            <a:r>
+              <a:rPr lang="zh-TW" altLang="en-US" dirty="0" smtClean="0">
+                <a:solidFill>
+                  <a:schemeClr val="tx1"/>
+                </a:solidFill>
+              </a:rPr>
+              <a:t>顯示猜錯了</a:t>
+            </a:r>
+            <a:endParaRPr lang="en-US" altLang="zh-TW" dirty="0" smtClean="0">
+              <a:solidFill>
+                <a:schemeClr val="tx1"/>
+              </a:solidFill>
+            </a:endParaRPr>
+          </a:p>
+          <a:p>
+            <a:pPr algn="ctr"/>
+            <a:r>
+              <a:rPr lang="zh-TW" altLang="en-US" dirty="0" smtClean="0">
+                <a:solidFill>
+                  <a:schemeClr val="tx1"/>
+                </a:solidFill>
+              </a:rPr>
+              <a:t>重新抽出</a:t>
+            </a:r>
+            <a:r>
+              <a:rPr lang="en-US" altLang="zh-TW" dirty="0" smtClean="0">
+                <a:solidFill>
+                  <a:schemeClr val="tx1"/>
+                </a:solidFill>
+              </a:rPr>
+              <a:t>5</a:t>
+            </a:r>
+            <a:r>
+              <a:rPr lang="zh-TW" altLang="en-US" dirty="0">
+                <a:solidFill>
+                  <a:schemeClr val="tx1"/>
+                </a:solidFill>
+              </a:rPr>
+              <a:t>位數字</a:t>
+            </a:r>
+            <a:endParaRPr lang="en-US" altLang="zh-TW" dirty="0">
+              <a:solidFill>
+                <a:schemeClr val="tx1"/>
+              </a:solidFill>
+            </a:endParaRPr>
+          </a:p>
+        </p:txBody>
+      </p:sp>
+      <p:cxnSp>
+        <p:nvCxnSpPr>
+          <p:cNvPr id="16" name="肘形接點 15"/>
+          <p:cNvCxnSpPr>
+            <a:stCxn id="15" idx="3"/>
+            <a:endCxn id="6" idx="3"/>
+          </p:cNvCxnSpPr>
+          <p:nvPr/>
+        </p:nvCxnSpPr>
+        <p:spPr>
+          <a:xfrm flipH="1" flipV="1">
+            <a:off x="4835324" y="2142512"/>
+            <a:ext cx="1395792" cy="3824900"/>
+          </a:xfrm>
+          <a:prstGeom prst="bentConnector3">
+            <a:avLst>
+              <a:gd name="adj1" fmla="val -214795"/>
+            </a:avLst>
+          </a:prstGeom>
+          <a:ln w="28575">
+            <a:solidFill>
+              <a:schemeClr val="tx1"/>
+            </a:solidFill>
+            <a:tailEnd type="triangle"/>
+          </a:ln>
+        </p:spPr>
+        <p:style>
+          <a:lnRef idx="1">
+            <a:schemeClr val="accent1"/>
+          </a:lnRef>
+          <a:fillRef idx="0">
+            <a:schemeClr val="accent1"/>
+          </a:fillRef>
+          <a:effectRef idx="0">
+            <a:schemeClr val="accent1"/>
+          </a:effectRef>
+          <a:fontRef idx="minor">
+            <a:schemeClr val="tx1"/>
+          </a:fontRef>
+        </p:style>
+      </p:cxnSp>
+      <p:sp>
+        <p:nvSpPr>
+          <p:cNvPr id="17" name="矩形 16"/>
+          <p:cNvSpPr/>
+          <p:nvPr/>
+        </p:nvSpPr>
+        <p:spPr>
+          <a:xfrm>
+            <a:off x="7061283" y="4495511"/>
+            <a:ext cx="1874520" cy="546707"/>
+          </a:xfrm>
+          <a:prstGeom prst="rect">
+            <a:avLst/>
+          </a:prstGeom>
+          <a:solidFill>
+            <a:schemeClr val="bg1"/>
+          </a:solidFill>
+          <a:ln>
+            <a:solidFill>
+              <a:schemeClr val="tx1"/>
+            </a:solidFill>
+          </a:ln>
+        </p:spPr>
+        <p:style>
+          <a:lnRef idx="2">
+            <a:schemeClr val="accent1">
+              <a:shade val="50000"/>
+            </a:schemeClr>
+          </a:lnRef>
+          <a:fillRef idx="1">
+            <a:schemeClr val="accent1"/>
+          </a:fillRef>
+          <a:effectRef idx="0">
+            <a:schemeClr val="accent1"/>
+          </a:effectRef>
+          <a:fontRef idx="minor">
+            <a:schemeClr val="lt1"/>
+          </a:fontRef>
+        </p:style>
+        <p:txBody>
+          <a:bodyPr rtlCol="0" anchor="ctr"/>
+          <a:lstStyle/>
+          <a:p>
+            <a:pPr algn="ctr"/>
+            <a:r>
+              <a:rPr lang="zh-TW" altLang="en-US" dirty="0" smtClean="0">
+                <a:solidFill>
+                  <a:schemeClr val="tx1"/>
+                </a:solidFill>
+              </a:rPr>
+              <a:t>顯示猜對了</a:t>
+            </a:r>
+            <a:endParaRPr lang="zh-TW" altLang="en-US" dirty="0">
+              <a:solidFill>
+                <a:schemeClr val="tx1"/>
+              </a:solidFill>
+            </a:endParaRPr>
+          </a:p>
+        </p:txBody>
+      </p:sp>
+      <p:cxnSp>
+        <p:nvCxnSpPr>
+          <p:cNvPr id="18" name="直線單箭頭接點 17"/>
+          <p:cNvCxnSpPr>
+            <a:stCxn id="12" idx="2"/>
+            <a:endCxn id="13" idx="0"/>
+          </p:cNvCxnSpPr>
+          <p:nvPr/>
+        </p:nvCxnSpPr>
+        <p:spPr>
+          <a:xfrm flipH="1">
+            <a:off x="4836656" y="2021931"/>
+            <a:ext cx="1332" cy="449384"/>
+          </a:xfrm>
+          <a:prstGeom prst="straightConnector1">
+            <a:avLst/>
+          </a:prstGeom>
+          <a:ln w="28575">
+            <a:solidFill>
+              <a:schemeClr val="tx1"/>
+            </a:solidFill>
+            <a:tailEnd type="triangle"/>
+          </a:ln>
+        </p:spPr>
+        <p:style>
+          <a:lnRef idx="1">
+            <a:schemeClr val="accent1"/>
+          </a:lnRef>
+          <a:fillRef idx="0">
+            <a:schemeClr val="accent1"/>
+          </a:fillRef>
+          <a:effectRef idx="0">
+            <a:schemeClr val="accent1"/>
+          </a:effectRef>
+          <a:fontRef idx="minor">
+            <a:schemeClr val="tx1"/>
+          </a:fontRef>
+        </p:style>
+      </p:cxnSp>
+      <p:cxnSp>
+        <p:nvCxnSpPr>
+          <p:cNvPr id="19" name="直線單箭頭接點 18"/>
+          <p:cNvCxnSpPr>
+            <a:stCxn id="13" idx="2"/>
+            <a:endCxn id="14" idx="0"/>
+          </p:cNvCxnSpPr>
+          <p:nvPr/>
+        </p:nvCxnSpPr>
+        <p:spPr>
+          <a:xfrm>
+            <a:off x="4836656" y="3186076"/>
+            <a:ext cx="1332" cy="328803"/>
+          </a:xfrm>
+          <a:prstGeom prst="straightConnector1">
+            <a:avLst/>
+          </a:prstGeom>
+          <a:ln w="28575">
+            <a:solidFill>
+              <a:schemeClr val="tx1"/>
+            </a:solidFill>
+            <a:tailEnd type="triangle"/>
+          </a:ln>
+        </p:spPr>
+        <p:style>
+          <a:lnRef idx="1">
+            <a:schemeClr val="accent1"/>
+          </a:lnRef>
+          <a:fillRef idx="0">
+            <a:schemeClr val="accent1"/>
+          </a:fillRef>
+          <a:effectRef idx="0">
+            <a:schemeClr val="accent1"/>
+          </a:effectRef>
+          <a:fontRef idx="minor">
+            <a:schemeClr val="tx1"/>
+          </a:fontRef>
+        </p:style>
+      </p:cxnSp>
+      <p:cxnSp>
+        <p:nvCxnSpPr>
+          <p:cNvPr id="20" name="直線單箭頭接點 19"/>
+          <p:cNvCxnSpPr>
+            <a:stCxn id="14" idx="2"/>
+            <a:endCxn id="8" idx="0"/>
+          </p:cNvCxnSpPr>
+          <p:nvPr/>
+        </p:nvCxnSpPr>
+        <p:spPr>
+          <a:xfrm>
+            <a:off x="4837988" y="4004693"/>
+            <a:ext cx="0" cy="334544"/>
+          </a:xfrm>
+          <a:prstGeom prst="straightConnector1">
+            <a:avLst/>
+          </a:prstGeom>
+          <a:ln w="28575">
+            <a:solidFill>
+              <a:schemeClr val="tx1"/>
+            </a:solidFill>
+            <a:tailEnd type="triangle"/>
+          </a:ln>
+        </p:spPr>
+        <p:style>
+          <a:lnRef idx="1">
+            <a:schemeClr val="accent1"/>
+          </a:lnRef>
+          <a:fillRef idx="0">
+            <a:schemeClr val="accent1"/>
+          </a:fillRef>
+          <a:effectRef idx="0">
+            <a:schemeClr val="accent1"/>
+          </a:effectRef>
+          <a:fontRef idx="minor">
+            <a:schemeClr val="tx1"/>
+          </a:fontRef>
+        </p:style>
+      </p:cxnSp>
+      <p:cxnSp>
+        <p:nvCxnSpPr>
+          <p:cNvPr id="21" name="直線單箭頭接點 20"/>
+          <p:cNvCxnSpPr>
+            <a:stCxn id="7" idx="2"/>
+            <a:endCxn id="12" idx="0"/>
+          </p:cNvCxnSpPr>
+          <p:nvPr/>
+        </p:nvCxnSpPr>
+        <p:spPr>
+          <a:xfrm>
+            <a:off x="4837988" y="925287"/>
+            <a:ext cx="0" cy="504602"/>
+          </a:xfrm>
+          <a:prstGeom prst="straightConnector1">
+            <a:avLst/>
+          </a:prstGeom>
+          <a:ln w="28575">
+            <a:solidFill>
+              <a:schemeClr val="tx1"/>
+            </a:solidFill>
+            <a:tailEnd type="triangle"/>
+          </a:ln>
+        </p:spPr>
+        <p:style>
+          <a:lnRef idx="1">
+            <a:schemeClr val="accent1"/>
+          </a:lnRef>
+          <a:fillRef idx="0">
+            <a:schemeClr val="accent1"/>
+          </a:fillRef>
+          <a:effectRef idx="0">
+            <a:schemeClr val="accent1"/>
+          </a:effectRef>
+          <a:fontRef idx="minor">
+            <a:schemeClr val="tx1"/>
+          </a:fontRef>
+        </p:style>
+      </p:cxnSp>
+      <p:cxnSp>
+        <p:nvCxnSpPr>
+          <p:cNvPr id="22" name="直線單箭頭接點 21"/>
+          <p:cNvCxnSpPr>
+            <a:stCxn id="8" idx="3"/>
+            <a:endCxn id="17" idx="1"/>
+          </p:cNvCxnSpPr>
+          <p:nvPr/>
+        </p:nvCxnSpPr>
+        <p:spPr>
+          <a:xfrm flipV="1">
+            <a:off x="6054140" y="4768865"/>
+            <a:ext cx="1007143" cy="2355"/>
+          </a:xfrm>
+          <a:prstGeom prst="straightConnector1">
+            <a:avLst/>
+          </a:prstGeom>
+          <a:ln w="28575">
+            <a:solidFill>
+              <a:schemeClr val="tx1"/>
+            </a:solidFill>
+            <a:tailEnd type="triangle"/>
+          </a:ln>
+        </p:spPr>
+        <p:style>
+          <a:lnRef idx="1">
+            <a:schemeClr val="accent1"/>
+          </a:lnRef>
+          <a:fillRef idx="0">
+            <a:schemeClr val="accent1"/>
+          </a:fillRef>
+          <a:effectRef idx="0">
+            <a:schemeClr val="accent1"/>
+          </a:effectRef>
+          <a:fontRef idx="minor">
+            <a:schemeClr val="tx1"/>
+          </a:fontRef>
+        </p:style>
+      </p:cxnSp>
+      <p:cxnSp>
+        <p:nvCxnSpPr>
+          <p:cNvPr id="23" name="肘形接點 22"/>
+          <p:cNvCxnSpPr>
+            <a:stCxn id="17" idx="0"/>
+            <a:endCxn id="5" idx="3"/>
+          </p:cNvCxnSpPr>
+          <p:nvPr/>
+        </p:nvCxnSpPr>
+        <p:spPr>
+          <a:xfrm rot="16200000" flipV="1">
+            <a:off x="5318455" y="1815422"/>
+            <a:ext cx="2196959" cy="3163219"/>
+          </a:xfrm>
+          <a:prstGeom prst="bentConnector2">
+            <a:avLst/>
+          </a:prstGeom>
+          <a:ln w="28575">
+            <a:solidFill>
+              <a:schemeClr val="tx1"/>
+            </a:solidFill>
+            <a:tailEnd type="triangle"/>
+          </a:ln>
+        </p:spPr>
+        <p:style>
+          <a:lnRef idx="1">
+            <a:schemeClr val="accent1"/>
+          </a:lnRef>
+          <a:fillRef idx="0">
+            <a:schemeClr val="accent1"/>
+          </a:fillRef>
+          <a:effectRef idx="0">
+            <a:schemeClr val="accent1"/>
+          </a:effectRef>
+          <a:fontRef idx="minor">
+            <a:schemeClr val="tx1"/>
+          </a:fontRef>
+        </p:style>
+      </p:cxnSp>
+    </p:spTree>
+    <p:extLst>
+      <p:ext uri="{BB962C8B-B14F-4D97-AF65-F5344CB8AC3E}">
+        <p14:creationId xmlns:p14="http://schemas.microsoft.com/office/powerpoint/2010/main" val="3722128018"/>
+      </p:ext>
+    </p:extLst>
+  </p:cSld>
+  <p:clrMapOvr>
+    <a:masterClrMapping/>
+  </p:clrMapOvr>
+  <p:timing>
+    <p:tnLst>
+      <p:par>
+        <p:cTn id="1" dur="indefinite" restart="never" nodeType="tmRoot">
+          <p:childTnLst>
+            <p:seq concurrent="1" nextAc="seek">
+              <p:cTn id="2" dur="indefinite" nodeType="mainSeq">
+                <p:childTnLst>
+                  <p:par>
+                    <p:cTn id="3" fill="hold">
+                      <p:stCondLst>
+                        <p:cond delay="indefinite"/>
+                      </p:stCondLst>
+                      <p:childTnLst>
+                        <p:par>
+                          <p:cTn id="4" fill="hold">
+                            <p:stCondLst>
+                              <p:cond delay="0"/>
+                            </p:stCondLst>
+                            <p:childTnLst>
+                              <p:par>
+                                <p:cTn id="5" presetID="1" presetClass="entr" presetSubtype="0" fill="hold" grpId="0" nodeType="clickEffect">
+                                  <p:stCondLst>
+                                    <p:cond delay="0"/>
+                                  </p:stCondLst>
+                                  <p:childTnLst>
+                                    <p:set>
+                                      <p:cBhvr>
+                                        <p:cTn id="6" dur="1" fill="hold">
+                                          <p:stCondLst>
+                                            <p:cond delay="0"/>
+                                          </p:stCondLst>
+                                        </p:cTn>
+                                        <p:tgtEl>
+                                          <p:spTgt spid="7"/>
+                                        </p:tgtEl>
+                                        <p:attrNameLst>
+                                          <p:attrName>style.visibility</p:attrName>
+                                        </p:attrNameLst>
+                                      </p:cBhvr>
+                                      <p:to>
+                                        <p:strVal val="visible"/>
+                                      </p:to>
+                                    </p:set>
+                                  </p:childTnLst>
+                                </p:cTn>
+                              </p:par>
+                            </p:childTnLst>
+                          </p:cTn>
+                        </p:par>
+                      </p:childTnLst>
+                    </p:cTn>
+                  </p:par>
+                  <p:par>
+                    <p:cTn id="7" fill="hold">
+                      <p:stCondLst>
+                        <p:cond delay="indefinite"/>
+                      </p:stCondLst>
+                      <p:childTnLst>
+                        <p:par>
+                          <p:cTn id="8" fill="hold">
+                            <p:stCondLst>
+                              <p:cond delay="0"/>
+                            </p:stCondLst>
+                            <p:childTnLst>
+                              <p:par>
+                                <p:cTn id="9" presetID="1" presetClass="entr" presetSubtype="0" fill="hold" nodeType="clickEffect">
+                                  <p:stCondLst>
+                                    <p:cond delay="0"/>
+                                  </p:stCondLst>
+                                  <p:childTnLst>
+                                    <p:set>
+                                      <p:cBhvr>
+                                        <p:cTn id="10" dur="1" fill="hold">
+                                          <p:stCondLst>
+                                            <p:cond delay="0"/>
+                                          </p:stCondLst>
+                                        </p:cTn>
+                                        <p:tgtEl>
+                                          <p:spTgt spid="21"/>
+                                        </p:tgtEl>
+                                        <p:attrNameLst>
+                                          <p:attrName>style.visibility</p:attrName>
+                                        </p:attrNameLst>
+                                      </p:cBhvr>
+                                      <p:to>
+                                        <p:strVal val="visible"/>
+                                      </p:to>
+                                    </p:set>
+                                  </p:childTnLst>
+                                </p:cTn>
+                              </p:par>
+                              <p:par>
+                                <p:cTn id="11" presetID="1" presetClass="entr" presetSubtype="0" fill="hold" grpId="0" nodeType="withEffect">
+                                  <p:stCondLst>
+                                    <p:cond delay="0"/>
+                                  </p:stCondLst>
+                                  <p:childTnLst>
+                                    <p:set>
+                                      <p:cBhvr>
+                                        <p:cTn id="12" dur="1" fill="hold">
+                                          <p:stCondLst>
+                                            <p:cond delay="0"/>
+                                          </p:stCondLst>
+                                        </p:cTn>
+                                        <p:tgtEl>
+                                          <p:spTgt spid="12"/>
+                                        </p:tgtEl>
+                                        <p:attrNameLst>
+                                          <p:attrName>style.visibility</p:attrName>
+                                        </p:attrNameLst>
+                                      </p:cBhvr>
+                                      <p:to>
+                                        <p:strVal val="visible"/>
+                                      </p:to>
+                                    </p:set>
+                                  </p:childTnLst>
+                                </p:cTn>
+                              </p:par>
+                            </p:childTnLst>
+                          </p:cTn>
+                        </p:par>
+                      </p:childTnLst>
+                    </p:cTn>
+                  </p:par>
+                  <p:par>
+                    <p:cTn id="13" fill="hold">
+                      <p:stCondLst>
+                        <p:cond delay="indefinite"/>
+                      </p:stCondLst>
+                      <p:childTnLst>
+                        <p:par>
+                          <p:cTn id="14" fill="hold">
+                            <p:stCondLst>
+                              <p:cond delay="0"/>
+                            </p:stCondLst>
+                            <p:childTnLst>
+                              <p:par>
+                                <p:cTn id="15" presetID="1" presetClass="entr" presetSubtype="0" fill="hold" nodeType="clickEffect">
+                                  <p:stCondLst>
+                                    <p:cond delay="0"/>
+                                  </p:stCondLst>
+                                  <p:childTnLst>
+                                    <p:set>
+                                      <p:cBhvr>
+                                        <p:cTn id="16" dur="1" fill="hold">
+                                          <p:stCondLst>
+                                            <p:cond delay="0"/>
+                                          </p:stCondLst>
+                                        </p:cTn>
+                                        <p:tgtEl>
+                                          <p:spTgt spid="18"/>
+                                        </p:tgtEl>
+                                        <p:attrNameLst>
+                                          <p:attrName>style.visibility</p:attrName>
+                                        </p:attrNameLst>
+                                      </p:cBhvr>
+                                      <p:to>
+                                        <p:strVal val="visible"/>
+                                      </p:to>
+                                    </p:set>
+                                  </p:childTnLst>
+                                </p:cTn>
+                              </p:par>
+                              <p:par>
+                                <p:cTn id="17" presetID="1" presetClass="entr" presetSubtype="0" fill="hold" grpId="0" nodeType="withEffect">
+                                  <p:stCondLst>
+                                    <p:cond delay="0"/>
+                                  </p:stCondLst>
+                                  <p:childTnLst>
+                                    <p:set>
+                                      <p:cBhvr>
+                                        <p:cTn id="18" dur="1" fill="hold">
+                                          <p:stCondLst>
+                                            <p:cond delay="0"/>
+                                          </p:stCondLst>
+                                        </p:cTn>
+                                        <p:tgtEl>
+                                          <p:spTgt spid="13"/>
+                                        </p:tgtEl>
+                                        <p:attrNameLst>
+                                          <p:attrName>style.visibility</p:attrName>
+                                        </p:attrNameLst>
+                                      </p:cBhvr>
+                                      <p:to>
+                                        <p:strVal val="visible"/>
+                                      </p:to>
+                                    </p:set>
+                                  </p:childTnLst>
+                                </p:cTn>
+                              </p:par>
+                            </p:childTnLst>
+                          </p:cTn>
+                        </p:par>
+                      </p:childTnLst>
+                    </p:cTn>
+                  </p:par>
+                  <p:par>
+                    <p:cTn id="19" fill="hold">
+                      <p:stCondLst>
+                        <p:cond delay="indefinite"/>
+                      </p:stCondLst>
+                      <p:childTnLst>
+                        <p:par>
+                          <p:cTn id="20" fill="hold">
+                            <p:stCondLst>
+                              <p:cond delay="0"/>
+                            </p:stCondLst>
+                            <p:childTnLst>
+                              <p:par>
+                                <p:cTn id="21" presetID="1" presetClass="entr" presetSubtype="0" fill="hold" nodeType="clickEffect">
+                                  <p:stCondLst>
+                                    <p:cond delay="0"/>
+                                  </p:stCondLst>
+                                  <p:childTnLst>
+                                    <p:set>
+                                      <p:cBhvr>
+                                        <p:cTn id="22" dur="1" fill="hold">
+                                          <p:stCondLst>
+                                            <p:cond delay="0"/>
+                                          </p:stCondLst>
+                                        </p:cTn>
+                                        <p:tgtEl>
+                                          <p:spTgt spid="19"/>
+                                        </p:tgtEl>
+                                        <p:attrNameLst>
+                                          <p:attrName>style.visibility</p:attrName>
+                                        </p:attrNameLst>
+                                      </p:cBhvr>
+                                      <p:to>
+                                        <p:strVal val="visible"/>
+                                      </p:to>
+                                    </p:set>
+                                  </p:childTnLst>
+                                </p:cTn>
+                              </p:par>
+                              <p:par>
+                                <p:cTn id="23" presetID="1" presetClass="entr" presetSubtype="0" fill="hold" grpId="0" nodeType="withEffect">
+                                  <p:stCondLst>
+                                    <p:cond delay="0"/>
+                                  </p:stCondLst>
+                                  <p:childTnLst>
+                                    <p:set>
+                                      <p:cBhvr>
+                                        <p:cTn id="24" dur="1" fill="hold">
+                                          <p:stCondLst>
+                                            <p:cond delay="0"/>
+                                          </p:stCondLst>
+                                        </p:cTn>
+                                        <p:tgtEl>
+                                          <p:spTgt spid="14"/>
+                                        </p:tgtEl>
+                                        <p:attrNameLst>
+                                          <p:attrName>style.visibility</p:attrName>
+                                        </p:attrNameLst>
+                                      </p:cBhvr>
+                                      <p:to>
+                                        <p:strVal val="visible"/>
+                                      </p:to>
+                                    </p:set>
+                                  </p:childTnLst>
+                                </p:cTn>
+                              </p:par>
+                            </p:childTnLst>
+                          </p:cTn>
+                        </p:par>
+                      </p:childTnLst>
+                    </p:cTn>
+                  </p:par>
+                  <p:par>
+                    <p:cTn id="25" fill="hold">
+                      <p:stCondLst>
+                        <p:cond delay="indefinite"/>
+                      </p:stCondLst>
+                      <p:childTnLst>
+                        <p:par>
+                          <p:cTn id="26" fill="hold">
+                            <p:stCondLst>
+                              <p:cond delay="0"/>
+                            </p:stCondLst>
+                            <p:childTnLst>
+                              <p:par>
+                                <p:cTn id="27" presetID="1" presetClass="entr" presetSubtype="0" fill="hold" nodeType="clickEffect">
+                                  <p:stCondLst>
+                                    <p:cond delay="0"/>
+                                  </p:stCondLst>
+                                  <p:childTnLst>
+                                    <p:set>
+                                      <p:cBhvr>
+                                        <p:cTn id="28" dur="1" fill="hold">
+                                          <p:stCondLst>
+                                            <p:cond delay="0"/>
+                                          </p:stCondLst>
+                                        </p:cTn>
+                                        <p:tgtEl>
+                                          <p:spTgt spid="20"/>
+                                        </p:tgtEl>
+                                        <p:attrNameLst>
+                                          <p:attrName>style.visibility</p:attrName>
+                                        </p:attrNameLst>
+                                      </p:cBhvr>
+                                      <p:to>
+                                        <p:strVal val="visible"/>
+                                      </p:to>
+                                    </p:set>
+                                  </p:childTnLst>
+                                </p:cTn>
+                              </p:par>
+                              <p:par>
+                                <p:cTn id="29" presetID="1" presetClass="entr" presetSubtype="0" fill="hold" grpId="0" nodeType="withEffect">
+                                  <p:stCondLst>
+                                    <p:cond delay="0"/>
+                                  </p:stCondLst>
+                                  <p:childTnLst>
+                                    <p:set>
+                                      <p:cBhvr>
+                                        <p:cTn id="30" dur="1" fill="hold">
+                                          <p:stCondLst>
+                                            <p:cond delay="0"/>
+                                          </p:stCondLst>
+                                        </p:cTn>
+                                        <p:tgtEl>
+                                          <p:spTgt spid="8"/>
+                                        </p:tgtEl>
+                                        <p:attrNameLst>
+                                          <p:attrName>style.visibility</p:attrName>
+                                        </p:attrNameLst>
+                                      </p:cBhvr>
+                                      <p:to>
+                                        <p:strVal val="visible"/>
+                                      </p:to>
+                                    </p:set>
+                                  </p:childTnLst>
+                                </p:cTn>
+                              </p:par>
+                            </p:childTnLst>
+                          </p:cTn>
+                        </p:par>
+                      </p:childTnLst>
+                    </p:cTn>
+                  </p:par>
+                  <p:par>
+                    <p:cTn id="31" fill="hold">
+                      <p:stCondLst>
+                        <p:cond delay="indefinite"/>
+                      </p:stCondLst>
+                      <p:childTnLst>
+                        <p:par>
+                          <p:cTn id="32" fill="hold">
+                            <p:stCondLst>
+                              <p:cond delay="0"/>
+                            </p:stCondLst>
+                            <p:childTnLst>
+                              <p:par>
+                                <p:cTn id="33" presetID="1" presetClass="entr" presetSubtype="0" fill="hold" grpId="0" nodeType="clickEffect">
+                                  <p:stCondLst>
+                                    <p:cond delay="0"/>
+                                  </p:stCondLst>
+                                  <p:childTnLst>
+                                    <p:set>
+                                      <p:cBhvr>
+                                        <p:cTn id="34" dur="1" fill="hold">
+                                          <p:stCondLst>
+                                            <p:cond delay="0"/>
+                                          </p:stCondLst>
+                                        </p:cTn>
+                                        <p:tgtEl>
+                                          <p:spTgt spid="10"/>
+                                        </p:tgtEl>
+                                        <p:attrNameLst>
+                                          <p:attrName>style.visibility</p:attrName>
+                                        </p:attrNameLst>
+                                      </p:cBhvr>
+                                      <p:to>
+                                        <p:strVal val="visible"/>
+                                      </p:to>
+                                    </p:set>
+                                  </p:childTnLst>
+                                </p:cTn>
+                              </p:par>
+                              <p:par>
+                                <p:cTn id="35" presetID="1" presetClass="entr" presetSubtype="0" fill="hold" nodeType="withEffect">
+                                  <p:stCondLst>
+                                    <p:cond delay="0"/>
+                                  </p:stCondLst>
+                                  <p:childTnLst>
+                                    <p:set>
+                                      <p:cBhvr>
+                                        <p:cTn id="36" dur="1" fill="hold">
+                                          <p:stCondLst>
+                                            <p:cond delay="0"/>
+                                          </p:stCondLst>
+                                        </p:cTn>
+                                        <p:tgtEl>
+                                          <p:spTgt spid="22"/>
+                                        </p:tgtEl>
+                                        <p:attrNameLst>
+                                          <p:attrName>style.visibility</p:attrName>
+                                        </p:attrNameLst>
+                                      </p:cBhvr>
+                                      <p:to>
+                                        <p:strVal val="visible"/>
+                                      </p:to>
+                                    </p:set>
+                                  </p:childTnLst>
+                                </p:cTn>
+                              </p:par>
+                              <p:par>
+                                <p:cTn id="37" presetID="1" presetClass="entr" presetSubtype="0" fill="hold" grpId="0" nodeType="withEffect">
+                                  <p:stCondLst>
+                                    <p:cond delay="0"/>
+                                  </p:stCondLst>
+                                  <p:childTnLst>
+                                    <p:set>
+                                      <p:cBhvr>
+                                        <p:cTn id="38" dur="1" fill="hold">
+                                          <p:stCondLst>
+                                            <p:cond delay="0"/>
+                                          </p:stCondLst>
+                                        </p:cTn>
+                                        <p:tgtEl>
+                                          <p:spTgt spid="17"/>
+                                        </p:tgtEl>
+                                        <p:attrNameLst>
+                                          <p:attrName>style.visibility</p:attrName>
+                                        </p:attrNameLst>
+                                      </p:cBhvr>
+                                      <p:to>
+                                        <p:strVal val="visible"/>
+                                      </p:to>
+                                    </p:set>
+                                  </p:childTnLst>
+                                </p:cTn>
+                              </p:par>
+                              <p:par>
+                                <p:cTn id="39" presetID="1" presetClass="entr" presetSubtype="0" fill="hold" nodeType="withEffect">
+                                  <p:stCondLst>
+                                    <p:cond delay="0"/>
+                                  </p:stCondLst>
+                                  <p:childTnLst>
+                                    <p:set>
+                                      <p:cBhvr>
+                                        <p:cTn id="40" dur="1" fill="hold">
+                                          <p:stCondLst>
+                                            <p:cond delay="0"/>
+                                          </p:stCondLst>
+                                        </p:cTn>
+                                        <p:tgtEl>
+                                          <p:spTgt spid="23"/>
+                                        </p:tgtEl>
+                                        <p:attrNameLst>
+                                          <p:attrName>style.visibility</p:attrName>
+                                        </p:attrNameLst>
+                                      </p:cBhvr>
+                                      <p:to>
+                                        <p:strVal val="visible"/>
+                                      </p:to>
+                                    </p:set>
+                                  </p:childTnLst>
+                                </p:cTn>
+                              </p:par>
+                            </p:childTnLst>
+                          </p:cTn>
+                        </p:par>
+                      </p:childTnLst>
+                    </p:cTn>
+                  </p:par>
+                  <p:par>
+                    <p:cTn id="41" fill="hold">
+                      <p:stCondLst>
+                        <p:cond delay="indefinite"/>
+                      </p:stCondLst>
+                      <p:childTnLst>
+                        <p:par>
+                          <p:cTn id="42" fill="hold">
+                            <p:stCondLst>
+                              <p:cond delay="0"/>
+                            </p:stCondLst>
+                            <p:childTnLst>
+                              <p:par>
+                                <p:cTn id="43" presetID="1" presetClass="entr" presetSubtype="0" fill="hold" grpId="0" nodeType="clickEffect">
+                                  <p:stCondLst>
+                                    <p:cond delay="0"/>
+                                  </p:stCondLst>
+                                  <p:childTnLst>
+                                    <p:set>
+                                      <p:cBhvr>
+                                        <p:cTn id="44" dur="1" fill="hold">
+                                          <p:stCondLst>
+                                            <p:cond delay="0"/>
+                                          </p:stCondLst>
+                                        </p:cTn>
+                                        <p:tgtEl>
+                                          <p:spTgt spid="11"/>
+                                        </p:tgtEl>
+                                        <p:attrNameLst>
+                                          <p:attrName>style.visibility</p:attrName>
+                                        </p:attrNameLst>
+                                      </p:cBhvr>
+                                      <p:to>
+                                        <p:strVal val="visible"/>
+                                      </p:to>
+                                    </p:set>
+                                  </p:childTnLst>
+                                </p:cTn>
+                              </p:par>
+                              <p:par>
+                                <p:cTn id="45" presetID="1" presetClass="entr" presetSubtype="0" fill="hold" nodeType="withEffect">
+                                  <p:stCondLst>
+                                    <p:cond delay="0"/>
+                                  </p:stCondLst>
+                                  <p:childTnLst>
+                                    <p:set>
+                                      <p:cBhvr>
+                                        <p:cTn id="46" dur="1" fill="hold">
+                                          <p:stCondLst>
+                                            <p:cond delay="0"/>
+                                          </p:stCondLst>
+                                        </p:cTn>
+                                        <p:tgtEl>
+                                          <p:spTgt spid="9"/>
+                                        </p:tgtEl>
+                                        <p:attrNameLst>
+                                          <p:attrName>style.visibility</p:attrName>
+                                        </p:attrNameLst>
+                                      </p:cBhvr>
+                                      <p:to>
+                                        <p:strVal val="visible"/>
+                                      </p:to>
+                                    </p:set>
+                                  </p:childTnLst>
+                                </p:cTn>
+                              </p:par>
+                              <p:par>
+                                <p:cTn id="47" presetID="1" presetClass="entr" presetSubtype="0" fill="hold" grpId="0" nodeType="withEffect">
+                                  <p:stCondLst>
+                                    <p:cond delay="0"/>
+                                  </p:stCondLst>
+                                  <p:childTnLst>
+                                    <p:set>
+                                      <p:cBhvr>
+                                        <p:cTn id="48" dur="1" fill="hold">
+                                          <p:stCondLst>
+                                            <p:cond delay="0"/>
+                                          </p:stCondLst>
+                                        </p:cTn>
+                                        <p:tgtEl>
+                                          <p:spTgt spid="15"/>
+                                        </p:tgtEl>
+                                        <p:attrNameLst>
+                                          <p:attrName>style.visibility</p:attrName>
+                                        </p:attrNameLst>
+                                      </p:cBhvr>
+                                      <p:to>
+                                        <p:strVal val="visible"/>
+                                      </p:to>
+                                    </p:set>
+                                  </p:childTnLst>
+                                </p:cTn>
+                              </p:par>
+                              <p:par>
+                                <p:cTn id="49" presetID="1" presetClass="entr" presetSubtype="0" fill="hold" nodeType="withEffect">
+                                  <p:stCondLst>
+                                    <p:cond delay="0"/>
+                                  </p:stCondLst>
+                                  <p:childTnLst>
+                                    <p:set>
+                                      <p:cBhvr>
+                                        <p:cTn id="50" dur="1" fill="hold">
+                                          <p:stCondLst>
+                                            <p:cond delay="0"/>
+                                          </p:stCondLst>
+                                        </p:cTn>
+                                        <p:tgtEl>
+                                          <p:spTgt spid="16"/>
+                                        </p:tgtEl>
+                                        <p:attrNameLst>
+                                          <p:attrName>style.visibility</p:attrName>
+                                        </p:attrNameLst>
+                                      </p:cBhvr>
+                                      <p:to>
+                                        <p:strVal val="visible"/>
+                                      </p:to>
+                                    </p:set>
+                                  </p:childTnLst>
+                                </p:cTn>
+                              </p:par>
+                            </p:childTnLst>
+                          </p:cTn>
+                        </p:par>
+                      </p:childTnLst>
+                    </p:cTn>
+                  </p:par>
+                </p:childTnLst>
+              </p:cTn>
+              <p:prevCondLst>
+                <p:cond evt="onPrev" delay="0">
+                  <p:tgtEl>
+                    <p:sldTgt/>
+                  </p:tgtEl>
+                </p:cond>
+              </p:prevCondLst>
+              <p:nextCondLst>
+                <p:cond evt="onNext" delay="0">
+                  <p:tgtEl>
+                    <p:sldTgt/>
+                  </p:tgtEl>
+                </p:cond>
+              </p:nextCondLst>
+            </p:seq>
+          </p:childTnLst>
+        </p:cTn>
+      </p:par>
+    </p:tnLst>
+    <p:bldLst>
+      <p:bldP spid="7" grpId="0" animBg="1"/>
+      <p:bldP spid="8" grpId="0" animBg="1"/>
+      <p:bldP spid="10" grpId="0"/>
+      <p:bldP spid="11" grpId="0"/>
+      <p:bldP spid="12" grpId="0" animBg="1"/>
+      <p:bldP spid="13" grpId="0" animBg="1"/>
+      <p:bldP spid="14" grpId="0" animBg="1"/>
+      <p:bldP spid="15" grpId="0" animBg="1"/>
+      <p:bldP spid="17" grpId="0" animBg="1"/>
+    </p:bldLst>
+  </p:timing>
+</p:sld>
+</file>
+
+<file path=ppt/slides/slide18.xml><?xml version="1.0" encoding="utf-8"?>
+<p:sld xmlns:a="http://schemas.openxmlformats.org/drawingml/2006/main" xmlns:r="http://schemas.openxmlformats.org/officeDocument/2006/relationships" xmlns:p="http://schemas.openxmlformats.org/presentationml/2006/main">
+  <p:cSld>
+    <p:spTree>
+      <p:nvGrpSpPr>
+        <p:cNvPr id="1" name=""/>
+        <p:cNvGrpSpPr/>
+        <p:nvPr/>
+      </p:nvGrpSpPr>
+      <p:grpSpPr>
+        <a:xfrm>
+          <a:off x="0" y="0"/>
+          <a:ext cx="0" cy="0"/>
+          <a:chOff x="0" y="0"/>
+          <a:chExt cx="0" cy="0"/>
+        </a:xfrm>
+      </p:grpSpPr>
+      <p:sp>
+        <p:nvSpPr>
+          <p:cNvPr id="2" name="標題 1"/>
+          <p:cNvSpPr>
+            <a:spLocks noGrp="1"/>
+          </p:cNvSpPr>
+          <p:nvPr>
+            <p:ph type="title"/>
+          </p:nvPr>
+        </p:nvSpPr>
+        <p:spPr/>
+        <p:txBody>
+          <a:bodyPr/>
+          <a:lstStyle/>
+          <a:p>
+            <a:r>
+              <a:rPr lang="zh-TW" altLang="en-US" dirty="0" smtClean="0"/>
+              <a:t>小技巧提示</a:t>
+            </a:r>
+            <a:endParaRPr lang="zh-TW" altLang="en-US" dirty="0"/>
+          </a:p>
+        </p:txBody>
+      </p:sp>
+      <p:sp>
+        <p:nvSpPr>
+          <p:cNvPr id="4" name="矩形 3"/>
+          <p:cNvSpPr/>
+          <p:nvPr/>
+        </p:nvSpPr>
+        <p:spPr>
+          <a:xfrm>
+            <a:off x="785091" y="1693222"/>
+            <a:ext cx="9809018" cy="3139321"/>
+          </a:xfrm>
+          <a:prstGeom prst="rect">
+            <a:avLst/>
+          </a:prstGeom>
+          <a:solidFill>
+            <a:schemeClr val="tx1">
+              <a:lumMod val="85000"/>
+              <a:lumOff val="15000"/>
+            </a:schemeClr>
+          </a:solidFill>
+        </p:spPr>
+        <p:txBody>
+          <a:bodyPr wrap="square">
+            <a:spAutoFit/>
+          </a:bodyPr>
+          <a:lstStyle/>
+          <a:p>
+            <a:r>
+              <a:rPr lang="en-US" altLang="zh-TW" dirty="0">
+                <a:solidFill>
+                  <a:srgbClr val="CC6C1D"/>
+                </a:solidFill>
+                <a:latin typeface="Consolas" panose="020B0609020204030204" pitchFamily="49" charset="0"/>
+              </a:rPr>
+              <a:t>private</a:t>
+            </a:r>
+            <a:r>
+              <a:rPr lang="en-US" altLang="zh-TW" dirty="0">
+                <a:solidFill>
+                  <a:srgbClr val="D9E8F7"/>
+                </a:solidFill>
+                <a:latin typeface="Consolas" panose="020B0609020204030204" pitchFamily="49" charset="0"/>
+              </a:rPr>
+              <a:t> </a:t>
+            </a:r>
+            <a:r>
+              <a:rPr lang="en-US" altLang="zh-TW" dirty="0">
+                <a:solidFill>
+                  <a:srgbClr val="CC6C1D"/>
+                </a:solidFill>
+                <a:latin typeface="Consolas" panose="020B0609020204030204" pitchFamily="49" charset="0"/>
+              </a:rPr>
+              <a:t>static</a:t>
+            </a:r>
+            <a:r>
+              <a:rPr lang="en-US" altLang="zh-TW" dirty="0">
+                <a:solidFill>
+                  <a:srgbClr val="D9E8F7"/>
+                </a:solidFill>
+                <a:latin typeface="Consolas" panose="020B0609020204030204" pitchFamily="49" charset="0"/>
+              </a:rPr>
+              <a:t> </a:t>
+            </a:r>
+            <a:r>
+              <a:rPr lang="en-US" altLang="zh-TW" dirty="0" err="1">
+                <a:solidFill>
+                  <a:srgbClr val="CC6C1D"/>
+                </a:solidFill>
+                <a:latin typeface="Consolas" panose="020B0609020204030204" pitchFamily="49" charset="0"/>
+              </a:rPr>
+              <a:t>int</a:t>
+            </a:r>
+            <a:r>
+              <a:rPr lang="en-US" altLang="zh-TW" dirty="0">
+                <a:solidFill>
+                  <a:srgbClr val="F9FAF4"/>
+                </a:solidFill>
+                <a:latin typeface="Consolas" panose="020B0609020204030204" pitchFamily="49" charset="0"/>
+              </a:rPr>
+              <a:t>[]</a:t>
+            </a:r>
+            <a:r>
+              <a:rPr lang="en-US" altLang="zh-TW" dirty="0">
+                <a:solidFill>
+                  <a:srgbClr val="D9E8F7"/>
+                </a:solidFill>
+                <a:latin typeface="Consolas" panose="020B0609020204030204" pitchFamily="49" charset="0"/>
+              </a:rPr>
+              <a:t> </a:t>
+            </a:r>
+            <a:r>
+              <a:rPr lang="en-US" altLang="zh-TW" i="1" dirty="0">
+                <a:solidFill>
+                  <a:srgbClr val="8DDAF8"/>
+                </a:solidFill>
+                <a:latin typeface="Consolas" panose="020B0609020204030204" pitchFamily="49" charset="0"/>
+              </a:rPr>
+              <a:t>numbers</a:t>
+            </a:r>
+            <a:r>
+              <a:rPr lang="en-US" altLang="zh-TW" i="1" dirty="0">
+                <a:solidFill>
+                  <a:srgbClr val="D9E8F7"/>
+                </a:solidFill>
+                <a:latin typeface="Consolas" panose="020B0609020204030204" pitchFamily="49" charset="0"/>
+              </a:rPr>
+              <a:t> </a:t>
+            </a:r>
+            <a:r>
+              <a:rPr lang="en-US" altLang="zh-TW" i="1" dirty="0">
+                <a:solidFill>
+                  <a:srgbClr val="E6E6FA"/>
+                </a:solidFill>
+                <a:latin typeface="Consolas" panose="020B0609020204030204" pitchFamily="49" charset="0"/>
+              </a:rPr>
+              <a:t>=</a:t>
+            </a:r>
+            <a:r>
+              <a:rPr lang="en-US" altLang="zh-TW" i="1" dirty="0">
+                <a:solidFill>
+                  <a:srgbClr val="D9E8F7"/>
+                </a:solidFill>
+                <a:latin typeface="Consolas" panose="020B0609020204030204" pitchFamily="49" charset="0"/>
+              </a:rPr>
+              <a:t> </a:t>
+            </a:r>
+            <a:r>
+              <a:rPr lang="en-US" altLang="zh-TW" i="1" dirty="0">
+                <a:solidFill>
+                  <a:srgbClr val="CC6C1D"/>
+                </a:solidFill>
+                <a:latin typeface="Consolas" panose="020B0609020204030204" pitchFamily="49" charset="0"/>
+              </a:rPr>
+              <a:t>new</a:t>
+            </a:r>
+            <a:r>
+              <a:rPr lang="en-US" altLang="zh-TW" i="1" dirty="0">
+                <a:solidFill>
+                  <a:srgbClr val="D9E8F7"/>
+                </a:solidFill>
+                <a:latin typeface="Consolas" panose="020B0609020204030204" pitchFamily="49" charset="0"/>
+              </a:rPr>
+              <a:t> </a:t>
+            </a:r>
+            <a:r>
+              <a:rPr lang="en-US" altLang="zh-TW" i="1" dirty="0" err="1">
+                <a:solidFill>
+                  <a:srgbClr val="CC6C1D"/>
+                </a:solidFill>
+                <a:latin typeface="Consolas" panose="020B0609020204030204" pitchFamily="49" charset="0"/>
+              </a:rPr>
+              <a:t>int</a:t>
+            </a:r>
+            <a:r>
+              <a:rPr lang="en-US" altLang="zh-TW" i="1" dirty="0">
+                <a:solidFill>
+                  <a:srgbClr val="F9FAF4"/>
+                </a:solidFill>
+                <a:latin typeface="Consolas" panose="020B0609020204030204" pitchFamily="49" charset="0"/>
+              </a:rPr>
+              <a:t>[]</a:t>
+            </a:r>
+            <a:r>
+              <a:rPr lang="en-US" altLang="zh-TW" i="1" dirty="0">
+                <a:solidFill>
+                  <a:srgbClr val="D9E8F7"/>
+                </a:solidFill>
+                <a:latin typeface="Consolas" panose="020B0609020204030204" pitchFamily="49" charset="0"/>
+              </a:rPr>
+              <a:t> </a:t>
+            </a:r>
+            <a:r>
+              <a:rPr lang="en-US" altLang="zh-TW" i="1" dirty="0">
+                <a:solidFill>
+                  <a:srgbClr val="F9FAF4"/>
+                </a:solidFill>
+                <a:latin typeface="Consolas" panose="020B0609020204030204" pitchFamily="49" charset="0"/>
+              </a:rPr>
+              <a:t>{</a:t>
+            </a:r>
+            <a:r>
+              <a:rPr lang="en-US" altLang="zh-TW" i="1" dirty="0">
+                <a:solidFill>
+                  <a:srgbClr val="6897BB"/>
+                </a:solidFill>
+                <a:latin typeface="Consolas" panose="020B0609020204030204" pitchFamily="49" charset="0"/>
+              </a:rPr>
+              <a:t>7</a:t>
+            </a:r>
+            <a:r>
+              <a:rPr lang="en-US" altLang="zh-TW" i="1" dirty="0">
+                <a:solidFill>
+                  <a:srgbClr val="E6E6FA"/>
+                </a:solidFill>
+                <a:latin typeface="Consolas" panose="020B0609020204030204" pitchFamily="49" charset="0"/>
+              </a:rPr>
+              <a:t>,</a:t>
+            </a:r>
+            <a:r>
+              <a:rPr lang="en-US" altLang="zh-TW" i="1" dirty="0">
+                <a:solidFill>
+                  <a:srgbClr val="6897BB"/>
+                </a:solidFill>
+                <a:latin typeface="Consolas" panose="020B0609020204030204" pitchFamily="49" charset="0"/>
+              </a:rPr>
+              <a:t>1</a:t>
+            </a:r>
+            <a:r>
+              <a:rPr lang="en-US" altLang="zh-TW" i="1" dirty="0">
+                <a:solidFill>
+                  <a:srgbClr val="E6E6FA"/>
+                </a:solidFill>
+                <a:latin typeface="Consolas" panose="020B0609020204030204" pitchFamily="49" charset="0"/>
+              </a:rPr>
+              <a:t>,</a:t>
+            </a:r>
+            <a:r>
+              <a:rPr lang="en-US" altLang="zh-TW" i="1" dirty="0">
+                <a:solidFill>
+                  <a:srgbClr val="6897BB"/>
+                </a:solidFill>
+                <a:latin typeface="Consolas" panose="020B0609020204030204" pitchFamily="49" charset="0"/>
+              </a:rPr>
+              <a:t>2</a:t>
+            </a:r>
+            <a:r>
+              <a:rPr lang="en-US" altLang="zh-TW" i="1" dirty="0">
+                <a:solidFill>
+                  <a:srgbClr val="E6E6FA"/>
+                </a:solidFill>
+                <a:latin typeface="Consolas" panose="020B0609020204030204" pitchFamily="49" charset="0"/>
+              </a:rPr>
+              <a:t>,</a:t>
+            </a:r>
+            <a:r>
+              <a:rPr lang="en-US" altLang="zh-TW" i="1" dirty="0">
+                <a:solidFill>
+                  <a:srgbClr val="6897BB"/>
+                </a:solidFill>
+                <a:latin typeface="Consolas" panose="020B0609020204030204" pitchFamily="49" charset="0"/>
+              </a:rPr>
+              <a:t>3</a:t>
+            </a:r>
+            <a:r>
+              <a:rPr lang="en-US" altLang="zh-TW" i="1" dirty="0">
+                <a:solidFill>
+                  <a:srgbClr val="E6E6FA"/>
+                </a:solidFill>
+                <a:latin typeface="Consolas" panose="020B0609020204030204" pitchFamily="49" charset="0"/>
+              </a:rPr>
+              <a:t>,</a:t>
+            </a:r>
+            <a:r>
+              <a:rPr lang="en-US" altLang="zh-TW" i="1" dirty="0">
+                <a:solidFill>
+                  <a:srgbClr val="6897BB"/>
+                </a:solidFill>
+                <a:latin typeface="Consolas" panose="020B0609020204030204" pitchFamily="49" charset="0"/>
+              </a:rPr>
+              <a:t>4</a:t>
+            </a:r>
+            <a:r>
+              <a:rPr lang="en-US" altLang="zh-TW" i="1" dirty="0">
+                <a:solidFill>
+                  <a:srgbClr val="E6E6FA"/>
+                </a:solidFill>
+                <a:latin typeface="Consolas" panose="020B0609020204030204" pitchFamily="49" charset="0"/>
+              </a:rPr>
+              <a:t>,</a:t>
+            </a:r>
+            <a:r>
+              <a:rPr lang="en-US" altLang="zh-TW" i="1" dirty="0">
+                <a:solidFill>
+                  <a:srgbClr val="6897BB"/>
+                </a:solidFill>
+                <a:latin typeface="Consolas" panose="020B0609020204030204" pitchFamily="49" charset="0"/>
+              </a:rPr>
+              <a:t>5</a:t>
+            </a:r>
+            <a:r>
+              <a:rPr lang="en-US" altLang="zh-TW" i="1" dirty="0">
+                <a:solidFill>
+                  <a:srgbClr val="E6E6FA"/>
+                </a:solidFill>
+                <a:latin typeface="Consolas" panose="020B0609020204030204" pitchFamily="49" charset="0"/>
+              </a:rPr>
+              <a:t>,</a:t>
+            </a:r>
+            <a:r>
+              <a:rPr lang="en-US" altLang="zh-TW" i="1" dirty="0">
+                <a:solidFill>
+                  <a:srgbClr val="6897BB"/>
+                </a:solidFill>
+                <a:latin typeface="Consolas" panose="020B0609020204030204" pitchFamily="49" charset="0"/>
+              </a:rPr>
+              <a:t>6</a:t>
+            </a:r>
+            <a:r>
+              <a:rPr lang="en-US" altLang="zh-TW" i="1" dirty="0">
+                <a:solidFill>
+                  <a:srgbClr val="E6E6FA"/>
+                </a:solidFill>
+                <a:latin typeface="Consolas" panose="020B0609020204030204" pitchFamily="49" charset="0"/>
+              </a:rPr>
+              <a:t>,</a:t>
+            </a:r>
+            <a:r>
+              <a:rPr lang="en-US" altLang="zh-TW" i="1" dirty="0">
+                <a:solidFill>
+                  <a:srgbClr val="6897BB"/>
+                </a:solidFill>
+                <a:latin typeface="Consolas" panose="020B0609020204030204" pitchFamily="49" charset="0"/>
+              </a:rPr>
+              <a:t>8</a:t>
+            </a:r>
+            <a:r>
+              <a:rPr lang="en-US" altLang="zh-TW" i="1" dirty="0">
+                <a:solidFill>
+                  <a:srgbClr val="E6E6FA"/>
+                </a:solidFill>
+                <a:latin typeface="Consolas" panose="020B0609020204030204" pitchFamily="49" charset="0"/>
+              </a:rPr>
+              <a:t>,</a:t>
+            </a:r>
+            <a:r>
+              <a:rPr lang="en-US" altLang="zh-TW" i="1" dirty="0">
+                <a:solidFill>
+                  <a:srgbClr val="6897BB"/>
+                </a:solidFill>
+                <a:latin typeface="Consolas" panose="020B0609020204030204" pitchFamily="49" charset="0"/>
+              </a:rPr>
+              <a:t>9</a:t>
+            </a:r>
+            <a:r>
+              <a:rPr lang="en-US" altLang="zh-TW" i="1" dirty="0">
+                <a:solidFill>
+                  <a:srgbClr val="E6E6FA"/>
+                </a:solidFill>
+                <a:latin typeface="Consolas" panose="020B0609020204030204" pitchFamily="49" charset="0"/>
+              </a:rPr>
+              <a:t>,</a:t>
+            </a:r>
+            <a:r>
+              <a:rPr lang="en-US" altLang="zh-TW" i="1" dirty="0">
+                <a:solidFill>
+                  <a:srgbClr val="6897BB"/>
+                </a:solidFill>
+                <a:latin typeface="Consolas" panose="020B0609020204030204" pitchFamily="49" charset="0"/>
+              </a:rPr>
+              <a:t>10</a:t>
+            </a:r>
+            <a:r>
+              <a:rPr lang="en-US" altLang="zh-TW" i="1" dirty="0">
+                <a:solidFill>
+                  <a:srgbClr val="E6E6FA"/>
+                </a:solidFill>
+                <a:latin typeface="Consolas" panose="020B0609020204030204" pitchFamily="49" charset="0"/>
+              </a:rPr>
+              <a:t>,</a:t>
+            </a:r>
+            <a:r>
+              <a:rPr lang="en-US" altLang="zh-TW" i="1" dirty="0">
+                <a:solidFill>
+                  <a:srgbClr val="6897BB"/>
+                </a:solidFill>
+                <a:latin typeface="Consolas" panose="020B0609020204030204" pitchFamily="49" charset="0"/>
+              </a:rPr>
+              <a:t>11</a:t>
+            </a:r>
+            <a:r>
+              <a:rPr lang="en-US" altLang="zh-TW" i="1" dirty="0">
+                <a:solidFill>
+                  <a:srgbClr val="E6E6FA"/>
+                </a:solidFill>
+                <a:latin typeface="Consolas" panose="020B0609020204030204" pitchFamily="49" charset="0"/>
+              </a:rPr>
+              <a:t>,</a:t>
+            </a:r>
+            <a:r>
+              <a:rPr lang="en-US" altLang="zh-TW" i="1" dirty="0">
+                <a:solidFill>
+                  <a:srgbClr val="6897BB"/>
+                </a:solidFill>
+                <a:latin typeface="Consolas" panose="020B0609020204030204" pitchFamily="49" charset="0"/>
+              </a:rPr>
+              <a:t>12</a:t>
+            </a:r>
+            <a:r>
+              <a:rPr lang="en-US" altLang="zh-TW" i="1" dirty="0">
+                <a:solidFill>
+                  <a:srgbClr val="E6E6FA"/>
+                </a:solidFill>
+                <a:latin typeface="Consolas" panose="020B0609020204030204" pitchFamily="49" charset="0"/>
+              </a:rPr>
+              <a:t>,</a:t>
+            </a:r>
+            <a:r>
+              <a:rPr lang="en-US" altLang="zh-TW" i="1" dirty="0">
+                <a:solidFill>
+                  <a:srgbClr val="6897BB"/>
+                </a:solidFill>
+                <a:latin typeface="Consolas" panose="020B0609020204030204" pitchFamily="49" charset="0"/>
+              </a:rPr>
+              <a:t>13</a:t>
+            </a:r>
+            <a:r>
+              <a:rPr lang="en-US" altLang="zh-TW" i="1" dirty="0">
+                <a:solidFill>
+                  <a:srgbClr val="F9FAF4"/>
+                </a:solidFill>
+                <a:latin typeface="Consolas" panose="020B0609020204030204" pitchFamily="49" charset="0"/>
+              </a:rPr>
+              <a:t>}</a:t>
+            </a:r>
+            <a:r>
+              <a:rPr lang="en-US" altLang="zh-TW" i="1" dirty="0">
+                <a:solidFill>
+                  <a:srgbClr val="E6E6FA"/>
+                </a:solidFill>
+                <a:latin typeface="Consolas" panose="020B0609020204030204" pitchFamily="49" charset="0"/>
+              </a:rPr>
+              <a:t>;</a:t>
+            </a:r>
+          </a:p>
+          <a:p>
+            <a:endParaRPr lang="zh-TW" altLang="en-US" dirty="0">
+              <a:latin typeface="Consolas" panose="020B0609020204030204" pitchFamily="49" charset="0"/>
+            </a:endParaRPr>
+          </a:p>
+          <a:p>
+            <a:r>
+              <a:rPr lang="en-US" altLang="zh-TW" dirty="0">
+                <a:solidFill>
+                  <a:srgbClr val="CC6C1D"/>
+                </a:solidFill>
+                <a:latin typeface="Consolas" panose="020B0609020204030204" pitchFamily="49" charset="0"/>
+              </a:rPr>
+              <a:t>private</a:t>
+            </a:r>
+            <a:r>
+              <a:rPr lang="en-US" altLang="zh-TW" dirty="0">
+                <a:solidFill>
+                  <a:srgbClr val="D9E8F7"/>
+                </a:solidFill>
+                <a:latin typeface="Consolas" panose="020B0609020204030204" pitchFamily="49" charset="0"/>
+              </a:rPr>
+              <a:t> </a:t>
+            </a:r>
+            <a:r>
+              <a:rPr lang="en-US" altLang="zh-TW" dirty="0">
+                <a:solidFill>
+                  <a:srgbClr val="CC6C1D"/>
+                </a:solidFill>
+                <a:latin typeface="Consolas" panose="020B0609020204030204" pitchFamily="49" charset="0"/>
+              </a:rPr>
+              <a:t>static</a:t>
+            </a:r>
+            <a:r>
+              <a:rPr lang="en-US" altLang="zh-TW" dirty="0">
+                <a:solidFill>
+                  <a:srgbClr val="D9E8F7"/>
+                </a:solidFill>
+                <a:latin typeface="Consolas" panose="020B0609020204030204" pitchFamily="49" charset="0"/>
+              </a:rPr>
+              <a:t> </a:t>
+            </a:r>
+            <a:r>
+              <a:rPr lang="en-US" altLang="zh-TW" dirty="0">
+                <a:solidFill>
+                  <a:srgbClr val="CC6C1D"/>
+                </a:solidFill>
+                <a:latin typeface="Consolas" panose="020B0609020204030204" pitchFamily="49" charset="0"/>
+              </a:rPr>
+              <a:t>void</a:t>
+            </a:r>
+            <a:r>
+              <a:rPr lang="en-US" altLang="zh-TW" dirty="0">
+                <a:solidFill>
+                  <a:srgbClr val="D9E8F7"/>
+                </a:solidFill>
+                <a:latin typeface="Consolas" panose="020B0609020204030204" pitchFamily="49" charset="0"/>
+              </a:rPr>
+              <a:t> </a:t>
+            </a:r>
+            <a:r>
+              <a:rPr lang="en-US" altLang="zh-TW" dirty="0" err="1">
+                <a:solidFill>
+                  <a:srgbClr val="1EB540"/>
+                </a:solidFill>
+                <a:latin typeface="Consolas" panose="020B0609020204030204" pitchFamily="49" charset="0"/>
+              </a:rPr>
+              <a:t>GetNumber</a:t>
+            </a:r>
+            <a:r>
+              <a:rPr lang="en-US" altLang="zh-TW" dirty="0">
+                <a:solidFill>
+                  <a:srgbClr val="F9FAF4"/>
+                </a:solidFill>
+                <a:latin typeface="Consolas" panose="020B0609020204030204" pitchFamily="49" charset="0"/>
+              </a:rPr>
+              <a:t>()</a:t>
+            </a:r>
+            <a:r>
+              <a:rPr lang="en-US" altLang="zh-TW" dirty="0">
+                <a:solidFill>
+                  <a:srgbClr val="D9E8F7"/>
+                </a:solidFill>
+                <a:latin typeface="Consolas" panose="020B0609020204030204" pitchFamily="49" charset="0"/>
+              </a:rPr>
+              <a:t> </a:t>
+            </a:r>
+            <a:r>
+              <a:rPr lang="en-US" altLang="zh-TW" dirty="0">
+                <a:solidFill>
+                  <a:srgbClr val="F9FAF4"/>
+                </a:solidFill>
+                <a:latin typeface="Consolas" panose="020B0609020204030204" pitchFamily="49" charset="0"/>
+              </a:rPr>
+              <a:t>{</a:t>
+            </a:r>
+          </a:p>
+          <a:p>
+            <a:r>
+              <a:rPr lang="nn-NO" altLang="zh-TW" dirty="0" smtClean="0">
+                <a:solidFill>
+                  <a:srgbClr val="CC6C1D"/>
+                </a:solidFill>
+                <a:latin typeface="Consolas" panose="020B0609020204030204" pitchFamily="49" charset="0"/>
+              </a:rPr>
+              <a:t>	for</a:t>
+            </a:r>
+            <a:r>
+              <a:rPr lang="nn-NO" altLang="zh-TW" dirty="0" smtClean="0">
+                <a:solidFill>
+                  <a:srgbClr val="F9FAF4"/>
+                </a:solidFill>
+                <a:latin typeface="Consolas" panose="020B0609020204030204" pitchFamily="49" charset="0"/>
+              </a:rPr>
+              <a:t>(</a:t>
+            </a:r>
+            <a:r>
+              <a:rPr lang="nn-NO" altLang="zh-TW" dirty="0" smtClean="0">
+                <a:solidFill>
+                  <a:srgbClr val="CC6C1D"/>
+                </a:solidFill>
+                <a:latin typeface="Consolas" panose="020B0609020204030204" pitchFamily="49" charset="0"/>
+              </a:rPr>
+              <a:t>int</a:t>
+            </a:r>
+            <a:r>
+              <a:rPr lang="nn-NO" altLang="zh-TW" dirty="0" smtClean="0">
+                <a:solidFill>
+                  <a:srgbClr val="D9E8F7"/>
+                </a:solidFill>
+                <a:latin typeface="Consolas" panose="020B0609020204030204" pitchFamily="49" charset="0"/>
+              </a:rPr>
+              <a:t> </a:t>
+            </a:r>
+            <a:r>
+              <a:rPr lang="nn-NO" altLang="zh-TW" dirty="0">
+                <a:solidFill>
+                  <a:srgbClr val="F2F200"/>
+                </a:solidFill>
+                <a:latin typeface="Consolas" panose="020B0609020204030204" pitchFamily="49" charset="0"/>
+              </a:rPr>
+              <a:t>i</a:t>
+            </a:r>
+            <a:r>
+              <a:rPr lang="nn-NO" altLang="zh-TW" dirty="0">
+                <a:solidFill>
+                  <a:srgbClr val="D9E8F7"/>
+                </a:solidFill>
+                <a:latin typeface="Consolas" panose="020B0609020204030204" pitchFamily="49" charset="0"/>
+              </a:rPr>
+              <a:t> </a:t>
+            </a:r>
+            <a:r>
+              <a:rPr lang="nn-NO" altLang="zh-TW" dirty="0">
+                <a:solidFill>
+                  <a:srgbClr val="E6E6FA"/>
+                </a:solidFill>
+                <a:latin typeface="Consolas" panose="020B0609020204030204" pitchFamily="49" charset="0"/>
+              </a:rPr>
+              <a:t>=</a:t>
+            </a:r>
+            <a:r>
+              <a:rPr lang="nn-NO" altLang="zh-TW" dirty="0">
+                <a:solidFill>
+                  <a:srgbClr val="D9E8F7"/>
+                </a:solidFill>
+                <a:latin typeface="Consolas" panose="020B0609020204030204" pitchFamily="49" charset="0"/>
+              </a:rPr>
+              <a:t> </a:t>
+            </a:r>
+            <a:r>
+              <a:rPr lang="nn-NO" altLang="zh-TW" dirty="0">
+                <a:solidFill>
+                  <a:srgbClr val="6897BB"/>
+                </a:solidFill>
+                <a:latin typeface="Consolas" panose="020B0609020204030204" pitchFamily="49" charset="0"/>
+              </a:rPr>
+              <a:t>0</a:t>
+            </a:r>
+            <a:r>
+              <a:rPr lang="nn-NO" altLang="zh-TW" dirty="0">
+                <a:solidFill>
+                  <a:srgbClr val="E6E6FA"/>
+                </a:solidFill>
+                <a:latin typeface="Consolas" panose="020B0609020204030204" pitchFamily="49" charset="0"/>
+              </a:rPr>
+              <a:t>;</a:t>
+            </a:r>
+            <a:r>
+              <a:rPr lang="nn-NO" altLang="zh-TW" dirty="0">
+                <a:solidFill>
+                  <a:srgbClr val="D9E8F7"/>
+                </a:solidFill>
+                <a:latin typeface="Consolas" panose="020B0609020204030204" pitchFamily="49" charset="0"/>
+              </a:rPr>
+              <a:t> </a:t>
+            </a:r>
+            <a:r>
+              <a:rPr lang="nn-NO" altLang="zh-TW" dirty="0">
+                <a:solidFill>
+                  <a:srgbClr val="F3EC79"/>
+                </a:solidFill>
+                <a:latin typeface="Consolas" panose="020B0609020204030204" pitchFamily="49" charset="0"/>
+              </a:rPr>
+              <a:t>i</a:t>
+            </a:r>
+            <a:r>
+              <a:rPr lang="nn-NO" altLang="zh-TW" dirty="0">
+                <a:solidFill>
+                  <a:srgbClr val="D9E8F7"/>
+                </a:solidFill>
+                <a:latin typeface="Consolas" panose="020B0609020204030204" pitchFamily="49" charset="0"/>
+              </a:rPr>
+              <a:t> </a:t>
+            </a:r>
+            <a:r>
+              <a:rPr lang="nn-NO" altLang="zh-TW" dirty="0">
+                <a:solidFill>
+                  <a:srgbClr val="E6E6FA"/>
+                </a:solidFill>
+                <a:latin typeface="Consolas" panose="020B0609020204030204" pitchFamily="49" charset="0"/>
+              </a:rPr>
+              <a:t>&lt;</a:t>
+            </a:r>
+            <a:r>
+              <a:rPr lang="nn-NO" altLang="zh-TW" dirty="0">
+                <a:solidFill>
+                  <a:srgbClr val="D9E8F7"/>
+                </a:solidFill>
+                <a:latin typeface="Consolas" panose="020B0609020204030204" pitchFamily="49" charset="0"/>
+              </a:rPr>
+              <a:t> </a:t>
+            </a:r>
+            <a:r>
+              <a:rPr lang="nn-NO" altLang="zh-TW" dirty="0">
+                <a:solidFill>
+                  <a:srgbClr val="6897BB"/>
+                </a:solidFill>
+                <a:latin typeface="Consolas" panose="020B0609020204030204" pitchFamily="49" charset="0"/>
+              </a:rPr>
+              <a:t>1000</a:t>
+            </a:r>
+            <a:r>
+              <a:rPr lang="nn-NO" altLang="zh-TW" dirty="0">
+                <a:solidFill>
+                  <a:srgbClr val="E6E6FA"/>
+                </a:solidFill>
+                <a:latin typeface="Consolas" panose="020B0609020204030204" pitchFamily="49" charset="0"/>
+              </a:rPr>
+              <a:t>;</a:t>
+            </a:r>
+            <a:r>
+              <a:rPr lang="nn-NO" altLang="zh-TW" dirty="0">
+                <a:solidFill>
+                  <a:srgbClr val="D9E8F7"/>
+                </a:solidFill>
+                <a:latin typeface="Consolas" panose="020B0609020204030204" pitchFamily="49" charset="0"/>
+              </a:rPr>
+              <a:t> </a:t>
+            </a:r>
+            <a:r>
+              <a:rPr lang="nn-NO" altLang="zh-TW" dirty="0">
+                <a:solidFill>
+                  <a:srgbClr val="F3EC79"/>
+                </a:solidFill>
+                <a:latin typeface="Consolas" panose="020B0609020204030204" pitchFamily="49" charset="0"/>
+              </a:rPr>
+              <a:t>i</a:t>
+            </a:r>
+            <a:r>
+              <a:rPr lang="nn-NO" altLang="zh-TW" dirty="0">
+                <a:solidFill>
+                  <a:srgbClr val="E6E6FA"/>
+                </a:solidFill>
+                <a:latin typeface="Consolas" panose="020B0609020204030204" pitchFamily="49" charset="0"/>
+              </a:rPr>
+              <a:t>++</a:t>
+            </a:r>
+            <a:r>
+              <a:rPr lang="nn-NO" altLang="zh-TW" dirty="0">
+                <a:solidFill>
+                  <a:srgbClr val="F9FAF4"/>
+                </a:solidFill>
+                <a:latin typeface="Consolas" panose="020B0609020204030204" pitchFamily="49" charset="0"/>
+              </a:rPr>
+              <a:t>)</a:t>
+            </a:r>
+            <a:r>
+              <a:rPr lang="nn-NO" altLang="zh-TW" dirty="0">
+                <a:solidFill>
+                  <a:srgbClr val="D9E8F7"/>
+                </a:solidFill>
+                <a:latin typeface="Consolas" panose="020B0609020204030204" pitchFamily="49" charset="0"/>
+              </a:rPr>
+              <a:t> </a:t>
+            </a:r>
+            <a:r>
+              <a:rPr lang="nn-NO" altLang="zh-TW" dirty="0">
+                <a:solidFill>
+                  <a:srgbClr val="F9FAF4"/>
+                </a:solidFill>
+                <a:latin typeface="Consolas" panose="020B0609020204030204" pitchFamily="49" charset="0"/>
+              </a:rPr>
+              <a:t>{</a:t>
+            </a:r>
+          </a:p>
+          <a:p>
+            <a:r>
+              <a:rPr lang="en-US" altLang="zh-TW" dirty="0" smtClean="0">
+                <a:solidFill>
+                  <a:srgbClr val="CC6C1D"/>
+                </a:solidFill>
+                <a:latin typeface="Consolas" panose="020B0609020204030204" pitchFamily="49" charset="0"/>
+              </a:rPr>
+              <a:t>		</a:t>
+            </a:r>
+            <a:r>
+              <a:rPr lang="en-US" altLang="zh-TW" dirty="0" err="1" smtClean="0">
+                <a:solidFill>
+                  <a:srgbClr val="CC6C1D"/>
+                </a:solidFill>
+                <a:latin typeface="Consolas" panose="020B0609020204030204" pitchFamily="49" charset="0"/>
+              </a:rPr>
+              <a:t>int</a:t>
+            </a:r>
+            <a:r>
+              <a:rPr lang="en-US" altLang="zh-TW" dirty="0" smtClean="0">
+                <a:solidFill>
+                  <a:srgbClr val="D9E8F7"/>
+                </a:solidFill>
+                <a:latin typeface="Consolas" panose="020B0609020204030204" pitchFamily="49" charset="0"/>
+              </a:rPr>
+              <a:t> </a:t>
+            </a:r>
+            <a:r>
+              <a:rPr lang="en-US" altLang="zh-TW" dirty="0">
+                <a:solidFill>
+                  <a:srgbClr val="F2F200"/>
+                </a:solidFill>
+                <a:latin typeface="Consolas" panose="020B0609020204030204" pitchFamily="49" charset="0"/>
+              </a:rPr>
+              <a:t>n1</a:t>
+            </a:r>
+            <a:r>
+              <a:rPr lang="en-US" altLang="zh-TW" dirty="0">
+                <a:solidFill>
+                  <a:srgbClr val="D9E8F7"/>
+                </a:solidFill>
+                <a:latin typeface="Consolas" panose="020B0609020204030204" pitchFamily="49" charset="0"/>
+              </a:rPr>
+              <a:t> </a:t>
+            </a:r>
+            <a:r>
+              <a:rPr lang="en-US" altLang="zh-TW" dirty="0">
+                <a:solidFill>
+                  <a:srgbClr val="E6E6FA"/>
+                </a:solidFill>
+                <a:latin typeface="Consolas" panose="020B0609020204030204" pitchFamily="49" charset="0"/>
+              </a:rPr>
+              <a:t>=</a:t>
+            </a:r>
+            <a:r>
+              <a:rPr lang="en-US" altLang="zh-TW" dirty="0">
+                <a:solidFill>
+                  <a:srgbClr val="D9E8F7"/>
+                </a:solidFill>
+                <a:latin typeface="Consolas" panose="020B0609020204030204" pitchFamily="49" charset="0"/>
+              </a:rPr>
+              <a:t> </a:t>
+            </a:r>
+            <a:r>
+              <a:rPr lang="en-US" altLang="zh-TW" dirty="0">
+                <a:solidFill>
+                  <a:srgbClr val="F9FAF4"/>
+                </a:solidFill>
+                <a:latin typeface="Consolas" panose="020B0609020204030204" pitchFamily="49" charset="0"/>
+              </a:rPr>
+              <a:t>(</a:t>
+            </a:r>
+            <a:r>
+              <a:rPr lang="en-US" altLang="zh-TW" dirty="0" err="1">
+                <a:solidFill>
+                  <a:srgbClr val="CC6C1D"/>
+                </a:solidFill>
+                <a:latin typeface="Consolas" panose="020B0609020204030204" pitchFamily="49" charset="0"/>
+              </a:rPr>
+              <a:t>int</a:t>
+            </a:r>
+            <a:r>
+              <a:rPr lang="en-US" altLang="zh-TW" dirty="0">
+                <a:solidFill>
+                  <a:srgbClr val="F9FAF4"/>
+                </a:solidFill>
+                <a:latin typeface="Consolas" panose="020B0609020204030204" pitchFamily="49" charset="0"/>
+              </a:rPr>
+              <a:t>)(</a:t>
+            </a:r>
+            <a:r>
+              <a:rPr lang="en-US" altLang="zh-TW" dirty="0" err="1">
+                <a:solidFill>
+                  <a:srgbClr val="1290C3"/>
+                </a:solidFill>
+                <a:latin typeface="Consolas" panose="020B0609020204030204" pitchFamily="49" charset="0"/>
+              </a:rPr>
+              <a:t>Math</a:t>
+            </a:r>
+            <a:r>
+              <a:rPr lang="en-US" altLang="zh-TW" dirty="0" err="1">
+                <a:solidFill>
+                  <a:srgbClr val="E6E6FA"/>
+                </a:solidFill>
+                <a:latin typeface="Consolas" panose="020B0609020204030204" pitchFamily="49" charset="0"/>
+              </a:rPr>
+              <a:t>.</a:t>
+            </a:r>
+            <a:r>
+              <a:rPr lang="en-US" altLang="zh-TW" i="1" dirty="0" err="1">
+                <a:solidFill>
+                  <a:srgbClr val="96EC3F"/>
+                </a:solidFill>
+                <a:latin typeface="Consolas" panose="020B0609020204030204" pitchFamily="49" charset="0"/>
+              </a:rPr>
+              <a:t>random</a:t>
+            </a:r>
+            <a:r>
+              <a:rPr lang="en-US" altLang="zh-TW" i="1" dirty="0">
+                <a:solidFill>
+                  <a:srgbClr val="F9FAF4"/>
+                </a:solidFill>
+                <a:latin typeface="Consolas" panose="020B0609020204030204" pitchFamily="49" charset="0"/>
+              </a:rPr>
+              <a:t>()</a:t>
+            </a:r>
+            <a:r>
+              <a:rPr lang="en-US" altLang="zh-TW" i="1" dirty="0">
+                <a:solidFill>
+                  <a:srgbClr val="D9E8F7"/>
+                </a:solidFill>
+                <a:latin typeface="Consolas" panose="020B0609020204030204" pitchFamily="49" charset="0"/>
+              </a:rPr>
+              <a:t> </a:t>
+            </a:r>
+            <a:r>
+              <a:rPr lang="en-US" altLang="zh-TW" i="1" dirty="0">
+                <a:solidFill>
+                  <a:srgbClr val="E6E6FA"/>
+                </a:solidFill>
+                <a:latin typeface="Consolas" panose="020B0609020204030204" pitchFamily="49" charset="0"/>
+              </a:rPr>
+              <a:t>*</a:t>
+            </a:r>
+            <a:r>
+              <a:rPr lang="en-US" altLang="zh-TW" i="1" dirty="0">
+                <a:solidFill>
+                  <a:srgbClr val="D9E8F7"/>
+                </a:solidFill>
+                <a:latin typeface="Consolas" panose="020B0609020204030204" pitchFamily="49" charset="0"/>
+              </a:rPr>
+              <a:t> </a:t>
+            </a:r>
+            <a:r>
+              <a:rPr lang="en-US" altLang="zh-TW" i="1" dirty="0">
+                <a:solidFill>
+                  <a:srgbClr val="6897BB"/>
+                </a:solidFill>
+                <a:latin typeface="Consolas" panose="020B0609020204030204" pitchFamily="49" charset="0"/>
+              </a:rPr>
+              <a:t>12</a:t>
+            </a:r>
+            <a:r>
+              <a:rPr lang="en-US" altLang="zh-TW" i="1" dirty="0">
+                <a:solidFill>
+                  <a:srgbClr val="F9FAF4"/>
+                </a:solidFill>
+                <a:latin typeface="Consolas" panose="020B0609020204030204" pitchFamily="49" charset="0"/>
+              </a:rPr>
+              <a:t>)</a:t>
+            </a:r>
+            <a:r>
+              <a:rPr lang="en-US" altLang="zh-TW" i="1" dirty="0">
+                <a:solidFill>
+                  <a:srgbClr val="D9E8F7"/>
+                </a:solidFill>
+                <a:latin typeface="Consolas" panose="020B0609020204030204" pitchFamily="49" charset="0"/>
+              </a:rPr>
+              <a:t> </a:t>
+            </a:r>
+            <a:r>
+              <a:rPr lang="en-US" altLang="zh-TW" i="1" dirty="0">
+                <a:solidFill>
+                  <a:srgbClr val="E6E6FA"/>
+                </a:solidFill>
+                <a:latin typeface="Consolas" panose="020B0609020204030204" pitchFamily="49" charset="0"/>
+              </a:rPr>
+              <a:t>+</a:t>
+            </a:r>
+            <a:r>
+              <a:rPr lang="en-US" altLang="zh-TW" i="1" dirty="0">
+                <a:solidFill>
+                  <a:srgbClr val="D9E8F7"/>
+                </a:solidFill>
+                <a:latin typeface="Consolas" panose="020B0609020204030204" pitchFamily="49" charset="0"/>
+              </a:rPr>
+              <a:t> </a:t>
+            </a:r>
+            <a:r>
+              <a:rPr lang="en-US" altLang="zh-TW" i="1" dirty="0">
+                <a:solidFill>
+                  <a:srgbClr val="6897BB"/>
+                </a:solidFill>
+                <a:latin typeface="Consolas" panose="020B0609020204030204" pitchFamily="49" charset="0"/>
+              </a:rPr>
+              <a:t>1</a:t>
+            </a:r>
+            <a:r>
+              <a:rPr lang="en-US" altLang="zh-TW" i="1" dirty="0">
+                <a:solidFill>
+                  <a:srgbClr val="E6E6FA"/>
+                </a:solidFill>
+                <a:latin typeface="Consolas" panose="020B0609020204030204" pitchFamily="49" charset="0"/>
+              </a:rPr>
+              <a:t>;</a:t>
+            </a:r>
+            <a:r>
+              <a:rPr lang="en-US" altLang="zh-TW" i="1" dirty="0">
+                <a:solidFill>
+                  <a:srgbClr val="D9E8F7"/>
+                </a:solidFill>
+                <a:latin typeface="Consolas" panose="020B0609020204030204" pitchFamily="49" charset="0"/>
+              </a:rPr>
+              <a:t> </a:t>
+            </a:r>
+            <a:r>
+              <a:rPr lang="en-US" altLang="zh-TW" i="1" dirty="0" smtClean="0">
+                <a:solidFill>
+                  <a:srgbClr val="808080"/>
+                </a:solidFill>
+                <a:latin typeface="Consolas" panose="020B0609020204030204" pitchFamily="49" charset="0"/>
+              </a:rPr>
+              <a:t>//1~12 </a:t>
+            </a:r>
+            <a:r>
+              <a:rPr lang="zh-TW" altLang="en-US" i="1" dirty="0" smtClean="0">
+                <a:solidFill>
+                  <a:srgbClr val="808080"/>
+                </a:solidFill>
+                <a:latin typeface="Consolas" panose="020B0609020204030204" pitchFamily="49" charset="0"/>
+              </a:rPr>
+              <a:t>第</a:t>
+            </a:r>
+            <a:r>
+              <a:rPr lang="en-US" altLang="zh-TW" i="1" dirty="0">
+                <a:solidFill>
+                  <a:srgbClr val="808080"/>
+                </a:solidFill>
+                <a:latin typeface="Consolas" panose="020B0609020204030204" pitchFamily="49" charset="0"/>
+              </a:rPr>
+              <a:t>0</a:t>
+            </a:r>
+            <a:r>
+              <a:rPr lang="zh-TW" altLang="en-US" i="1" dirty="0">
+                <a:solidFill>
+                  <a:srgbClr val="808080"/>
+                </a:solidFill>
+                <a:latin typeface="Consolas" panose="020B0609020204030204" pitchFamily="49" charset="0"/>
+              </a:rPr>
+              <a:t>個不動，保持是</a:t>
+            </a:r>
+            <a:r>
+              <a:rPr lang="en-US" altLang="zh-TW" i="1" dirty="0">
+                <a:solidFill>
+                  <a:srgbClr val="808080"/>
+                </a:solidFill>
+                <a:latin typeface="Consolas" panose="020B0609020204030204" pitchFamily="49" charset="0"/>
+              </a:rPr>
+              <a:t>7</a:t>
+            </a:r>
+          </a:p>
+          <a:p>
+            <a:r>
+              <a:rPr lang="en-US" altLang="zh-TW" dirty="0" smtClean="0">
+                <a:solidFill>
+                  <a:srgbClr val="CC6C1D"/>
+                </a:solidFill>
+                <a:latin typeface="Consolas" panose="020B0609020204030204" pitchFamily="49" charset="0"/>
+              </a:rPr>
+              <a:t>		</a:t>
+            </a:r>
+            <a:r>
+              <a:rPr lang="en-US" altLang="zh-TW" dirty="0" err="1" smtClean="0">
+                <a:solidFill>
+                  <a:srgbClr val="CC6C1D"/>
+                </a:solidFill>
+                <a:latin typeface="Consolas" panose="020B0609020204030204" pitchFamily="49" charset="0"/>
+              </a:rPr>
+              <a:t>int</a:t>
+            </a:r>
+            <a:r>
+              <a:rPr lang="en-US" altLang="zh-TW" dirty="0" smtClean="0">
+                <a:solidFill>
+                  <a:srgbClr val="D9E8F7"/>
+                </a:solidFill>
+                <a:latin typeface="Consolas" panose="020B0609020204030204" pitchFamily="49" charset="0"/>
+              </a:rPr>
+              <a:t> </a:t>
+            </a:r>
+            <a:r>
+              <a:rPr lang="en-US" altLang="zh-TW" dirty="0">
+                <a:solidFill>
+                  <a:srgbClr val="F2F200"/>
+                </a:solidFill>
+                <a:latin typeface="Consolas" panose="020B0609020204030204" pitchFamily="49" charset="0"/>
+              </a:rPr>
+              <a:t>n2</a:t>
+            </a:r>
+            <a:r>
+              <a:rPr lang="en-US" altLang="zh-TW" dirty="0">
+                <a:solidFill>
+                  <a:srgbClr val="D9E8F7"/>
+                </a:solidFill>
+                <a:latin typeface="Consolas" panose="020B0609020204030204" pitchFamily="49" charset="0"/>
+              </a:rPr>
+              <a:t> </a:t>
+            </a:r>
+            <a:r>
+              <a:rPr lang="en-US" altLang="zh-TW" dirty="0">
+                <a:solidFill>
+                  <a:srgbClr val="E6E6FA"/>
+                </a:solidFill>
+                <a:latin typeface="Consolas" panose="020B0609020204030204" pitchFamily="49" charset="0"/>
+              </a:rPr>
+              <a:t>=</a:t>
+            </a:r>
+            <a:r>
+              <a:rPr lang="en-US" altLang="zh-TW" dirty="0">
+                <a:solidFill>
+                  <a:srgbClr val="D9E8F7"/>
+                </a:solidFill>
+                <a:latin typeface="Consolas" panose="020B0609020204030204" pitchFamily="49" charset="0"/>
+              </a:rPr>
+              <a:t> </a:t>
+            </a:r>
+            <a:r>
+              <a:rPr lang="en-US" altLang="zh-TW" dirty="0">
+                <a:solidFill>
+                  <a:srgbClr val="F9FAF4"/>
+                </a:solidFill>
+                <a:latin typeface="Consolas" panose="020B0609020204030204" pitchFamily="49" charset="0"/>
+              </a:rPr>
+              <a:t>(</a:t>
+            </a:r>
+            <a:r>
+              <a:rPr lang="en-US" altLang="zh-TW" dirty="0" err="1">
+                <a:solidFill>
+                  <a:srgbClr val="CC6C1D"/>
+                </a:solidFill>
+                <a:latin typeface="Consolas" panose="020B0609020204030204" pitchFamily="49" charset="0"/>
+              </a:rPr>
+              <a:t>int</a:t>
+            </a:r>
+            <a:r>
+              <a:rPr lang="en-US" altLang="zh-TW" dirty="0">
+                <a:solidFill>
+                  <a:srgbClr val="F9FAF4"/>
+                </a:solidFill>
+                <a:latin typeface="Consolas" panose="020B0609020204030204" pitchFamily="49" charset="0"/>
+              </a:rPr>
+              <a:t>)(</a:t>
+            </a:r>
+            <a:r>
+              <a:rPr lang="en-US" altLang="zh-TW" dirty="0" err="1">
+                <a:solidFill>
+                  <a:srgbClr val="1290C3"/>
+                </a:solidFill>
+                <a:latin typeface="Consolas" panose="020B0609020204030204" pitchFamily="49" charset="0"/>
+              </a:rPr>
+              <a:t>Math</a:t>
+            </a:r>
+            <a:r>
+              <a:rPr lang="en-US" altLang="zh-TW" dirty="0" err="1">
+                <a:solidFill>
+                  <a:srgbClr val="E6E6FA"/>
+                </a:solidFill>
+                <a:latin typeface="Consolas" panose="020B0609020204030204" pitchFamily="49" charset="0"/>
+              </a:rPr>
+              <a:t>.</a:t>
+            </a:r>
+            <a:r>
+              <a:rPr lang="en-US" altLang="zh-TW" i="1" dirty="0" err="1">
+                <a:solidFill>
+                  <a:srgbClr val="96EC3F"/>
+                </a:solidFill>
+                <a:latin typeface="Consolas" panose="020B0609020204030204" pitchFamily="49" charset="0"/>
+              </a:rPr>
+              <a:t>random</a:t>
+            </a:r>
+            <a:r>
+              <a:rPr lang="en-US" altLang="zh-TW" i="1" dirty="0">
+                <a:solidFill>
+                  <a:srgbClr val="F9FAF4"/>
+                </a:solidFill>
+                <a:latin typeface="Consolas" panose="020B0609020204030204" pitchFamily="49" charset="0"/>
+              </a:rPr>
+              <a:t>()</a:t>
+            </a:r>
+            <a:r>
+              <a:rPr lang="en-US" altLang="zh-TW" i="1" dirty="0">
+                <a:solidFill>
+                  <a:srgbClr val="D9E8F7"/>
+                </a:solidFill>
+                <a:latin typeface="Consolas" panose="020B0609020204030204" pitchFamily="49" charset="0"/>
+              </a:rPr>
+              <a:t> </a:t>
+            </a:r>
+            <a:r>
+              <a:rPr lang="en-US" altLang="zh-TW" i="1" dirty="0">
+                <a:solidFill>
+                  <a:srgbClr val="E6E6FA"/>
+                </a:solidFill>
+                <a:latin typeface="Consolas" panose="020B0609020204030204" pitchFamily="49" charset="0"/>
+              </a:rPr>
+              <a:t>*</a:t>
+            </a:r>
+            <a:r>
+              <a:rPr lang="en-US" altLang="zh-TW" i="1" dirty="0">
+                <a:solidFill>
+                  <a:srgbClr val="D9E8F7"/>
+                </a:solidFill>
+                <a:latin typeface="Consolas" panose="020B0609020204030204" pitchFamily="49" charset="0"/>
+              </a:rPr>
+              <a:t> </a:t>
+            </a:r>
+            <a:r>
+              <a:rPr lang="en-US" altLang="zh-TW" i="1" dirty="0">
+                <a:solidFill>
+                  <a:srgbClr val="6897BB"/>
+                </a:solidFill>
+                <a:latin typeface="Consolas" panose="020B0609020204030204" pitchFamily="49" charset="0"/>
+              </a:rPr>
+              <a:t>12</a:t>
+            </a:r>
+            <a:r>
+              <a:rPr lang="en-US" altLang="zh-TW" i="1" dirty="0">
+                <a:solidFill>
+                  <a:srgbClr val="F9FAF4"/>
+                </a:solidFill>
+                <a:latin typeface="Consolas" panose="020B0609020204030204" pitchFamily="49" charset="0"/>
+              </a:rPr>
+              <a:t>)</a:t>
+            </a:r>
+            <a:r>
+              <a:rPr lang="en-US" altLang="zh-TW" i="1" dirty="0">
+                <a:solidFill>
+                  <a:srgbClr val="D9E8F7"/>
+                </a:solidFill>
+                <a:latin typeface="Consolas" panose="020B0609020204030204" pitchFamily="49" charset="0"/>
+              </a:rPr>
+              <a:t> </a:t>
+            </a:r>
+            <a:r>
+              <a:rPr lang="en-US" altLang="zh-TW" i="1" dirty="0">
+                <a:solidFill>
+                  <a:srgbClr val="E6E6FA"/>
+                </a:solidFill>
+                <a:latin typeface="Consolas" panose="020B0609020204030204" pitchFamily="49" charset="0"/>
+              </a:rPr>
+              <a:t>+</a:t>
+            </a:r>
+            <a:r>
+              <a:rPr lang="en-US" altLang="zh-TW" i="1" dirty="0">
+                <a:solidFill>
+                  <a:srgbClr val="D9E8F7"/>
+                </a:solidFill>
+                <a:latin typeface="Consolas" panose="020B0609020204030204" pitchFamily="49" charset="0"/>
+              </a:rPr>
+              <a:t> </a:t>
+            </a:r>
+            <a:r>
+              <a:rPr lang="en-US" altLang="zh-TW" i="1" dirty="0">
+                <a:solidFill>
+                  <a:srgbClr val="6897BB"/>
+                </a:solidFill>
+                <a:latin typeface="Consolas" panose="020B0609020204030204" pitchFamily="49" charset="0"/>
+              </a:rPr>
+              <a:t>1</a:t>
+            </a:r>
+            <a:r>
+              <a:rPr lang="en-US" altLang="zh-TW" i="1" dirty="0">
+                <a:solidFill>
+                  <a:srgbClr val="E6E6FA"/>
+                </a:solidFill>
+                <a:latin typeface="Consolas" panose="020B0609020204030204" pitchFamily="49" charset="0"/>
+              </a:rPr>
+              <a:t>;</a:t>
+            </a:r>
+            <a:r>
+              <a:rPr lang="en-US" altLang="zh-TW" i="1" dirty="0">
+                <a:solidFill>
+                  <a:srgbClr val="D9E8F7"/>
+                </a:solidFill>
+                <a:latin typeface="Consolas" panose="020B0609020204030204" pitchFamily="49" charset="0"/>
+              </a:rPr>
+              <a:t> </a:t>
+            </a:r>
+            <a:r>
+              <a:rPr lang="en-US" altLang="zh-TW" i="1" dirty="0" smtClean="0">
+                <a:solidFill>
+                  <a:srgbClr val="808080"/>
+                </a:solidFill>
+                <a:latin typeface="Consolas" panose="020B0609020204030204" pitchFamily="49" charset="0"/>
+              </a:rPr>
+              <a:t>//1~12 </a:t>
+            </a:r>
+            <a:r>
+              <a:rPr lang="zh-TW" altLang="en-US" i="1" dirty="0" smtClean="0">
+                <a:solidFill>
+                  <a:srgbClr val="808080"/>
+                </a:solidFill>
+                <a:latin typeface="Consolas" panose="020B0609020204030204" pitchFamily="49" charset="0"/>
+              </a:rPr>
+              <a:t>第</a:t>
+            </a:r>
+            <a:r>
+              <a:rPr lang="en-US" altLang="zh-TW" i="1" dirty="0">
+                <a:solidFill>
+                  <a:srgbClr val="808080"/>
+                </a:solidFill>
+                <a:latin typeface="Consolas" panose="020B0609020204030204" pitchFamily="49" charset="0"/>
+              </a:rPr>
+              <a:t>0</a:t>
+            </a:r>
+            <a:r>
+              <a:rPr lang="zh-TW" altLang="en-US" i="1" dirty="0">
+                <a:solidFill>
+                  <a:srgbClr val="808080"/>
+                </a:solidFill>
+                <a:latin typeface="Consolas" panose="020B0609020204030204" pitchFamily="49" charset="0"/>
+              </a:rPr>
+              <a:t>個不動，保持是</a:t>
+            </a:r>
+            <a:r>
+              <a:rPr lang="en-US" altLang="zh-TW" i="1" dirty="0">
+                <a:solidFill>
+                  <a:srgbClr val="808080"/>
+                </a:solidFill>
+                <a:latin typeface="Consolas" panose="020B0609020204030204" pitchFamily="49" charset="0"/>
+              </a:rPr>
+              <a:t>7</a:t>
+            </a:r>
+          </a:p>
+          <a:p>
+            <a:r>
+              <a:rPr lang="en-US" altLang="zh-TW" dirty="0" smtClean="0">
+                <a:solidFill>
+                  <a:srgbClr val="CC6C1D"/>
+                </a:solidFill>
+                <a:latin typeface="Consolas" panose="020B0609020204030204" pitchFamily="49" charset="0"/>
+              </a:rPr>
+              <a:t>		</a:t>
+            </a:r>
+            <a:r>
+              <a:rPr lang="en-US" altLang="zh-TW" dirty="0" err="1" smtClean="0">
+                <a:solidFill>
+                  <a:srgbClr val="CC6C1D"/>
+                </a:solidFill>
+                <a:latin typeface="Consolas" panose="020B0609020204030204" pitchFamily="49" charset="0"/>
+              </a:rPr>
+              <a:t>int</a:t>
+            </a:r>
+            <a:r>
+              <a:rPr lang="en-US" altLang="zh-TW" dirty="0" smtClean="0">
+                <a:solidFill>
+                  <a:srgbClr val="D9E8F7"/>
+                </a:solidFill>
+                <a:latin typeface="Consolas" panose="020B0609020204030204" pitchFamily="49" charset="0"/>
+              </a:rPr>
+              <a:t> </a:t>
+            </a:r>
+            <a:r>
+              <a:rPr lang="en-US" altLang="zh-TW" dirty="0">
+                <a:solidFill>
+                  <a:srgbClr val="F2F200"/>
+                </a:solidFill>
+                <a:latin typeface="Consolas" panose="020B0609020204030204" pitchFamily="49" charset="0"/>
+              </a:rPr>
+              <a:t>temp</a:t>
+            </a:r>
+            <a:r>
+              <a:rPr lang="en-US" altLang="zh-TW" dirty="0">
+                <a:solidFill>
+                  <a:srgbClr val="D9E8F7"/>
+                </a:solidFill>
+                <a:latin typeface="Consolas" panose="020B0609020204030204" pitchFamily="49" charset="0"/>
+              </a:rPr>
+              <a:t> </a:t>
+            </a:r>
+            <a:r>
+              <a:rPr lang="en-US" altLang="zh-TW" dirty="0">
+                <a:solidFill>
+                  <a:srgbClr val="E6E6FA"/>
+                </a:solidFill>
+                <a:latin typeface="Consolas" panose="020B0609020204030204" pitchFamily="49" charset="0"/>
+              </a:rPr>
+              <a:t>=</a:t>
+            </a:r>
+            <a:r>
+              <a:rPr lang="en-US" altLang="zh-TW" dirty="0">
+                <a:solidFill>
+                  <a:srgbClr val="D9E8F7"/>
+                </a:solidFill>
+                <a:latin typeface="Consolas" panose="020B0609020204030204" pitchFamily="49" charset="0"/>
+              </a:rPr>
+              <a:t> </a:t>
+            </a:r>
+            <a:r>
+              <a:rPr lang="en-US" altLang="zh-TW" i="1" dirty="0">
+                <a:solidFill>
+                  <a:srgbClr val="8DDAF8"/>
+                </a:solidFill>
+                <a:latin typeface="Consolas" panose="020B0609020204030204" pitchFamily="49" charset="0"/>
+              </a:rPr>
+              <a:t>numbers</a:t>
+            </a:r>
+            <a:r>
+              <a:rPr lang="en-US" altLang="zh-TW" i="1" dirty="0">
+                <a:solidFill>
+                  <a:srgbClr val="F9FAF4"/>
+                </a:solidFill>
+                <a:latin typeface="Consolas" panose="020B0609020204030204" pitchFamily="49" charset="0"/>
+              </a:rPr>
+              <a:t>[</a:t>
+            </a:r>
+            <a:r>
+              <a:rPr lang="en-US" altLang="zh-TW" i="1" dirty="0">
+                <a:solidFill>
+                  <a:srgbClr val="F3EC79"/>
+                </a:solidFill>
+                <a:latin typeface="Consolas" panose="020B0609020204030204" pitchFamily="49" charset="0"/>
+              </a:rPr>
+              <a:t>n1</a:t>
+            </a:r>
+            <a:r>
+              <a:rPr lang="en-US" altLang="zh-TW" i="1" dirty="0">
+                <a:solidFill>
+                  <a:srgbClr val="F9FAF4"/>
+                </a:solidFill>
+                <a:latin typeface="Consolas" panose="020B0609020204030204" pitchFamily="49" charset="0"/>
+              </a:rPr>
+              <a:t>]</a:t>
+            </a:r>
+            <a:r>
+              <a:rPr lang="en-US" altLang="zh-TW" i="1" dirty="0">
+                <a:solidFill>
+                  <a:srgbClr val="E6E6FA"/>
+                </a:solidFill>
+                <a:latin typeface="Consolas" panose="020B0609020204030204" pitchFamily="49" charset="0"/>
+              </a:rPr>
+              <a:t>;</a:t>
+            </a:r>
+          </a:p>
+          <a:p>
+            <a:r>
+              <a:rPr lang="en-US" altLang="zh-TW" i="1" dirty="0" smtClean="0">
+                <a:solidFill>
+                  <a:srgbClr val="8DDAF8"/>
+                </a:solidFill>
+                <a:latin typeface="Consolas" panose="020B0609020204030204" pitchFamily="49" charset="0"/>
+              </a:rPr>
+              <a:t>		numbers</a:t>
+            </a:r>
+            <a:r>
+              <a:rPr lang="en-US" altLang="zh-TW" i="1" dirty="0" smtClean="0">
+                <a:solidFill>
+                  <a:srgbClr val="F9FAF4"/>
+                </a:solidFill>
+                <a:latin typeface="Consolas" panose="020B0609020204030204" pitchFamily="49" charset="0"/>
+              </a:rPr>
+              <a:t>[</a:t>
+            </a:r>
+            <a:r>
+              <a:rPr lang="en-US" altLang="zh-TW" i="1" dirty="0" smtClean="0">
+                <a:solidFill>
+                  <a:srgbClr val="F3EC79"/>
+                </a:solidFill>
+                <a:latin typeface="Consolas" panose="020B0609020204030204" pitchFamily="49" charset="0"/>
+              </a:rPr>
+              <a:t>n1</a:t>
+            </a:r>
+            <a:r>
+              <a:rPr lang="en-US" altLang="zh-TW" i="1" dirty="0">
+                <a:solidFill>
+                  <a:srgbClr val="F9FAF4"/>
+                </a:solidFill>
+                <a:latin typeface="Consolas" panose="020B0609020204030204" pitchFamily="49" charset="0"/>
+              </a:rPr>
+              <a:t>]</a:t>
+            </a:r>
+            <a:r>
+              <a:rPr lang="en-US" altLang="zh-TW" i="1" dirty="0">
+                <a:solidFill>
+                  <a:srgbClr val="D9E8F7"/>
+                </a:solidFill>
+                <a:latin typeface="Consolas" panose="020B0609020204030204" pitchFamily="49" charset="0"/>
+              </a:rPr>
+              <a:t> </a:t>
+            </a:r>
+            <a:r>
+              <a:rPr lang="en-US" altLang="zh-TW" i="1" dirty="0">
+                <a:solidFill>
+                  <a:srgbClr val="E6E6FA"/>
+                </a:solidFill>
+                <a:latin typeface="Consolas" panose="020B0609020204030204" pitchFamily="49" charset="0"/>
+              </a:rPr>
+              <a:t>=</a:t>
+            </a:r>
+            <a:r>
+              <a:rPr lang="en-US" altLang="zh-TW" i="1" dirty="0">
+                <a:solidFill>
+                  <a:srgbClr val="D9E8F7"/>
+                </a:solidFill>
+                <a:latin typeface="Consolas" panose="020B0609020204030204" pitchFamily="49" charset="0"/>
+              </a:rPr>
+              <a:t> </a:t>
+            </a:r>
+            <a:r>
+              <a:rPr lang="en-US" altLang="zh-TW" i="1" dirty="0">
+                <a:solidFill>
+                  <a:srgbClr val="8DDAF8"/>
+                </a:solidFill>
+                <a:latin typeface="Consolas" panose="020B0609020204030204" pitchFamily="49" charset="0"/>
+              </a:rPr>
+              <a:t>numbers</a:t>
+            </a:r>
+            <a:r>
+              <a:rPr lang="en-US" altLang="zh-TW" i="1" dirty="0">
+                <a:solidFill>
+                  <a:srgbClr val="F9FAF4"/>
+                </a:solidFill>
+                <a:latin typeface="Consolas" panose="020B0609020204030204" pitchFamily="49" charset="0"/>
+              </a:rPr>
+              <a:t>[</a:t>
+            </a:r>
+            <a:r>
+              <a:rPr lang="en-US" altLang="zh-TW" i="1" dirty="0">
+                <a:solidFill>
+                  <a:srgbClr val="F3EC79"/>
+                </a:solidFill>
+                <a:latin typeface="Consolas" panose="020B0609020204030204" pitchFamily="49" charset="0"/>
+              </a:rPr>
+              <a:t>n2</a:t>
+            </a:r>
+            <a:r>
+              <a:rPr lang="en-US" altLang="zh-TW" i="1" dirty="0">
+                <a:solidFill>
+                  <a:srgbClr val="F9FAF4"/>
+                </a:solidFill>
+                <a:latin typeface="Consolas" panose="020B0609020204030204" pitchFamily="49" charset="0"/>
+              </a:rPr>
+              <a:t>]</a:t>
+            </a:r>
+            <a:r>
+              <a:rPr lang="en-US" altLang="zh-TW" i="1" dirty="0">
+                <a:solidFill>
+                  <a:srgbClr val="E6E6FA"/>
+                </a:solidFill>
+                <a:latin typeface="Consolas" panose="020B0609020204030204" pitchFamily="49" charset="0"/>
+              </a:rPr>
+              <a:t>;</a:t>
+            </a:r>
+          </a:p>
+          <a:p>
+            <a:r>
+              <a:rPr lang="en-US" altLang="zh-TW" i="1" dirty="0" smtClean="0">
+                <a:solidFill>
+                  <a:srgbClr val="8DDAF8"/>
+                </a:solidFill>
+                <a:latin typeface="Consolas" panose="020B0609020204030204" pitchFamily="49" charset="0"/>
+              </a:rPr>
+              <a:t>		numbers</a:t>
+            </a:r>
+            <a:r>
+              <a:rPr lang="en-US" altLang="zh-TW" i="1" dirty="0" smtClean="0">
+                <a:solidFill>
+                  <a:srgbClr val="F9FAF4"/>
+                </a:solidFill>
+                <a:latin typeface="Consolas" panose="020B0609020204030204" pitchFamily="49" charset="0"/>
+              </a:rPr>
+              <a:t>[</a:t>
+            </a:r>
+            <a:r>
+              <a:rPr lang="en-US" altLang="zh-TW" i="1" dirty="0" smtClean="0">
+                <a:solidFill>
+                  <a:srgbClr val="F3EC79"/>
+                </a:solidFill>
+                <a:latin typeface="Consolas" panose="020B0609020204030204" pitchFamily="49" charset="0"/>
+              </a:rPr>
+              <a:t>n2</a:t>
+            </a:r>
+            <a:r>
+              <a:rPr lang="en-US" altLang="zh-TW" i="1" dirty="0">
+                <a:solidFill>
+                  <a:srgbClr val="F9FAF4"/>
+                </a:solidFill>
+                <a:latin typeface="Consolas" panose="020B0609020204030204" pitchFamily="49" charset="0"/>
+              </a:rPr>
+              <a:t>]</a:t>
+            </a:r>
+            <a:r>
+              <a:rPr lang="en-US" altLang="zh-TW" i="1" dirty="0">
+                <a:solidFill>
+                  <a:srgbClr val="D9E8F7"/>
+                </a:solidFill>
+                <a:latin typeface="Consolas" panose="020B0609020204030204" pitchFamily="49" charset="0"/>
+              </a:rPr>
+              <a:t> </a:t>
+            </a:r>
+            <a:r>
+              <a:rPr lang="en-US" altLang="zh-TW" i="1" dirty="0">
+                <a:solidFill>
+                  <a:srgbClr val="E6E6FA"/>
+                </a:solidFill>
+                <a:latin typeface="Consolas" panose="020B0609020204030204" pitchFamily="49" charset="0"/>
+              </a:rPr>
+              <a:t>=</a:t>
+            </a:r>
+            <a:r>
+              <a:rPr lang="en-US" altLang="zh-TW" i="1" dirty="0">
+                <a:solidFill>
+                  <a:srgbClr val="D9E8F7"/>
+                </a:solidFill>
+                <a:latin typeface="Consolas" panose="020B0609020204030204" pitchFamily="49" charset="0"/>
+              </a:rPr>
+              <a:t> </a:t>
+            </a:r>
+            <a:r>
+              <a:rPr lang="en-US" altLang="zh-TW" i="1" dirty="0">
+                <a:solidFill>
+                  <a:srgbClr val="F3EC79"/>
+                </a:solidFill>
+                <a:latin typeface="Consolas" panose="020B0609020204030204" pitchFamily="49" charset="0"/>
+              </a:rPr>
+              <a:t>temp</a:t>
+            </a:r>
+            <a:r>
+              <a:rPr lang="en-US" altLang="zh-TW" i="1" dirty="0">
+                <a:solidFill>
+                  <a:srgbClr val="E6E6FA"/>
+                </a:solidFill>
+                <a:latin typeface="Consolas" panose="020B0609020204030204" pitchFamily="49" charset="0"/>
+              </a:rPr>
+              <a:t>;</a:t>
+            </a:r>
+          </a:p>
+          <a:p>
+            <a:r>
+              <a:rPr lang="en-US" altLang="zh-TW" dirty="0" smtClean="0">
+                <a:solidFill>
+                  <a:srgbClr val="F9FAF4"/>
+                </a:solidFill>
+                <a:latin typeface="Consolas" panose="020B0609020204030204" pitchFamily="49" charset="0"/>
+              </a:rPr>
+              <a:t>	}</a:t>
+            </a:r>
+            <a:endParaRPr lang="en-US" altLang="zh-TW" dirty="0">
+              <a:solidFill>
+                <a:srgbClr val="F9FAF4"/>
+              </a:solidFill>
+              <a:latin typeface="Consolas" panose="020B0609020204030204" pitchFamily="49" charset="0"/>
+            </a:endParaRPr>
+          </a:p>
+          <a:p>
+            <a:r>
+              <a:rPr lang="en-US" altLang="zh-TW" dirty="0">
+                <a:solidFill>
+                  <a:srgbClr val="F9FAF4"/>
+                </a:solidFill>
+                <a:latin typeface="Consolas" panose="020B0609020204030204" pitchFamily="49" charset="0"/>
+              </a:rPr>
+              <a:t>}</a:t>
+            </a:r>
+            <a:endParaRPr lang="zh-TW" altLang="en-US" dirty="0"/>
+          </a:p>
+        </p:txBody>
+      </p:sp>
+      <p:sp>
+        <p:nvSpPr>
+          <p:cNvPr id="5" name="左大括弧 4"/>
+          <p:cNvSpPr/>
+          <p:nvPr/>
+        </p:nvSpPr>
+        <p:spPr>
+          <a:xfrm rot="5400000">
+            <a:off x="7867897" y="-183244"/>
+            <a:ext cx="450931" cy="3302002"/>
+          </a:xfrm>
+          <a:prstGeom prst="leftBrace">
+            <a:avLst/>
+          </a:prstGeom>
+          <a:ln w="28575">
+            <a:solidFill>
+              <a:srgbClr val="FF0000"/>
+            </a:solidFill>
+          </a:ln>
+        </p:spPr>
+        <p:style>
+          <a:lnRef idx="1">
+            <a:schemeClr val="accent1"/>
+          </a:lnRef>
+          <a:fillRef idx="0">
+            <a:schemeClr val="accent1"/>
+          </a:fillRef>
+          <a:effectRef idx="0">
+            <a:schemeClr val="accent1"/>
+          </a:effectRef>
+          <a:fontRef idx="minor">
+            <a:schemeClr val="tx1"/>
+          </a:fontRef>
+        </p:style>
+        <p:txBody>
+          <a:bodyPr rtlCol="0" anchor="ctr"/>
+          <a:lstStyle/>
+          <a:p>
+            <a:pPr algn="ctr"/>
+            <a:endParaRPr lang="zh-TW" altLang="en-US"/>
+          </a:p>
+        </p:txBody>
+      </p:sp>
+      <p:sp>
+        <p:nvSpPr>
+          <p:cNvPr id="6" name="文字方塊 5"/>
+          <p:cNvSpPr txBox="1"/>
+          <p:nvPr/>
+        </p:nvSpPr>
+        <p:spPr>
+          <a:xfrm>
+            <a:off x="6936509" y="872959"/>
+            <a:ext cx="2492990" cy="369332"/>
+          </a:xfrm>
+          <a:prstGeom prst="rect">
+            <a:avLst/>
+          </a:prstGeom>
+          <a:noFill/>
+        </p:spPr>
+        <p:txBody>
+          <a:bodyPr wrap="none" rtlCol="0">
+            <a:spAutoFit/>
+          </a:bodyPr>
+          <a:lstStyle/>
+          <a:p>
+            <a:r>
+              <a:rPr lang="zh-TW" altLang="en-US" dirty="0" smtClean="0"/>
+              <a:t>只有這些會被打亂順序</a:t>
+            </a:r>
+            <a:endParaRPr lang="zh-TW" altLang="en-US" dirty="0"/>
+          </a:p>
+        </p:txBody>
+      </p:sp>
+      <p:sp>
+        <p:nvSpPr>
+          <p:cNvPr id="8" name="左大括弧 7"/>
+          <p:cNvSpPr/>
+          <p:nvPr/>
+        </p:nvSpPr>
+        <p:spPr>
+          <a:xfrm rot="16200000">
+            <a:off x="6800596" y="1664941"/>
+            <a:ext cx="260268" cy="1046022"/>
+          </a:xfrm>
+          <a:prstGeom prst="leftBrace">
+            <a:avLst/>
+          </a:prstGeom>
+          <a:ln w="28575">
+            <a:solidFill>
+              <a:srgbClr val="FF0000"/>
+            </a:solidFill>
+          </a:ln>
+        </p:spPr>
+        <p:style>
+          <a:lnRef idx="1">
+            <a:schemeClr val="accent1"/>
+          </a:lnRef>
+          <a:fillRef idx="0">
+            <a:schemeClr val="accent1"/>
+          </a:fillRef>
+          <a:effectRef idx="0">
+            <a:schemeClr val="accent1"/>
+          </a:effectRef>
+          <a:fontRef idx="minor">
+            <a:schemeClr val="tx1"/>
+          </a:fontRef>
+        </p:style>
+        <p:txBody>
+          <a:bodyPr rtlCol="0" anchor="ctr"/>
+          <a:lstStyle/>
+          <a:p>
+            <a:pPr algn="ctr"/>
+            <a:endParaRPr lang="zh-TW" altLang="en-US"/>
+          </a:p>
+        </p:txBody>
+      </p:sp>
+      <p:sp>
+        <p:nvSpPr>
+          <p:cNvPr id="9" name="文字方塊 8"/>
+          <p:cNvSpPr txBox="1"/>
+          <p:nvPr/>
+        </p:nvSpPr>
+        <p:spPr>
+          <a:xfrm>
+            <a:off x="5940208" y="2263795"/>
+            <a:ext cx="2153154" cy="369332"/>
+          </a:xfrm>
+          <a:prstGeom prst="rect">
+            <a:avLst/>
+          </a:prstGeom>
+          <a:noFill/>
+        </p:spPr>
+        <p:txBody>
+          <a:bodyPr wrap="none" rtlCol="0">
+            <a:spAutoFit/>
+          </a:bodyPr>
+          <a:lstStyle/>
+          <a:p>
+            <a:r>
+              <a:rPr lang="zh-TW" altLang="en-US" dirty="0" smtClean="0">
+                <a:solidFill>
+                  <a:srgbClr val="FFFF00"/>
+                </a:solidFill>
+              </a:rPr>
+              <a:t>抽出來用的</a:t>
+            </a:r>
+            <a:r>
+              <a:rPr lang="en-US" altLang="zh-TW" dirty="0" smtClean="0">
+                <a:solidFill>
+                  <a:srgbClr val="FFFF00"/>
+                </a:solidFill>
+              </a:rPr>
+              <a:t>5</a:t>
+            </a:r>
+            <a:r>
+              <a:rPr lang="zh-TW" altLang="en-US" dirty="0" smtClean="0">
+                <a:solidFill>
+                  <a:srgbClr val="FFFF00"/>
+                </a:solidFill>
+              </a:rPr>
+              <a:t>個數字</a:t>
+            </a:r>
+            <a:endParaRPr lang="zh-TW" altLang="en-US" dirty="0">
+              <a:solidFill>
+                <a:srgbClr val="FFFF00"/>
+              </a:solidFill>
+            </a:endParaRPr>
+          </a:p>
+        </p:txBody>
+      </p:sp>
+      <p:sp>
+        <p:nvSpPr>
+          <p:cNvPr id="10" name="文字方塊 9"/>
+          <p:cNvSpPr txBox="1"/>
+          <p:nvPr/>
+        </p:nvSpPr>
+        <p:spPr>
+          <a:xfrm>
+            <a:off x="3214255" y="5486400"/>
+            <a:ext cx="6760184" cy="369332"/>
+          </a:xfrm>
+          <a:prstGeom prst="rect">
+            <a:avLst/>
+          </a:prstGeom>
+          <a:noFill/>
+        </p:spPr>
+        <p:txBody>
+          <a:bodyPr wrap="none" rtlCol="0">
+            <a:spAutoFit/>
+          </a:bodyPr>
+          <a:lstStyle/>
+          <a:p>
+            <a:r>
+              <a:rPr lang="zh-TW" altLang="en-US" dirty="0"/>
+              <a:t>例如：</a:t>
+            </a:r>
+            <a:r>
+              <a:rPr lang="en-US" altLang="zh-TW" dirty="0"/>
+              <a:t>numbers[] = {</a:t>
+            </a:r>
+            <a:r>
+              <a:rPr lang="en-US" altLang="zh-TW" dirty="0">
+                <a:solidFill>
+                  <a:srgbClr val="FF0000"/>
+                </a:solidFill>
+              </a:rPr>
+              <a:t>7</a:t>
+            </a:r>
+            <a:r>
+              <a:rPr lang="en-US" altLang="zh-TW" dirty="0" smtClean="0">
+                <a:solidFill>
+                  <a:srgbClr val="FF0000"/>
+                </a:solidFill>
+              </a:rPr>
+              <a:t>,  10,  6,  12,  1,  9,     </a:t>
+            </a:r>
+            <a:r>
+              <a:rPr lang="en-US" altLang="zh-TW" dirty="0" smtClean="0"/>
+              <a:t>8, 13, 3, 2,11, 4,5}</a:t>
+            </a:r>
+            <a:endParaRPr lang="zh-TW" altLang="en-US" dirty="0"/>
+          </a:p>
+        </p:txBody>
+      </p:sp>
+      <p:sp>
+        <p:nvSpPr>
+          <p:cNvPr id="11" name="弧形箭號 (下彎) 10"/>
+          <p:cNvSpPr/>
+          <p:nvPr/>
+        </p:nvSpPr>
+        <p:spPr>
+          <a:xfrm flipH="1">
+            <a:off x="5384798" y="5324020"/>
+            <a:ext cx="471054" cy="184666"/>
+          </a:xfrm>
+          <a:prstGeom prst="curvedDownArrow">
+            <a:avLst/>
+          </a:prstGeom>
+        </p:spPr>
+        <p:style>
+          <a:lnRef idx="2">
+            <a:schemeClr val="accent1">
+              <a:shade val="50000"/>
+            </a:schemeClr>
+          </a:lnRef>
+          <a:fillRef idx="1">
+            <a:schemeClr val="accent1"/>
+          </a:fillRef>
+          <a:effectRef idx="0">
+            <a:schemeClr val="accent1"/>
+          </a:effectRef>
+          <a:fontRef idx="minor">
+            <a:schemeClr val="lt1"/>
+          </a:fontRef>
+        </p:style>
+        <p:txBody>
+          <a:bodyPr rtlCol="0" anchor="ctr"/>
+          <a:lstStyle/>
+          <a:p>
+            <a:pPr algn="ctr"/>
+            <a:endParaRPr lang="zh-TW" altLang="en-US">
+              <a:solidFill>
+                <a:schemeClr val="tx1"/>
+              </a:solidFill>
+            </a:endParaRPr>
+          </a:p>
+        </p:txBody>
+      </p:sp>
+      <p:sp>
+        <p:nvSpPr>
+          <p:cNvPr id="12" name="文字方塊 11"/>
+          <p:cNvSpPr txBox="1"/>
+          <p:nvPr/>
+        </p:nvSpPr>
+        <p:spPr>
+          <a:xfrm>
+            <a:off x="5292542" y="4932402"/>
+            <a:ext cx="646331" cy="369332"/>
+          </a:xfrm>
+          <a:prstGeom prst="rect">
+            <a:avLst/>
+          </a:prstGeom>
+          <a:noFill/>
+        </p:spPr>
+        <p:txBody>
+          <a:bodyPr wrap="none" rtlCol="0">
+            <a:spAutoFit/>
+          </a:bodyPr>
+          <a:lstStyle/>
+          <a:p>
+            <a:r>
+              <a:rPr lang="zh-TW" altLang="en-US" dirty="0" smtClean="0"/>
+              <a:t>比較</a:t>
+            </a:r>
+            <a:endParaRPr lang="zh-TW" altLang="en-US" dirty="0"/>
+          </a:p>
+        </p:txBody>
+      </p:sp>
+      <p:sp>
+        <p:nvSpPr>
+          <p:cNvPr id="13" name="弧形箭號 (下彎) 12"/>
+          <p:cNvSpPr/>
+          <p:nvPr/>
+        </p:nvSpPr>
+        <p:spPr>
+          <a:xfrm rot="10970612">
+            <a:off x="5833381" y="5786036"/>
+            <a:ext cx="424873" cy="221673"/>
+          </a:xfrm>
+          <a:prstGeom prst="curvedDownArrow">
+            <a:avLst/>
+          </a:prstGeom>
+        </p:spPr>
+        <p:style>
+          <a:lnRef idx="2">
+            <a:schemeClr val="accent1">
+              <a:shade val="50000"/>
+            </a:schemeClr>
+          </a:lnRef>
+          <a:fillRef idx="1">
+            <a:schemeClr val="accent1"/>
+          </a:fillRef>
+          <a:effectRef idx="0">
+            <a:schemeClr val="accent1"/>
+          </a:effectRef>
+          <a:fontRef idx="minor">
+            <a:schemeClr val="lt1"/>
+          </a:fontRef>
+        </p:style>
+        <p:txBody>
+          <a:bodyPr rtlCol="0" anchor="ctr"/>
+          <a:lstStyle/>
+          <a:p>
+            <a:pPr algn="ctr"/>
+            <a:endParaRPr lang="zh-TW" altLang="en-US">
+              <a:solidFill>
+                <a:schemeClr val="tx1"/>
+              </a:solidFill>
+            </a:endParaRPr>
+          </a:p>
+        </p:txBody>
+      </p:sp>
+      <p:sp>
+        <p:nvSpPr>
+          <p:cNvPr id="14" name="文字方塊 13"/>
+          <p:cNvSpPr txBox="1"/>
+          <p:nvPr/>
+        </p:nvSpPr>
+        <p:spPr>
+          <a:xfrm>
+            <a:off x="5722651" y="6043181"/>
+            <a:ext cx="646331" cy="369332"/>
+          </a:xfrm>
+          <a:prstGeom prst="rect">
+            <a:avLst/>
+          </a:prstGeom>
+          <a:noFill/>
+        </p:spPr>
+        <p:txBody>
+          <a:bodyPr wrap="none" rtlCol="0">
+            <a:spAutoFit/>
+          </a:bodyPr>
+          <a:lstStyle/>
+          <a:p>
+            <a:r>
+              <a:rPr lang="zh-TW" altLang="en-US" dirty="0" smtClean="0"/>
+              <a:t>比較</a:t>
+            </a:r>
+            <a:endParaRPr lang="zh-TW" altLang="en-US" dirty="0"/>
+          </a:p>
+        </p:txBody>
+      </p:sp>
+      <p:sp>
+        <p:nvSpPr>
+          <p:cNvPr id="15" name="弧形箭號 (下彎) 14"/>
+          <p:cNvSpPr/>
+          <p:nvPr/>
+        </p:nvSpPr>
+        <p:spPr>
+          <a:xfrm flipH="1">
+            <a:off x="6206834" y="5340876"/>
+            <a:ext cx="471054" cy="184666"/>
+          </a:xfrm>
+          <a:prstGeom prst="curvedDownArrow">
+            <a:avLst/>
+          </a:prstGeom>
+        </p:spPr>
+        <p:style>
+          <a:lnRef idx="2">
+            <a:schemeClr val="accent1">
+              <a:shade val="50000"/>
+            </a:schemeClr>
+          </a:lnRef>
+          <a:fillRef idx="1">
+            <a:schemeClr val="accent1"/>
+          </a:fillRef>
+          <a:effectRef idx="0">
+            <a:schemeClr val="accent1"/>
+          </a:effectRef>
+          <a:fontRef idx="minor">
+            <a:schemeClr val="lt1"/>
+          </a:fontRef>
+        </p:style>
+        <p:txBody>
+          <a:bodyPr rtlCol="0" anchor="ctr"/>
+          <a:lstStyle/>
+          <a:p>
+            <a:pPr algn="ctr"/>
+            <a:endParaRPr lang="zh-TW" altLang="en-US">
+              <a:solidFill>
+                <a:schemeClr val="tx1"/>
+              </a:solidFill>
+            </a:endParaRPr>
+          </a:p>
+        </p:txBody>
+      </p:sp>
+      <p:sp>
+        <p:nvSpPr>
+          <p:cNvPr id="16" name="文字方塊 15"/>
+          <p:cNvSpPr txBox="1"/>
+          <p:nvPr/>
+        </p:nvSpPr>
+        <p:spPr>
+          <a:xfrm>
+            <a:off x="6114578" y="4949258"/>
+            <a:ext cx="646331" cy="369332"/>
+          </a:xfrm>
+          <a:prstGeom prst="rect">
+            <a:avLst/>
+          </a:prstGeom>
+          <a:noFill/>
+        </p:spPr>
+        <p:txBody>
+          <a:bodyPr wrap="none" rtlCol="0">
+            <a:spAutoFit/>
+          </a:bodyPr>
+          <a:lstStyle/>
+          <a:p>
+            <a:r>
+              <a:rPr lang="zh-TW" altLang="en-US" dirty="0" smtClean="0"/>
+              <a:t>比較</a:t>
+            </a:r>
+            <a:endParaRPr lang="zh-TW" altLang="en-US" dirty="0"/>
+          </a:p>
+        </p:txBody>
+      </p:sp>
+      <p:sp>
+        <p:nvSpPr>
+          <p:cNvPr id="17" name="弧形箭號 (下彎) 16"/>
+          <p:cNvSpPr/>
+          <p:nvPr/>
+        </p:nvSpPr>
+        <p:spPr>
+          <a:xfrm flipH="1">
+            <a:off x="6954980" y="5340876"/>
+            <a:ext cx="471054" cy="184666"/>
+          </a:xfrm>
+          <a:prstGeom prst="curvedDownArrow">
+            <a:avLst/>
+          </a:prstGeom>
+        </p:spPr>
+        <p:style>
+          <a:lnRef idx="2">
+            <a:schemeClr val="accent1">
+              <a:shade val="50000"/>
+            </a:schemeClr>
+          </a:lnRef>
+          <a:fillRef idx="1">
+            <a:schemeClr val="accent1"/>
+          </a:fillRef>
+          <a:effectRef idx="0">
+            <a:schemeClr val="accent1"/>
+          </a:effectRef>
+          <a:fontRef idx="minor">
+            <a:schemeClr val="lt1"/>
+          </a:fontRef>
+        </p:style>
+        <p:txBody>
+          <a:bodyPr rtlCol="0" anchor="ctr"/>
+          <a:lstStyle/>
+          <a:p>
+            <a:pPr algn="ctr"/>
+            <a:endParaRPr lang="zh-TW" altLang="en-US">
+              <a:solidFill>
+                <a:schemeClr val="tx1"/>
+              </a:solidFill>
+            </a:endParaRPr>
+          </a:p>
+        </p:txBody>
+      </p:sp>
+      <p:sp>
+        <p:nvSpPr>
+          <p:cNvPr id="18" name="文字方塊 17"/>
+          <p:cNvSpPr txBox="1"/>
+          <p:nvPr/>
+        </p:nvSpPr>
+        <p:spPr>
+          <a:xfrm>
+            <a:off x="6862724" y="4949258"/>
+            <a:ext cx="646331" cy="369332"/>
+          </a:xfrm>
+          <a:prstGeom prst="rect">
+            <a:avLst/>
+          </a:prstGeom>
+          <a:noFill/>
+        </p:spPr>
+        <p:txBody>
+          <a:bodyPr wrap="none" rtlCol="0">
+            <a:spAutoFit/>
+          </a:bodyPr>
+          <a:lstStyle/>
+          <a:p>
+            <a:r>
+              <a:rPr lang="zh-TW" altLang="en-US" dirty="0" smtClean="0"/>
+              <a:t>比較</a:t>
+            </a:r>
+            <a:endParaRPr lang="zh-TW" altLang="en-US" dirty="0"/>
+          </a:p>
+        </p:txBody>
+      </p:sp>
+      <p:sp>
+        <p:nvSpPr>
+          <p:cNvPr id="19" name="弧形箭號 (下彎) 18"/>
+          <p:cNvSpPr/>
+          <p:nvPr/>
+        </p:nvSpPr>
+        <p:spPr>
+          <a:xfrm rot="10970612">
+            <a:off x="6650288" y="5825646"/>
+            <a:ext cx="424873" cy="221673"/>
+          </a:xfrm>
+          <a:prstGeom prst="curvedDownArrow">
+            <a:avLst/>
+          </a:prstGeom>
+        </p:spPr>
+        <p:style>
+          <a:lnRef idx="2">
+            <a:schemeClr val="accent1">
+              <a:shade val="50000"/>
+            </a:schemeClr>
+          </a:lnRef>
+          <a:fillRef idx="1">
+            <a:schemeClr val="accent1"/>
+          </a:fillRef>
+          <a:effectRef idx="0">
+            <a:schemeClr val="accent1"/>
+          </a:effectRef>
+          <a:fontRef idx="minor">
+            <a:schemeClr val="lt1"/>
+          </a:fontRef>
+        </p:style>
+        <p:txBody>
+          <a:bodyPr rtlCol="0" anchor="ctr"/>
+          <a:lstStyle/>
+          <a:p>
+            <a:pPr algn="ctr"/>
+            <a:endParaRPr lang="zh-TW" altLang="en-US">
+              <a:solidFill>
+                <a:schemeClr val="tx1"/>
+              </a:solidFill>
+            </a:endParaRPr>
+          </a:p>
+        </p:txBody>
+      </p:sp>
+      <p:sp>
+        <p:nvSpPr>
+          <p:cNvPr id="20" name="文字方塊 19"/>
+          <p:cNvSpPr txBox="1"/>
+          <p:nvPr/>
+        </p:nvSpPr>
+        <p:spPr>
+          <a:xfrm>
+            <a:off x="6539558" y="6082791"/>
+            <a:ext cx="646331" cy="369332"/>
+          </a:xfrm>
+          <a:prstGeom prst="rect">
+            <a:avLst/>
+          </a:prstGeom>
+          <a:noFill/>
+        </p:spPr>
+        <p:txBody>
+          <a:bodyPr wrap="none" rtlCol="0">
+            <a:spAutoFit/>
+          </a:bodyPr>
+          <a:lstStyle/>
+          <a:p>
+            <a:r>
+              <a:rPr lang="zh-TW" altLang="en-US" dirty="0" smtClean="0"/>
+              <a:t>比較</a:t>
+            </a:r>
+            <a:endParaRPr lang="zh-TW" altLang="en-US" dirty="0"/>
+          </a:p>
+        </p:txBody>
+      </p:sp>
+    </p:spTree>
+    <p:extLst>
+      <p:ext uri="{BB962C8B-B14F-4D97-AF65-F5344CB8AC3E}">
+        <p14:creationId xmlns:p14="http://schemas.microsoft.com/office/powerpoint/2010/main" val="3419633537"/>
+      </p:ext>
+    </p:extLst>
+  </p:cSld>
+  <p:clrMapOvr>
+    <a:masterClrMapping/>
+  </p:clrMapOvr>
+  <p:timing>
+    <p:tnLst>
+      <p:par>
+        <p:cTn id="1" dur="indefinite" restart="never" nodeType="tmRoot">
+          <p:childTnLst>
+            <p:seq concurrent="1" nextAc="seek">
+              <p:cTn id="2" dur="indefinite" nodeType="mainSeq">
+                <p:childTnLst>
+                  <p:par>
+                    <p:cTn id="3" fill="hold">
+                      <p:stCondLst>
+                        <p:cond delay="indefinite"/>
+                      </p:stCondLst>
+                      <p:childTnLst>
+                        <p:par>
+                          <p:cTn id="4" fill="hold">
+                            <p:stCondLst>
+                              <p:cond delay="0"/>
+                            </p:stCondLst>
+                            <p:childTnLst>
+                              <p:par>
+                                <p:cTn id="5" presetID="1" presetClass="entr" presetSubtype="0" fill="hold" grpId="0" nodeType="clickEffect">
+                                  <p:stCondLst>
+                                    <p:cond delay="0"/>
+                                  </p:stCondLst>
+                                  <p:childTnLst>
+                                    <p:set>
+                                      <p:cBhvr>
+                                        <p:cTn id="6" dur="1" fill="hold">
+                                          <p:stCondLst>
+                                            <p:cond delay="0"/>
+                                          </p:stCondLst>
+                                        </p:cTn>
+                                        <p:tgtEl>
+                                          <p:spTgt spid="12"/>
+                                        </p:tgtEl>
+                                        <p:attrNameLst>
+                                          <p:attrName>style.visibility</p:attrName>
+                                        </p:attrNameLst>
+                                      </p:cBhvr>
+                                      <p:to>
+                                        <p:strVal val="visible"/>
+                                      </p:to>
+                                    </p:set>
+                                  </p:childTnLst>
+                                </p:cTn>
+                              </p:par>
+                              <p:par>
+                                <p:cTn id="7" presetID="1" presetClass="entr" presetSubtype="0" fill="hold" grpId="0" nodeType="withEffect">
+                                  <p:stCondLst>
+                                    <p:cond delay="0"/>
+                                  </p:stCondLst>
+                                  <p:childTnLst>
+                                    <p:set>
+                                      <p:cBhvr>
+                                        <p:cTn id="8" dur="1" fill="hold">
+                                          <p:stCondLst>
+                                            <p:cond delay="0"/>
+                                          </p:stCondLst>
+                                        </p:cTn>
+                                        <p:tgtEl>
+                                          <p:spTgt spid="11"/>
+                                        </p:tgtEl>
+                                        <p:attrNameLst>
+                                          <p:attrName>style.visibility</p:attrName>
+                                        </p:attrNameLst>
+                                      </p:cBhvr>
+                                      <p:to>
+                                        <p:strVal val="visible"/>
+                                      </p:to>
+                                    </p:set>
+                                  </p:childTnLst>
+                                </p:cTn>
+                              </p:par>
+                            </p:childTnLst>
+                          </p:cTn>
+                        </p:par>
+                      </p:childTnLst>
+                    </p:cTn>
+                  </p:par>
+                  <p:par>
+                    <p:cTn id="9" fill="hold">
+                      <p:stCondLst>
+                        <p:cond delay="indefinite"/>
+                      </p:stCondLst>
+                      <p:childTnLst>
+                        <p:par>
+                          <p:cTn id="10" fill="hold">
+                            <p:stCondLst>
+                              <p:cond delay="0"/>
+                            </p:stCondLst>
+                            <p:childTnLst>
+                              <p:par>
+                                <p:cTn id="11" presetID="1" presetClass="entr" presetSubtype="0" fill="hold" grpId="0" nodeType="clickEffect">
+                                  <p:stCondLst>
+                                    <p:cond delay="0"/>
+                                  </p:stCondLst>
+                                  <p:childTnLst>
+                                    <p:set>
+                                      <p:cBhvr>
+                                        <p:cTn id="12" dur="1" fill="hold">
+                                          <p:stCondLst>
+                                            <p:cond delay="0"/>
+                                          </p:stCondLst>
+                                        </p:cTn>
+                                        <p:tgtEl>
+                                          <p:spTgt spid="13"/>
+                                        </p:tgtEl>
+                                        <p:attrNameLst>
+                                          <p:attrName>style.visibility</p:attrName>
+                                        </p:attrNameLst>
+                                      </p:cBhvr>
+                                      <p:to>
+                                        <p:strVal val="visible"/>
+                                      </p:to>
+                                    </p:set>
+                                  </p:childTnLst>
+                                </p:cTn>
+                              </p:par>
+                              <p:par>
+                                <p:cTn id="13" presetID="1" presetClass="entr" presetSubtype="0" fill="hold" grpId="0" nodeType="withEffect">
+                                  <p:stCondLst>
+                                    <p:cond delay="0"/>
+                                  </p:stCondLst>
+                                  <p:childTnLst>
+                                    <p:set>
+                                      <p:cBhvr>
+                                        <p:cTn id="14" dur="1" fill="hold">
+                                          <p:stCondLst>
+                                            <p:cond delay="0"/>
+                                          </p:stCondLst>
+                                        </p:cTn>
+                                        <p:tgtEl>
+                                          <p:spTgt spid="14"/>
+                                        </p:tgtEl>
+                                        <p:attrNameLst>
+                                          <p:attrName>style.visibility</p:attrName>
+                                        </p:attrNameLst>
+                                      </p:cBhvr>
+                                      <p:to>
+                                        <p:strVal val="visible"/>
+                                      </p:to>
+                                    </p:set>
+                                  </p:childTnLst>
+                                </p:cTn>
+                              </p:par>
+                            </p:childTnLst>
+                          </p:cTn>
+                        </p:par>
+                      </p:childTnLst>
+                    </p:cTn>
+                  </p:par>
+                  <p:par>
+                    <p:cTn id="15" fill="hold">
+                      <p:stCondLst>
+                        <p:cond delay="indefinite"/>
+                      </p:stCondLst>
+                      <p:childTnLst>
+                        <p:par>
+                          <p:cTn id="16" fill="hold">
+                            <p:stCondLst>
+                              <p:cond delay="0"/>
+                            </p:stCondLst>
+                            <p:childTnLst>
+                              <p:par>
+                                <p:cTn id="17" presetID="1" presetClass="entr" presetSubtype="0" fill="hold" grpId="0" nodeType="clickEffect">
+                                  <p:stCondLst>
+                                    <p:cond delay="0"/>
+                                  </p:stCondLst>
+                                  <p:childTnLst>
+                                    <p:set>
+                                      <p:cBhvr>
+                                        <p:cTn id="18" dur="1" fill="hold">
+                                          <p:stCondLst>
+                                            <p:cond delay="0"/>
+                                          </p:stCondLst>
+                                        </p:cTn>
+                                        <p:tgtEl>
+                                          <p:spTgt spid="16"/>
+                                        </p:tgtEl>
+                                        <p:attrNameLst>
+                                          <p:attrName>style.visibility</p:attrName>
+                                        </p:attrNameLst>
+                                      </p:cBhvr>
+                                      <p:to>
+                                        <p:strVal val="visible"/>
+                                      </p:to>
+                                    </p:set>
+                                  </p:childTnLst>
+                                </p:cTn>
+                              </p:par>
+                              <p:par>
+                                <p:cTn id="19" presetID="1" presetClass="entr" presetSubtype="0" fill="hold" grpId="0" nodeType="withEffect">
+                                  <p:stCondLst>
+                                    <p:cond delay="0"/>
+                                  </p:stCondLst>
+                                  <p:childTnLst>
+                                    <p:set>
+                                      <p:cBhvr>
+                                        <p:cTn id="20" dur="1" fill="hold">
+                                          <p:stCondLst>
+                                            <p:cond delay="0"/>
+                                          </p:stCondLst>
+                                        </p:cTn>
+                                        <p:tgtEl>
+                                          <p:spTgt spid="15"/>
+                                        </p:tgtEl>
+                                        <p:attrNameLst>
+                                          <p:attrName>style.visibility</p:attrName>
+                                        </p:attrNameLst>
+                                      </p:cBhvr>
+                                      <p:to>
+                                        <p:strVal val="visible"/>
+                                      </p:to>
+                                    </p:set>
+                                  </p:childTnLst>
+                                </p:cTn>
+                              </p:par>
+                            </p:childTnLst>
+                          </p:cTn>
+                        </p:par>
+                      </p:childTnLst>
+                    </p:cTn>
+                  </p:par>
+                  <p:par>
+                    <p:cTn id="21" fill="hold">
+                      <p:stCondLst>
+                        <p:cond delay="indefinite"/>
+                      </p:stCondLst>
+                      <p:childTnLst>
+                        <p:par>
+                          <p:cTn id="22" fill="hold">
+                            <p:stCondLst>
+                              <p:cond delay="0"/>
+                            </p:stCondLst>
+                            <p:childTnLst>
+                              <p:par>
+                                <p:cTn id="23" presetID="1" presetClass="entr" presetSubtype="0" fill="hold" grpId="0" nodeType="clickEffect">
+                                  <p:stCondLst>
+                                    <p:cond delay="0"/>
+                                  </p:stCondLst>
+                                  <p:childTnLst>
+                                    <p:set>
+                                      <p:cBhvr>
+                                        <p:cTn id="24" dur="1" fill="hold">
+                                          <p:stCondLst>
+                                            <p:cond delay="0"/>
+                                          </p:stCondLst>
+                                        </p:cTn>
+                                        <p:tgtEl>
+                                          <p:spTgt spid="19"/>
+                                        </p:tgtEl>
+                                        <p:attrNameLst>
+                                          <p:attrName>style.visibility</p:attrName>
+                                        </p:attrNameLst>
+                                      </p:cBhvr>
+                                      <p:to>
+                                        <p:strVal val="visible"/>
+                                      </p:to>
+                                    </p:set>
+                                  </p:childTnLst>
+                                </p:cTn>
+                              </p:par>
+                              <p:par>
+                                <p:cTn id="25" presetID="1" presetClass="entr" presetSubtype="0" fill="hold" grpId="0" nodeType="withEffect">
+                                  <p:stCondLst>
+                                    <p:cond delay="0"/>
+                                  </p:stCondLst>
+                                  <p:childTnLst>
+                                    <p:set>
+                                      <p:cBhvr>
+                                        <p:cTn id="26" dur="1" fill="hold">
+                                          <p:stCondLst>
+                                            <p:cond delay="0"/>
+                                          </p:stCondLst>
+                                        </p:cTn>
+                                        <p:tgtEl>
+                                          <p:spTgt spid="20"/>
+                                        </p:tgtEl>
+                                        <p:attrNameLst>
+                                          <p:attrName>style.visibility</p:attrName>
+                                        </p:attrNameLst>
+                                      </p:cBhvr>
+                                      <p:to>
+                                        <p:strVal val="visible"/>
+                                      </p:to>
+                                    </p:set>
+                                  </p:childTnLst>
+                                </p:cTn>
+                              </p:par>
+                            </p:childTnLst>
+                          </p:cTn>
+                        </p:par>
+                      </p:childTnLst>
+                    </p:cTn>
+                  </p:par>
+                  <p:par>
+                    <p:cTn id="27" fill="hold">
+                      <p:stCondLst>
+                        <p:cond delay="indefinite"/>
+                      </p:stCondLst>
+                      <p:childTnLst>
+                        <p:par>
+                          <p:cTn id="28" fill="hold">
+                            <p:stCondLst>
+                              <p:cond delay="0"/>
+                            </p:stCondLst>
+                            <p:childTnLst>
+                              <p:par>
+                                <p:cTn id="29" presetID="1" presetClass="entr" presetSubtype="0" fill="hold" grpId="0" nodeType="clickEffect">
+                                  <p:stCondLst>
+                                    <p:cond delay="0"/>
+                                  </p:stCondLst>
+                                  <p:childTnLst>
+                                    <p:set>
+                                      <p:cBhvr>
+                                        <p:cTn id="30" dur="1" fill="hold">
+                                          <p:stCondLst>
+                                            <p:cond delay="0"/>
+                                          </p:stCondLst>
+                                        </p:cTn>
+                                        <p:tgtEl>
+                                          <p:spTgt spid="18"/>
+                                        </p:tgtEl>
+                                        <p:attrNameLst>
+                                          <p:attrName>style.visibility</p:attrName>
+                                        </p:attrNameLst>
+                                      </p:cBhvr>
+                                      <p:to>
+                                        <p:strVal val="visible"/>
+                                      </p:to>
+                                    </p:set>
+                                  </p:childTnLst>
+                                </p:cTn>
+                              </p:par>
+                              <p:par>
+                                <p:cTn id="31" presetID="1" presetClass="entr" presetSubtype="0" fill="hold" grpId="0" nodeType="withEffect">
+                                  <p:stCondLst>
+                                    <p:cond delay="0"/>
+                                  </p:stCondLst>
+                                  <p:childTnLst>
+                                    <p:set>
+                                      <p:cBhvr>
+                                        <p:cTn id="32" dur="1" fill="hold">
+                                          <p:stCondLst>
+                                            <p:cond delay="0"/>
+                                          </p:stCondLst>
+                                        </p:cTn>
+                                        <p:tgtEl>
+                                          <p:spTgt spid="17"/>
+                                        </p:tgtEl>
+                                        <p:attrNameLst>
+                                          <p:attrName>style.visibility</p:attrName>
+                                        </p:attrNameLst>
+                                      </p:cBhvr>
+                                      <p:to>
+                                        <p:strVal val="visible"/>
+                                      </p:to>
+                                    </p:set>
+                                  </p:childTnLst>
+                                </p:cTn>
+                              </p:par>
+                            </p:childTnLst>
+                          </p:cTn>
+                        </p:par>
+                      </p:childTnLst>
+                    </p:cTn>
+                  </p:par>
+                </p:childTnLst>
+              </p:cTn>
+              <p:prevCondLst>
+                <p:cond evt="onPrev" delay="0">
+                  <p:tgtEl>
+                    <p:sldTgt/>
+                  </p:tgtEl>
+                </p:cond>
+              </p:prevCondLst>
+              <p:nextCondLst>
+                <p:cond evt="onNext" delay="0">
+                  <p:tgtEl>
+                    <p:sldTgt/>
+                  </p:tgtEl>
+                </p:cond>
+              </p:nextCondLst>
+            </p:seq>
+          </p:childTnLst>
+        </p:cTn>
+      </p:par>
+    </p:tnLst>
+    <p:bldLst>
+      <p:bldP spid="11" grpId="0" animBg="1"/>
+      <p:bldP spid="12" grpId="0"/>
+      <p:bldP spid="13" grpId="0" animBg="1"/>
+      <p:bldP spid="14" grpId="0"/>
+      <p:bldP spid="15" grpId="0" animBg="1"/>
+      <p:bldP spid="16" grpId="0"/>
+      <p:bldP spid="17" grpId="0" animBg="1"/>
+      <p:bldP spid="18" grpId="0"/>
+      <p:bldP spid="19" grpId="0" animBg="1"/>
+      <p:bldP spid="20" grpId="0"/>
+    </p:bldLst>
+  </p:timing>
+</p:sld>
+</file>
+
+<file path=ppt/slides/slide19.xml><?xml version="1.0" encoding="utf-8"?>
+<p:sld xmlns:a="http://schemas.openxmlformats.org/drawingml/2006/main" xmlns:r="http://schemas.openxmlformats.org/officeDocument/2006/relationships" xmlns:p="http://schemas.openxmlformats.org/presentationml/2006/main">
+  <p:cSld>
+    <p:spTree>
+      <p:nvGrpSpPr>
+        <p:cNvPr id="1" name=""/>
+        <p:cNvGrpSpPr/>
+        <p:nvPr/>
+      </p:nvGrpSpPr>
+      <p:grpSpPr>
+        <a:xfrm>
+          <a:off x="0" y="0"/>
+          <a:ext cx="0" cy="0"/>
+          <a:chOff x="0" y="0"/>
+          <a:chExt cx="0" cy="0"/>
+        </a:xfrm>
+      </p:grpSpPr>
+      <p:sp>
+        <p:nvSpPr>
+          <p:cNvPr id="3" name="標題 2"/>
+          <p:cNvSpPr>
+            <a:spLocks noGrp="1"/>
+          </p:cNvSpPr>
+          <p:nvPr>
+            <p:ph type="title"/>
+          </p:nvPr>
+        </p:nvSpPr>
+        <p:spPr/>
+        <p:txBody>
+          <a:bodyPr/>
+          <a:lstStyle/>
+          <a:p>
+            <a:r>
+              <a:rPr lang="zh-TW" altLang="en-US" dirty="0" smtClean="0"/>
+              <a:t>心算練習機</a:t>
+            </a:r>
+            <a:endParaRPr lang="zh-TW" altLang="en-US" dirty="0"/>
+          </a:p>
+        </p:txBody>
+      </p:sp>
+      <p:sp>
+        <p:nvSpPr>
+          <p:cNvPr id="4" name="文字版面配置區 3"/>
+          <p:cNvSpPr>
+            <a:spLocks noGrp="1"/>
+          </p:cNvSpPr>
+          <p:nvPr>
+            <p:ph type="body" idx="1"/>
+          </p:nvPr>
+        </p:nvSpPr>
+        <p:spPr/>
+        <p:txBody>
+          <a:bodyPr/>
+          <a:lstStyle/>
+          <a:p>
+            <a:endParaRPr lang="zh-TW" altLang="en-US"/>
+          </a:p>
+        </p:txBody>
+      </p:sp>
+    </p:spTree>
+    <p:extLst>
+      <p:ext uri="{BB962C8B-B14F-4D97-AF65-F5344CB8AC3E}">
+        <p14:creationId xmlns:p14="http://schemas.microsoft.com/office/powerpoint/2010/main" val="2295083869"/>
+      </p:ext>
+    </p:extLst>
+  </p:cSld>
+  <p:clrMapOvr>
+    <a:masterClrMapping/>
+  </p:clrMapOvr>
+  <p:timing>
+    <p:tnLst>
+      <p:par>
+        <p:cTn id="1" dur="indefinite" restart="never" nodeType="tmRoot"/>
+      </p:par>
+    </p:tnLst>
+  </p:timing>
+</p:sld>
+</file>
+
 <file path=ppt/slides/slide2.xml><?xml version="1.0" encoding="utf-8"?>
 <p:sld xmlns:a="http://schemas.openxmlformats.org/drawingml/2006/main" xmlns:r="http://schemas.openxmlformats.org/officeDocument/2006/relationships" xmlns:p="http://schemas.openxmlformats.org/presentationml/2006/main">
   <p:cSld>
@@ -13028,6 +17665,3222 @@
     <p:extLst>
       <p:ext uri="{BB962C8B-B14F-4D97-AF65-F5344CB8AC3E}">
         <p14:creationId xmlns:p14="http://schemas.microsoft.com/office/powerpoint/2010/main" val="1799875354"/>
+      </p:ext>
+    </p:extLst>
+  </p:cSld>
+  <p:clrMapOvr>
+    <a:masterClrMapping/>
+  </p:clrMapOvr>
+  <p:timing>
+    <p:tnLst>
+      <p:par>
+        <p:cTn id="1" dur="indefinite" restart="never" nodeType="tmRoot"/>
+      </p:par>
+    </p:tnLst>
+  </p:timing>
+</p:sld>
+</file>
+
+<file path=ppt/slides/slide20.xml><?xml version="1.0" encoding="utf-8"?>
+<p:sld xmlns:a="http://schemas.openxmlformats.org/drawingml/2006/main" xmlns:r="http://schemas.openxmlformats.org/officeDocument/2006/relationships" xmlns:p="http://schemas.openxmlformats.org/presentationml/2006/main">
+  <p:cSld>
+    <p:spTree>
+      <p:nvGrpSpPr>
+        <p:cNvPr id="1" name=""/>
+        <p:cNvGrpSpPr/>
+        <p:nvPr/>
+      </p:nvGrpSpPr>
+      <p:grpSpPr>
+        <a:xfrm>
+          <a:off x="0" y="0"/>
+          <a:ext cx="0" cy="0"/>
+          <a:chOff x="0" y="0"/>
+          <a:chExt cx="0" cy="0"/>
+        </a:xfrm>
+      </p:grpSpPr>
+      <p:sp>
+        <p:nvSpPr>
+          <p:cNvPr id="3" name="標題 2"/>
+          <p:cNvSpPr>
+            <a:spLocks noGrp="1"/>
+          </p:cNvSpPr>
+          <p:nvPr>
+            <p:ph type="title"/>
+          </p:nvPr>
+        </p:nvSpPr>
+        <p:spPr/>
+        <p:txBody>
+          <a:bodyPr/>
+          <a:lstStyle/>
+          <a:p>
+            <a:r>
+              <a:rPr lang="zh-TW" altLang="en-US" dirty="0" smtClean="0"/>
+              <a:t>起源</a:t>
+            </a:r>
+            <a:endParaRPr lang="zh-TW" altLang="en-US" dirty="0"/>
+          </a:p>
+        </p:txBody>
+      </p:sp>
+      <p:sp>
+        <p:nvSpPr>
+          <p:cNvPr id="4" name="內容版面配置區 3"/>
+          <p:cNvSpPr>
+            <a:spLocks noGrp="1"/>
+          </p:cNvSpPr>
+          <p:nvPr>
+            <p:ph idx="1"/>
+          </p:nvPr>
+        </p:nvSpPr>
+        <p:spPr/>
+        <p:txBody>
+          <a:bodyPr/>
+          <a:lstStyle/>
+          <a:p>
+            <a:r>
+              <a:rPr lang="zh-TW" altLang="en-US" dirty="0" smtClean="0"/>
+              <a:t>在兒子很小的時候，陪他們完的一個遊戲機。</a:t>
+            </a:r>
+            <a:endParaRPr lang="en-US" altLang="zh-TW" dirty="0" smtClean="0"/>
+          </a:p>
+          <a:p>
+            <a:r>
+              <a:rPr lang="zh-TW" altLang="en-US" dirty="0"/>
+              <a:t>類似計算機畫面</a:t>
+            </a:r>
+            <a:r>
+              <a:rPr lang="zh-TW" altLang="en-US" dirty="0" smtClean="0"/>
+              <a:t>，會在一定時間內連續出題，都是固定一位數的加減法。</a:t>
+            </a:r>
+            <a:endParaRPr lang="en-US" altLang="zh-TW" dirty="0" smtClean="0"/>
+          </a:p>
+          <a:p>
+            <a:r>
+              <a:rPr lang="zh-TW" altLang="en-US" dirty="0" smtClean="0"/>
+              <a:t>可以用來跟小朋友比賽，在遊戲中練出心算的速度。</a:t>
+            </a:r>
+            <a:endParaRPr lang="zh-TW" altLang="en-US" dirty="0"/>
+          </a:p>
+        </p:txBody>
+      </p:sp>
+    </p:spTree>
+    <p:extLst>
+      <p:ext uri="{BB962C8B-B14F-4D97-AF65-F5344CB8AC3E}">
+        <p14:creationId xmlns:p14="http://schemas.microsoft.com/office/powerpoint/2010/main" val="2136576053"/>
+      </p:ext>
+    </p:extLst>
+  </p:cSld>
+  <p:clrMapOvr>
+    <a:masterClrMapping/>
+  </p:clrMapOvr>
+  <p:timing>
+    <p:tnLst>
+      <p:par>
+        <p:cTn id="1" dur="indefinite" restart="never" nodeType="tmRoot"/>
+      </p:par>
+    </p:tnLst>
+  </p:timing>
+</p:sld>
+</file>
+
+<file path=ppt/slides/slide21.xml><?xml version="1.0" encoding="utf-8"?>
+<p:sld xmlns:a="http://schemas.openxmlformats.org/drawingml/2006/main" xmlns:r="http://schemas.openxmlformats.org/officeDocument/2006/relationships" xmlns:p="http://schemas.openxmlformats.org/presentationml/2006/main">
+  <p:cSld>
+    <p:spTree>
+      <p:nvGrpSpPr>
+        <p:cNvPr id="1" name=""/>
+        <p:cNvGrpSpPr/>
+        <p:nvPr/>
+      </p:nvGrpSpPr>
+      <p:grpSpPr>
+        <a:xfrm>
+          <a:off x="0" y="0"/>
+          <a:ext cx="0" cy="0"/>
+          <a:chOff x="0" y="0"/>
+          <a:chExt cx="0" cy="0"/>
+        </a:xfrm>
+      </p:grpSpPr>
+      <p:sp>
+        <p:nvSpPr>
+          <p:cNvPr id="2" name="標題 1"/>
+          <p:cNvSpPr>
+            <a:spLocks noGrp="1"/>
+          </p:cNvSpPr>
+          <p:nvPr>
+            <p:ph type="title"/>
+          </p:nvPr>
+        </p:nvSpPr>
+        <p:spPr/>
+        <p:txBody>
+          <a:bodyPr/>
+          <a:lstStyle/>
+          <a:p>
+            <a:r>
+              <a:rPr lang="zh-TW" altLang="en-US" dirty="0" smtClean="0"/>
+              <a:t>心算練習機說明</a:t>
+            </a:r>
+            <a:endParaRPr lang="zh-TW" altLang="en-US" dirty="0"/>
+          </a:p>
+        </p:txBody>
+      </p:sp>
+      <p:sp>
+        <p:nvSpPr>
+          <p:cNvPr id="3" name="內容版面配置區 2"/>
+          <p:cNvSpPr>
+            <a:spLocks noGrp="1"/>
+          </p:cNvSpPr>
+          <p:nvPr>
+            <p:ph idx="1"/>
+          </p:nvPr>
+        </p:nvSpPr>
+        <p:spPr/>
+        <p:txBody>
+          <a:bodyPr/>
+          <a:lstStyle/>
+          <a:p>
+            <a:r>
+              <a:rPr lang="zh-TW" altLang="en-US" dirty="0" smtClean="0"/>
+              <a:t>連續出題</a:t>
+            </a:r>
+            <a:r>
+              <a:rPr lang="en-US" altLang="zh-TW" dirty="0" smtClean="0"/>
+              <a:t>(20</a:t>
+            </a:r>
+            <a:r>
+              <a:rPr lang="zh-TW" altLang="en-US" dirty="0" smtClean="0"/>
+              <a:t>題</a:t>
+            </a:r>
+            <a:r>
+              <a:rPr lang="en-US" altLang="zh-TW" dirty="0" smtClean="0"/>
+              <a:t>)</a:t>
+            </a:r>
+            <a:r>
+              <a:rPr lang="zh-TW" altLang="en-US" dirty="0" smtClean="0"/>
+              <a:t>，每一題都是簡單的</a:t>
+            </a:r>
+            <a:r>
+              <a:rPr lang="en-US" altLang="zh-TW" dirty="0" smtClean="0"/>
+              <a:t>1~9</a:t>
+            </a:r>
+            <a:r>
+              <a:rPr lang="zh-TW" altLang="en-US" dirty="0" smtClean="0"/>
+              <a:t>的一位數加法。</a:t>
+            </a:r>
+            <a:endParaRPr lang="en-US" altLang="zh-TW" dirty="0" smtClean="0"/>
+          </a:p>
+          <a:p>
+            <a:r>
+              <a:rPr lang="zh-TW" altLang="en-US" dirty="0"/>
+              <a:t>回答完</a:t>
+            </a:r>
+            <a:r>
+              <a:rPr lang="zh-TW" altLang="en-US" dirty="0" smtClean="0"/>
+              <a:t>後如果</a:t>
+            </a:r>
+            <a:r>
+              <a:rPr lang="zh-TW" altLang="en-US" b="1" dirty="0" smtClean="0">
+                <a:solidFill>
+                  <a:srgbClr val="FF0000"/>
+                </a:solidFill>
+              </a:rPr>
+              <a:t>錯了會用同一題繼續要求回答。</a:t>
+            </a:r>
+            <a:endParaRPr lang="en-US" altLang="zh-TW" b="1" dirty="0" smtClean="0">
+              <a:solidFill>
+                <a:srgbClr val="FF0000"/>
+              </a:solidFill>
+            </a:endParaRPr>
+          </a:p>
+          <a:p>
+            <a:r>
+              <a:rPr lang="zh-TW" altLang="en-US" dirty="0"/>
+              <a:t>答對了會換下一題</a:t>
+            </a:r>
+            <a:r>
+              <a:rPr lang="zh-TW" altLang="en-US" dirty="0" smtClean="0"/>
+              <a:t>。</a:t>
+            </a:r>
+            <a:endParaRPr lang="en-US" altLang="zh-TW" dirty="0" smtClean="0"/>
+          </a:p>
+          <a:p>
+            <a:r>
+              <a:rPr lang="zh-TW" altLang="en-US" dirty="0"/>
+              <a:t>計算</a:t>
+            </a:r>
+            <a:r>
+              <a:rPr lang="zh-TW" altLang="en-US" dirty="0" smtClean="0"/>
+              <a:t>答對所有題目</a:t>
+            </a:r>
+            <a:r>
+              <a:rPr lang="en-US" altLang="zh-TW" dirty="0" smtClean="0"/>
+              <a:t>(20</a:t>
+            </a:r>
+            <a:r>
+              <a:rPr lang="zh-TW" altLang="en-US" dirty="0" smtClean="0"/>
+              <a:t>題</a:t>
+            </a:r>
+            <a:r>
+              <a:rPr lang="en-US" altLang="zh-TW" dirty="0" smtClean="0"/>
+              <a:t>)</a:t>
+            </a:r>
+            <a:r>
+              <a:rPr lang="zh-TW" altLang="en-US" dirty="0" smtClean="0"/>
+              <a:t>的</a:t>
+            </a:r>
+            <a:r>
+              <a:rPr lang="zh-TW" altLang="en-US" dirty="0"/>
+              <a:t>時間。</a:t>
+            </a:r>
+          </a:p>
+        </p:txBody>
+      </p:sp>
+    </p:spTree>
+    <p:extLst>
+      <p:ext uri="{BB962C8B-B14F-4D97-AF65-F5344CB8AC3E}">
+        <p14:creationId xmlns:p14="http://schemas.microsoft.com/office/powerpoint/2010/main" val="3857036496"/>
+      </p:ext>
+    </p:extLst>
+  </p:cSld>
+  <p:clrMapOvr>
+    <a:masterClrMapping/>
+  </p:clrMapOvr>
+  <p:timing>
+    <p:tnLst>
+      <p:par>
+        <p:cTn id="1" dur="indefinite" restart="never" nodeType="tmRoot"/>
+      </p:par>
+    </p:tnLst>
+  </p:timing>
+</p:sld>
+</file>
+
+<file path=ppt/slides/slide22.xml><?xml version="1.0" encoding="utf-8"?>
+<p:sld xmlns:a="http://schemas.openxmlformats.org/drawingml/2006/main" xmlns:r="http://schemas.openxmlformats.org/officeDocument/2006/relationships" xmlns:p="http://schemas.openxmlformats.org/presentationml/2006/main">
+  <p:cSld>
+    <p:spTree>
+      <p:nvGrpSpPr>
+        <p:cNvPr id="1" name=""/>
+        <p:cNvGrpSpPr/>
+        <p:nvPr/>
+      </p:nvGrpSpPr>
+      <p:grpSpPr>
+        <a:xfrm>
+          <a:off x="0" y="0"/>
+          <a:ext cx="0" cy="0"/>
+          <a:chOff x="0" y="0"/>
+          <a:chExt cx="0" cy="0"/>
+        </a:xfrm>
+      </p:grpSpPr>
+      <p:sp>
+        <p:nvSpPr>
+          <p:cNvPr id="2" name="標題 1"/>
+          <p:cNvSpPr>
+            <a:spLocks noGrp="1"/>
+          </p:cNvSpPr>
+          <p:nvPr>
+            <p:ph type="title"/>
+          </p:nvPr>
+        </p:nvSpPr>
+        <p:spPr/>
+        <p:txBody>
+          <a:bodyPr/>
+          <a:lstStyle/>
+          <a:p>
+            <a:r>
+              <a:rPr lang="zh-TW" altLang="en-US" dirty="0" smtClean="0"/>
+              <a:t>流程圖</a:t>
+            </a:r>
+            <a:endParaRPr lang="zh-TW" altLang="en-US" dirty="0"/>
+          </a:p>
+        </p:txBody>
+      </p:sp>
+      <p:sp>
+        <p:nvSpPr>
+          <p:cNvPr id="5" name="矩形 4"/>
+          <p:cNvSpPr/>
+          <p:nvPr/>
+        </p:nvSpPr>
+        <p:spPr>
+          <a:xfrm>
+            <a:off x="4886683" y="2204415"/>
+            <a:ext cx="355041" cy="341251"/>
+          </a:xfrm>
+          <a:prstGeom prst="rect">
+            <a:avLst/>
+          </a:prstGeom>
+          <a:solidFill>
+            <a:schemeClr val="bg1"/>
+          </a:solidFill>
+          <a:ln>
+            <a:solidFill>
+              <a:schemeClr val="bg1"/>
+            </a:solidFill>
+          </a:ln>
+        </p:spPr>
+        <p:style>
+          <a:lnRef idx="2">
+            <a:schemeClr val="accent1">
+              <a:shade val="50000"/>
+            </a:schemeClr>
+          </a:lnRef>
+          <a:fillRef idx="1">
+            <a:schemeClr val="accent1"/>
+          </a:fillRef>
+          <a:effectRef idx="0">
+            <a:schemeClr val="accent1"/>
+          </a:effectRef>
+          <a:fontRef idx="minor">
+            <a:schemeClr val="lt1"/>
+          </a:fontRef>
+        </p:style>
+        <p:txBody>
+          <a:bodyPr rtlCol="0" anchor="ctr"/>
+          <a:lstStyle/>
+          <a:p>
+            <a:pPr algn="ctr"/>
+            <a:endParaRPr lang="zh-TW" altLang="en-US"/>
+          </a:p>
+        </p:txBody>
+      </p:sp>
+      <p:sp>
+        <p:nvSpPr>
+          <p:cNvPr id="6" name="矩形 5"/>
+          <p:cNvSpPr/>
+          <p:nvPr/>
+        </p:nvSpPr>
+        <p:spPr>
+          <a:xfrm>
+            <a:off x="4886683" y="2048375"/>
+            <a:ext cx="355041" cy="341251"/>
+          </a:xfrm>
+          <a:prstGeom prst="rect">
+            <a:avLst/>
+          </a:prstGeom>
+          <a:solidFill>
+            <a:schemeClr val="bg1"/>
+          </a:solidFill>
+          <a:ln>
+            <a:solidFill>
+              <a:schemeClr val="bg1"/>
+            </a:solidFill>
+          </a:ln>
+        </p:spPr>
+        <p:style>
+          <a:lnRef idx="2">
+            <a:schemeClr val="accent1">
+              <a:shade val="50000"/>
+            </a:schemeClr>
+          </a:lnRef>
+          <a:fillRef idx="1">
+            <a:schemeClr val="accent1"/>
+          </a:fillRef>
+          <a:effectRef idx="0">
+            <a:schemeClr val="accent1"/>
+          </a:effectRef>
+          <a:fontRef idx="minor">
+            <a:schemeClr val="lt1"/>
+          </a:fontRef>
+        </p:style>
+        <p:txBody>
+          <a:bodyPr rtlCol="0" anchor="ctr"/>
+          <a:lstStyle/>
+          <a:p>
+            <a:pPr algn="ctr"/>
+            <a:endParaRPr lang="zh-TW" altLang="en-US"/>
+          </a:p>
+        </p:txBody>
+      </p:sp>
+      <p:sp>
+        <p:nvSpPr>
+          <p:cNvPr id="7" name="圓角矩形 6"/>
+          <p:cNvSpPr/>
+          <p:nvPr/>
+        </p:nvSpPr>
+        <p:spPr>
+          <a:xfrm>
+            <a:off x="4672888" y="609600"/>
+            <a:ext cx="1143000" cy="392176"/>
+          </a:xfrm>
+          <a:prstGeom prst="roundRect">
+            <a:avLst>
+              <a:gd name="adj" fmla="val 50000"/>
+            </a:avLst>
+          </a:prstGeom>
+          <a:solidFill>
+            <a:schemeClr val="bg1"/>
+          </a:solidFill>
+          <a:ln>
+            <a:solidFill>
+              <a:schemeClr val="tx1"/>
+            </a:solidFill>
+          </a:ln>
+        </p:spPr>
+        <p:style>
+          <a:lnRef idx="2">
+            <a:schemeClr val="accent1">
+              <a:shade val="50000"/>
+            </a:schemeClr>
+          </a:lnRef>
+          <a:fillRef idx="1">
+            <a:schemeClr val="accent1"/>
+          </a:fillRef>
+          <a:effectRef idx="0">
+            <a:schemeClr val="accent1"/>
+          </a:effectRef>
+          <a:fontRef idx="minor">
+            <a:schemeClr val="lt1"/>
+          </a:fontRef>
+        </p:style>
+        <p:txBody>
+          <a:bodyPr rtlCol="0" anchor="ctr"/>
+          <a:lstStyle/>
+          <a:p>
+            <a:pPr algn="ctr"/>
+            <a:r>
+              <a:rPr lang="zh-TW" altLang="en-US" dirty="0" smtClean="0">
+                <a:solidFill>
+                  <a:schemeClr val="tx1"/>
+                </a:solidFill>
+              </a:rPr>
+              <a:t>開始</a:t>
+            </a:r>
+            <a:endParaRPr lang="zh-TW" altLang="en-US" dirty="0">
+              <a:solidFill>
+                <a:schemeClr val="tx1"/>
+              </a:solidFill>
+            </a:endParaRPr>
+          </a:p>
+        </p:txBody>
+      </p:sp>
+      <p:sp>
+        <p:nvSpPr>
+          <p:cNvPr id="8" name="菱形 7"/>
+          <p:cNvSpPr/>
+          <p:nvPr/>
+        </p:nvSpPr>
+        <p:spPr>
+          <a:xfrm>
+            <a:off x="4025570" y="4543024"/>
+            <a:ext cx="2432304" cy="738182"/>
+          </a:xfrm>
+          <a:prstGeom prst="diamond">
+            <a:avLst/>
+          </a:prstGeom>
+          <a:solidFill>
+            <a:schemeClr val="bg1"/>
+          </a:solidFill>
+          <a:ln>
+            <a:solidFill>
+              <a:schemeClr val="tx1"/>
+            </a:solidFill>
+          </a:ln>
+        </p:spPr>
+        <p:style>
+          <a:lnRef idx="2">
+            <a:schemeClr val="accent1">
+              <a:shade val="50000"/>
+            </a:schemeClr>
+          </a:lnRef>
+          <a:fillRef idx="1">
+            <a:schemeClr val="accent1"/>
+          </a:fillRef>
+          <a:effectRef idx="0">
+            <a:schemeClr val="accent1"/>
+          </a:effectRef>
+          <a:fontRef idx="minor">
+            <a:schemeClr val="lt1"/>
+          </a:fontRef>
+        </p:style>
+        <p:txBody>
+          <a:bodyPr rtlCol="0" anchor="ctr"/>
+          <a:lstStyle/>
+          <a:p>
+            <a:pPr algn="ctr"/>
+            <a:r>
+              <a:rPr lang="en-US" altLang="zh-TW" dirty="0" smtClean="0">
+                <a:solidFill>
+                  <a:schemeClr val="tx1"/>
+                </a:solidFill>
+              </a:rPr>
+              <a:t>If </a:t>
+            </a:r>
+            <a:r>
+              <a:rPr lang="zh-TW" altLang="en-US" dirty="0" smtClean="0">
+                <a:solidFill>
+                  <a:schemeClr val="tx1"/>
+                </a:solidFill>
+              </a:rPr>
+              <a:t>答對了</a:t>
+            </a:r>
+            <a:endParaRPr lang="zh-TW" altLang="en-US" dirty="0">
+              <a:solidFill>
+                <a:schemeClr val="tx1"/>
+              </a:solidFill>
+            </a:endParaRPr>
+          </a:p>
+        </p:txBody>
+      </p:sp>
+      <p:cxnSp>
+        <p:nvCxnSpPr>
+          <p:cNvPr id="9" name="肘形接點 8"/>
+          <p:cNvCxnSpPr>
+            <a:stCxn id="8" idx="2"/>
+            <a:endCxn id="57" idx="0"/>
+          </p:cNvCxnSpPr>
+          <p:nvPr/>
+        </p:nvCxnSpPr>
+        <p:spPr>
+          <a:xfrm rot="16200000" flipH="1">
+            <a:off x="5053221" y="5469706"/>
+            <a:ext cx="377003" cy="1"/>
+          </a:xfrm>
+          <a:prstGeom prst="bentConnector3">
+            <a:avLst>
+              <a:gd name="adj1" fmla="val 50000"/>
+            </a:avLst>
+          </a:prstGeom>
+          <a:ln w="28575">
+            <a:solidFill>
+              <a:schemeClr val="tx1"/>
+            </a:solidFill>
+            <a:tailEnd type="triangle"/>
+          </a:ln>
+        </p:spPr>
+        <p:style>
+          <a:lnRef idx="1">
+            <a:schemeClr val="accent1"/>
+          </a:lnRef>
+          <a:fillRef idx="0">
+            <a:schemeClr val="accent1"/>
+          </a:fillRef>
+          <a:effectRef idx="0">
+            <a:schemeClr val="accent1"/>
+          </a:effectRef>
+          <a:fontRef idx="minor">
+            <a:schemeClr val="tx1"/>
+          </a:fontRef>
+        </p:style>
+      </p:cxnSp>
+      <p:sp>
+        <p:nvSpPr>
+          <p:cNvPr id="10" name="文字方塊 9"/>
+          <p:cNvSpPr txBox="1"/>
+          <p:nvPr/>
+        </p:nvSpPr>
+        <p:spPr>
+          <a:xfrm>
+            <a:off x="6610685" y="4477199"/>
+            <a:ext cx="715260" cy="369332"/>
+          </a:xfrm>
+          <a:prstGeom prst="rect">
+            <a:avLst/>
+          </a:prstGeom>
+          <a:noFill/>
+        </p:spPr>
+        <p:txBody>
+          <a:bodyPr wrap="none" rtlCol="0">
+            <a:spAutoFit/>
+          </a:bodyPr>
+          <a:lstStyle/>
+          <a:p>
+            <a:r>
+              <a:rPr lang="en-US" altLang="zh-TW" dirty="0" smtClean="0">
+                <a:solidFill>
+                  <a:srgbClr val="FF0000"/>
+                </a:solidFill>
+              </a:rPr>
+              <a:t>False</a:t>
+            </a:r>
+            <a:endParaRPr lang="zh-TW" altLang="en-US" dirty="0">
+              <a:solidFill>
+                <a:srgbClr val="FF0000"/>
+              </a:solidFill>
+            </a:endParaRPr>
+          </a:p>
+        </p:txBody>
+      </p:sp>
+      <p:sp>
+        <p:nvSpPr>
+          <p:cNvPr id="11" name="文字方塊 10"/>
+          <p:cNvSpPr txBox="1"/>
+          <p:nvPr/>
+        </p:nvSpPr>
+        <p:spPr>
+          <a:xfrm>
+            <a:off x="5301842" y="5226229"/>
+            <a:ext cx="636969" cy="369332"/>
+          </a:xfrm>
+          <a:prstGeom prst="rect">
+            <a:avLst/>
+          </a:prstGeom>
+          <a:noFill/>
+        </p:spPr>
+        <p:txBody>
+          <a:bodyPr wrap="none" rtlCol="0">
+            <a:spAutoFit/>
+          </a:bodyPr>
+          <a:lstStyle/>
+          <a:p>
+            <a:r>
+              <a:rPr lang="en-US" altLang="zh-TW" dirty="0" smtClean="0">
+                <a:solidFill>
+                  <a:srgbClr val="FF0000"/>
+                </a:solidFill>
+              </a:rPr>
+              <a:t>True</a:t>
+            </a:r>
+            <a:endParaRPr lang="zh-TW" altLang="en-US" dirty="0">
+              <a:solidFill>
+                <a:srgbClr val="FF0000"/>
+              </a:solidFill>
+            </a:endParaRPr>
+          </a:p>
+        </p:txBody>
+      </p:sp>
+      <p:sp>
+        <p:nvSpPr>
+          <p:cNvPr id="12" name="矩形 11"/>
+          <p:cNvSpPr/>
+          <p:nvPr/>
+        </p:nvSpPr>
+        <p:spPr>
+          <a:xfrm>
+            <a:off x="3847263" y="2019186"/>
+            <a:ext cx="2788919" cy="435354"/>
+          </a:xfrm>
+          <a:prstGeom prst="rect">
+            <a:avLst/>
+          </a:prstGeom>
+          <a:solidFill>
+            <a:schemeClr val="bg1"/>
+          </a:solidFill>
+          <a:ln>
+            <a:solidFill>
+              <a:schemeClr val="tx1"/>
+            </a:solidFill>
+          </a:ln>
+        </p:spPr>
+        <p:style>
+          <a:lnRef idx="2">
+            <a:schemeClr val="accent1">
+              <a:shade val="50000"/>
+            </a:schemeClr>
+          </a:lnRef>
+          <a:fillRef idx="1">
+            <a:schemeClr val="accent1"/>
+          </a:fillRef>
+          <a:effectRef idx="0">
+            <a:schemeClr val="accent1"/>
+          </a:effectRef>
+          <a:fontRef idx="minor">
+            <a:schemeClr val="lt1"/>
+          </a:fontRef>
+        </p:style>
+        <p:txBody>
+          <a:bodyPr rtlCol="0" anchor="ctr"/>
+          <a:lstStyle/>
+          <a:p>
+            <a:pPr algn="ctr"/>
+            <a:r>
+              <a:rPr lang="zh-TW" altLang="en-US" dirty="0" smtClean="0">
+                <a:solidFill>
+                  <a:schemeClr val="tx1"/>
+                </a:solidFill>
+              </a:rPr>
+              <a:t>隨機產生兩個</a:t>
+            </a:r>
+            <a:r>
+              <a:rPr lang="en-US" altLang="zh-TW" dirty="0" smtClean="0">
+                <a:solidFill>
+                  <a:schemeClr val="tx1"/>
+                </a:solidFill>
+              </a:rPr>
+              <a:t>1~9</a:t>
+            </a:r>
+            <a:r>
+              <a:rPr lang="zh-TW" altLang="en-US" dirty="0" smtClean="0">
+                <a:solidFill>
+                  <a:schemeClr val="tx1"/>
+                </a:solidFill>
+              </a:rPr>
+              <a:t>的整數</a:t>
+            </a:r>
+            <a:endParaRPr lang="en-US" altLang="zh-TW" dirty="0" smtClean="0">
+              <a:solidFill>
+                <a:schemeClr val="tx1"/>
+              </a:solidFill>
+            </a:endParaRPr>
+          </a:p>
+        </p:txBody>
+      </p:sp>
+      <p:sp>
+        <p:nvSpPr>
+          <p:cNvPr id="13" name="矩形 12"/>
+          <p:cNvSpPr/>
+          <p:nvPr/>
+        </p:nvSpPr>
+        <p:spPr>
+          <a:xfrm>
+            <a:off x="3855802" y="2706673"/>
+            <a:ext cx="2780380" cy="714761"/>
+          </a:xfrm>
+          <a:prstGeom prst="rect">
+            <a:avLst/>
+          </a:prstGeom>
+          <a:solidFill>
+            <a:schemeClr val="bg1"/>
+          </a:solidFill>
+          <a:ln>
+            <a:solidFill>
+              <a:schemeClr val="tx1"/>
+            </a:solidFill>
+          </a:ln>
+        </p:spPr>
+        <p:style>
+          <a:lnRef idx="2">
+            <a:schemeClr val="accent1">
+              <a:shade val="50000"/>
+            </a:schemeClr>
+          </a:lnRef>
+          <a:fillRef idx="1">
+            <a:schemeClr val="accent1"/>
+          </a:fillRef>
+          <a:effectRef idx="0">
+            <a:schemeClr val="accent1"/>
+          </a:effectRef>
+          <a:fontRef idx="minor">
+            <a:schemeClr val="lt1"/>
+          </a:fontRef>
+        </p:style>
+        <p:txBody>
+          <a:bodyPr rtlCol="0" anchor="ctr"/>
+          <a:lstStyle/>
+          <a:p>
+            <a:pPr algn="ctr"/>
+            <a:r>
+              <a:rPr lang="zh-TW" altLang="en-US" dirty="0" smtClean="0">
+                <a:solidFill>
+                  <a:schemeClr val="tx1"/>
+                </a:solidFill>
+              </a:rPr>
+              <a:t>顯示計算式</a:t>
+            </a:r>
+            <a:endParaRPr lang="en-US" altLang="zh-TW" dirty="0" smtClean="0">
+              <a:solidFill>
+                <a:schemeClr val="tx1"/>
+              </a:solidFill>
+            </a:endParaRPr>
+          </a:p>
+          <a:p>
+            <a:pPr algn="ctr"/>
+            <a:r>
+              <a:rPr lang="zh-TW" altLang="en-US" dirty="0" smtClean="0">
+                <a:solidFill>
+                  <a:schemeClr val="tx1"/>
+                </a:solidFill>
+              </a:rPr>
+              <a:t>玩家輸入他的答案</a:t>
+            </a:r>
+            <a:endParaRPr lang="zh-TW" altLang="en-US" dirty="0">
+              <a:solidFill>
+                <a:schemeClr val="tx1"/>
+              </a:solidFill>
+            </a:endParaRPr>
+          </a:p>
+        </p:txBody>
+      </p:sp>
+      <p:sp>
+        <p:nvSpPr>
+          <p:cNvPr id="14" name="矩形 13"/>
+          <p:cNvSpPr/>
+          <p:nvPr/>
+        </p:nvSpPr>
+        <p:spPr>
+          <a:xfrm>
+            <a:off x="4156206" y="3755037"/>
+            <a:ext cx="2171032" cy="489814"/>
+          </a:xfrm>
+          <a:prstGeom prst="rect">
+            <a:avLst/>
+          </a:prstGeom>
+          <a:solidFill>
+            <a:schemeClr val="bg1"/>
+          </a:solidFill>
+          <a:ln>
+            <a:solidFill>
+              <a:schemeClr val="tx1"/>
+            </a:solidFill>
+          </a:ln>
+        </p:spPr>
+        <p:style>
+          <a:lnRef idx="2">
+            <a:schemeClr val="accent1">
+              <a:shade val="50000"/>
+            </a:schemeClr>
+          </a:lnRef>
+          <a:fillRef idx="1">
+            <a:schemeClr val="accent1"/>
+          </a:fillRef>
+          <a:effectRef idx="0">
+            <a:schemeClr val="accent1"/>
+          </a:effectRef>
+          <a:fontRef idx="minor">
+            <a:schemeClr val="lt1"/>
+          </a:fontRef>
+        </p:style>
+        <p:txBody>
+          <a:bodyPr rtlCol="0" anchor="ctr"/>
+          <a:lstStyle/>
+          <a:p>
+            <a:pPr algn="ctr"/>
+            <a:r>
+              <a:rPr lang="zh-TW" altLang="en-US" dirty="0">
+                <a:solidFill>
+                  <a:schemeClr val="tx1"/>
+                </a:solidFill>
+              </a:rPr>
+              <a:t>檢查</a:t>
+            </a:r>
+            <a:r>
+              <a:rPr lang="zh-TW" altLang="en-US" dirty="0" smtClean="0">
+                <a:solidFill>
+                  <a:schemeClr val="tx1"/>
+                </a:solidFill>
+              </a:rPr>
+              <a:t>是否答對</a:t>
+            </a:r>
+            <a:endParaRPr lang="zh-TW" altLang="en-US" dirty="0">
+              <a:solidFill>
+                <a:schemeClr val="tx1"/>
+              </a:solidFill>
+            </a:endParaRPr>
+          </a:p>
+        </p:txBody>
+      </p:sp>
+      <p:sp>
+        <p:nvSpPr>
+          <p:cNvPr id="15" name="矩形 14"/>
+          <p:cNvSpPr/>
+          <p:nvPr/>
+        </p:nvSpPr>
+        <p:spPr>
+          <a:xfrm>
+            <a:off x="1802628" y="4028859"/>
+            <a:ext cx="1697482" cy="896679"/>
+          </a:xfrm>
+          <a:prstGeom prst="rect">
+            <a:avLst/>
+          </a:prstGeom>
+          <a:solidFill>
+            <a:schemeClr val="bg1"/>
+          </a:solidFill>
+          <a:ln>
+            <a:solidFill>
+              <a:schemeClr val="tx1"/>
+            </a:solidFill>
+          </a:ln>
+        </p:spPr>
+        <p:style>
+          <a:lnRef idx="2">
+            <a:schemeClr val="accent1">
+              <a:shade val="50000"/>
+            </a:schemeClr>
+          </a:lnRef>
+          <a:fillRef idx="1">
+            <a:schemeClr val="accent1"/>
+          </a:fillRef>
+          <a:effectRef idx="0">
+            <a:schemeClr val="accent1"/>
+          </a:effectRef>
+          <a:fontRef idx="minor">
+            <a:schemeClr val="lt1"/>
+          </a:fontRef>
+        </p:style>
+        <p:txBody>
+          <a:bodyPr rtlCol="0" anchor="ctr"/>
+          <a:lstStyle/>
+          <a:p>
+            <a:pPr algn="ctr"/>
+            <a:r>
+              <a:rPr lang="zh-TW" altLang="en-US" dirty="0" smtClean="0">
+                <a:solidFill>
+                  <a:schemeClr val="tx1"/>
+                </a:solidFill>
+              </a:rPr>
+              <a:t>提示已完成</a:t>
+            </a:r>
+            <a:endParaRPr lang="en-US" altLang="zh-TW" dirty="0" smtClean="0">
+              <a:solidFill>
+                <a:schemeClr val="tx1"/>
+              </a:solidFill>
+            </a:endParaRPr>
+          </a:p>
+          <a:p>
+            <a:pPr algn="ctr"/>
+            <a:r>
+              <a:rPr lang="zh-TW" altLang="en-US" dirty="0">
+                <a:solidFill>
+                  <a:schemeClr val="tx1"/>
+                </a:solidFill>
+              </a:rPr>
+              <a:t>並</a:t>
+            </a:r>
+            <a:r>
+              <a:rPr lang="zh-TW" altLang="en-US" dirty="0" smtClean="0">
+                <a:solidFill>
+                  <a:schemeClr val="tx1"/>
+                </a:solidFill>
+              </a:rPr>
+              <a:t>顯示時間</a:t>
+            </a:r>
+            <a:endParaRPr lang="en-US" altLang="zh-TW" dirty="0" smtClean="0">
+              <a:solidFill>
+                <a:schemeClr val="tx1"/>
+              </a:solidFill>
+            </a:endParaRPr>
+          </a:p>
+        </p:txBody>
+      </p:sp>
+      <p:cxnSp>
+        <p:nvCxnSpPr>
+          <p:cNvPr id="16" name="肘形接點 15"/>
+          <p:cNvCxnSpPr>
+            <a:stCxn id="57" idx="3"/>
+            <a:endCxn id="12" idx="3"/>
+          </p:cNvCxnSpPr>
+          <p:nvPr/>
+        </p:nvCxnSpPr>
+        <p:spPr>
+          <a:xfrm flipV="1">
+            <a:off x="6457875" y="2236863"/>
+            <a:ext cx="178307" cy="3803004"/>
+          </a:xfrm>
+          <a:prstGeom prst="bentConnector3">
+            <a:avLst>
+              <a:gd name="adj1" fmla="val 1777036"/>
+            </a:avLst>
+          </a:prstGeom>
+          <a:ln w="28575">
+            <a:solidFill>
+              <a:schemeClr val="tx1"/>
+            </a:solidFill>
+            <a:tailEnd type="triangle"/>
+          </a:ln>
+        </p:spPr>
+        <p:style>
+          <a:lnRef idx="1">
+            <a:schemeClr val="accent1"/>
+          </a:lnRef>
+          <a:fillRef idx="0">
+            <a:schemeClr val="accent1"/>
+          </a:fillRef>
+          <a:effectRef idx="0">
+            <a:schemeClr val="accent1"/>
+          </a:effectRef>
+          <a:fontRef idx="minor">
+            <a:schemeClr val="tx1"/>
+          </a:fontRef>
+        </p:style>
+      </p:cxnSp>
+      <p:sp>
+        <p:nvSpPr>
+          <p:cNvPr id="17" name="矩形 16"/>
+          <p:cNvSpPr/>
+          <p:nvPr/>
+        </p:nvSpPr>
+        <p:spPr>
+          <a:xfrm>
+            <a:off x="7566393" y="4641311"/>
+            <a:ext cx="1436776" cy="568454"/>
+          </a:xfrm>
+          <a:prstGeom prst="rect">
+            <a:avLst/>
+          </a:prstGeom>
+          <a:solidFill>
+            <a:schemeClr val="bg1"/>
+          </a:solidFill>
+          <a:ln>
+            <a:solidFill>
+              <a:schemeClr val="tx1"/>
+            </a:solidFill>
+          </a:ln>
+        </p:spPr>
+        <p:style>
+          <a:lnRef idx="2">
+            <a:schemeClr val="accent1">
+              <a:shade val="50000"/>
+            </a:schemeClr>
+          </a:lnRef>
+          <a:fillRef idx="1">
+            <a:schemeClr val="accent1"/>
+          </a:fillRef>
+          <a:effectRef idx="0">
+            <a:schemeClr val="accent1"/>
+          </a:effectRef>
+          <a:fontRef idx="minor">
+            <a:schemeClr val="lt1"/>
+          </a:fontRef>
+        </p:style>
+        <p:txBody>
+          <a:bodyPr rtlCol="0" anchor="ctr"/>
+          <a:lstStyle/>
+          <a:p>
+            <a:pPr algn="ctr"/>
+            <a:r>
+              <a:rPr lang="zh-TW" altLang="en-US" dirty="0" smtClean="0">
+                <a:solidFill>
+                  <a:schemeClr val="tx1"/>
+                </a:solidFill>
+              </a:rPr>
+              <a:t>顯示答錯</a:t>
+            </a:r>
+            <a:endParaRPr lang="zh-TW" altLang="en-US" dirty="0">
+              <a:solidFill>
+                <a:schemeClr val="tx1"/>
+              </a:solidFill>
+            </a:endParaRPr>
+          </a:p>
+        </p:txBody>
+      </p:sp>
+      <p:cxnSp>
+        <p:nvCxnSpPr>
+          <p:cNvPr id="18" name="直線單箭頭接點 17"/>
+          <p:cNvCxnSpPr>
+            <a:stCxn id="12" idx="2"/>
+            <a:endCxn id="13" idx="0"/>
+          </p:cNvCxnSpPr>
+          <p:nvPr/>
+        </p:nvCxnSpPr>
+        <p:spPr>
+          <a:xfrm>
+            <a:off x="5241723" y="2454540"/>
+            <a:ext cx="4269" cy="252133"/>
+          </a:xfrm>
+          <a:prstGeom prst="straightConnector1">
+            <a:avLst/>
+          </a:prstGeom>
+          <a:ln w="28575">
+            <a:solidFill>
+              <a:schemeClr val="tx1"/>
+            </a:solidFill>
+            <a:tailEnd type="triangle"/>
+          </a:ln>
+        </p:spPr>
+        <p:style>
+          <a:lnRef idx="1">
+            <a:schemeClr val="accent1"/>
+          </a:lnRef>
+          <a:fillRef idx="0">
+            <a:schemeClr val="accent1"/>
+          </a:fillRef>
+          <a:effectRef idx="0">
+            <a:schemeClr val="accent1"/>
+          </a:effectRef>
+          <a:fontRef idx="minor">
+            <a:schemeClr val="tx1"/>
+          </a:fontRef>
+        </p:style>
+      </p:cxnSp>
+      <p:cxnSp>
+        <p:nvCxnSpPr>
+          <p:cNvPr id="19" name="直線單箭頭接點 18"/>
+          <p:cNvCxnSpPr>
+            <a:stCxn id="13" idx="2"/>
+            <a:endCxn id="14" idx="0"/>
+          </p:cNvCxnSpPr>
+          <p:nvPr/>
+        </p:nvCxnSpPr>
+        <p:spPr>
+          <a:xfrm flipH="1">
+            <a:off x="5241722" y="3421434"/>
+            <a:ext cx="4270" cy="333603"/>
+          </a:xfrm>
+          <a:prstGeom prst="straightConnector1">
+            <a:avLst/>
+          </a:prstGeom>
+          <a:ln w="28575">
+            <a:solidFill>
+              <a:schemeClr val="tx1"/>
+            </a:solidFill>
+            <a:tailEnd type="triangle"/>
+          </a:ln>
+        </p:spPr>
+        <p:style>
+          <a:lnRef idx="1">
+            <a:schemeClr val="accent1"/>
+          </a:lnRef>
+          <a:fillRef idx="0">
+            <a:schemeClr val="accent1"/>
+          </a:fillRef>
+          <a:effectRef idx="0">
+            <a:schemeClr val="accent1"/>
+          </a:effectRef>
+          <a:fontRef idx="minor">
+            <a:schemeClr val="tx1"/>
+          </a:fontRef>
+        </p:style>
+      </p:cxnSp>
+      <p:cxnSp>
+        <p:nvCxnSpPr>
+          <p:cNvPr id="20" name="直線單箭頭接點 19"/>
+          <p:cNvCxnSpPr>
+            <a:stCxn id="14" idx="2"/>
+            <a:endCxn id="8" idx="0"/>
+          </p:cNvCxnSpPr>
+          <p:nvPr/>
+        </p:nvCxnSpPr>
+        <p:spPr>
+          <a:xfrm>
+            <a:off x="5241722" y="4244851"/>
+            <a:ext cx="0" cy="298173"/>
+          </a:xfrm>
+          <a:prstGeom prst="straightConnector1">
+            <a:avLst/>
+          </a:prstGeom>
+          <a:ln w="28575">
+            <a:solidFill>
+              <a:schemeClr val="tx1"/>
+            </a:solidFill>
+            <a:tailEnd type="triangle"/>
+          </a:ln>
+        </p:spPr>
+        <p:style>
+          <a:lnRef idx="1">
+            <a:schemeClr val="accent1"/>
+          </a:lnRef>
+          <a:fillRef idx="0">
+            <a:schemeClr val="accent1"/>
+          </a:fillRef>
+          <a:effectRef idx="0">
+            <a:schemeClr val="accent1"/>
+          </a:effectRef>
+          <a:fontRef idx="minor">
+            <a:schemeClr val="tx1"/>
+          </a:fontRef>
+        </p:style>
+      </p:cxnSp>
+      <p:cxnSp>
+        <p:nvCxnSpPr>
+          <p:cNvPr id="21" name="直線單箭頭接點 20"/>
+          <p:cNvCxnSpPr>
+            <a:stCxn id="7" idx="2"/>
+            <a:endCxn id="113" idx="0"/>
+          </p:cNvCxnSpPr>
+          <p:nvPr/>
+        </p:nvCxnSpPr>
+        <p:spPr>
+          <a:xfrm flipH="1">
+            <a:off x="5241722" y="1001776"/>
+            <a:ext cx="2666" cy="320437"/>
+          </a:xfrm>
+          <a:prstGeom prst="straightConnector1">
+            <a:avLst/>
+          </a:prstGeom>
+          <a:ln w="28575">
+            <a:solidFill>
+              <a:schemeClr val="tx1"/>
+            </a:solidFill>
+            <a:tailEnd type="triangle"/>
+          </a:ln>
+        </p:spPr>
+        <p:style>
+          <a:lnRef idx="1">
+            <a:schemeClr val="accent1"/>
+          </a:lnRef>
+          <a:fillRef idx="0">
+            <a:schemeClr val="accent1"/>
+          </a:fillRef>
+          <a:effectRef idx="0">
+            <a:schemeClr val="accent1"/>
+          </a:effectRef>
+          <a:fontRef idx="minor">
+            <a:schemeClr val="tx1"/>
+          </a:fontRef>
+        </p:style>
+      </p:cxnSp>
+      <p:cxnSp>
+        <p:nvCxnSpPr>
+          <p:cNvPr id="22" name="直線單箭頭接點 21"/>
+          <p:cNvCxnSpPr>
+            <a:stCxn id="8" idx="3"/>
+            <a:endCxn id="17" idx="1"/>
+          </p:cNvCxnSpPr>
+          <p:nvPr/>
+        </p:nvCxnSpPr>
+        <p:spPr>
+          <a:xfrm>
+            <a:off x="6457874" y="4912115"/>
+            <a:ext cx="1108519" cy="13423"/>
+          </a:xfrm>
+          <a:prstGeom prst="straightConnector1">
+            <a:avLst/>
+          </a:prstGeom>
+          <a:ln w="28575">
+            <a:solidFill>
+              <a:schemeClr val="tx1"/>
+            </a:solidFill>
+            <a:tailEnd type="triangle"/>
+          </a:ln>
+        </p:spPr>
+        <p:style>
+          <a:lnRef idx="1">
+            <a:schemeClr val="accent1"/>
+          </a:lnRef>
+          <a:fillRef idx="0">
+            <a:schemeClr val="accent1"/>
+          </a:fillRef>
+          <a:effectRef idx="0">
+            <a:schemeClr val="accent1"/>
+          </a:effectRef>
+          <a:fontRef idx="minor">
+            <a:schemeClr val="tx1"/>
+          </a:fontRef>
+        </p:style>
+      </p:cxnSp>
+      <p:cxnSp>
+        <p:nvCxnSpPr>
+          <p:cNvPr id="23" name="肘形接點 22"/>
+          <p:cNvCxnSpPr>
+            <a:stCxn id="17" idx="0"/>
+            <a:endCxn id="13" idx="3"/>
+          </p:cNvCxnSpPr>
+          <p:nvPr/>
+        </p:nvCxnSpPr>
+        <p:spPr>
+          <a:xfrm rot="16200000" flipV="1">
+            <a:off x="6671854" y="3028383"/>
+            <a:ext cx="1577257" cy="1648599"/>
+          </a:xfrm>
+          <a:prstGeom prst="bentConnector2">
+            <a:avLst/>
+          </a:prstGeom>
+          <a:ln w="28575">
+            <a:solidFill>
+              <a:schemeClr val="tx1"/>
+            </a:solidFill>
+            <a:tailEnd type="triangle"/>
+          </a:ln>
+        </p:spPr>
+        <p:style>
+          <a:lnRef idx="1">
+            <a:schemeClr val="accent1"/>
+          </a:lnRef>
+          <a:fillRef idx="0">
+            <a:schemeClr val="accent1"/>
+          </a:fillRef>
+          <a:effectRef idx="0">
+            <a:schemeClr val="accent1"/>
+          </a:effectRef>
+          <a:fontRef idx="minor">
+            <a:schemeClr val="tx1"/>
+          </a:fontRef>
+        </p:style>
+      </p:cxnSp>
+      <p:sp>
+        <p:nvSpPr>
+          <p:cNvPr id="57" name="菱形 56"/>
+          <p:cNvSpPr/>
+          <p:nvPr/>
+        </p:nvSpPr>
+        <p:spPr>
+          <a:xfrm>
+            <a:off x="4025571" y="5658209"/>
+            <a:ext cx="2432304" cy="763315"/>
+          </a:xfrm>
+          <a:prstGeom prst="diamond">
+            <a:avLst/>
+          </a:prstGeom>
+          <a:solidFill>
+            <a:schemeClr val="bg1"/>
+          </a:solidFill>
+          <a:ln>
+            <a:solidFill>
+              <a:schemeClr val="tx1"/>
+            </a:solidFill>
+          </a:ln>
+        </p:spPr>
+        <p:style>
+          <a:lnRef idx="2">
+            <a:schemeClr val="accent1">
+              <a:shade val="50000"/>
+            </a:schemeClr>
+          </a:lnRef>
+          <a:fillRef idx="1">
+            <a:schemeClr val="accent1"/>
+          </a:fillRef>
+          <a:effectRef idx="0">
+            <a:schemeClr val="accent1"/>
+          </a:effectRef>
+          <a:fontRef idx="minor">
+            <a:schemeClr val="lt1"/>
+          </a:fontRef>
+        </p:style>
+        <p:txBody>
+          <a:bodyPr rtlCol="0" anchor="ctr"/>
+          <a:lstStyle/>
+          <a:p>
+            <a:pPr algn="ctr"/>
+            <a:r>
+              <a:rPr lang="en-US" altLang="zh-TW" dirty="0" smtClean="0">
+                <a:solidFill>
+                  <a:schemeClr val="tx1"/>
+                </a:solidFill>
+              </a:rPr>
+              <a:t>If </a:t>
+            </a:r>
+            <a:r>
+              <a:rPr lang="en-US" altLang="zh-TW" dirty="0" smtClean="0">
+                <a:solidFill>
+                  <a:schemeClr val="tx1"/>
+                </a:solidFill>
+              </a:rPr>
+              <a:t>20</a:t>
+            </a:r>
+            <a:r>
+              <a:rPr lang="zh-TW" altLang="en-US" dirty="0" smtClean="0">
+                <a:solidFill>
+                  <a:schemeClr val="tx1"/>
+                </a:solidFill>
+              </a:rPr>
+              <a:t>題</a:t>
+            </a:r>
+            <a:endParaRPr lang="zh-TW" altLang="en-US" dirty="0">
+              <a:solidFill>
+                <a:schemeClr val="tx1"/>
+              </a:solidFill>
+            </a:endParaRPr>
+          </a:p>
+        </p:txBody>
+      </p:sp>
+      <p:sp>
+        <p:nvSpPr>
+          <p:cNvPr id="61" name="文字方塊 60"/>
+          <p:cNvSpPr txBox="1"/>
+          <p:nvPr/>
+        </p:nvSpPr>
+        <p:spPr>
+          <a:xfrm>
+            <a:off x="3172594" y="5620210"/>
+            <a:ext cx="636969" cy="369332"/>
+          </a:xfrm>
+          <a:prstGeom prst="rect">
+            <a:avLst/>
+          </a:prstGeom>
+          <a:noFill/>
+        </p:spPr>
+        <p:txBody>
+          <a:bodyPr wrap="none" rtlCol="0">
+            <a:spAutoFit/>
+          </a:bodyPr>
+          <a:lstStyle/>
+          <a:p>
+            <a:r>
+              <a:rPr lang="en-US" altLang="zh-TW" dirty="0" smtClean="0">
+                <a:solidFill>
+                  <a:srgbClr val="FF0000"/>
+                </a:solidFill>
+              </a:rPr>
+              <a:t>True</a:t>
+            </a:r>
+            <a:endParaRPr lang="zh-TW" altLang="en-US" dirty="0">
+              <a:solidFill>
+                <a:srgbClr val="FF0000"/>
+              </a:solidFill>
+            </a:endParaRPr>
+          </a:p>
+        </p:txBody>
+      </p:sp>
+      <p:sp>
+        <p:nvSpPr>
+          <p:cNvPr id="62" name="文字方塊 61"/>
+          <p:cNvSpPr txBox="1"/>
+          <p:nvPr/>
+        </p:nvSpPr>
+        <p:spPr>
+          <a:xfrm>
+            <a:off x="6473848" y="5620210"/>
+            <a:ext cx="715260" cy="369332"/>
+          </a:xfrm>
+          <a:prstGeom prst="rect">
+            <a:avLst/>
+          </a:prstGeom>
+          <a:noFill/>
+        </p:spPr>
+        <p:txBody>
+          <a:bodyPr wrap="none" rtlCol="0">
+            <a:spAutoFit/>
+          </a:bodyPr>
+          <a:lstStyle/>
+          <a:p>
+            <a:r>
+              <a:rPr lang="en-US" altLang="zh-TW" dirty="0" smtClean="0">
+                <a:solidFill>
+                  <a:srgbClr val="FF0000"/>
+                </a:solidFill>
+              </a:rPr>
+              <a:t>False</a:t>
+            </a:r>
+            <a:endParaRPr lang="zh-TW" altLang="en-US" dirty="0">
+              <a:solidFill>
+                <a:srgbClr val="FF0000"/>
+              </a:solidFill>
+            </a:endParaRPr>
+          </a:p>
+        </p:txBody>
+      </p:sp>
+      <p:cxnSp>
+        <p:nvCxnSpPr>
+          <p:cNvPr id="67" name="肘形接點 66"/>
+          <p:cNvCxnSpPr>
+            <a:stCxn id="57" idx="1"/>
+            <a:endCxn id="15" idx="2"/>
+          </p:cNvCxnSpPr>
+          <p:nvPr/>
+        </p:nvCxnSpPr>
+        <p:spPr>
+          <a:xfrm rot="10800000">
+            <a:off x="2651369" y="4925539"/>
+            <a:ext cx="1374202" cy="1114329"/>
+          </a:xfrm>
+          <a:prstGeom prst="bentConnector2">
+            <a:avLst/>
+          </a:prstGeom>
+          <a:ln w="28575">
+            <a:solidFill>
+              <a:schemeClr val="tx1"/>
+            </a:solidFill>
+            <a:tailEnd type="triangle"/>
+          </a:ln>
+        </p:spPr>
+        <p:style>
+          <a:lnRef idx="1">
+            <a:schemeClr val="accent1"/>
+          </a:lnRef>
+          <a:fillRef idx="0">
+            <a:schemeClr val="accent1"/>
+          </a:fillRef>
+          <a:effectRef idx="0">
+            <a:schemeClr val="accent1"/>
+          </a:effectRef>
+          <a:fontRef idx="minor">
+            <a:schemeClr val="tx1"/>
+          </a:fontRef>
+        </p:style>
+      </p:cxnSp>
+      <p:cxnSp>
+        <p:nvCxnSpPr>
+          <p:cNvPr id="70" name="肘形接點 69"/>
+          <p:cNvCxnSpPr>
+            <a:stCxn id="15" idx="0"/>
+            <a:endCxn id="113" idx="1"/>
+          </p:cNvCxnSpPr>
+          <p:nvPr/>
+        </p:nvCxnSpPr>
+        <p:spPr>
+          <a:xfrm rot="5400000" flipH="1" flipV="1">
+            <a:off x="2126644" y="2064616"/>
+            <a:ext cx="2488969" cy="1439519"/>
+          </a:xfrm>
+          <a:prstGeom prst="bentConnector2">
+            <a:avLst/>
+          </a:prstGeom>
+          <a:ln w="28575">
+            <a:solidFill>
+              <a:schemeClr val="tx1"/>
+            </a:solidFill>
+            <a:tailEnd type="triangle"/>
+          </a:ln>
+        </p:spPr>
+        <p:style>
+          <a:lnRef idx="1">
+            <a:schemeClr val="accent1"/>
+          </a:lnRef>
+          <a:fillRef idx="0">
+            <a:schemeClr val="accent1"/>
+          </a:fillRef>
+          <a:effectRef idx="0">
+            <a:schemeClr val="accent1"/>
+          </a:effectRef>
+          <a:fontRef idx="minor">
+            <a:schemeClr val="tx1"/>
+          </a:fontRef>
+        </p:style>
+      </p:cxnSp>
+      <p:sp>
+        <p:nvSpPr>
+          <p:cNvPr id="113" name="矩形 112"/>
+          <p:cNvSpPr/>
+          <p:nvPr/>
+        </p:nvSpPr>
+        <p:spPr>
+          <a:xfrm>
+            <a:off x="4090888" y="1322213"/>
+            <a:ext cx="2301668" cy="435354"/>
+          </a:xfrm>
+          <a:prstGeom prst="rect">
+            <a:avLst/>
+          </a:prstGeom>
+          <a:solidFill>
+            <a:schemeClr val="bg1"/>
+          </a:solidFill>
+          <a:ln>
+            <a:solidFill>
+              <a:schemeClr val="tx1"/>
+            </a:solidFill>
+          </a:ln>
+        </p:spPr>
+        <p:style>
+          <a:lnRef idx="2">
+            <a:schemeClr val="accent1">
+              <a:shade val="50000"/>
+            </a:schemeClr>
+          </a:lnRef>
+          <a:fillRef idx="1">
+            <a:schemeClr val="accent1"/>
+          </a:fillRef>
+          <a:effectRef idx="0">
+            <a:schemeClr val="accent1"/>
+          </a:effectRef>
+          <a:fontRef idx="minor">
+            <a:schemeClr val="lt1"/>
+          </a:fontRef>
+        </p:style>
+        <p:txBody>
+          <a:bodyPr rtlCol="0" anchor="ctr"/>
+          <a:lstStyle/>
+          <a:p>
+            <a:pPr algn="ctr"/>
+            <a:r>
+              <a:rPr lang="zh-TW" altLang="en-US" dirty="0" smtClean="0">
+                <a:solidFill>
+                  <a:schemeClr val="tx1"/>
+                </a:solidFill>
+              </a:rPr>
+              <a:t>紀錄開始時間</a:t>
+            </a:r>
+            <a:endParaRPr lang="en-US" altLang="zh-TW" dirty="0" smtClean="0">
+              <a:solidFill>
+                <a:schemeClr val="tx1"/>
+              </a:solidFill>
+            </a:endParaRPr>
+          </a:p>
+        </p:txBody>
+      </p:sp>
+      <p:cxnSp>
+        <p:nvCxnSpPr>
+          <p:cNvPr id="115" name="直線單箭頭接點 114"/>
+          <p:cNvCxnSpPr>
+            <a:stCxn id="113" idx="2"/>
+            <a:endCxn id="12" idx="0"/>
+          </p:cNvCxnSpPr>
+          <p:nvPr/>
+        </p:nvCxnSpPr>
+        <p:spPr>
+          <a:xfrm>
+            <a:off x="5241722" y="1757567"/>
+            <a:ext cx="1" cy="261619"/>
+          </a:xfrm>
+          <a:prstGeom prst="straightConnector1">
+            <a:avLst/>
+          </a:prstGeom>
+          <a:ln w="28575">
+            <a:solidFill>
+              <a:schemeClr val="tx1"/>
+            </a:solidFill>
+            <a:tailEnd type="triangle"/>
+          </a:ln>
+        </p:spPr>
+        <p:style>
+          <a:lnRef idx="1">
+            <a:schemeClr val="accent1"/>
+          </a:lnRef>
+          <a:fillRef idx="0">
+            <a:schemeClr val="accent1"/>
+          </a:fillRef>
+          <a:effectRef idx="0">
+            <a:schemeClr val="accent1"/>
+          </a:effectRef>
+          <a:fontRef idx="minor">
+            <a:schemeClr val="tx1"/>
+          </a:fontRef>
+        </p:style>
+      </p:cxnSp>
+    </p:spTree>
+    <p:extLst>
+      <p:ext uri="{BB962C8B-B14F-4D97-AF65-F5344CB8AC3E}">
+        <p14:creationId xmlns:p14="http://schemas.microsoft.com/office/powerpoint/2010/main" val="4087583972"/>
+      </p:ext>
+    </p:extLst>
+  </p:cSld>
+  <p:clrMapOvr>
+    <a:masterClrMapping/>
+  </p:clrMapOvr>
+  <p:timing>
+    <p:tnLst>
+      <p:par>
+        <p:cTn id="1" dur="indefinite" restart="never" nodeType="tmRoot">
+          <p:childTnLst>
+            <p:seq concurrent="1" nextAc="seek">
+              <p:cTn id="2" dur="indefinite" nodeType="mainSeq">
+                <p:childTnLst>
+                  <p:par>
+                    <p:cTn id="3" fill="hold">
+                      <p:stCondLst>
+                        <p:cond delay="indefinite"/>
+                      </p:stCondLst>
+                      <p:childTnLst>
+                        <p:par>
+                          <p:cTn id="4" fill="hold">
+                            <p:stCondLst>
+                              <p:cond delay="0"/>
+                            </p:stCondLst>
+                            <p:childTnLst>
+                              <p:par>
+                                <p:cTn id="5" presetID="1" presetClass="entr" presetSubtype="0" fill="hold" grpId="0" nodeType="clickEffect">
+                                  <p:stCondLst>
+                                    <p:cond delay="0"/>
+                                  </p:stCondLst>
+                                  <p:childTnLst>
+                                    <p:set>
+                                      <p:cBhvr>
+                                        <p:cTn id="6" dur="1" fill="hold">
+                                          <p:stCondLst>
+                                            <p:cond delay="0"/>
+                                          </p:stCondLst>
+                                        </p:cTn>
+                                        <p:tgtEl>
+                                          <p:spTgt spid="7"/>
+                                        </p:tgtEl>
+                                        <p:attrNameLst>
+                                          <p:attrName>style.visibility</p:attrName>
+                                        </p:attrNameLst>
+                                      </p:cBhvr>
+                                      <p:to>
+                                        <p:strVal val="visible"/>
+                                      </p:to>
+                                    </p:set>
+                                  </p:childTnLst>
+                                </p:cTn>
+                              </p:par>
+                            </p:childTnLst>
+                          </p:cTn>
+                        </p:par>
+                      </p:childTnLst>
+                    </p:cTn>
+                  </p:par>
+                  <p:par>
+                    <p:cTn id="7" fill="hold">
+                      <p:stCondLst>
+                        <p:cond delay="indefinite"/>
+                      </p:stCondLst>
+                      <p:childTnLst>
+                        <p:par>
+                          <p:cTn id="8" fill="hold">
+                            <p:stCondLst>
+                              <p:cond delay="0"/>
+                            </p:stCondLst>
+                            <p:childTnLst>
+                              <p:par>
+                                <p:cTn id="9" presetID="1" presetClass="entr" presetSubtype="0" fill="hold" nodeType="clickEffect">
+                                  <p:stCondLst>
+                                    <p:cond delay="0"/>
+                                  </p:stCondLst>
+                                  <p:childTnLst>
+                                    <p:set>
+                                      <p:cBhvr>
+                                        <p:cTn id="10" dur="1" fill="hold">
+                                          <p:stCondLst>
+                                            <p:cond delay="0"/>
+                                          </p:stCondLst>
+                                        </p:cTn>
+                                        <p:tgtEl>
+                                          <p:spTgt spid="21"/>
+                                        </p:tgtEl>
+                                        <p:attrNameLst>
+                                          <p:attrName>style.visibility</p:attrName>
+                                        </p:attrNameLst>
+                                      </p:cBhvr>
+                                      <p:to>
+                                        <p:strVal val="visible"/>
+                                      </p:to>
+                                    </p:set>
+                                  </p:childTnLst>
+                                </p:cTn>
+                              </p:par>
+                              <p:par>
+                                <p:cTn id="11" presetID="1" presetClass="entr" presetSubtype="0" fill="hold" grpId="0" nodeType="withEffect">
+                                  <p:stCondLst>
+                                    <p:cond delay="0"/>
+                                  </p:stCondLst>
+                                  <p:childTnLst>
+                                    <p:set>
+                                      <p:cBhvr>
+                                        <p:cTn id="12" dur="1" fill="hold">
+                                          <p:stCondLst>
+                                            <p:cond delay="0"/>
+                                          </p:stCondLst>
+                                        </p:cTn>
+                                        <p:tgtEl>
+                                          <p:spTgt spid="113"/>
+                                        </p:tgtEl>
+                                        <p:attrNameLst>
+                                          <p:attrName>style.visibility</p:attrName>
+                                        </p:attrNameLst>
+                                      </p:cBhvr>
+                                      <p:to>
+                                        <p:strVal val="visible"/>
+                                      </p:to>
+                                    </p:set>
+                                  </p:childTnLst>
+                                </p:cTn>
+                              </p:par>
+                            </p:childTnLst>
+                          </p:cTn>
+                        </p:par>
+                      </p:childTnLst>
+                    </p:cTn>
+                  </p:par>
+                  <p:par>
+                    <p:cTn id="13" fill="hold">
+                      <p:stCondLst>
+                        <p:cond delay="indefinite"/>
+                      </p:stCondLst>
+                      <p:childTnLst>
+                        <p:par>
+                          <p:cTn id="14" fill="hold">
+                            <p:stCondLst>
+                              <p:cond delay="0"/>
+                            </p:stCondLst>
+                            <p:childTnLst>
+                              <p:par>
+                                <p:cTn id="15" presetID="1" presetClass="entr" presetSubtype="0" fill="hold" nodeType="clickEffect">
+                                  <p:stCondLst>
+                                    <p:cond delay="0"/>
+                                  </p:stCondLst>
+                                  <p:childTnLst>
+                                    <p:set>
+                                      <p:cBhvr>
+                                        <p:cTn id="16" dur="1" fill="hold">
+                                          <p:stCondLst>
+                                            <p:cond delay="0"/>
+                                          </p:stCondLst>
+                                        </p:cTn>
+                                        <p:tgtEl>
+                                          <p:spTgt spid="115"/>
+                                        </p:tgtEl>
+                                        <p:attrNameLst>
+                                          <p:attrName>style.visibility</p:attrName>
+                                        </p:attrNameLst>
+                                      </p:cBhvr>
+                                      <p:to>
+                                        <p:strVal val="visible"/>
+                                      </p:to>
+                                    </p:set>
+                                  </p:childTnLst>
+                                </p:cTn>
+                              </p:par>
+                              <p:par>
+                                <p:cTn id="17" presetID="1" presetClass="entr" presetSubtype="0" fill="hold" grpId="0" nodeType="withEffect">
+                                  <p:stCondLst>
+                                    <p:cond delay="0"/>
+                                  </p:stCondLst>
+                                  <p:childTnLst>
+                                    <p:set>
+                                      <p:cBhvr>
+                                        <p:cTn id="18" dur="1" fill="hold">
+                                          <p:stCondLst>
+                                            <p:cond delay="0"/>
+                                          </p:stCondLst>
+                                        </p:cTn>
+                                        <p:tgtEl>
+                                          <p:spTgt spid="12"/>
+                                        </p:tgtEl>
+                                        <p:attrNameLst>
+                                          <p:attrName>style.visibility</p:attrName>
+                                        </p:attrNameLst>
+                                      </p:cBhvr>
+                                      <p:to>
+                                        <p:strVal val="visible"/>
+                                      </p:to>
+                                    </p:set>
+                                  </p:childTnLst>
+                                </p:cTn>
+                              </p:par>
+                            </p:childTnLst>
+                          </p:cTn>
+                        </p:par>
+                      </p:childTnLst>
+                    </p:cTn>
+                  </p:par>
+                  <p:par>
+                    <p:cTn id="19" fill="hold">
+                      <p:stCondLst>
+                        <p:cond delay="indefinite"/>
+                      </p:stCondLst>
+                      <p:childTnLst>
+                        <p:par>
+                          <p:cTn id="20" fill="hold">
+                            <p:stCondLst>
+                              <p:cond delay="0"/>
+                            </p:stCondLst>
+                            <p:childTnLst>
+                              <p:par>
+                                <p:cTn id="21" presetID="1" presetClass="entr" presetSubtype="0" fill="hold" nodeType="clickEffect">
+                                  <p:stCondLst>
+                                    <p:cond delay="0"/>
+                                  </p:stCondLst>
+                                  <p:childTnLst>
+                                    <p:set>
+                                      <p:cBhvr>
+                                        <p:cTn id="22" dur="1" fill="hold">
+                                          <p:stCondLst>
+                                            <p:cond delay="0"/>
+                                          </p:stCondLst>
+                                        </p:cTn>
+                                        <p:tgtEl>
+                                          <p:spTgt spid="18"/>
+                                        </p:tgtEl>
+                                        <p:attrNameLst>
+                                          <p:attrName>style.visibility</p:attrName>
+                                        </p:attrNameLst>
+                                      </p:cBhvr>
+                                      <p:to>
+                                        <p:strVal val="visible"/>
+                                      </p:to>
+                                    </p:set>
+                                  </p:childTnLst>
+                                </p:cTn>
+                              </p:par>
+                              <p:par>
+                                <p:cTn id="23" presetID="1" presetClass="entr" presetSubtype="0" fill="hold" grpId="0" nodeType="withEffect">
+                                  <p:stCondLst>
+                                    <p:cond delay="0"/>
+                                  </p:stCondLst>
+                                  <p:childTnLst>
+                                    <p:set>
+                                      <p:cBhvr>
+                                        <p:cTn id="24" dur="1" fill="hold">
+                                          <p:stCondLst>
+                                            <p:cond delay="0"/>
+                                          </p:stCondLst>
+                                        </p:cTn>
+                                        <p:tgtEl>
+                                          <p:spTgt spid="13"/>
+                                        </p:tgtEl>
+                                        <p:attrNameLst>
+                                          <p:attrName>style.visibility</p:attrName>
+                                        </p:attrNameLst>
+                                      </p:cBhvr>
+                                      <p:to>
+                                        <p:strVal val="visible"/>
+                                      </p:to>
+                                    </p:set>
+                                  </p:childTnLst>
+                                </p:cTn>
+                              </p:par>
+                            </p:childTnLst>
+                          </p:cTn>
+                        </p:par>
+                      </p:childTnLst>
+                    </p:cTn>
+                  </p:par>
+                  <p:par>
+                    <p:cTn id="25" fill="hold">
+                      <p:stCondLst>
+                        <p:cond delay="indefinite"/>
+                      </p:stCondLst>
+                      <p:childTnLst>
+                        <p:par>
+                          <p:cTn id="26" fill="hold">
+                            <p:stCondLst>
+                              <p:cond delay="0"/>
+                            </p:stCondLst>
+                            <p:childTnLst>
+                              <p:par>
+                                <p:cTn id="27" presetID="1" presetClass="entr" presetSubtype="0" fill="hold" nodeType="clickEffect">
+                                  <p:stCondLst>
+                                    <p:cond delay="0"/>
+                                  </p:stCondLst>
+                                  <p:childTnLst>
+                                    <p:set>
+                                      <p:cBhvr>
+                                        <p:cTn id="28" dur="1" fill="hold">
+                                          <p:stCondLst>
+                                            <p:cond delay="0"/>
+                                          </p:stCondLst>
+                                        </p:cTn>
+                                        <p:tgtEl>
+                                          <p:spTgt spid="19"/>
+                                        </p:tgtEl>
+                                        <p:attrNameLst>
+                                          <p:attrName>style.visibility</p:attrName>
+                                        </p:attrNameLst>
+                                      </p:cBhvr>
+                                      <p:to>
+                                        <p:strVal val="visible"/>
+                                      </p:to>
+                                    </p:set>
+                                  </p:childTnLst>
+                                </p:cTn>
+                              </p:par>
+                              <p:par>
+                                <p:cTn id="29" presetID="1" presetClass="entr" presetSubtype="0" fill="hold" grpId="0" nodeType="withEffect">
+                                  <p:stCondLst>
+                                    <p:cond delay="0"/>
+                                  </p:stCondLst>
+                                  <p:childTnLst>
+                                    <p:set>
+                                      <p:cBhvr>
+                                        <p:cTn id="30" dur="1" fill="hold">
+                                          <p:stCondLst>
+                                            <p:cond delay="0"/>
+                                          </p:stCondLst>
+                                        </p:cTn>
+                                        <p:tgtEl>
+                                          <p:spTgt spid="14"/>
+                                        </p:tgtEl>
+                                        <p:attrNameLst>
+                                          <p:attrName>style.visibility</p:attrName>
+                                        </p:attrNameLst>
+                                      </p:cBhvr>
+                                      <p:to>
+                                        <p:strVal val="visible"/>
+                                      </p:to>
+                                    </p:set>
+                                  </p:childTnLst>
+                                </p:cTn>
+                              </p:par>
+                            </p:childTnLst>
+                          </p:cTn>
+                        </p:par>
+                      </p:childTnLst>
+                    </p:cTn>
+                  </p:par>
+                  <p:par>
+                    <p:cTn id="31" fill="hold">
+                      <p:stCondLst>
+                        <p:cond delay="indefinite"/>
+                      </p:stCondLst>
+                      <p:childTnLst>
+                        <p:par>
+                          <p:cTn id="32" fill="hold">
+                            <p:stCondLst>
+                              <p:cond delay="0"/>
+                            </p:stCondLst>
+                            <p:childTnLst>
+                              <p:par>
+                                <p:cTn id="33" presetID="1" presetClass="entr" presetSubtype="0" fill="hold" nodeType="clickEffect">
+                                  <p:stCondLst>
+                                    <p:cond delay="0"/>
+                                  </p:stCondLst>
+                                  <p:childTnLst>
+                                    <p:set>
+                                      <p:cBhvr>
+                                        <p:cTn id="34" dur="1" fill="hold">
+                                          <p:stCondLst>
+                                            <p:cond delay="0"/>
+                                          </p:stCondLst>
+                                        </p:cTn>
+                                        <p:tgtEl>
+                                          <p:spTgt spid="20"/>
+                                        </p:tgtEl>
+                                        <p:attrNameLst>
+                                          <p:attrName>style.visibility</p:attrName>
+                                        </p:attrNameLst>
+                                      </p:cBhvr>
+                                      <p:to>
+                                        <p:strVal val="visible"/>
+                                      </p:to>
+                                    </p:set>
+                                  </p:childTnLst>
+                                </p:cTn>
+                              </p:par>
+                              <p:par>
+                                <p:cTn id="35" presetID="1" presetClass="entr" presetSubtype="0" fill="hold" grpId="0" nodeType="withEffect">
+                                  <p:stCondLst>
+                                    <p:cond delay="0"/>
+                                  </p:stCondLst>
+                                  <p:childTnLst>
+                                    <p:set>
+                                      <p:cBhvr>
+                                        <p:cTn id="36" dur="1" fill="hold">
+                                          <p:stCondLst>
+                                            <p:cond delay="0"/>
+                                          </p:stCondLst>
+                                        </p:cTn>
+                                        <p:tgtEl>
+                                          <p:spTgt spid="8"/>
+                                        </p:tgtEl>
+                                        <p:attrNameLst>
+                                          <p:attrName>style.visibility</p:attrName>
+                                        </p:attrNameLst>
+                                      </p:cBhvr>
+                                      <p:to>
+                                        <p:strVal val="visible"/>
+                                      </p:to>
+                                    </p:set>
+                                  </p:childTnLst>
+                                </p:cTn>
+                              </p:par>
+                            </p:childTnLst>
+                          </p:cTn>
+                        </p:par>
+                      </p:childTnLst>
+                    </p:cTn>
+                  </p:par>
+                  <p:par>
+                    <p:cTn id="37" fill="hold">
+                      <p:stCondLst>
+                        <p:cond delay="indefinite"/>
+                      </p:stCondLst>
+                      <p:childTnLst>
+                        <p:par>
+                          <p:cTn id="38" fill="hold">
+                            <p:stCondLst>
+                              <p:cond delay="0"/>
+                            </p:stCondLst>
+                            <p:childTnLst>
+                              <p:par>
+                                <p:cTn id="39" presetID="1" presetClass="entr" presetSubtype="0" fill="hold" grpId="0" nodeType="clickEffect">
+                                  <p:stCondLst>
+                                    <p:cond delay="0"/>
+                                  </p:stCondLst>
+                                  <p:childTnLst>
+                                    <p:set>
+                                      <p:cBhvr>
+                                        <p:cTn id="40" dur="1" fill="hold">
+                                          <p:stCondLst>
+                                            <p:cond delay="0"/>
+                                          </p:stCondLst>
+                                        </p:cTn>
+                                        <p:tgtEl>
+                                          <p:spTgt spid="10"/>
+                                        </p:tgtEl>
+                                        <p:attrNameLst>
+                                          <p:attrName>style.visibility</p:attrName>
+                                        </p:attrNameLst>
+                                      </p:cBhvr>
+                                      <p:to>
+                                        <p:strVal val="visible"/>
+                                      </p:to>
+                                    </p:set>
+                                  </p:childTnLst>
+                                </p:cTn>
+                              </p:par>
+                              <p:par>
+                                <p:cTn id="41" presetID="1" presetClass="entr" presetSubtype="0" fill="hold" nodeType="withEffect">
+                                  <p:stCondLst>
+                                    <p:cond delay="0"/>
+                                  </p:stCondLst>
+                                  <p:childTnLst>
+                                    <p:set>
+                                      <p:cBhvr>
+                                        <p:cTn id="42" dur="1" fill="hold">
+                                          <p:stCondLst>
+                                            <p:cond delay="0"/>
+                                          </p:stCondLst>
+                                        </p:cTn>
+                                        <p:tgtEl>
+                                          <p:spTgt spid="22"/>
+                                        </p:tgtEl>
+                                        <p:attrNameLst>
+                                          <p:attrName>style.visibility</p:attrName>
+                                        </p:attrNameLst>
+                                      </p:cBhvr>
+                                      <p:to>
+                                        <p:strVal val="visible"/>
+                                      </p:to>
+                                    </p:set>
+                                  </p:childTnLst>
+                                </p:cTn>
+                              </p:par>
+                              <p:par>
+                                <p:cTn id="43" presetID="1" presetClass="entr" presetSubtype="0" fill="hold" grpId="0" nodeType="withEffect">
+                                  <p:stCondLst>
+                                    <p:cond delay="0"/>
+                                  </p:stCondLst>
+                                  <p:childTnLst>
+                                    <p:set>
+                                      <p:cBhvr>
+                                        <p:cTn id="44" dur="1" fill="hold">
+                                          <p:stCondLst>
+                                            <p:cond delay="0"/>
+                                          </p:stCondLst>
+                                        </p:cTn>
+                                        <p:tgtEl>
+                                          <p:spTgt spid="17"/>
+                                        </p:tgtEl>
+                                        <p:attrNameLst>
+                                          <p:attrName>style.visibility</p:attrName>
+                                        </p:attrNameLst>
+                                      </p:cBhvr>
+                                      <p:to>
+                                        <p:strVal val="visible"/>
+                                      </p:to>
+                                    </p:set>
+                                  </p:childTnLst>
+                                </p:cTn>
+                              </p:par>
+                              <p:par>
+                                <p:cTn id="45" presetID="1" presetClass="entr" presetSubtype="0" fill="hold" nodeType="withEffect">
+                                  <p:stCondLst>
+                                    <p:cond delay="0"/>
+                                  </p:stCondLst>
+                                  <p:childTnLst>
+                                    <p:set>
+                                      <p:cBhvr>
+                                        <p:cTn id="46" dur="1" fill="hold">
+                                          <p:stCondLst>
+                                            <p:cond delay="0"/>
+                                          </p:stCondLst>
+                                        </p:cTn>
+                                        <p:tgtEl>
+                                          <p:spTgt spid="23"/>
+                                        </p:tgtEl>
+                                        <p:attrNameLst>
+                                          <p:attrName>style.visibility</p:attrName>
+                                        </p:attrNameLst>
+                                      </p:cBhvr>
+                                      <p:to>
+                                        <p:strVal val="visible"/>
+                                      </p:to>
+                                    </p:set>
+                                  </p:childTnLst>
+                                </p:cTn>
+                              </p:par>
+                            </p:childTnLst>
+                          </p:cTn>
+                        </p:par>
+                      </p:childTnLst>
+                    </p:cTn>
+                  </p:par>
+                  <p:par>
+                    <p:cTn id="47" fill="hold">
+                      <p:stCondLst>
+                        <p:cond delay="indefinite"/>
+                      </p:stCondLst>
+                      <p:childTnLst>
+                        <p:par>
+                          <p:cTn id="48" fill="hold">
+                            <p:stCondLst>
+                              <p:cond delay="0"/>
+                            </p:stCondLst>
+                            <p:childTnLst>
+                              <p:par>
+                                <p:cTn id="49" presetID="1" presetClass="entr" presetSubtype="0" fill="hold" grpId="0" nodeType="clickEffect">
+                                  <p:stCondLst>
+                                    <p:cond delay="0"/>
+                                  </p:stCondLst>
+                                  <p:childTnLst>
+                                    <p:set>
+                                      <p:cBhvr>
+                                        <p:cTn id="50" dur="1" fill="hold">
+                                          <p:stCondLst>
+                                            <p:cond delay="0"/>
+                                          </p:stCondLst>
+                                        </p:cTn>
+                                        <p:tgtEl>
+                                          <p:spTgt spid="11"/>
+                                        </p:tgtEl>
+                                        <p:attrNameLst>
+                                          <p:attrName>style.visibility</p:attrName>
+                                        </p:attrNameLst>
+                                      </p:cBhvr>
+                                      <p:to>
+                                        <p:strVal val="visible"/>
+                                      </p:to>
+                                    </p:set>
+                                  </p:childTnLst>
+                                </p:cTn>
+                              </p:par>
+                              <p:par>
+                                <p:cTn id="51" presetID="1" presetClass="entr" presetSubtype="0" fill="hold" nodeType="withEffect">
+                                  <p:stCondLst>
+                                    <p:cond delay="0"/>
+                                  </p:stCondLst>
+                                  <p:childTnLst>
+                                    <p:set>
+                                      <p:cBhvr>
+                                        <p:cTn id="52" dur="1" fill="hold">
+                                          <p:stCondLst>
+                                            <p:cond delay="0"/>
+                                          </p:stCondLst>
+                                        </p:cTn>
+                                        <p:tgtEl>
+                                          <p:spTgt spid="9"/>
+                                        </p:tgtEl>
+                                        <p:attrNameLst>
+                                          <p:attrName>style.visibility</p:attrName>
+                                        </p:attrNameLst>
+                                      </p:cBhvr>
+                                      <p:to>
+                                        <p:strVal val="visible"/>
+                                      </p:to>
+                                    </p:set>
+                                  </p:childTnLst>
+                                </p:cTn>
+                              </p:par>
+                              <p:par>
+                                <p:cTn id="53" presetID="1" presetClass="entr" presetSubtype="0" fill="hold" grpId="0" nodeType="withEffect">
+                                  <p:stCondLst>
+                                    <p:cond delay="0"/>
+                                  </p:stCondLst>
+                                  <p:childTnLst>
+                                    <p:set>
+                                      <p:cBhvr>
+                                        <p:cTn id="54" dur="1" fill="hold">
+                                          <p:stCondLst>
+                                            <p:cond delay="0"/>
+                                          </p:stCondLst>
+                                        </p:cTn>
+                                        <p:tgtEl>
+                                          <p:spTgt spid="57"/>
+                                        </p:tgtEl>
+                                        <p:attrNameLst>
+                                          <p:attrName>style.visibility</p:attrName>
+                                        </p:attrNameLst>
+                                      </p:cBhvr>
+                                      <p:to>
+                                        <p:strVal val="visible"/>
+                                      </p:to>
+                                    </p:set>
+                                  </p:childTnLst>
+                                </p:cTn>
+                              </p:par>
+                            </p:childTnLst>
+                          </p:cTn>
+                        </p:par>
+                      </p:childTnLst>
+                    </p:cTn>
+                  </p:par>
+                  <p:par>
+                    <p:cTn id="55" fill="hold">
+                      <p:stCondLst>
+                        <p:cond delay="indefinite"/>
+                      </p:stCondLst>
+                      <p:childTnLst>
+                        <p:par>
+                          <p:cTn id="56" fill="hold">
+                            <p:stCondLst>
+                              <p:cond delay="0"/>
+                            </p:stCondLst>
+                            <p:childTnLst>
+                              <p:par>
+                                <p:cTn id="57" presetID="1" presetClass="entr" presetSubtype="0" fill="hold" grpId="0" nodeType="clickEffect">
+                                  <p:stCondLst>
+                                    <p:cond delay="0"/>
+                                  </p:stCondLst>
+                                  <p:childTnLst>
+                                    <p:set>
+                                      <p:cBhvr>
+                                        <p:cTn id="58" dur="1" fill="hold">
+                                          <p:stCondLst>
+                                            <p:cond delay="0"/>
+                                          </p:stCondLst>
+                                        </p:cTn>
+                                        <p:tgtEl>
+                                          <p:spTgt spid="62"/>
+                                        </p:tgtEl>
+                                        <p:attrNameLst>
+                                          <p:attrName>style.visibility</p:attrName>
+                                        </p:attrNameLst>
+                                      </p:cBhvr>
+                                      <p:to>
+                                        <p:strVal val="visible"/>
+                                      </p:to>
+                                    </p:set>
+                                  </p:childTnLst>
+                                </p:cTn>
+                              </p:par>
+                              <p:par>
+                                <p:cTn id="59" presetID="1" presetClass="entr" presetSubtype="0" fill="hold" nodeType="withEffect">
+                                  <p:stCondLst>
+                                    <p:cond delay="0"/>
+                                  </p:stCondLst>
+                                  <p:childTnLst>
+                                    <p:set>
+                                      <p:cBhvr>
+                                        <p:cTn id="60" dur="1" fill="hold">
+                                          <p:stCondLst>
+                                            <p:cond delay="0"/>
+                                          </p:stCondLst>
+                                        </p:cTn>
+                                        <p:tgtEl>
+                                          <p:spTgt spid="16"/>
+                                        </p:tgtEl>
+                                        <p:attrNameLst>
+                                          <p:attrName>style.visibility</p:attrName>
+                                        </p:attrNameLst>
+                                      </p:cBhvr>
+                                      <p:to>
+                                        <p:strVal val="visible"/>
+                                      </p:to>
+                                    </p:set>
+                                  </p:childTnLst>
+                                </p:cTn>
+                              </p:par>
+                            </p:childTnLst>
+                          </p:cTn>
+                        </p:par>
+                      </p:childTnLst>
+                    </p:cTn>
+                  </p:par>
+                  <p:par>
+                    <p:cTn id="61" fill="hold">
+                      <p:stCondLst>
+                        <p:cond delay="indefinite"/>
+                      </p:stCondLst>
+                      <p:childTnLst>
+                        <p:par>
+                          <p:cTn id="62" fill="hold">
+                            <p:stCondLst>
+                              <p:cond delay="0"/>
+                            </p:stCondLst>
+                            <p:childTnLst>
+                              <p:par>
+                                <p:cTn id="63" presetID="1" presetClass="entr" presetSubtype="0" fill="hold" grpId="0" nodeType="clickEffect">
+                                  <p:stCondLst>
+                                    <p:cond delay="0"/>
+                                  </p:stCondLst>
+                                  <p:childTnLst>
+                                    <p:set>
+                                      <p:cBhvr>
+                                        <p:cTn id="64" dur="1" fill="hold">
+                                          <p:stCondLst>
+                                            <p:cond delay="0"/>
+                                          </p:stCondLst>
+                                        </p:cTn>
+                                        <p:tgtEl>
+                                          <p:spTgt spid="61"/>
+                                        </p:tgtEl>
+                                        <p:attrNameLst>
+                                          <p:attrName>style.visibility</p:attrName>
+                                        </p:attrNameLst>
+                                      </p:cBhvr>
+                                      <p:to>
+                                        <p:strVal val="visible"/>
+                                      </p:to>
+                                    </p:set>
+                                  </p:childTnLst>
+                                </p:cTn>
+                              </p:par>
+                              <p:par>
+                                <p:cTn id="65" presetID="1" presetClass="entr" presetSubtype="0" fill="hold" nodeType="withEffect">
+                                  <p:stCondLst>
+                                    <p:cond delay="0"/>
+                                  </p:stCondLst>
+                                  <p:childTnLst>
+                                    <p:set>
+                                      <p:cBhvr>
+                                        <p:cTn id="66" dur="1" fill="hold">
+                                          <p:stCondLst>
+                                            <p:cond delay="0"/>
+                                          </p:stCondLst>
+                                        </p:cTn>
+                                        <p:tgtEl>
+                                          <p:spTgt spid="67"/>
+                                        </p:tgtEl>
+                                        <p:attrNameLst>
+                                          <p:attrName>style.visibility</p:attrName>
+                                        </p:attrNameLst>
+                                      </p:cBhvr>
+                                      <p:to>
+                                        <p:strVal val="visible"/>
+                                      </p:to>
+                                    </p:set>
+                                  </p:childTnLst>
+                                </p:cTn>
+                              </p:par>
+                              <p:par>
+                                <p:cTn id="67" presetID="1" presetClass="entr" presetSubtype="0" fill="hold" grpId="0" nodeType="withEffect">
+                                  <p:stCondLst>
+                                    <p:cond delay="0"/>
+                                  </p:stCondLst>
+                                  <p:childTnLst>
+                                    <p:set>
+                                      <p:cBhvr>
+                                        <p:cTn id="68" dur="1" fill="hold">
+                                          <p:stCondLst>
+                                            <p:cond delay="0"/>
+                                          </p:stCondLst>
+                                        </p:cTn>
+                                        <p:tgtEl>
+                                          <p:spTgt spid="15"/>
+                                        </p:tgtEl>
+                                        <p:attrNameLst>
+                                          <p:attrName>style.visibility</p:attrName>
+                                        </p:attrNameLst>
+                                      </p:cBhvr>
+                                      <p:to>
+                                        <p:strVal val="visible"/>
+                                      </p:to>
+                                    </p:set>
+                                  </p:childTnLst>
+                                </p:cTn>
+                              </p:par>
+                              <p:par>
+                                <p:cTn id="69" presetID="1" presetClass="entr" presetSubtype="0" fill="hold" nodeType="withEffect">
+                                  <p:stCondLst>
+                                    <p:cond delay="0"/>
+                                  </p:stCondLst>
+                                  <p:childTnLst>
+                                    <p:set>
+                                      <p:cBhvr>
+                                        <p:cTn id="70" dur="1" fill="hold">
+                                          <p:stCondLst>
+                                            <p:cond delay="0"/>
+                                          </p:stCondLst>
+                                        </p:cTn>
+                                        <p:tgtEl>
+                                          <p:spTgt spid="70"/>
+                                        </p:tgtEl>
+                                        <p:attrNameLst>
+                                          <p:attrName>style.visibility</p:attrName>
+                                        </p:attrNameLst>
+                                      </p:cBhvr>
+                                      <p:to>
+                                        <p:strVal val="visible"/>
+                                      </p:to>
+                                    </p:set>
+                                  </p:childTnLst>
+                                </p:cTn>
+                              </p:par>
+                            </p:childTnLst>
+                          </p:cTn>
+                        </p:par>
+                      </p:childTnLst>
+                    </p:cTn>
+                  </p:par>
+                </p:childTnLst>
+              </p:cTn>
+              <p:prevCondLst>
+                <p:cond evt="onPrev" delay="0">
+                  <p:tgtEl>
+                    <p:sldTgt/>
+                  </p:tgtEl>
+                </p:cond>
+              </p:prevCondLst>
+              <p:nextCondLst>
+                <p:cond evt="onNext" delay="0">
+                  <p:tgtEl>
+                    <p:sldTgt/>
+                  </p:tgtEl>
+                </p:cond>
+              </p:nextCondLst>
+            </p:seq>
+          </p:childTnLst>
+        </p:cTn>
+      </p:par>
+    </p:tnLst>
+    <p:bldLst>
+      <p:bldP spid="7" grpId="0" animBg="1"/>
+      <p:bldP spid="8" grpId="0" animBg="1"/>
+      <p:bldP spid="10" grpId="0"/>
+      <p:bldP spid="11" grpId="0"/>
+      <p:bldP spid="12" grpId="0" animBg="1"/>
+      <p:bldP spid="13" grpId="0" animBg="1"/>
+      <p:bldP spid="14" grpId="0" animBg="1"/>
+      <p:bldP spid="15" grpId="0" animBg="1"/>
+      <p:bldP spid="17" grpId="0" animBg="1"/>
+      <p:bldP spid="57" grpId="0" animBg="1"/>
+      <p:bldP spid="61" grpId="0"/>
+      <p:bldP spid="62" grpId="0"/>
+      <p:bldP spid="113" grpId="0" animBg="1"/>
+    </p:bldLst>
+  </p:timing>
+</p:sld>
+</file>
+
+<file path=ppt/slides/slide23.xml><?xml version="1.0" encoding="utf-8"?>
+<p:sld xmlns:a="http://schemas.openxmlformats.org/drawingml/2006/main" xmlns:r="http://schemas.openxmlformats.org/officeDocument/2006/relationships" xmlns:p="http://schemas.openxmlformats.org/presentationml/2006/main">
+  <p:cSld>
+    <p:spTree>
+      <p:nvGrpSpPr>
+        <p:cNvPr id="1" name=""/>
+        <p:cNvGrpSpPr/>
+        <p:nvPr/>
+      </p:nvGrpSpPr>
+      <p:grpSpPr>
+        <a:xfrm>
+          <a:off x="0" y="0"/>
+          <a:ext cx="0" cy="0"/>
+          <a:chOff x="0" y="0"/>
+          <a:chExt cx="0" cy="0"/>
+        </a:xfrm>
+      </p:grpSpPr>
+      <p:sp>
+        <p:nvSpPr>
+          <p:cNvPr id="2" name="標題 1"/>
+          <p:cNvSpPr>
+            <a:spLocks noGrp="1"/>
+          </p:cNvSpPr>
+          <p:nvPr>
+            <p:ph type="title"/>
+          </p:nvPr>
+        </p:nvSpPr>
+        <p:spPr/>
+        <p:txBody>
+          <a:bodyPr/>
+          <a:lstStyle/>
+          <a:p>
+            <a:r>
+              <a:rPr lang="zh-TW" altLang="en-US" dirty="0" smtClean="0"/>
+              <a:t>計算時間的方式</a:t>
+            </a:r>
+            <a:endParaRPr lang="zh-TW" altLang="en-US" dirty="0"/>
+          </a:p>
+        </p:txBody>
+      </p:sp>
+      <p:sp>
+        <p:nvSpPr>
+          <p:cNvPr id="6" name="內容版面配置區 5"/>
+          <p:cNvSpPr>
+            <a:spLocks noGrp="1"/>
+          </p:cNvSpPr>
+          <p:nvPr>
+            <p:ph idx="1"/>
+          </p:nvPr>
+        </p:nvSpPr>
+        <p:spPr/>
+        <p:txBody>
+          <a:bodyPr/>
+          <a:lstStyle/>
+          <a:p>
+            <a:r>
+              <a:rPr lang="zh-TW" altLang="en-US" dirty="0" smtClean="0"/>
+              <a:t>用兩個</a:t>
+            </a:r>
+            <a:r>
+              <a:rPr lang="en-US" altLang="zh-TW" dirty="0" smtClean="0"/>
+              <a:t>long</a:t>
+            </a:r>
+            <a:r>
+              <a:rPr lang="zh-TW" altLang="en-US" dirty="0" smtClean="0"/>
+              <a:t>整數紀錄開始時間跟結束時間。</a:t>
+            </a:r>
+            <a:endParaRPr lang="en-US" altLang="zh-TW" dirty="0" smtClean="0"/>
+          </a:p>
+          <a:p>
+            <a:pPr lvl="1"/>
+            <a:r>
+              <a:rPr lang="zh-TW" altLang="en-US" dirty="0"/>
+              <a:t>他的單位是千分之一</a:t>
+            </a:r>
+            <a:r>
+              <a:rPr lang="zh-TW" altLang="en-US" dirty="0" smtClean="0"/>
+              <a:t>秒</a:t>
+            </a:r>
+            <a:endParaRPr lang="en-US" altLang="zh-TW" dirty="0" smtClean="0"/>
+          </a:p>
+          <a:p>
+            <a:r>
+              <a:rPr lang="zh-TW" altLang="en-US" dirty="0"/>
+              <a:t>兩個數相</a:t>
+            </a:r>
+            <a:r>
+              <a:rPr lang="zh-TW" altLang="en-US" dirty="0" smtClean="0"/>
+              <a:t>減再除以</a:t>
+            </a:r>
+            <a:r>
+              <a:rPr lang="en-US" altLang="zh-TW" dirty="0" smtClean="0"/>
+              <a:t>1000</a:t>
+            </a:r>
+            <a:r>
+              <a:rPr lang="zh-TW" altLang="en-US" dirty="0" smtClean="0"/>
+              <a:t>就會得到相差的秒數。</a:t>
+            </a:r>
+            <a:endParaRPr lang="en-US" altLang="zh-TW" dirty="0" smtClean="0"/>
+          </a:p>
+          <a:p>
+            <a:pPr lvl="1"/>
+            <a:r>
+              <a:rPr lang="zh-TW" altLang="en-US" dirty="0"/>
+              <a:t>小數點後可以利用 </a:t>
+            </a:r>
+            <a:r>
+              <a:rPr lang="en-US" altLang="zh-TW" dirty="0"/>
+              <a:t>% 1000</a:t>
+            </a:r>
+            <a:r>
+              <a:rPr lang="zh-TW" altLang="en-US" dirty="0"/>
+              <a:t>取得。</a:t>
+            </a:r>
+          </a:p>
+        </p:txBody>
+      </p:sp>
+      <p:sp>
+        <p:nvSpPr>
+          <p:cNvPr id="5" name="矩形 4"/>
+          <p:cNvSpPr/>
+          <p:nvPr/>
+        </p:nvSpPr>
+        <p:spPr>
+          <a:xfrm>
+            <a:off x="1514763" y="3733038"/>
+            <a:ext cx="6437745" cy="2308324"/>
+          </a:xfrm>
+          <a:prstGeom prst="rect">
+            <a:avLst/>
+          </a:prstGeom>
+          <a:solidFill>
+            <a:schemeClr val="tx1">
+              <a:lumMod val="85000"/>
+              <a:lumOff val="15000"/>
+            </a:schemeClr>
+          </a:solidFill>
+        </p:spPr>
+        <p:txBody>
+          <a:bodyPr wrap="square">
+            <a:spAutoFit/>
+          </a:bodyPr>
+          <a:lstStyle/>
+          <a:p>
+            <a:r>
+              <a:rPr lang="en-US" altLang="zh-TW" dirty="0">
+                <a:solidFill>
+                  <a:srgbClr val="CC6C1D"/>
+                </a:solidFill>
+                <a:latin typeface="Consolas" panose="020B0609020204030204" pitchFamily="49" charset="0"/>
+              </a:rPr>
+              <a:t>long</a:t>
+            </a:r>
+            <a:r>
+              <a:rPr lang="en-US" altLang="zh-TW" dirty="0">
+                <a:solidFill>
+                  <a:srgbClr val="D9E8F7"/>
+                </a:solidFill>
+                <a:latin typeface="Consolas" panose="020B0609020204030204" pitchFamily="49" charset="0"/>
+              </a:rPr>
+              <a:t> </a:t>
+            </a:r>
+            <a:r>
+              <a:rPr lang="en-US" altLang="zh-TW" dirty="0">
+                <a:solidFill>
+                  <a:srgbClr val="F2F200"/>
+                </a:solidFill>
+                <a:latin typeface="Consolas" panose="020B0609020204030204" pitchFamily="49" charset="0"/>
+              </a:rPr>
+              <a:t>time1</a:t>
+            </a:r>
+            <a:r>
+              <a:rPr lang="en-US" altLang="zh-TW" dirty="0">
+                <a:solidFill>
+                  <a:srgbClr val="E6E6FA"/>
+                </a:solidFill>
+                <a:latin typeface="Consolas" panose="020B0609020204030204" pitchFamily="49" charset="0"/>
+              </a:rPr>
+              <a:t>,</a:t>
+            </a:r>
+            <a:r>
+              <a:rPr lang="en-US" altLang="zh-TW" dirty="0">
+                <a:solidFill>
+                  <a:srgbClr val="D9E8F7"/>
+                </a:solidFill>
+                <a:latin typeface="Consolas" panose="020B0609020204030204" pitchFamily="49" charset="0"/>
+              </a:rPr>
+              <a:t> </a:t>
+            </a:r>
+            <a:r>
+              <a:rPr lang="en-US" altLang="zh-TW" dirty="0" smtClean="0">
+                <a:solidFill>
+                  <a:srgbClr val="F2F200"/>
+                </a:solidFill>
+                <a:latin typeface="Consolas" panose="020B0609020204030204" pitchFamily="49" charset="0"/>
+              </a:rPr>
+              <a:t>time2</a:t>
+            </a:r>
+            <a:r>
+              <a:rPr lang="en-US" altLang="zh-TW" dirty="0" smtClean="0">
+                <a:solidFill>
+                  <a:srgbClr val="E6E6FA"/>
+                </a:solidFill>
+                <a:latin typeface="Consolas" panose="020B0609020204030204" pitchFamily="49" charset="0"/>
+              </a:rPr>
+              <a:t>;</a:t>
+            </a:r>
+            <a:endParaRPr lang="en-US" altLang="zh-TW" dirty="0">
+              <a:solidFill>
+                <a:srgbClr val="E6E6FA"/>
+              </a:solidFill>
+              <a:latin typeface="Consolas" panose="020B0609020204030204" pitchFamily="49" charset="0"/>
+            </a:endParaRPr>
+          </a:p>
+          <a:p>
+            <a:endParaRPr lang="zh-TW" altLang="en-US" dirty="0">
+              <a:latin typeface="Consolas" panose="020B0609020204030204" pitchFamily="49" charset="0"/>
+            </a:endParaRPr>
+          </a:p>
+          <a:p>
+            <a:r>
+              <a:rPr lang="en-US" altLang="zh-TW" dirty="0">
+                <a:solidFill>
+                  <a:srgbClr val="F3EC79"/>
+                </a:solidFill>
+                <a:latin typeface="Consolas" panose="020B0609020204030204" pitchFamily="49" charset="0"/>
+              </a:rPr>
+              <a:t>time1</a:t>
+            </a:r>
+            <a:r>
+              <a:rPr lang="en-US" altLang="zh-TW" dirty="0">
+                <a:solidFill>
+                  <a:srgbClr val="D9E8F7"/>
+                </a:solidFill>
+                <a:latin typeface="Consolas" panose="020B0609020204030204" pitchFamily="49" charset="0"/>
+              </a:rPr>
+              <a:t> </a:t>
+            </a:r>
+            <a:r>
+              <a:rPr lang="en-US" altLang="zh-TW" dirty="0">
+                <a:solidFill>
+                  <a:srgbClr val="E6E6FA"/>
+                </a:solidFill>
+                <a:latin typeface="Consolas" panose="020B0609020204030204" pitchFamily="49" charset="0"/>
+              </a:rPr>
+              <a:t>=</a:t>
+            </a:r>
+            <a:r>
+              <a:rPr lang="en-US" altLang="zh-TW" dirty="0">
+                <a:solidFill>
+                  <a:srgbClr val="D9E8F7"/>
+                </a:solidFill>
+                <a:latin typeface="Consolas" panose="020B0609020204030204" pitchFamily="49" charset="0"/>
+              </a:rPr>
+              <a:t> </a:t>
+            </a:r>
+            <a:r>
+              <a:rPr lang="en-US" altLang="zh-TW" dirty="0" err="1">
+                <a:solidFill>
+                  <a:srgbClr val="1290C3"/>
+                </a:solidFill>
+                <a:latin typeface="Consolas" panose="020B0609020204030204" pitchFamily="49" charset="0"/>
+              </a:rPr>
+              <a:t>System</a:t>
+            </a:r>
+            <a:r>
+              <a:rPr lang="en-US" altLang="zh-TW" dirty="0" err="1">
+                <a:solidFill>
+                  <a:srgbClr val="E6E6FA"/>
+                </a:solidFill>
+                <a:latin typeface="Consolas" panose="020B0609020204030204" pitchFamily="49" charset="0"/>
+              </a:rPr>
+              <a:t>.</a:t>
+            </a:r>
+            <a:r>
+              <a:rPr lang="en-US" altLang="zh-TW" i="1" dirty="0" err="1">
+                <a:solidFill>
+                  <a:srgbClr val="96EC3F"/>
+                </a:solidFill>
+                <a:latin typeface="Consolas" panose="020B0609020204030204" pitchFamily="49" charset="0"/>
+              </a:rPr>
+              <a:t>currentTimeMillis</a:t>
+            </a:r>
+            <a:r>
+              <a:rPr lang="en-US" altLang="zh-TW" i="1" dirty="0">
+                <a:solidFill>
+                  <a:srgbClr val="F9FAF4"/>
+                </a:solidFill>
+                <a:latin typeface="Consolas" panose="020B0609020204030204" pitchFamily="49" charset="0"/>
+              </a:rPr>
+              <a:t>()</a:t>
+            </a:r>
+            <a:r>
+              <a:rPr lang="en-US" altLang="zh-TW" i="1" dirty="0">
+                <a:solidFill>
+                  <a:srgbClr val="E6E6FA"/>
+                </a:solidFill>
+                <a:latin typeface="Consolas" panose="020B0609020204030204" pitchFamily="49" charset="0"/>
+              </a:rPr>
+              <a:t>;</a:t>
+            </a:r>
+          </a:p>
+          <a:p>
+            <a:r>
+              <a:rPr lang="en-US" altLang="zh-TW" dirty="0">
+                <a:solidFill>
+                  <a:srgbClr val="808080"/>
+                </a:solidFill>
+                <a:latin typeface="Consolas" panose="020B0609020204030204" pitchFamily="49" charset="0"/>
+              </a:rPr>
+              <a:t>// </a:t>
+            </a:r>
+            <a:r>
+              <a:rPr lang="en-US" altLang="zh-TW" dirty="0" err="1">
+                <a:solidFill>
+                  <a:srgbClr val="808080"/>
+                </a:solidFill>
+                <a:latin typeface="Consolas" panose="020B0609020204030204" pitchFamily="49" charset="0"/>
+              </a:rPr>
+              <a:t>doSomething</a:t>
+            </a:r>
+            <a:r>
+              <a:rPr lang="en-US" altLang="zh-TW" dirty="0">
+                <a:solidFill>
+                  <a:srgbClr val="808080"/>
+                </a:solidFill>
+                <a:latin typeface="Consolas" panose="020B0609020204030204" pitchFamily="49" charset="0"/>
+              </a:rPr>
+              <a:t>()</a:t>
+            </a:r>
+          </a:p>
+          <a:p>
+            <a:r>
+              <a:rPr lang="en-US" altLang="zh-TW" dirty="0">
+                <a:solidFill>
+                  <a:srgbClr val="F3EC79"/>
+                </a:solidFill>
+                <a:latin typeface="Consolas" panose="020B0609020204030204" pitchFamily="49" charset="0"/>
+              </a:rPr>
+              <a:t>time2</a:t>
+            </a:r>
+            <a:r>
+              <a:rPr lang="en-US" altLang="zh-TW" dirty="0">
+                <a:solidFill>
+                  <a:srgbClr val="D9E8F7"/>
+                </a:solidFill>
+                <a:latin typeface="Consolas" panose="020B0609020204030204" pitchFamily="49" charset="0"/>
+              </a:rPr>
+              <a:t> </a:t>
+            </a:r>
+            <a:r>
+              <a:rPr lang="en-US" altLang="zh-TW" dirty="0">
+                <a:solidFill>
+                  <a:srgbClr val="E6E6FA"/>
+                </a:solidFill>
+                <a:latin typeface="Consolas" panose="020B0609020204030204" pitchFamily="49" charset="0"/>
+              </a:rPr>
+              <a:t>=</a:t>
+            </a:r>
+            <a:r>
+              <a:rPr lang="en-US" altLang="zh-TW" dirty="0">
+                <a:solidFill>
+                  <a:srgbClr val="D9E8F7"/>
+                </a:solidFill>
+                <a:latin typeface="Consolas" panose="020B0609020204030204" pitchFamily="49" charset="0"/>
+              </a:rPr>
+              <a:t> </a:t>
+            </a:r>
+            <a:r>
+              <a:rPr lang="en-US" altLang="zh-TW" dirty="0" err="1">
+                <a:solidFill>
+                  <a:srgbClr val="1290C3"/>
+                </a:solidFill>
+                <a:latin typeface="Consolas" panose="020B0609020204030204" pitchFamily="49" charset="0"/>
+              </a:rPr>
+              <a:t>System</a:t>
+            </a:r>
+            <a:r>
+              <a:rPr lang="en-US" altLang="zh-TW" dirty="0" err="1">
+                <a:solidFill>
+                  <a:srgbClr val="E6E6FA"/>
+                </a:solidFill>
+                <a:latin typeface="Consolas" panose="020B0609020204030204" pitchFamily="49" charset="0"/>
+              </a:rPr>
+              <a:t>.</a:t>
+            </a:r>
+            <a:r>
+              <a:rPr lang="en-US" altLang="zh-TW" i="1" dirty="0" err="1">
+                <a:solidFill>
+                  <a:srgbClr val="96EC3F"/>
+                </a:solidFill>
+                <a:latin typeface="Consolas" panose="020B0609020204030204" pitchFamily="49" charset="0"/>
+              </a:rPr>
+              <a:t>currentTimeMillis</a:t>
+            </a:r>
+            <a:r>
+              <a:rPr lang="en-US" altLang="zh-TW" i="1" dirty="0">
+                <a:solidFill>
+                  <a:srgbClr val="F9FAF4"/>
+                </a:solidFill>
+                <a:latin typeface="Consolas" panose="020B0609020204030204" pitchFamily="49" charset="0"/>
+              </a:rPr>
+              <a:t>()</a:t>
+            </a:r>
+            <a:r>
+              <a:rPr lang="en-US" altLang="zh-TW" i="1" dirty="0">
+                <a:solidFill>
+                  <a:srgbClr val="E6E6FA"/>
+                </a:solidFill>
+                <a:latin typeface="Consolas" panose="020B0609020204030204" pitchFamily="49" charset="0"/>
+              </a:rPr>
+              <a:t>;</a:t>
+            </a:r>
+          </a:p>
+          <a:p>
+            <a:endParaRPr lang="zh-TW" altLang="en-US" dirty="0">
+              <a:latin typeface="Consolas" panose="020B0609020204030204" pitchFamily="49" charset="0"/>
+            </a:endParaRPr>
+          </a:p>
+          <a:p>
+            <a:r>
+              <a:rPr lang="en-US" altLang="zh-TW" dirty="0">
+                <a:solidFill>
+                  <a:srgbClr val="1290C3"/>
+                </a:solidFill>
+                <a:latin typeface="Consolas" panose="020B0609020204030204" pitchFamily="49" charset="0"/>
+              </a:rPr>
+              <a:t>System</a:t>
+            </a:r>
+            <a:r>
+              <a:rPr lang="en-US" altLang="zh-TW" dirty="0">
+                <a:solidFill>
+                  <a:srgbClr val="E6E6FA"/>
+                </a:solidFill>
+                <a:latin typeface="Consolas" panose="020B0609020204030204" pitchFamily="49" charset="0"/>
+              </a:rPr>
+              <a:t>.</a:t>
+            </a:r>
+            <a:r>
+              <a:rPr lang="en-US" altLang="zh-TW" b="1" i="1" dirty="0">
+                <a:solidFill>
+                  <a:srgbClr val="8DDAF8"/>
+                </a:solidFill>
+                <a:latin typeface="Consolas" panose="020B0609020204030204" pitchFamily="49" charset="0"/>
+              </a:rPr>
+              <a:t>out</a:t>
+            </a:r>
+            <a:r>
+              <a:rPr lang="en-US" altLang="zh-TW" b="1" i="1" dirty="0">
+                <a:solidFill>
+                  <a:srgbClr val="E6E6FA"/>
+                </a:solidFill>
+                <a:latin typeface="Consolas" panose="020B0609020204030204" pitchFamily="49" charset="0"/>
+              </a:rPr>
+              <a:t>.</a:t>
+            </a:r>
+            <a:r>
+              <a:rPr lang="en-US" altLang="zh-TW" b="1" i="1" dirty="0">
+                <a:solidFill>
+                  <a:srgbClr val="A7EC21"/>
+                </a:solidFill>
+                <a:latin typeface="Consolas" panose="020B0609020204030204" pitchFamily="49" charset="0"/>
+              </a:rPr>
+              <a:t>println</a:t>
+            </a:r>
+            <a:r>
+              <a:rPr lang="en-US" altLang="zh-TW" b="1" i="1" dirty="0">
+                <a:solidFill>
+                  <a:srgbClr val="F9FAF4"/>
+                </a:solidFill>
+                <a:latin typeface="Consolas" panose="020B0609020204030204" pitchFamily="49" charset="0"/>
+              </a:rPr>
+              <a:t>(</a:t>
+            </a:r>
+            <a:r>
+              <a:rPr lang="en-US" altLang="zh-TW" b="1" i="1" dirty="0">
+                <a:solidFill>
+                  <a:srgbClr val="17C6A3"/>
+                </a:solidFill>
+                <a:latin typeface="Consolas" panose="020B0609020204030204" pitchFamily="49" charset="0"/>
+              </a:rPr>
+              <a:t>"</a:t>
+            </a:r>
+            <a:r>
+              <a:rPr lang="en-US" altLang="zh-TW" b="1" i="1" dirty="0" err="1">
+                <a:solidFill>
+                  <a:srgbClr val="17C6A3"/>
+                </a:solidFill>
+                <a:latin typeface="Consolas" panose="020B0609020204030204" pitchFamily="49" charset="0"/>
+              </a:rPr>
+              <a:t>doSomething</a:t>
+            </a:r>
+            <a:r>
+              <a:rPr lang="en-US" altLang="zh-TW" b="1" i="1" dirty="0">
+                <a:solidFill>
+                  <a:srgbClr val="17C6A3"/>
+                </a:solidFill>
+                <a:latin typeface="Consolas" panose="020B0609020204030204" pitchFamily="49" charset="0"/>
+              </a:rPr>
+              <a:t>()</a:t>
+            </a:r>
+            <a:r>
+              <a:rPr lang="zh-TW" altLang="en-US" b="1" i="1" dirty="0">
+                <a:solidFill>
+                  <a:srgbClr val="17C6A3"/>
+                </a:solidFill>
+                <a:latin typeface="Consolas" panose="020B0609020204030204" pitchFamily="49" charset="0"/>
+              </a:rPr>
+              <a:t>花了：</a:t>
+            </a:r>
+            <a:r>
+              <a:rPr lang="en-US" altLang="zh-TW" b="1" i="1" dirty="0">
+                <a:solidFill>
+                  <a:srgbClr val="17C6A3"/>
+                </a:solidFill>
+                <a:latin typeface="Consolas" panose="020B0609020204030204" pitchFamily="49" charset="0"/>
+              </a:rPr>
+              <a:t>"</a:t>
+            </a:r>
+            <a:r>
+              <a:rPr lang="zh-TW" altLang="en-US" b="1" i="1" dirty="0">
+                <a:solidFill>
+                  <a:srgbClr val="D9E8F7"/>
+                </a:solidFill>
+                <a:latin typeface="Consolas" panose="020B0609020204030204" pitchFamily="49" charset="0"/>
+              </a:rPr>
+              <a:t> </a:t>
+            </a:r>
+          </a:p>
+          <a:p>
+            <a:r>
+              <a:rPr lang="en-US" altLang="zh-TW" dirty="0" smtClean="0">
+                <a:solidFill>
+                  <a:srgbClr val="E6E6FA"/>
+                </a:solidFill>
+                <a:latin typeface="Consolas" panose="020B0609020204030204" pitchFamily="49" charset="0"/>
+              </a:rPr>
+              <a:t>					+</a:t>
+            </a:r>
+            <a:r>
+              <a:rPr lang="en-US" altLang="zh-TW" dirty="0" smtClean="0">
+                <a:solidFill>
+                  <a:srgbClr val="D9E8F7"/>
+                </a:solidFill>
+                <a:latin typeface="Consolas" panose="020B0609020204030204" pitchFamily="49" charset="0"/>
+              </a:rPr>
+              <a:t> </a:t>
+            </a:r>
+            <a:r>
+              <a:rPr lang="en-US" altLang="zh-TW" dirty="0">
+                <a:solidFill>
+                  <a:srgbClr val="F9FAF4"/>
+                </a:solidFill>
+                <a:latin typeface="Consolas" panose="020B0609020204030204" pitchFamily="49" charset="0"/>
+              </a:rPr>
+              <a:t>(</a:t>
+            </a:r>
+            <a:r>
+              <a:rPr lang="en-US" altLang="zh-TW" dirty="0">
+                <a:solidFill>
+                  <a:srgbClr val="F3EC79"/>
+                </a:solidFill>
+                <a:latin typeface="Consolas" panose="020B0609020204030204" pitchFamily="49" charset="0"/>
+              </a:rPr>
+              <a:t>time2</a:t>
+            </a:r>
+            <a:r>
+              <a:rPr lang="en-US" altLang="zh-TW" dirty="0">
+                <a:solidFill>
+                  <a:srgbClr val="E6E6FA"/>
+                </a:solidFill>
+                <a:latin typeface="Consolas" panose="020B0609020204030204" pitchFamily="49" charset="0"/>
+              </a:rPr>
+              <a:t>-</a:t>
+            </a:r>
+            <a:r>
+              <a:rPr lang="en-US" altLang="zh-TW" dirty="0">
+                <a:solidFill>
+                  <a:srgbClr val="F3EC79"/>
+                </a:solidFill>
+                <a:latin typeface="Consolas" panose="020B0609020204030204" pitchFamily="49" charset="0"/>
+              </a:rPr>
+              <a:t>time1</a:t>
+            </a:r>
+            <a:r>
+              <a:rPr lang="en-US" altLang="zh-TW" dirty="0">
+                <a:solidFill>
+                  <a:srgbClr val="F9FAF4"/>
+                </a:solidFill>
+                <a:latin typeface="Consolas" panose="020B0609020204030204" pitchFamily="49" charset="0"/>
+              </a:rPr>
+              <a:t>)</a:t>
+            </a:r>
+            <a:r>
+              <a:rPr lang="en-US" altLang="zh-TW" dirty="0">
+                <a:solidFill>
+                  <a:srgbClr val="E6E6FA"/>
+                </a:solidFill>
+                <a:latin typeface="Consolas" panose="020B0609020204030204" pitchFamily="49" charset="0"/>
+              </a:rPr>
+              <a:t>/</a:t>
+            </a:r>
+            <a:r>
+              <a:rPr lang="en-US" altLang="zh-TW" dirty="0">
+                <a:solidFill>
+                  <a:srgbClr val="6897BB"/>
+                </a:solidFill>
+                <a:latin typeface="Consolas" panose="020B0609020204030204" pitchFamily="49" charset="0"/>
+              </a:rPr>
+              <a:t>1000</a:t>
+            </a:r>
+            <a:r>
+              <a:rPr lang="en-US" altLang="zh-TW" dirty="0">
+                <a:solidFill>
+                  <a:srgbClr val="D9E8F7"/>
+                </a:solidFill>
+                <a:latin typeface="Consolas" panose="020B0609020204030204" pitchFamily="49" charset="0"/>
+              </a:rPr>
+              <a:t> </a:t>
+            </a:r>
+            <a:r>
+              <a:rPr lang="en-US" altLang="zh-TW" dirty="0">
+                <a:solidFill>
+                  <a:srgbClr val="E6E6FA"/>
+                </a:solidFill>
+                <a:latin typeface="Consolas" panose="020B0609020204030204" pitchFamily="49" charset="0"/>
+              </a:rPr>
+              <a:t>+</a:t>
+            </a:r>
+            <a:r>
+              <a:rPr lang="en-US" altLang="zh-TW" dirty="0">
+                <a:solidFill>
+                  <a:srgbClr val="D9E8F7"/>
+                </a:solidFill>
+                <a:latin typeface="Consolas" panose="020B0609020204030204" pitchFamily="49" charset="0"/>
+              </a:rPr>
+              <a:t> </a:t>
+            </a:r>
+            <a:r>
+              <a:rPr lang="en-US" altLang="zh-TW" dirty="0">
+                <a:solidFill>
+                  <a:srgbClr val="17C6A3"/>
+                </a:solidFill>
+                <a:latin typeface="Consolas" panose="020B0609020204030204" pitchFamily="49" charset="0"/>
+              </a:rPr>
+              <a:t>"</a:t>
+            </a:r>
+            <a:r>
+              <a:rPr lang="zh-TW" altLang="en-US" dirty="0">
+                <a:solidFill>
+                  <a:srgbClr val="17C6A3"/>
+                </a:solidFill>
+                <a:latin typeface="Consolas" panose="020B0609020204030204" pitchFamily="49" charset="0"/>
+              </a:rPr>
+              <a:t>秒</a:t>
+            </a:r>
+            <a:r>
+              <a:rPr lang="en-US" altLang="zh-TW" dirty="0">
+                <a:solidFill>
+                  <a:srgbClr val="17C6A3"/>
+                </a:solidFill>
+                <a:latin typeface="Consolas" panose="020B0609020204030204" pitchFamily="49" charset="0"/>
+              </a:rPr>
+              <a:t>"</a:t>
+            </a:r>
+            <a:r>
+              <a:rPr lang="en-US" altLang="zh-TW" dirty="0">
+                <a:solidFill>
+                  <a:srgbClr val="F9FAF4"/>
+                </a:solidFill>
+                <a:latin typeface="Consolas" panose="020B0609020204030204" pitchFamily="49" charset="0"/>
+              </a:rPr>
+              <a:t>)</a:t>
+            </a:r>
+            <a:r>
+              <a:rPr lang="en-US" altLang="zh-TW" dirty="0">
+                <a:solidFill>
+                  <a:srgbClr val="E6E6FA"/>
+                </a:solidFill>
+                <a:latin typeface="Consolas" panose="020B0609020204030204" pitchFamily="49" charset="0"/>
+              </a:rPr>
+              <a:t>;</a:t>
+            </a:r>
+            <a:endParaRPr lang="zh-TW" altLang="en-US" dirty="0"/>
+          </a:p>
+        </p:txBody>
+      </p:sp>
+    </p:spTree>
+    <p:extLst>
+      <p:ext uri="{BB962C8B-B14F-4D97-AF65-F5344CB8AC3E}">
+        <p14:creationId xmlns:p14="http://schemas.microsoft.com/office/powerpoint/2010/main" val="467270034"/>
       </p:ext>
     </p:extLst>
   </p:cSld>
@@ -16618,7 +24471,7 @@
         <p:spPr>
           <a:xfrm>
             <a:off x="6958584" y="4619607"/>
-            <a:ext cx="2518638" cy="369332"/>
+            <a:ext cx="2396810" cy="369332"/>
           </a:xfrm>
           <a:prstGeom prst="rect">
             <a:avLst/>
@@ -16645,7 +24498,7 @@
                   <a:schemeClr val="bg1"/>
                 </a:solidFill>
               </a:rPr>
-              <a:t>0~10</a:t>
+              <a:t>0~9</a:t>
             </a:r>
             <a:r>
               <a:rPr lang="zh-TW" altLang="en-US" dirty="0" smtClean="0">
@@ -21314,7 +29167,7 @@
             </a:r>
             <a:r>
               <a:rPr lang="en-US" altLang="zh-TW" sz="2000" dirty="0" smtClean="0"/>
-              <a:t>, digit=5</a:t>
+              <a:t>, digit=2</a:t>
             </a:r>
             <a:endParaRPr lang="zh-TW" altLang="en-US" sz="2000" dirty="0"/>
           </a:p>
@@ -21382,7 +29235,7 @@
         </p:nvSpPr>
         <p:spPr>
           <a:xfrm>
-            <a:off x="4675837" y="3220155"/>
+            <a:off x="4649628" y="3236674"/>
             <a:ext cx="1641796" cy="400110"/>
           </a:xfrm>
           <a:prstGeom prst="rect">
@@ -21410,7 +29263,7 @@
             </a:r>
             <a:r>
               <a:rPr lang="en-US" altLang="zh-TW" sz="2000" dirty="0" smtClean="0"/>
-              <a:t>, digit=2</a:t>
+              <a:t>, digit=5</a:t>
             </a:r>
             <a:endParaRPr lang="zh-TW" altLang="en-US" sz="2000" dirty="0"/>
           </a:p>
@@ -21478,7 +29331,7 @@
         </p:nvSpPr>
         <p:spPr>
           <a:xfrm>
-            <a:off x="4687452" y="3228423"/>
+            <a:off x="4649628" y="3243106"/>
             <a:ext cx="1641796" cy="400110"/>
           </a:xfrm>
           <a:prstGeom prst="rect">
@@ -21574,7 +29427,7 @@
         </p:nvSpPr>
         <p:spPr>
           <a:xfrm>
-            <a:off x="4675837" y="3220155"/>
+            <a:off x="4635179" y="3236674"/>
             <a:ext cx="1641796" cy="400110"/>
           </a:xfrm>
           <a:prstGeom prst="rect">
@@ -21705,6 +29558,66 @@
                 <a:srgbClr val="FF0000"/>
               </a:solidFill>
             </a:endParaRPr>
+          </a:p>
+        </p:txBody>
+      </p:sp>
+      <p:sp>
+        <p:nvSpPr>
+          <p:cNvPr id="11" name="文字方塊 10"/>
+          <p:cNvSpPr txBox="1"/>
+          <p:nvPr/>
+        </p:nvSpPr>
+        <p:spPr>
+          <a:xfrm>
+            <a:off x="7630625" y="1118857"/>
+            <a:ext cx="1657826" cy="646331"/>
+          </a:xfrm>
+          <a:prstGeom prst="rect">
+            <a:avLst/>
+          </a:prstGeom>
+          <a:noFill/>
+        </p:spPr>
+        <p:txBody>
+          <a:bodyPr wrap="none" rtlCol="0">
+            <a:spAutoFit/>
+          </a:bodyPr>
+          <a:lstStyle/>
+          <a:p>
+            <a:r>
+              <a:rPr lang="en-US" altLang="zh-TW" dirty="0" err="1" smtClean="0"/>
+              <a:t>na</a:t>
+            </a:r>
+            <a:r>
+              <a:rPr lang="en-US" altLang="zh-TW" dirty="0" smtClean="0"/>
+              <a:t> =&gt; 1  </a:t>
+            </a:r>
+            <a:r>
+              <a:rPr lang="zh-TW" altLang="en-US" dirty="0" smtClean="0"/>
+              <a:t>因為</a:t>
+            </a:r>
+            <a:r>
+              <a:rPr lang="en-US" altLang="zh-TW" dirty="0" smtClean="0"/>
+              <a:t>5</a:t>
+            </a:r>
+          </a:p>
+          <a:p>
+            <a:r>
+              <a:rPr lang="en-US" altLang="zh-TW" dirty="0" err="1" smtClean="0"/>
+              <a:t>nb</a:t>
+            </a:r>
+            <a:r>
+              <a:rPr lang="en-US" altLang="zh-TW" dirty="0" smtClean="0"/>
+              <a:t> =&gt; 1  </a:t>
+            </a:r>
+            <a:r>
+              <a:rPr lang="zh-TW" altLang="en-US" dirty="0" smtClean="0"/>
+              <a:t>因為</a:t>
+            </a:r>
+            <a:r>
+              <a:rPr lang="en-US" altLang="zh-TW" dirty="0" smtClean="0"/>
+              <a:t>2</a:t>
+            </a:r>
+            <a:endParaRPr lang="zh-TW" altLang="en-US" dirty="0"/>
           </a:p>
         </p:txBody>
       </p:sp>
@@ -22286,6 +30199,51 @@
                       </p:childTnLst>
                     </p:cTn>
                   </p:par>
+                  <p:par>
+                    <p:cTn id="39" fill="hold">
+                      <p:stCondLst>
+                        <p:cond delay="indefinite"/>
+                      </p:stCondLst>
+                      <p:childTnLst>
+                        <p:par>
+                          <p:cTn id="40" fill="hold">
+                            <p:stCondLst>
+                              <p:cond delay="0"/>
+                            </p:stCondLst>
+                            <p:childTnLst>
+                              <p:par>
+                                <p:cTn id="41" presetID="1" presetClass="entr" presetSubtype="0" fill="hold" grpId="0" nodeType="clickEffect">
+                                  <p:stCondLst>
+                                    <p:cond delay="0"/>
+                                  </p:stCondLst>
+                                  <p:childTnLst>
+                                    <p:set>
+                                      <p:cBhvr>
+                                        <p:cTn id="42" dur="1" fill="hold">
+                                          <p:stCondLst>
+                                            <p:cond delay="0"/>
+                                          </p:stCondLst>
+                                        </p:cTn>
+                                        <p:tgtEl>
+                                          <p:spTgt spid="11"/>
+                                        </p:tgtEl>
+                                        <p:attrNameLst>
+                                          <p:attrName>style.visibility</p:attrName>
+                                        </p:attrNameLst>
+                                      </p:cBhvr>
+                                      <p:to>
+                                        <p:strVal val="visible"/>
+                                      </p:to>
+                                    </p:set>
+                                  </p:childTnLst>
+                                </p:cTn>
+                              </p:par>
+                            </p:childTnLst>
+                          </p:cTn>
+                        </p:par>
+                      </p:childTnLst>
+                    </p:cTn>
+                  </p:par>
                 </p:childTnLst>
               </p:cTn>
               <p:prevCondLst>
@@ -22319,6 +30277,7 @@
       <p:bldP spid="21" grpId="0"/>
       <p:bldP spid="10" grpId="0"/>
       <p:bldP spid="22" grpId="0"/>
+      <p:bldP spid="11" grpId="0"/>
     </p:bldLst>
   </p:timing>
 </p:sld>
